--- a/notes/2024 12 25 experiment 2.pptx
+++ b/notes/2024 12 25 experiment 2.pptx
@@ -5,11 +5,12 @@
     <p:sldMasterId id="2147483648" r:id="rId1"/>
   </p:sldMasterIdLst>
   <p:notesMasterIdLst>
-    <p:notesMasterId r:id="rId4"/>
+    <p:notesMasterId r:id="rId5"/>
   </p:notesMasterIdLst>
   <p:sldIdLst>
     <p:sldId id="257" r:id="rId2"/>
     <p:sldId id="256" r:id="rId3"/>
+    <p:sldId id="258" r:id="rId4"/>
   </p:sldIdLst>
   <p:sldSz cx="12192000" cy="6858000"/>
   <p:notesSz cx="6858000" cy="9144000"/>
@@ -3804,19 +3805,29 @@
         </p:nvSpPr>
         <p:spPr/>
         <p:txBody>
-          <a:bodyPr/>
+          <a:bodyPr>
+            <a:normAutofit lnSpcReduction="10000"/>
+          </a:bodyPr>
           <a:lstStyle/>
           <a:p>
             <a:r>
               <a:rPr lang="en-US" dirty="0"/>
-              <a:t>synthetic language: N tokens, randomly sampled from int {0..v}</a:t>
+              <a:t>synthetic language: </a:t>
+            </a:r>
+            <a:r>
+              <a:rPr lang="en-US" dirty="0" err="1"/>
+              <a:t>len</a:t>
+            </a:r>
+            <a:r>
+              <a:rPr lang="en-US" dirty="0"/>
+              <a:t>=N tokens, randomly sampled from int {0..v}</a:t>
             </a:r>
           </a:p>
           <a:p>
             <a:pPr lvl="1"/>
             <a:r>
               <a:rPr lang="en-US" dirty="0"/>
-              <a:t>last token is always EOS=0, end of sequence</a:t>
+              <a:t>last token is always EOU=0, end of utterance</a:t>
             </a:r>
           </a:p>
           <a:p>
@@ -3850,7 +3861,7 @@
           <a:p>
             <a:r>
               <a:rPr lang="en-US" dirty="0"/>
-              <a:t>model architecture: 2 transformer layers, each single head; with MLP head for binary classification on top</a:t>
+              <a:t>model architecture: 2 transformer layers, each single head; with MLP head for binary classification on top of layer 2 EOU.</a:t>
             </a:r>
           </a:p>
           <a:p>
@@ -4978,7 +4989,7 @@
         <p:spPr>
           <a:xfrm>
             <a:off x="4202390" y="6341950"/>
-            <a:ext cx="466923" cy="276999"/>
+            <a:ext cx="484556" cy="276999"/>
           </a:xfrm>
           <a:prstGeom prst="rect">
             <a:avLst/>
@@ -4993,7 +5004,7 @@
           <a:p>
             <a:r>
               <a:rPr lang="en-US" sz="1200" dirty="0"/>
-              <a:t>EOS</a:t>
+              <a:t>EOU</a:t>
             </a:r>
           </a:p>
         </p:txBody>
@@ -5741,7 +5752,7 @@
         <p:spPr>
           <a:xfrm>
             <a:off x="4972046" y="3314986"/>
-            <a:ext cx="857542" cy="276999"/>
+            <a:ext cx="875176" cy="276999"/>
           </a:xfrm>
           <a:prstGeom prst="rect">
             <a:avLst/>
@@ -5758,7 +5769,7 @@
           <a:p>
             <a:r>
               <a:rPr lang="en-US" sz="1200" dirty="0"/>
-              <a:t>EOS value</a:t>
+              <a:t>EOU value</a:t>
             </a:r>
           </a:p>
         </p:txBody>
@@ -6195,7 +6206,7 @@
         <p:spPr>
           <a:xfrm>
             <a:off x="4761518" y="1669864"/>
-            <a:ext cx="876394" cy="276999"/>
+            <a:ext cx="894027" cy="276999"/>
           </a:xfrm>
           <a:prstGeom prst="rect">
             <a:avLst/>
@@ -6212,7 +6223,7 @@
           <a:p>
             <a:r>
               <a:rPr lang="en-US" sz="1200" dirty="0"/>
-              <a:t>EOS query</a:t>
+              <a:t>EOU query</a:t>
             </a:r>
           </a:p>
         </p:txBody>
@@ -7068,7 +7079,7 @@
         <p:spPr>
           <a:xfrm>
             <a:off x="4406741" y="591563"/>
-            <a:ext cx="1392625" cy="646331"/>
+            <a:ext cx="1445524" cy="646331"/>
           </a:xfrm>
           <a:prstGeom prst="rect">
             <a:avLst/>
@@ -7085,7 +7096,7 @@
           <a:p>
             <a:r>
               <a:rPr lang="en-US" sz="1200" dirty="0"/>
-              <a:t>EOS value</a:t>
+              <a:t>EOU value</a:t>
             </a:r>
             <a:br>
               <a:rPr lang="en-US" sz="1200" dirty="0"/>
@@ -7098,7 +7109,7 @@
           <a:p>
             <a:r>
               <a:rPr lang="en-US" sz="1200" b="1" dirty="0"/>
-              <a:t>=T1 and T2-aware</a:t>
+              <a:t>=T1- and T2-aware</a:t>
             </a:r>
           </a:p>
         </p:txBody>
@@ -7533,7 +7544,7 @@
         <p:spPr>
           <a:xfrm>
             <a:off x="2698738" y="1099796"/>
-            <a:ext cx="763735" cy="276999"/>
+            <a:ext cx="781368" cy="276999"/>
           </a:xfrm>
           <a:prstGeom prst="rect">
             <a:avLst/>
@@ -7550,7 +7561,7 @@
           <a:p>
             <a:r>
               <a:rPr lang="en-US" sz="1200" dirty="0"/>
-              <a:t>EOS attn</a:t>
+              <a:t>EOU attn</a:t>
             </a:r>
           </a:p>
         </p:txBody>
@@ -8062,7 +8073,7 @@
           <p:nvPr/>
         </p:nvGrpSpPr>
         <p:grpSpPr>
-          <a:xfrm rot="4670946">
+          <a:xfrm rot="5400000">
             <a:off x="1791961" y="3004603"/>
             <a:ext cx="80433" cy="524933"/>
             <a:chOff x="876300" y="3429000"/>
@@ -8901,7 +8912,7 @@
             </a:pPr>
             <a:r>
               <a:rPr lang="en-US" sz="1400" dirty="0"/>
-              <a:t>EOS • T2, where T2 is T1-aware</a:t>
+              <a:t>EOU • T2, where T2 is T1-aware</a:t>
             </a:r>
           </a:p>
           <a:p>
@@ -8911,7 +8922,7 @@
             </a:pPr>
             <a:r>
               <a:rPr lang="en-US" sz="1400" dirty="0"/>
-              <a:t>EOS • T1, where T1 is T2-aware</a:t>
+              <a:t>EOU • T1, where T1 is T2-aware</a:t>
             </a:r>
           </a:p>
           <a:p>
@@ -8921,7 +8932,7 @@
             </a:pPr>
             <a:r>
               <a:rPr lang="en-US" sz="1400" dirty="0"/>
-              <a:t>EOS • T1 • T2</a:t>
+              <a:t>EOU • T1 • T2</a:t>
             </a:r>
           </a:p>
           <a:p>
@@ -8956,6 +8967,119 @@
     <p:extLst>
       <p:ext uri="{BB962C8B-B14F-4D97-AF65-F5344CB8AC3E}">
         <p14:creationId xmlns:p14="http://schemas.microsoft.com/office/powerpoint/2010/main" val="2425989425"/>
+      </p:ext>
+    </p:extLst>
+  </p:cSld>
+  <p:clrMapOvr>
+    <a:masterClrMapping/>
+  </p:clrMapOvr>
+</p:sld>
+</file>
+
+<file path=ppt/slides/slide3.xml><?xml version="1.0" encoding="utf-8"?>
+<p:sld xmlns:a="http://schemas.openxmlformats.org/drawingml/2006/main" xmlns:r="http://schemas.openxmlformats.org/officeDocument/2006/relationships" xmlns:p="http://schemas.openxmlformats.org/presentationml/2006/main">
+  <p:cSld>
+    <p:spTree>
+      <p:nvGrpSpPr>
+        <p:cNvPr id="1" name=""/>
+        <p:cNvGrpSpPr/>
+        <p:nvPr/>
+      </p:nvGrpSpPr>
+      <p:grpSpPr>
+        <a:xfrm>
+          <a:off x="0" y="0"/>
+          <a:ext cx="0" cy="0"/>
+          <a:chOff x="0" y="0"/>
+          <a:chExt cx="0" cy="0"/>
+        </a:xfrm>
+      </p:grpSpPr>
+      <p:sp>
+        <p:nvSpPr>
+          <p:cNvPr id="2" name="Title 1">
+            <a:extLst>
+              <a:ext uri="{FF2B5EF4-FFF2-40B4-BE49-F238E27FC236}">
+                <a16:creationId xmlns:a16="http://schemas.microsoft.com/office/drawing/2014/main" id="{8BF470D1-4F99-8612-B6E6-1AE8D102D925}"/>
+              </a:ext>
+            </a:extLst>
+          </p:cNvPr>
+          <p:cNvSpPr>
+            <a:spLocks noGrp="1"/>
+          </p:cNvSpPr>
+          <p:nvPr>
+            <p:ph type="title"/>
+          </p:nvPr>
+        </p:nvSpPr>
+        <p:spPr/>
+        <p:txBody>
+          <a:bodyPr/>
+          <a:lstStyle/>
+          <a:p>
+            <a:r>
+              <a:rPr lang="en-US" dirty="0"/>
+              <a:t>How to fix</a:t>
+            </a:r>
+          </a:p>
+        </p:txBody>
+      </p:sp>
+      <p:sp>
+        <p:nvSpPr>
+          <p:cNvPr id="3" name="Content Placeholder 2">
+            <a:extLst>
+              <a:ext uri="{FF2B5EF4-FFF2-40B4-BE49-F238E27FC236}">
+                <a16:creationId xmlns:a16="http://schemas.microsoft.com/office/drawing/2014/main" id="{C053CFAD-7BB6-5062-DD25-32343272AA42}"/>
+              </a:ext>
+            </a:extLst>
+          </p:cNvPr>
+          <p:cNvSpPr>
+            <a:spLocks noGrp="1"/>
+          </p:cNvSpPr>
+          <p:nvPr>
+            <p:ph idx="1"/>
+          </p:nvPr>
+        </p:nvSpPr>
+        <p:spPr/>
+        <p:txBody>
+          <a:bodyPr/>
+          <a:lstStyle/>
+          <a:p>
+            <a:r>
+              <a:rPr lang="en-US" dirty="0"/>
+              <a:t>? warm up for a few iterations, then take unions of attentions</a:t>
+            </a:r>
+          </a:p>
+          <a:p>
+            <a:r>
+              <a:rPr lang="en-US" dirty="0"/>
+              <a:t>multi-head, by groups. Take union of groups of attentions. When attentions develop to &gt;0.5, start phase out all but 1 head in such groups each group</a:t>
+            </a:r>
+          </a:p>
+          <a:p>
+            <a:pPr lvl="1"/>
+            <a:r>
+              <a:rPr lang="en-US" dirty="0"/>
+              <a:t>intuition:</a:t>
+            </a:r>
+          </a:p>
+          <a:p>
+            <a:pPr lvl="2"/>
+            <a:r>
+              <a:rPr lang="en-US" dirty="0"/>
+              <a:t>in the initial, warmup phase all information paths will develop in all heads because of the union of attentions</a:t>
+            </a:r>
+          </a:p>
+          <a:p>
+            <a:pPr lvl="2"/>
+            <a:r>
+              <a:rPr lang="en-US" dirty="0"/>
+              <a:t>Once strong, consistent attentions develop, start gradual phase out by shifting “weight” onto 1 head in the group. Once it develops self-sufficiency (no dependency on other group), other groups can be removed.</a:t>
+            </a:r>
+          </a:p>
+        </p:txBody>
+      </p:sp>
+    </p:spTree>
+    <p:extLst>
+      <p:ext uri="{BB962C8B-B14F-4D97-AF65-F5344CB8AC3E}">
+        <p14:creationId xmlns:p14="http://schemas.microsoft.com/office/powerpoint/2010/main" val="155105084"/>
       </p:ext>
     </p:extLst>
   </p:cSld>

--- a/notes/2024 12 25 experiment 2.pptx
+++ b/notes/2024 12 25 experiment 2.pptx
@@ -5,12 +5,14 @@
     <p:sldMasterId id="2147483648" r:id="rId1"/>
   </p:sldMasterIdLst>
   <p:notesMasterIdLst>
-    <p:notesMasterId r:id="rId5"/>
+    <p:notesMasterId r:id="rId7"/>
   </p:notesMasterIdLst>
   <p:sldIdLst>
     <p:sldId id="257" r:id="rId2"/>
     <p:sldId id="256" r:id="rId3"/>
-    <p:sldId id="258" r:id="rId4"/>
+    <p:sldId id="259" r:id="rId4"/>
+    <p:sldId id="258" r:id="rId5"/>
+    <p:sldId id="260" r:id="rId6"/>
   </p:sldIdLst>
   <p:sldSz cx="12192000" cy="6858000"/>
   <p:notesSz cx="6858000" cy="9144000"/>
@@ -536,6 +538,114 @@
     <p:extLst>
       <p:ext uri="{BB962C8B-B14F-4D97-AF65-F5344CB8AC3E}">
         <p14:creationId xmlns:p14="http://schemas.microsoft.com/office/powerpoint/2010/main" val="2354781231"/>
+      </p:ext>
+    </p:extLst>
+  </p:cSld>
+  <p:clrMapOvr>
+    <a:masterClrMapping/>
+  </p:clrMapOvr>
+</p:notes>
+</file>
+
+<file path=ppt/notesSlides/notesSlide2.xml><?xml version="1.0" encoding="utf-8"?>
+<p:notes xmlns:a="http://schemas.openxmlformats.org/drawingml/2006/main" xmlns:r="http://schemas.openxmlformats.org/officeDocument/2006/relationships" xmlns:p="http://schemas.openxmlformats.org/presentationml/2006/main">
+  <p:cSld>
+    <p:spTree>
+      <p:nvGrpSpPr>
+        <p:cNvPr id="1" name="">
+          <a:extLst>
+            <a:ext uri="{FF2B5EF4-FFF2-40B4-BE49-F238E27FC236}">
+              <a16:creationId xmlns:a16="http://schemas.microsoft.com/office/drawing/2014/main" id="{5B7FAA68-570F-9672-DFC1-66FE6BC9E60D}"/>
+            </a:ext>
+          </a:extLst>
+        </p:cNvPr>
+        <p:cNvGrpSpPr/>
+        <p:nvPr/>
+      </p:nvGrpSpPr>
+      <p:grpSpPr>
+        <a:xfrm>
+          <a:off x="0" y="0"/>
+          <a:ext cx="0" cy="0"/>
+          <a:chOff x="0" y="0"/>
+          <a:chExt cx="0" cy="0"/>
+        </a:xfrm>
+      </p:grpSpPr>
+      <p:sp>
+        <p:nvSpPr>
+          <p:cNvPr id="2" name="Slide Image Placeholder 1">
+            <a:extLst>
+              <a:ext uri="{FF2B5EF4-FFF2-40B4-BE49-F238E27FC236}">
+                <a16:creationId xmlns:a16="http://schemas.microsoft.com/office/drawing/2014/main" id="{FF84A64F-DE56-F180-82D6-9E36A45F55F9}"/>
+              </a:ext>
+            </a:extLst>
+          </p:cNvPr>
+          <p:cNvSpPr>
+            <a:spLocks noGrp="1" noRot="1" noChangeAspect="1"/>
+          </p:cNvSpPr>
+          <p:nvPr>
+            <p:ph type="sldImg"/>
+          </p:nvPr>
+        </p:nvSpPr>
+        <p:spPr/>
+      </p:sp>
+      <p:sp>
+        <p:nvSpPr>
+          <p:cNvPr id="3" name="Notes Placeholder 2">
+            <a:extLst>
+              <a:ext uri="{FF2B5EF4-FFF2-40B4-BE49-F238E27FC236}">
+                <a16:creationId xmlns:a16="http://schemas.microsoft.com/office/drawing/2014/main" id="{0862E9F1-FBBA-AD59-CCC0-5999A31B7A4C}"/>
+              </a:ext>
+            </a:extLst>
+          </p:cNvPr>
+          <p:cNvSpPr>
+            <a:spLocks noGrp="1"/>
+          </p:cNvSpPr>
+          <p:nvPr>
+            <p:ph type="body" idx="1"/>
+          </p:nvPr>
+        </p:nvSpPr>
+        <p:spPr/>
+        <p:txBody>
+          <a:bodyPr/>
+          <a:lstStyle/>
+          <a:p>
+            <a:endParaRPr lang="en-US" dirty="0"/>
+          </a:p>
+        </p:txBody>
+      </p:sp>
+      <p:sp>
+        <p:nvSpPr>
+          <p:cNvPr id="4" name="Slide Number Placeholder 3">
+            <a:extLst>
+              <a:ext uri="{FF2B5EF4-FFF2-40B4-BE49-F238E27FC236}">
+                <a16:creationId xmlns:a16="http://schemas.microsoft.com/office/drawing/2014/main" id="{8247B22D-03ED-B63A-F056-2374A059B75B}"/>
+              </a:ext>
+            </a:extLst>
+          </p:cNvPr>
+          <p:cNvSpPr>
+            <a:spLocks noGrp="1"/>
+          </p:cNvSpPr>
+          <p:nvPr>
+            <p:ph type="sldNum" sz="quarter" idx="5"/>
+          </p:nvPr>
+        </p:nvSpPr>
+        <p:spPr/>
+        <p:txBody>
+          <a:bodyPr/>
+          <a:lstStyle/>
+          <a:p>
+            <a:fld id="{3098084A-C0FE-9240-A03A-0B24AAF4C80D}" type="slidenum">
+              <a:rPr lang="en-US" smtClean="0"/>
+              <a:t>3</a:t>
+            </a:fld>
+            <a:endParaRPr lang="en-US"/>
+          </a:p>
+        </p:txBody>
+      </p:sp>
+    </p:spTree>
+    <p:extLst>
+      <p:ext uri="{BB962C8B-B14F-4D97-AF65-F5344CB8AC3E}">
+        <p14:creationId xmlns:p14="http://schemas.microsoft.com/office/powerpoint/2010/main" val="813583374"/>
       </p:ext>
     </p:extLst>
   </p:cSld>
@@ -8981,6 +9091,7451 @@
   <p:cSld>
     <p:spTree>
       <p:nvGrpSpPr>
+        <p:cNvPr id="1" name="">
+          <a:extLst>
+            <a:ext uri="{FF2B5EF4-FFF2-40B4-BE49-F238E27FC236}">
+              <a16:creationId xmlns:a16="http://schemas.microsoft.com/office/drawing/2014/main" id="{5C576B12-9228-D360-B203-44674A412748}"/>
+            </a:ext>
+          </a:extLst>
+        </p:cNvPr>
+        <p:cNvGrpSpPr/>
+        <p:nvPr/>
+      </p:nvGrpSpPr>
+      <p:grpSpPr>
+        <a:xfrm>
+          <a:off x="0" y="0"/>
+          <a:ext cx="0" cy="0"/>
+          <a:chOff x="0" y="0"/>
+          <a:chExt cx="0" cy="0"/>
+        </a:xfrm>
+      </p:grpSpPr>
+      <p:sp>
+        <p:nvSpPr>
+          <p:cNvPr id="206" name="TextBox 205">
+            <a:extLst>
+              <a:ext uri="{FF2B5EF4-FFF2-40B4-BE49-F238E27FC236}">
+                <a16:creationId xmlns:a16="http://schemas.microsoft.com/office/drawing/2014/main" id="{08C4D325-E84C-18CF-3DDA-B6B0E6BA7846}"/>
+              </a:ext>
+            </a:extLst>
+          </p:cNvPr>
+          <p:cNvSpPr txBox="1"/>
+          <p:nvPr/>
+        </p:nvSpPr>
+        <p:spPr>
+          <a:xfrm>
+            <a:off x="1774966" y="2775932"/>
+            <a:ext cx="397866" cy="276999"/>
+          </a:xfrm>
+          <a:prstGeom prst="rect">
+            <a:avLst/>
+          </a:prstGeom>
+          <a:solidFill>
+            <a:schemeClr val="bg1"/>
+          </a:solidFill>
+        </p:spPr>
+        <p:txBody>
+          <a:bodyPr wrap="none" rtlCol="0">
+            <a:spAutoFit/>
+          </a:bodyPr>
+          <a:lstStyle/>
+          <a:p>
+            <a:r>
+              <a:rPr lang="en-US" sz="1200" dirty="0"/>
+              <a:t>Wk</a:t>
+            </a:r>
+          </a:p>
+        </p:txBody>
+      </p:sp>
+      <p:grpSp>
+        <p:nvGrpSpPr>
+          <p:cNvPr id="68" name="Group 67">
+            <a:extLst>
+              <a:ext uri="{FF2B5EF4-FFF2-40B4-BE49-F238E27FC236}">
+                <a16:creationId xmlns:a16="http://schemas.microsoft.com/office/drawing/2014/main" id="{51D61353-F4F8-0C4D-3C9F-C64E774890E2}"/>
+              </a:ext>
+            </a:extLst>
+          </p:cNvPr>
+          <p:cNvGrpSpPr/>
+          <p:nvPr/>
+        </p:nvGrpSpPr>
+        <p:grpSpPr>
+          <a:xfrm rot="4482237">
+            <a:off x="613835" y="5681134"/>
+            <a:ext cx="80433" cy="524933"/>
+            <a:chOff x="876300" y="3429000"/>
+            <a:chExt cx="279400" cy="1981200"/>
+          </a:xfrm>
+        </p:grpSpPr>
+        <p:cxnSp>
+          <p:nvCxnSpPr>
+            <p:cNvPr id="69" name="Straight Connector 68">
+              <a:extLst>
+                <a:ext uri="{FF2B5EF4-FFF2-40B4-BE49-F238E27FC236}">
+                  <a16:creationId xmlns:a16="http://schemas.microsoft.com/office/drawing/2014/main" id="{CE4CBF23-594D-74DB-129F-F662C6C8D497}"/>
+                </a:ext>
+              </a:extLst>
+            </p:cNvPr>
+            <p:cNvCxnSpPr/>
+            <p:nvPr/>
+          </p:nvCxnSpPr>
+          <p:spPr>
+            <a:xfrm>
+              <a:off x="1016000" y="3429000"/>
+              <a:ext cx="0" cy="1981200"/>
+            </a:xfrm>
+            <a:prstGeom prst="line">
+              <a:avLst/>
+            </a:prstGeom>
+          </p:spPr>
+          <p:style>
+            <a:lnRef idx="2">
+              <a:schemeClr val="accent1"/>
+            </a:lnRef>
+            <a:fillRef idx="0">
+              <a:schemeClr val="accent1"/>
+            </a:fillRef>
+            <a:effectRef idx="1">
+              <a:schemeClr val="accent1"/>
+            </a:effectRef>
+            <a:fontRef idx="minor">
+              <a:schemeClr val="tx1"/>
+            </a:fontRef>
+          </p:style>
+        </p:cxnSp>
+        <p:cxnSp>
+          <p:nvCxnSpPr>
+            <p:cNvPr id="70" name="Straight Connector 69">
+              <a:extLst>
+                <a:ext uri="{FF2B5EF4-FFF2-40B4-BE49-F238E27FC236}">
+                  <a16:creationId xmlns:a16="http://schemas.microsoft.com/office/drawing/2014/main" id="{7452528C-9819-3516-9FEA-9C0457A7CB38}"/>
+                </a:ext>
+              </a:extLst>
+            </p:cNvPr>
+            <p:cNvCxnSpPr>
+              <a:cxnSpLocks/>
+            </p:cNvCxnSpPr>
+            <p:nvPr/>
+          </p:nvCxnSpPr>
+          <p:spPr>
+            <a:xfrm>
+              <a:off x="876300" y="3429000"/>
+              <a:ext cx="279400" cy="0"/>
+            </a:xfrm>
+            <a:prstGeom prst="line">
+              <a:avLst/>
+            </a:prstGeom>
+          </p:spPr>
+          <p:style>
+            <a:lnRef idx="2">
+              <a:schemeClr val="accent1"/>
+            </a:lnRef>
+            <a:fillRef idx="0">
+              <a:schemeClr val="accent1"/>
+            </a:fillRef>
+            <a:effectRef idx="1">
+              <a:schemeClr val="accent1"/>
+            </a:effectRef>
+            <a:fontRef idx="minor">
+              <a:schemeClr val="tx1"/>
+            </a:fontRef>
+          </p:style>
+        </p:cxnSp>
+        <p:cxnSp>
+          <p:nvCxnSpPr>
+            <p:cNvPr id="71" name="Straight Connector 70">
+              <a:extLst>
+                <a:ext uri="{FF2B5EF4-FFF2-40B4-BE49-F238E27FC236}">
+                  <a16:creationId xmlns:a16="http://schemas.microsoft.com/office/drawing/2014/main" id="{E422FAE4-433E-FF26-3765-831087278BBD}"/>
+                </a:ext>
+              </a:extLst>
+            </p:cNvPr>
+            <p:cNvCxnSpPr>
+              <a:cxnSpLocks/>
+            </p:cNvCxnSpPr>
+            <p:nvPr/>
+          </p:nvCxnSpPr>
+          <p:spPr>
+            <a:xfrm>
+              <a:off x="876300" y="5410200"/>
+              <a:ext cx="279400" cy="0"/>
+            </a:xfrm>
+            <a:prstGeom prst="line">
+              <a:avLst/>
+            </a:prstGeom>
+          </p:spPr>
+          <p:style>
+            <a:lnRef idx="2">
+              <a:schemeClr val="accent1"/>
+            </a:lnRef>
+            <a:fillRef idx="0">
+              <a:schemeClr val="accent1"/>
+            </a:fillRef>
+            <a:effectRef idx="1">
+              <a:schemeClr val="accent1"/>
+            </a:effectRef>
+            <a:fontRef idx="minor">
+              <a:schemeClr val="tx1"/>
+            </a:fontRef>
+          </p:style>
+        </p:cxnSp>
+        <p:cxnSp>
+          <p:nvCxnSpPr>
+            <p:cNvPr id="72" name="Straight Connector 71">
+              <a:extLst>
+                <a:ext uri="{FF2B5EF4-FFF2-40B4-BE49-F238E27FC236}">
+                  <a16:creationId xmlns:a16="http://schemas.microsoft.com/office/drawing/2014/main" id="{66D48721-A679-CEB9-4B3A-F6811B62BA8F}"/>
+                </a:ext>
+              </a:extLst>
+            </p:cNvPr>
+            <p:cNvCxnSpPr>
+              <a:cxnSpLocks/>
+            </p:cNvCxnSpPr>
+            <p:nvPr/>
+          </p:nvCxnSpPr>
+          <p:spPr>
+            <a:xfrm>
+              <a:off x="876300" y="4419599"/>
+              <a:ext cx="279400" cy="0"/>
+            </a:xfrm>
+            <a:prstGeom prst="line">
+              <a:avLst/>
+            </a:prstGeom>
+          </p:spPr>
+          <p:style>
+            <a:lnRef idx="2">
+              <a:schemeClr val="accent1"/>
+            </a:lnRef>
+            <a:fillRef idx="0">
+              <a:schemeClr val="accent1"/>
+            </a:fillRef>
+            <a:effectRef idx="1">
+              <a:schemeClr val="accent1"/>
+            </a:effectRef>
+            <a:fontRef idx="minor">
+              <a:schemeClr val="tx1"/>
+            </a:fontRef>
+          </p:style>
+        </p:cxnSp>
+        <p:cxnSp>
+          <p:nvCxnSpPr>
+            <p:cNvPr id="73" name="Straight Connector 72">
+              <a:extLst>
+                <a:ext uri="{FF2B5EF4-FFF2-40B4-BE49-F238E27FC236}">
+                  <a16:creationId xmlns:a16="http://schemas.microsoft.com/office/drawing/2014/main" id="{9B649F31-03E6-D0B2-01D4-54208A843C51}"/>
+                </a:ext>
+              </a:extLst>
+            </p:cNvPr>
+            <p:cNvCxnSpPr>
+              <a:cxnSpLocks/>
+            </p:cNvCxnSpPr>
+            <p:nvPr/>
+          </p:nvCxnSpPr>
+          <p:spPr>
+            <a:xfrm>
+              <a:off x="876300" y="3894667"/>
+              <a:ext cx="279400" cy="0"/>
+            </a:xfrm>
+            <a:prstGeom prst="line">
+              <a:avLst/>
+            </a:prstGeom>
+          </p:spPr>
+          <p:style>
+            <a:lnRef idx="2">
+              <a:schemeClr val="accent1"/>
+            </a:lnRef>
+            <a:fillRef idx="0">
+              <a:schemeClr val="accent1"/>
+            </a:fillRef>
+            <a:effectRef idx="1">
+              <a:schemeClr val="accent1"/>
+            </a:effectRef>
+            <a:fontRef idx="minor">
+              <a:schemeClr val="tx1"/>
+            </a:fontRef>
+          </p:style>
+        </p:cxnSp>
+        <p:cxnSp>
+          <p:nvCxnSpPr>
+            <p:cNvPr id="74" name="Straight Connector 73">
+              <a:extLst>
+                <a:ext uri="{FF2B5EF4-FFF2-40B4-BE49-F238E27FC236}">
+                  <a16:creationId xmlns:a16="http://schemas.microsoft.com/office/drawing/2014/main" id="{FDF4D1EA-B8C4-BCFC-6147-74CA45F9397E}"/>
+                </a:ext>
+              </a:extLst>
+            </p:cNvPr>
+            <p:cNvCxnSpPr>
+              <a:cxnSpLocks/>
+            </p:cNvCxnSpPr>
+            <p:nvPr/>
+          </p:nvCxnSpPr>
+          <p:spPr>
+            <a:xfrm>
+              <a:off x="876300" y="4927600"/>
+              <a:ext cx="279400" cy="0"/>
+            </a:xfrm>
+            <a:prstGeom prst="line">
+              <a:avLst/>
+            </a:prstGeom>
+          </p:spPr>
+          <p:style>
+            <a:lnRef idx="2">
+              <a:schemeClr val="accent1"/>
+            </a:lnRef>
+            <a:fillRef idx="0">
+              <a:schemeClr val="accent1"/>
+            </a:fillRef>
+            <a:effectRef idx="1">
+              <a:schemeClr val="accent1"/>
+            </a:effectRef>
+            <a:fontRef idx="minor">
+              <a:schemeClr val="tx1"/>
+            </a:fontRef>
+          </p:style>
+        </p:cxnSp>
+      </p:grpSp>
+      <p:grpSp>
+        <p:nvGrpSpPr>
+          <p:cNvPr id="75" name="Group 74">
+            <a:extLst>
+              <a:ext uri="{FF2B5EF4-FFF2-40B4-BE49-F238E27FC236}">
+                <a16:creationId xmlns:a16="http://schemas.microsoft.com/office/drawing/2014/main" id="{83FFA270-1274-90C8-F550-F535E39CE9CB}"/>
+              </a:ext>
+            </a:extLst>
+          </p:cNvPr>
+          <p:cNvGrpSpPr/>
+          <p:nvPr/>
+        </p:nvGrpSpPr>
+        <p:grpSpPr>
+          <a:xfrm rot="6631385">
+            <a:off x="2595035" y="5719925"/>
+            <a:ext cx="80433" cy="524933"/>
+            <a:chOff x="876300" y="3429000"/>
+            <a:chExt cx="279400" cy="1981200"/>
+          </a:xfrm>
+        </p:grpSpPr>
+        <p:cxnSp>
+          <p:nvCxnSpPr>
+            <p:cNvPr id="76" name="Straight Connector 75">
+              <a:extLst>
+                <a:ext uri="{FF2B5EF4-FFF2-40B4-BE49-F238E27FC236}">
+                  <a16:creationId xmlns:a16="http://schemas.microsoft.com/office/drawing/2014/main" id="{FAFAF46A-D2A2-B249-7780-C4DA2360FD80}"/>
+                </a:ext>
+              </a:extLst>
+            </p:cNvPr>
+            <p:cNvCxnSpPr/>
+            <p:nvPr/>
+          </p:nvCxnSpPr>
+          <p:spPr>
+            <a:xfrm>
+              <a:off x="1016000" y="3429000"/>
+              <a:ext cx="0" cy="1981200"/>
+            </a:xfrm>
+            <a:prstGeom prst="line">
+              <a:avLst/>
+            </a:prstGeom>
+          </p:spPr>
+          <p:style>
+            <a:lnRef idx="2">
+              <a:schemeClr val="accent1"/>
+            </a:lnRef>
+            <a:fillRef idx="0">
+              <a:schemeClr val="accent1"/>
+            </a:fillRef>
+            <a:effectRef idx="1">
+              <a:schemeClr val="accent1"/>
+            </a:effectRef>
+            <a:fontRef idx="minor">
+              <a:schemeClr val="tx1"/>
+            </a:fontRef>
+          </p:style>
+        </p:cxnSp>
+        <p:cxnSp>
+          <p:nvCxnSpPr>
+            <p:cNvPr id="77" name="Straight Connector 76">
+              <a:extLst>
+                <a:ext uri="{FF2B5EF4-FFF2-40B4-BE49-F238E27FC236}">
+                  <a16:creationId xmlns:a16="http://schemas.microsoft.com/office/drawing/2014/main" id="{558C04CC-9CDD-E9B4-D1A3-08D6CD15D485}"/>
+                </a:ext>
+              </a:extLst>
+            </p:cNvPr>
+            <p:cNvCxnSpPr>
+              <a:cxnSpLocks/>
+            </p:cNvCxnSpPr>
+            <p:nvPr/>
+          </p:nvCxnSpPr>
+          <p:spPr>
+            <a:xfrm>
+              <a:off x="876300" y="3429000"/>
+              <a:ext cx="279400" cy="0"/>
+            </a:xfrm>
+            <a:prstGeom prst="line">
+              <a:avLst/>
+            </a:prstGeom>
+          </p:spPr>
+          <p:style>
+            <a:lnRef idx="2">
+              <a:schemeClr val="accent1"/>
+            </a:lnRef>
+            <a:fillRef idx="0">
+              <a:schemeClr val="accent1"/>
+            </a:fillRef>
+            <a:effectRef idx="1">
+              <a:schemeClr val="accent1"/>
+            </a:effectRef>
+            <a:fontRef idx="minor">
+              <a:schemeClr val="tx1"/>
+            </a:fontRef>
+          </p:style>
+        </p:cxnSp>
+        <p:cxnSp>
+          <p:nvCxnSpPr>
+            <p:cNvPr id="78" name="Straight Connector 77">
+              <a:extLst>
+                <a:ext uri="{FF2B5EF4-FFF2-40B4-BE49-F238E27FC236}">
+                  <a16:creationId xmlns:a16="http://schemas.microsoft.com/office/drawing/2014/main" id="{4E0196B6-4F85-734A-8E42-438456C26C74}"/>
+                </a:ext>
+              </a:extLst>
+            </p:cNvPr>
+            <p:cNvCxnSpPr>
+              <a:cxnSpLocks/>
+            </p:cNvCxnSpPr>
+            <p:nvPr/>
+          </p:nvCxnSpPr>
+          <p:spPr>
+            <a:xfrm>
+              <a:off x="876300" y="5410200"/>
+              <a:ext cx="279400" cy="0"/>
+            </a:xfrm>
+            <a:prstGeom prst="line">
+              <a:avLst/>
+            </a:prstGeom>
+          </p:spPr>
+          <p:style>
+            <a:lnRef idx="2">
+              <a:schemeClr val="accent1"/>
+            </a:lnRef>
+            <a:fillRef idx="0">
+              <a:schemeClr val="accent1"/>
+            </a:fillRef>
+            <a:effectRef idx="1">
+              <a:schemeClr val="accent1"/>
+            </a:effectRef>
+            <a:fontRef idx="minor">
+              <a:schemeClr val="tx1"/>
+            </a:fontRef>
+          </p:style>
+        </p:cxnSp>
+        <p:cxnSp>
+          <p:nvCxnSpPr>
+            <p:cNvPr id="79" name="Straight Connector 78">
+              <a:extLst>
+                <a:ext uri="{FF2B5EF4-FFF2-40B4-BE49-F238E27FC236}">
+                  <a16:creationId xmlns:a16="http://schemas.microsoft.com/office/drawing/2014/main" id="{36B22A3C-8DCE-6A22-2B5D-A6A2F762B24A}"/>
+                </a:ext>
+              </a:extLst>
+            </p:cNvPr>
+            <p:cNvCxnSpPr>
+              <a:cxnSpLocks/>
+            </p:cNvCxnSpPr>
+            <p:nvPr/>
+          </p:nvCxnSpPr>
+          <p:spPr>
+            <a:xfrm>
+              <a:off x="876300" y="4419599"/>
+              <a:ext cx="279400" cy="0"/>
+            </a:xfrm>
+            <a:prstGeom prst="line">
+              <a:avLst/>
+            </a:prstGeom>
+          </p:spPr>
+          <p:style>
+            <a:lnRef idx="2">
+              <a:schemeClr val="accent1"/>
+            </a:lnRef>
+            <a:fillRef idx="0">
+              <a:schemeClr val="accent1"/>
+            </a:fillRef>
+            <a:effectRef idx="1">
+              <a:schemeClr val="accent1"/>
+            </a:effectRef>
+            <a:fontRef idx="minor">
+              <a:schemeClr val="tx1"/>
+            </a:fontRef>
+          </p:style>
+        </p:cxnSp>
+        <p:cxnSp>
+          <p:nvCxnSpPr>
+            <p:cNvPr id="80" name="Straight Connector 79">
+              <a:extLst>
+                <a:ext uri="{FF2B5EF4-FFF2-40B4-BE49-F238E27FC236}">
+                  <a16:creationId xmlns:a16="http://schemas.microsoft.com/office/drawing/2014/main" id="{20F24B36-4519-5A09-EA85-E5B413D89602}"/>
+                </a:ext>
+              </a:extLst>
+            </p:cNvPr>
+            <p:cNvCxnSpPr>
+              <a:cxnSpLocks/>
+            </p:cNvCxnSpPr>
+            <p:nvPr/>
+          </p:nvCxnSpPr>
+          <p:spPr>
+            <a:xfrm>
+              <a:off x="876300" y="3894667"/>
+              <a:ext cx="279400" cy="0"/>
+            </a:xfrm>
+            <a:prstGeom prst="line">
+              <a:avLst/>
+            </a:prstGeom>
+          </p:spPr>
+          <p:style>
+            <a:lnRef idx="2">
+              <a:schemeClr val="accent1"/>
+            </a:lnRef>
+            <a:fillRef idx="0">
+              <a:schemeClr val="accent1"/>
+            </a:fillRef>
+            <a:effectRef idx="1">
+              <a:schemeClr val="accent1"/>
+            </a:effectRef>
+            <a:fontRef idx="minor">
+              <a:schemeClr val="tx1"/>
+            </a:fontRef>
+          </p:style>
+        </p:cxnSp>
+        <p:cxnSp>
+          <p:nvCxnSpPr>
+            <p:cNvPr id="81" name="Straight Connector 80">
+              <a:extLst>
+                <a:ext uri="{FF2B5EF4-FFF2-40B4-BE49-F238E27FC236}">
+                  <a16:creationId xmlns:a16="http://schemas.microsoft.com/office/drawing/2014/main" id="{00733B1F-BFA7-C8EC-5532-ADA536099EB8}"/>
+                </a:ext>
+              </a:extLst>
+            </p:cNvPr>
+            <p:cNvCxnSpPr>
+              <a:cxnSpLocks/>
+            </p:cNvCxnSpPr>
+            <p:nvPr/>
+          </p:nvCxnSpPr>
+          <p:spPr>
+            <a:xfrm>
+              <a:off x="876300" y="4927600"/>
+              <a:ext cx="279400" cy="0"/>
+            </a:xfrm>
+            <a:prstGeom prst="line">
+              <a:avLst/>
+            </a:prstGeom>
+          </p:spPr>
+          <p:style>
+            <a:lnRef idx="2">
+              <a:schemeClr val="accent1"/>
+            </a:lnRef>
+            <a:fillRef idx="0">
+              <a:schemeClr val="accent1"/>
+            </a:fillRef>
+            <a:effectRef idx="1">
+              <a:schemeClr val="accent1"/>
+            </a:effectRef>
+            <a:fontRef idx="minor">
+              <a:schemeClr val="tx1"/>
+            </a:fontRef>
+          </p:style>
+        </p:cxnSp>
+      </p:grpSp>
+      <p:grpSp>
+        <p:nvGrpSpPr>
+          <p:cNvPr id="82" name="Group 81">
+            <a:extLst>
+              <a:ext uri="{FF2B5EF4-FFF2-40B4-BE49-F238E27FC236}">
+                <a16:creationId xmlns:a16="http://schemas.microsoft.com/office/drawing/2014/main" id="{F238E560-BE3B-37B2-BD12-B0014E6F50E8}"/>
+              </a:ext>
+            </a:extLst>
+          </p:cNvPr>
+          <p:cNvGrpSpPr/>
+          <p:nvPr/>
+        </p:nvGrpSpPr>
+        <p:grpSpPr>
+          <a:xfrm rot="19524064">
+            <a:off x="4615790" y="5693434"/>
+            <a:ext cx="80433" cy="524933"/>
+            <a:chOff x="876300" y="3429000"/>
+            <a:chExt cx="279400" cy="1981200"/>
+          </a:xfrm>
+        </p:grpSpPr>
+        <p:cxnSp>
+          <p:nvCxnSpPr>
+            <p:cNvPr id="83" name="Straight Connector 82">
+              <a:extLst>
+                <a:ext uri="{FF2B5EF4-FFF2-40B4-BE49-F238E27FC236}">
+                  <a16:creationId xmlns:a16="http://schemas.microsoft.com/office/drawing/2014/main" id="{ABD14F2A-1421-2452-66EC-72397F5E1869}"/>
+                </a:ext>
+              </a:extLst>
+            </p:cNvPr>
+            <p:cNvCxnSpPr/>
+            <p:nvPr/>
+          </p:nvCxnSpPr>
+          <p:spPr>
+            <a:xfrm>
+              <a:off x="1016000" y="3429000"/>
+              <a:ext cx="0" cy="1981200"/>
+            </a:xfrm>
+            <a:prstGeom prst="line">
+              <a:avLst/>
+            </a:prstGeom>
+          </p:spPr>
+          <p:style>
+            <a:lnRef idx="2">
+              <a:schemeClr val="accent1"/>
+            </a:lnRef>
+            <a:fillRef idx="0">
+              <a:schemeClr val="accent1"/>
+            </a:fillRef>
+            <a:effectRef idx="1">
+              <a:schemeClr val="accent1"/>
+            </a:effectRef>
+            <a:fontRef idx="minor">
+              <a:schemeClr val="tx1"/>
+            </a:fontRef>
+          </p:style>
+        </p:cxnSp>
+        <p:cxnSp>
+          <p:nvCxnSpPr>
+            <p:cNvPr id="84" name="Straight Connector 83">
+              <a:extLst>
+                <a:ext uri="{FF2B5EF4-FFF2-40B4-BE49-F238E27FC236}">
+                  <a16:creationId xmlns:a16="http://schemas.microsoft.com/office/drawing/2014/main" id="{8DCB4848-C288-E0A0-C3EE-D3E8BE8508DA}"/>
+                </a:ext>
+              </a:extLst>
+            </p:cNvPr>
+            <p:cNvCxnSpPr>
+              <a:cxnSpLocks/>
+            </p:cNvCxnSpPr>
+            <p:nvPr/>
+          </p:nvCxnSpPr>
+          <p:spPr>
+            <a:xfrm>
+              <a:off x="876300" y="3429000"/>
+              <a:ext cx="279400" cy="0"/>
+            </a:xfrm>
+            <a:prstGeom prst="line">
+              <a:avLst/>
+            </a:prstGeom>
+          </p:spPr>
+          <p:style>
+            <a:lnRef idx="2">
+              <a:schemeClr val="accent1"/>
+            </a:lnRef>
+            <a:fillRef idx="0">
+              <a:schemeClr val="accent1"/>
+            </a:fillRef>
+            <a:effectRef idx="1">
+              <a:schemeClr val="accent1"/>
+            </a:effectRef>
+            <a:fontRef idx="minor">
+              <a:schemeClr val="tx1"/>
+            </a:fontRef>
+          </p:style>
+        </p:cxnSp>
+        <p:cxnSp>
+          <p:nvCxnSpPr>
+            <p:cNvPr id="85" name="Straight Connector 84">
+              <a:extLst>
+                <a:ext uri="{FF2B5EF4-FFF2-40B4-BE49-F238E27FC236}">
+                  <a16:creationId xmlns:a16="http://schemas.microsoft.com/office/drawing/2014/main" id="{A2837459-89C0-9735-07A6-DF65BD74066F}"/>
+                </a:ext>
+              </a:extLst>
+            </p:cNvPr>
+            <p:cNvCxnSpPr>
+              <a:cxnSpLocks/>
+            </p:cNvCxnSpPr>
+            <p:nvPr/>
+          </p:nvCxnSpPr>
+          <p:spPr>
+            <a:xfrm>
+              <a:off x="876300" y="5410200"/>
+              <a:ext cx="279400" cy="0"/>
+            </a:xfrm>
+            <a:prstGeom prst="line">
+              <a:avLst/>
+            </a:prstGeom>
+          </p:spPr>
+          <p:style>
+            <a:lnRef idx="2">
+              <a:schemeClr val="accent1"/>
+            </a:lnRef>
+            <a:fillRef idx="0">
+              <a:schemeClr val="accent1"/>
+            </a:fillRef>
+            <a:effectRef idx="1">
+              <a:schemeClr val="accent1"/>
+            </a:effectRef>
+            <a:fontRef idx="minor">
+              <a:schemeClr val="tx1"/>
+            </a:fontRef>
+          </p:style>
+        </p:cxnSp>
+        <p:cxnSp>
+          <p:nvCxnSpPr>
+            <p:cNvPr id="86" name="Straight Connector 85">
+              <a:extLst>
+                <a:ext uri="{FF2B5EF4-FFF2-40B4-BE49-F238E27FC236}">
+                  <a16:creationId xmlns:a16="http://schemas.microsoft.com/office/drawing/2014/main" id="{1FF0E977-56BB-8A4E-936A-3A4060EDF7D3}"/>
+                </a:ext>
+              </a:extLst>
+            </p:cNvPr>
+            <p:cNvCxnSpPr>
+              <a:cxnSpLocks/>
+            </p:cNvCxnSpPr>
+            <p:nvPr/>
+          </p:nvCxnSpPr>
+          <p:spPr>
+            <a:xfrm>
+              <a:off x="876300" y="4419599"/>
+              <a:ext cx="279400" cy="0"/>
+            </a:xfrm>
+            <a:prstGeom prst="line">
+              <a:avLst/>
+            </a:prstGeom>
+          </p:spPr>
+          <p:style>
+            <a:lnRef idx="2">
+              <a:schemeClr val="accent1"/>
+            </a:lnRef>
+            <a:fillRef idx="0">
+              <a:schemeClr val="accent1"/>
+            </a:fillRef>
+            <a:effectRef idx="1">
+              <a:schemeClr val="accent1"/>
+            </a:effectRef>
+            <a:fontRef idx="minor">
+              <a:schemeClr val="tx1"/>
+            </a:fontRef>
+          </p:style>
+        </p:cxnSp>
+        <p:cxnSp>
+          <p:nvCxnSpPr>
+            <p:cNvPr id="87" name="Straight Connector 86">
+              <a:extLst>
+                <a:ext uri="{FF2B5EF4-FFF2-40B4-BE49-F238E27FC236}">
+                  <a16:creationId xmlns:a16="http://schemas.microsoft.com/office/drawing/2014/main" id="{25D46688-BD5B-3A6F-1753-B77E992E2383}"/>
+                </a:ext>
+              </a:extLst>
+            </p:cNvPr>
+            <p:cNvCxnSpPr>
+              <a:cxnSpLocks/>
+            </p:cNvCxnSpPr>
+            <p:nvPr/>
+          </p:nvCxnSpPr>
+          <p:spPr>
+            <a:xfrm>
+              <a:off x="876300" y="3894667"/>
+              <a:ext cx="279400" cy="0"/>
+            </a:xfrm>
+            <a:prstGeom prst="line">
+              <a:avLst/>
+            </a:prstGeom>
+          </p:spPr>
+          <p:style>
+            <a:lnRef idx="2">
+              <a:schemeClr val="accent1"/>
+            </a:lnRef>
+            <a:fillRef idx="0">
+              <a:schemeClr val="accent1"/>
+            </a:fillRef>
+            <a:effectRef idx="1">
+              <a:schemeClr val="accent1"/>
+            </a:effectRef>
+            <a:fontRef idx="minor">
+              <a:schemeClr val="tx1"/>
+            </a:fontRef>
+          </p:style>
+        </p:cxnSp>
+        <p:cxnSp>
+          <p:nvCxnSpPr>
+            <p:cNvPr id="88" name="Straight Connector 87">
+              <a:extLst>
+                <a:ext uri="{FF2B5EF4-FFF2-40B4-BE49-F238E27FC236}">
+                  <a16:creationId xmlns:a16="http://schemas.microsoft.com/office/drawing/2014/main" id="{04E1D05A-92AB-5AD2-9F4C-120964E70107}"/>
+                </a:ext>
+              </a:extLst>
+            </p:cNvPr>
+            <p:cNvCxnSpPr>
+              <a:cxnSpLocks/>
+            </p:cNvCxnSpPr>
+            <p:nvPr/>
+          </p:nvCxnSpPr>
+          <p:spPr>
+            <a:xfrm>
+              <a:off x="876300" y="4927600"/>
+              <a:ext cx="279400" cy="0"/>
+            </a:xfrm>
+            <a:prstGeom prst="line">
+              <a:avLst/>
+            </a:prstGeom>
+          </p:spPr>
+          <p:style>
+            <a:lnRef idx="2">
+              <a:schemeClr val="accent1"/>
+            </a:lnRef>
+            <a:fillRef idx="0">
+              <a:schemeClr val="accent1"/>
+            </a:fillRef>
+            <a:effectRef idx="1">
+              <a:schemeClr val="accent1"/>
+            </a:effectRef>
+            <a:fontRef idx="minor">
+              <a:schemeClr val="tx1"/>
+            </a:fontRef>
+          </p:style>
+        </p:cxnSp>
+      </p:grpSp>
+      <p:cxnSp>
+        <p:nvCxnSpPr>
+          <p:cNvPr id="90" name="Straight Connector 89">
+            <a:extLst>
+              <a:ext uri="{FF2B5EF4-FFF2-40B4-BE49-F238E27FC236}">
+                <a16:creationId xmlns:a16="http://schemas.microsoft.com/office/drawing/2014/main" id="{2D425471-5950-6A2D-B631-F025DACE036E}"/>
+              </a:ext>
+            </a:extLst>
+          </p:cNvPr>
+          <p:cNvCxnSpPr/>
+          <p:nvPr/>
+        </p:nvCxnSpPr>
+        <p:spPr>
+          <a:xfrm>
+            <a:off x="203200" y="5477933"/>
+            <a:ext cx="8417984" cy="0"/>
+          </a:xfrm>
+          <a:prstGeom prst="line">
+            <a:avLst/>
+          </a:prstGeom>
+          <a:ln w="6350"/>
+        </p:spPr>
+        <p:style>
+          <a:lnRef idx="2">
+            <a:schemeClr val="accent1"/>
+          </a:lnRef>
+          <a:fillRef idx="0">
+            <a:schemeClr val="accent1"/>
+          </a:fillRef>
+          <a:effectRef idx="1">
+            <a:schemeClr val="accent1"/>
+          </a:effectRef>
+          <a:fontRef idx="minor">
+            <a:schemeClr val="tx1"/>
+          </a:fontRef>
+        </p:style>
+      </p:cxnSp>
+      <p:sp>
+        <p:nvSpPr>
+          <p:cNvPr id="91" name="TextBox 90">
+            <a:extLst>
+              <a:ext uri="{FF2B5EF4-FFF2-40B4-BE49-F238E27FC236}">
+                <a16:creationId xmlns:a16="http://schemas.microsoft.com/office/drawing/2014/main" id="{BD56A890-CA16-3C32-666A-40259A87B386}"/>
+              </a:ext>
+            </a:extLst>
+          </p:cNvPr>
+          <p:cNvSpPr txBox="1"/>
+          <p:nvPr/>
+        </p:nvSpPr>
+        <p:spPr>
+          <a:xfrm>
+            <a:off x="7219482" y="5557657"/>
+            <a:ext cx="939681" cy="276999"/>
+          </a:xfrm>
+          <a:prstGeom prst="rect">
+            <a:avLst/>
+          </a:prstGeom>
+          <a:noFill/>
+        </p:spPr>
+        <p:txBody>
+          <a:bodyPr wrap="none" rtlCol="0">
+            <a:spAutoFit/>
+          </a:bodyPr>
+          <a:lstStyle/>
+          <a:p>
+            <a:r>
+              <a:rPr lang="en-US" sz="1200" dirty="0"/>
+              <a:t>Embedding</a:t>
+            </a:r>
+          </a:p>
+        </p:txBody>
+      </p:sp>
+      <p:cxnSp>
+        <p:nvCxnSpPr>
+          <p:cNvPr id="92" name="Straight Connector 91">
+            <a:extLst>
+              <a:ext uri="{FF2B5EF4-FFF2-40B4-BE49-F238E27FC236}">
+                <a16:creationId xmlns:a16="http://schemas.microsoft.com/office/drawing/2014/main" id="{B361F402-C13C-FBC4-B15E-13E74524C041}"/>
+              </a:ext>
+            </a:extLst>
+          </p:cNvPr>
+          <p:cNvCxnSpPr/>
+          <p:nvPr/>
+        </p:nvCxnSpPr>
+        <p:spPr>
+          <a:xfrm>
+            <a:off x="197749" y="3078917"/>
+            <a:ext cx="8417984" cy="0"/>
+          </a:xfrm>
+          <a:prstGeom prst="line">
+            <a:avLst/>
+          </a:prstGeom>
+          <a:ln w="6350"/>
+        </p:spPr>
+        <p:style>
+          <a:lnRef idx="2">
+            <a:schemeClr val="accent1"/>
+          </a:lnRef>
+          <a:fillRef idx="0">
+            <a:schemeClr val="accent1"/>
+          </a:fillRef>
+          <a:effectRef idx="1">
+            <a:schemeClr val="accent1"/>
+          </a:effectRef>
+          <a:fontRef idx="minor">
+            <a:schemeClr val="tx1"/>
+          </a:fontRef>
+        </p:style>
+      </p:cxnSp>
+      <p:sp>
+        <p:nvSpPr>
+          <p:cNvPr id="93" name="TextBox 92">
+            <a:extLst>
+              <a:ext uri="{FF2B5EF4-FFF2-40B4-BE49-F238E27FC236}">
+                <a16:creationId xmlns:a16="http://schemas.microsoft.com/office/drawing/2014/main" id="{57F39F1B-A7FB-43BA-E138-126167B54517}"/>
+              </a:ext>
+            </a:extLst>
+          </p:cNvPr>
+          <p:cNvSpPr txBox="1"/>
+          <p:nvPr/>
+        </p:nvSpPr>
+        <p:spPr>
+          <a:xfrm>
+            <a:off x="7214031" y="3158641"/>
+            <a:ext cx="659411" cy="276999"/>
+          </a:xfrm>
+          <a:prstGeom prst="rect">
+            <a:avLst/>
+          </a:prstGeom>
+          <a:noFill/>
+        </p:spPr>
+        <p:txBody>
+          <a:bodyPr wrap="none" rtlCol="0">
+            <a:spAutoFit/>
+          </a:bodyPr>
+          <a:lstStyle/>
+          <a:p>
+            <a:r>
+              <a:rPr lang="en-US" sz="1200" dirty="0"/>
+              <a:t>Layer 1</a:t>
+            </a:r>
+          </a:p>
+        </p:txBody>
+      </p:sp>
+      <p:cxnSp>
+        <p:nvCxnSpPr>
+          <p:cNvPr id="94" name="Straight Connector 93">
+            <a:extLst>
+              <a:ext uri="{FF2B5EF4-FFF2-40B4-BE49-F238E27FC236}">
+                <a16:creationId xmlns:a16="http://schemas.microsoft.com/office/drawing/2014/main" id="{335416F3-7867-1F4F-AB2B-2B4D40814387}"/>
+              </a:ext>
+            </a:extLst>
+          </p:cNvPr>
+          <p:cNvCxnSpPr/>
+          <p:nvPr/>
+        </p:nvCxnSpPr>
+        <p:spPr>
+          <a:xfrm>
+            <a:off x="197749" y="440818"/>
+            <a:ext cx="8417984" cy="0"/>
+          </a:xfrm>
+          <a:prstGeom prst="line">
+            <a:avLst/>
+          </a:prstGeom>
+          <a:ln w="6350"/>
+        </p:spPr>
+        <p:style>
+          <a:lnRef idx="2">
+            <a:schemeClr val="accent1"/>
+          </a:lnRef>
+          <a:fillRef idx="0">
+            <a:schemeClr val="accent1"/>
+          </a:fillRef>
+          <a:effectRef idx="1">
+            <a:schemeClr val="accent1"/>
+          </a:effectRef>
+          <a:fontRef idx="minor">
+            <a:schemeClr val="tx1"/>
+          </a:fontRef>
+        </p:style>
+      </p:cxnSp>
+      <p:sp>
+        <p:nvSpPr>
+          <p:cNvPr id="95" name="TextBox 94">
+            <a:extLst>
+              <a:ext uri="{FF2B5EF4-FFF2-40B4-BE49-F238E27FC236}">
+                <a16:creationId xmlns:a16="http://schemas.microsoft.com/office/drawing/2014/main" id="{FC8E0799-52D1-FFF6-9BBF-D683FA5078A0}"/>
+              </a:ext>
+            </a:extLst>
+          </p:cNvPr>
+          <p:cNvSpPr txBox="1"/>
+          <p:nvPr/>
+        </p:nvSpPr>
+        <p:spPr>
+          <a:xfrm>
+            <a:off x="7214031" y="520542"/>
+            <a:ext cx="659411" cy="276999"/>
+          </a:xfrm>
+          <a:prstGeom prst="rect">
+            <a:avLst/>
+          </a:prstGeom>
+          <a:noFill/>
+        </p:spPr>
+        <p:txBody>
+          <a:bodyPr wrap="none" rtlCol="0">
+            <a:spAutoFit/>
+          </a:bodyPr>
+          <a:lstStyle/>
+          <a:p>
+            <a:r>
+              <a:rPr lang="en-US" sz="1200" dirty="0"/>
+              <a:t>Layer 2</a:t>
+            </a:r>
+          </a:p>
+        </p:txBody>
+      </p:sp>
+      <p:sp>
+        <p:nvSpPr>
+          <p:cNvPr id="96" name="TextBox 95">
+            <a:extLst>
+              <a:ext uri="{FF2B5EF4-FFF2-40B4-BE49-F238E27FC236}">
+                <a16:creationId xmlns:a16="http://schemas.microsoft.com/office/drawing/2014/main" id="{A6AC7E72-B950-0F0B-8276-9EEBEAE194F9}"/>
+              </a:ext>
+            </a:extLst>
+          </p:cNvPr>
+          <p:cNvSpPr txBox="1"/>
+          <p:nvPr/>
+        </p:nvSpPr>
+        <p:spPr>
+          <a:xfrm>
+            <a:off x="464028" y="6341950"/>
+            <a:ext cx="340158" cy="276999"/>
+          </a:xfrm>
+          <a:prstGeom prst="rect">
+            <a:avLst/>
+          </a:prstGeom>
+          <a:noFill/>
+        </p:spPr>
+        <p:txBody>
+          <a:bodyPr wrap="none" rtlCol="0">
+            <a:spAutoFit/>
+          </a:bodyPr>
+          <a:lstStyle/>
+          <a:p>
+            <a:r>
+              <a:rPr lang="en-US" sz="1200" dirty="0"/>
+              <a:t>T2</a:t>
+            </a:r>
+          </a:p>
+        </p:txBody>
+      </p:sp>
+      <p:sp>
+        <p:nvSpPr>
+          <p:cNvPr id="97" name="TextBox 96">
+            <a:extLst>
+              <a:ext uri="{FF2B5EF4-FFF2-40B4-BE49-F238E27FC236}">
+                <a16:creationId xmlns:a16="http://schemas.microsoft.com/office/drawing/2014/main" id="{8788EAE6-8AC0-4062-A7D8-9B6EFBC960E2}"/>
+              </a:ext>
+            </a:extLst>
+          </p:cNvPr>
+          <p:cNvSpPr txBox="1"/>
+          <p:nvPr/>
+        </p:nvSpPr>
+        <p:spPr>
+          <a:xfrm>
+            <a:off x="2570000" y="6356334"/>
+            <a:ext cx="340158" cy="276999"/>
+          </a:xfrm>
+          <a:prstGeom prst="rect">
+            <a:avLst/>
+          </a:prstGeom>
+          <a:noFill/>
+        </p:spPr>
+        <p:txBody>
+          <a:bodyPr wrap="none" rtlCol="0">
+            <a:spAutoFit/>
+          </a:bodyPr>
+          <a:lstStyle/>
+          <a:p>
+            <a:r>
+              <a:rPr lang="en-US" sz="1200" dirty="0"/>
+              <a:t>T1</a:t>
+            </a:r>
+          </a:p>
+        </p:txBody>
+      </p:sp>
+      <p:sp>
+        <p:nvSpPr>
+          <p:cNvPr id="98" name="TextBox 97">
+            <a:extLst>
+              <a:ext uri="{FF2B5EF4-FFF2-40B4-BE49-F238E27FC236}">
+                <a16:creationId xmlns:a16="http://schemas.microsoft.com/office/drawing/2014/main" id="{F08F2C2F-4AE2-CB6A-CEF2-E557849EF819}"/>
+              </a:ext>
+            </a:extLst>
+          </p:cNvPr>
+          <p:cNvSpPr txBox="1"/>
+          <p:nvPr/>
+        </p:nvSpPr>
+        <p:spPr>
+          <a:xfrm>
+            <a:off x="4517350" y="6341950"/>
+            <a:ext cx="484556" cy="276999"/>
+          </a:xfrm>
+          <a:prstGeom prst="rect">
+            <a:avLst/>
+          </a:prstGeom>
+          <a:noFill/>
+        </p:spPr>
+        <p:txBody>
+          <a:bodyPr wrap="none" rtlCol="0">
+            <a:spAutoFit/>
+          </a:bodyPr>
+          <a:lstStyle/>
+          <a:p>
+            <a:r>
+              <a:rPr lang="en-US" sz="1200" dirty="0"/>
+              <a:t>EOU</a:t>
+            </a:r>
+          </a:p>
+        </p:txBody>
+      </p:sp>
+      <p:sp>
+        <p:nvSpPr>
+          <p:cNvPr id="106" name="TextBox 105">
+            <a:extLst>
+              <a:ext uri="{FF2B5EF4-FFF2-40B4-BE49-F238E27FC236}">
+                <a16:creationId xmlns:a16="http://schemas.microsoft.com/office/drawing/2014/main" id="{D0483673-CC73-F3A1-D289-30485717B507}"/>
+              </a:ext>
+            </a:extLst>
+          </p:cNvPr>
+          <p:cNvSpPr txBox="1"/>
+          <p:nvPr/>
+        </p:nvSpPr>
+        <p:spPr>
+          <a:xfrm>
+            <a:off x="560666" y="4347718"/>
+            <a:ext cx="749629" cy="276999"/>
+          </a:xfrm>
+          <a:prstGeom prst="rect">
+            <a:avLst/>
+          </a:prstGeom>
+          <a:solidFill>
+            <a:schemeClr val="bg1"/>
+          </a:solidFill>
+        </p:spPr>
+        <p:txBody>
+          <a:bodyPr wrap="none" rtlCol="0">
+            <a:spAutoFit/>
+          </a:bodyPr>
+          <a:lstStyle/>
+          <a:p>
+            <a:r>
+              <a:rPr lang="en-US" sz="1200" dirty="0"/>
+              <a:t>T2 query</a:t>
+            </a:r>
+          </a:p>
+        </p:txBody>
+      </p:sp>
+      <p:grpSp>
+        <p:nvGrpSpPr>
+          <p:cNvPr id="107" name="Group 106">
+            <a:extLst>
+              <a:ext uri="{FF2B5EF4-FFF2-40B4-BE49-F238E27FC236}">
+                <a16:creationId xmlns:a16="http://schemas.microsoft.com/office/drawing/2014/main" id="{0F353CDE-E6C7-CBD6-9F8E-145180374A22}"/>
+              </a:ext>
+            </a:extLst>
+          </p:cNvPr>
+          <p:cNvGrpSpPr/>
+          <p:nvPr/>
+        </p:nvGrpSpPr>
+        <p:grpSpPr>
+          <a:xfrm rot="11516355">
+            <a:off x="2454086" y="4160560"/>
+            <a:ext cx="80433" cy="524933"/>
+            <a:chOff x="876300" y="3429000"/>
+            <a:chExt cx="279400" cy="1981200"/>
+          </a:xfrm>
+        </p:grpSpPr>
+        <p:cxnSp>
+          <p:nvCxnSpPr>
+            <p:cNvPr id="108" name="Straight Connector 107">
+              <a:extLst>
+                <a:ext uri="{FF2B5EF4-FFF2-40B4-BE49-F238E27FC236}">
+                  <a16:creationId xmlns:a16="http://schemas.microsoft.com/office/drawing/2014/main" id="{AA3B4ABD-3770-3613-5701-24EDC72155EA}"/>
+                </a:ext>
+              </a:extLst>
+            </p:cNvPr>
+            <p:cNvCxnSpPr/>
+            <p:nvPr/>
+          </p:nvCxnSpPr>
+          <p:spPr>
+            <a:xfrm>
+              <a:off x="1016000" y="3429000"/>
+              <a:ext cx="0" cy="1981200"/>
+            </a:xfrm>
+            <a:prstGeom prst="line">
+              <a:avLst/>
+            </a:prstGeom>
+          </p:spPr>
+          <p:style>
+            <a:lnRef idx="2">
+              <a:schemeClr val="accent1"/>
+            </a:lnRef>
+            <a:fillRef idx="0">
+              <a:schemeClr val="accent1"/>
+            </a:fillRef>
+            <a:effectRef idx="1">
+              <a:schemeClr val="accent1"/>
+            </a:effectRef>
+            <a:fontRef idx="minor">
+              <a:schemeClr val="tx1"/>
+            </a:fontRef>
+          </p:style>
+        </p:cxnSp>
+        <p:cxnSp>
+          <p:nvCxnSpPr>
+            <p:cNvPr id="109" name="Straight Connector 108">
+              <a:extLst>
+                <a:ext uri="{FF2B5EF4-FFF2-40B4-BE49-F238E27FC236}">
+                  <a16:creationId xmlns:a16="http://schemas.microsoft.com/office/drawing/2014/main" id="{8329B40D-0E9C-EF9A-8EA3-4DB85E6C5D68}"/>
+                </a:ext>
+              </a:extLst>
+            </p:cNvPr>
+            <p:cNvCxnSpPr>
+              <a:cxnSpLocks/>
+            </p:cNvCxnSpPr>
+            <p:nvPr/>
+          </p:nvCxnSpPr>
+          <p:spPr>
+            <a:xfrm>
+              <a:off x="876300" y="3429000"/>
+              <a:ext cx="279400" cy="0"/>
+            </a:xfrm>
+            <a:prstGeom prst="line">
+              <a:avLst/>
+            </a:prstGeom>
+          </p:spPr>
+          <p:style>
+            <a:lnRef idx="2">
+              <a:schemeClr val="accent1"/>
+            </a:lnRef>
+            <a:fillRef idx="0">
+              <a:schemeClr val="accent1"/>
+            </a:fillRef>
+            <a:effectRef idx="1">
+              <a:schemeClr val="accent1"/>
+            </a:effectRef>
+            <a:fontRef idx="minor">
+              <a:schemeClr val="tx1"/>
+            </a:fontRef>
+          </p:style>
+        </p:cxnSp>
+        <p:cxnSp>
+          <p:nvCxnSpPr>
+            <p:cNvPr id="110" name="Straight Connector 109">
+              <a:extLst>
+                <a:ext uri="{FF2B5EF4-FFF2-40B4-BE49-F238E27FC236}">
+                  <a16:creationId xmlns:a16="http://schemas.microsoft.com/office/drawing/2014/main" id="{FFAF1C93-B1A5-0CB3-0220-9A33A24735E5}"/>
+                </a:ext>
+              </a:extLst>
+            </p:cNvPr>
+            <p:cNvCxnSpPr>
+              <a:cxnSpLocks/>
+            </p:cNvCxnSpPr>
+            <p:nvPr/>
+          </p:nvCxnSpPr>
+          <p:spPr>
+            <a:xfrm>
+              <a:off x="876300" y="5410200"/>
+              <a:ext cx="279400" cy="0"/>
+            </a:xfrm>
+            <a:prstGeom prst="line">
+              <a:avLst/>
+            </a:prstGeom>
+          </p:spPr>
+          <p:style>
+            <a:lnRef idx="2">
+              <a:schemeClr val="accent1"/>
+            </a:lnRef>
+            <a:fillRef idx="0">
+              <a:schemeClr val="accent1"/>
+            </a:fillRef>
+            <a:effectRef idx="1">
+              <a:schemeClr val="accent1"/>
+            </a:effectRef>
+            <a:fontRef idx="minor">
+              <a:schemeClr val="tx1"/>
+            </a:fontRef>
+          </p:style>
+        </p:cxnSp>
+        <p:cxnSp>
+          <p:nvCxnSpPr>
+            <p:cNvPr id="111" name="Straight Connector 110">
+              <a:extLst>
+                <a:ext uri="{FF2B5EF4-FFF2-40B4-BE49-F238E27FC236}">
+                  <a16:creationId xmlns:a16="http://schemas.microsoft.com/office/drawing/2014/main" id="{BDCC79C9-3B7F-A3E4-7C4D-CE3FD7647ED9}"/>
+                </a:ext>
+              </a:extLst>
+            </p:cNvPr>
+            <p:cNvCxnSpPr>
+              <a:cxnSpLocks/>
+            </p:cNvCxnSpPr>
+            <p:nvPr/>
+          </p:nvCxnSpPr>
+          <p:spPr>
+            <a:xfrm>
+              <a:off x="876300" y="4419599"/>
+              <a:ext cx="279400" cy="0"/>
+            </a:xfrm>
+            <a:prstGeom prst="line">
+              <a:avLst/>
+            </a:prstGeom>
+          </p:spPr>
+          <p:style>
+            <a:lnRef idx="2">
+              <a:schemeClr val="accent1"/>
+            </a:lnRef>
+            <a:fillRef idx="0">
+              <a:schemeClr val="accent1"/>
+            </a:fillRef>
+            <a:effectRef idx="1">
+              <a:schemeClr val="accent1"/>
+            </a:effectRef>
+            <a:fontRef idx="minor">
+              <a:schemeClr val="tx1"/>
+            </a:fontRef>
+          </p:style>
+        </p:cxnSp>
+        <p:cxnSp>
+          <p:nvCxnSpPr>
+            <p:cNvPr id="112" name="Straight Connector 111">
+              <a:extLst>
+                <a:ext uri="{FF2B5EF4-FFF2-40B4-BE49-F238E27FC236}">
+                  <a16:creationId xmlns:a16="http://schemas.microsoft.com/office/drawing/2014/main" id="{9A97059E-9476-3390-8AF2-581A9BD501B1}"/>
+                </a:ext>
+              </a:extLst>
+            </p:cNvPr>
+            <p:cNvCxnSpPr>
+              <a:cxnSpLocks/>
+            </p:cNvCxnSpPr>
+            <p:nvPr/>
+          </p:nvCxnSpPr>
+          <p:spPr>
+            <a:xfrm>
+              <a:off x="876300" y="3894667"/>
+              <a:ext cx="279400" cy="0"/>
+            </a:xfrm>
+            <a:prstGeom prst="line">
+              <a:avLst/>
+            </a:prstGeom>
+          </p:spPr>
+          <p:style>
+            <a:lnRef idx="2">
+              <a:schemeClr val="accent1"/>
+            </a:lnRef>
+            <a:fillRef idx="0">
+              <a:schemeClr val="accent1"/>
+            </a:fillRef>
+            <a:effectRef idx="1">
+              <a:schemeClr val="accent1"/>
+            </a:effectRef>
+            <a:fontRef idx="minor">
+              <a:schemeClr val="tx1"/>
+            </a:fontRef>
+          </p:style>
+        </p:cxnSp>
+        <p:cxnSp>
+          <p:nvCxnSpPr>
+            <p:cNvPr id="113" name="Straight Connector 112">
+              <a:extLst>
+                <a:ext uri="{FF2B5EF4-FFF2-40B4-BE49-F238E27FC236}">
+                  <a16:creationId xmlns:a16="http://schemas.microsoft.com/office/drawing/2014/main" id="{C43848F2-E06D-AF30-946C-C451FD8C1B34}"/>
+                </a:ext>
+              </a:extLst>
+            </p:cNvPr>
+            <p:cNvCxnSpPr>
+              <a:cxnSpLocks/>
+            </p:cNvCxnSpPr>
+            <p:nvPr/>
+          </p:nvCxnSpPr>
+          <p:spPr>
+            <a:xfrm>
+              <a:off x="876300" y="4927600"/>
+              <a:ext cx="279400" cy="0"/>
+            </a:xfrm>
+            <a:prstGeom prst="line">
+              <a:avLst/>
+            </a:prstGeom>
+          </p:spPr>
+          <p:style>
+            <a:lnRef idx="2">
+              <a:schemeClr val="accent1"/>
+            </a:lnRef>
+            <a:fillRef idx="0">
+              <a:schemeClr val="accent1"/>
+            </a:fillRef>
+            <a:effectRef idx="1">
+              <a:schemeClr val="accent1"/>
+            </a:effectRef>
+            <a:fontRef idx="minor">
+              <a:schemeClr val="tx1"/>
+            </a:fontRef>
+          </p:style>
+        </p:cxnSp>
+      </p:grpSp>
+      <p:sp>
+        <p:nvSpPr>
+          <p:cNvPr id="114" name="TextBox 113">
+            <a:extLst>
+              <a:ext uri="{FF2B5EF4-FFF2-40B4-BE49-F238E27FC236}">
+                <a16:creationId xmlns:a16="http://schemas.microsoft.com/office/drawing/2014/main" id="{E928A0D2-C5B2-01B4-0427-B44204ADAF03}"/>
+              </a:ext>
+            </a:extLst>
+          </p:cNvPr>
+          <p:cNvSpPr txBox="1"/>
+          <p:nvPr/>
+        </p:nvSpPr>
+        <p:spPr>
+          <a:xfrm>
+            <a:off x="2519049" y="4347381"/>
+            <a:ext cx="594458" cy="276999"/>
+          </a:xfrm>
+          <a:prstGeom prst="rect">
+            <a:avLst/>
+          </a:prstGeom>
+          <a:solidFill>
+            <a:schemeClr val="bg1"/>
+          </a:solidFill>
+        </p:spPr>
+        <p:txBody>
+          <a:bodyPr wrap="none" rtlCol="0">
+            <a:spAutoFit/>
+          </a:bodyPr>
+          <a:lstStyle/>
+          <a:p>
+            <a:r>
+              <a:rPr lang="en-US" sz="1200" dirty="0"/>
+              <a:t>T1 key</a:t>
+            </a:r>
+          </a:p>
+        </p:txBody>
+      </p:sp>
+      <p:cxnSp>
+        <p:nvCxnSpPr>
+          <p:cNvPr id="116" name="Curved Connector 115">
+            <a:extLst>
+              <a:ext uri="{FF2B5EF4-FFF2-40B4-BE49-F238E27FC236}">
+                <a16:creationId xmlns:a16="http://schemas.microsoft.com/office/drawing/2014/main" id="{034566A3-E033-C129-78DD-8095D016F701}"/>
+              </a:ext>
+            </a:extLst>
+          </p:cNvPr>
+          <p:cNvCxnSpPr>
+            <a:cxnSpLocks/>
+          </p:cNvCxnSpPr>
+          <p:nvPr/>
+        </p:nvCxnSpPr>
+        <p:spPr>
+          <a:xfrm rot="5400000" flipH="1" flipV="1">
+            <a:off x="-43079" y="5286815"/>
+            <a:ext cx="1020141" cy="75547"/>
+          </a:xfrm>
+          <a:prstGeom prst="curvedConnector3">
+            <a:avLst>
+              <a:gd name="adj1" fmla="val 50000"/>
+            </a:avLst>
+          </a:prstGeom>
+          <a:ln>
+            <a:tailEnd type="triangle"/>
+          </a:ln>
+        </p:spPr>
+        <p:style>
+          <a:lnRef idx="2">
+            <a:schemeClr val="accent1"/>
+          </a:lnRef>
+          <a:fillRef idx="0">
+            <a:schemeClr val="accent1"/>
+          </a:fillRef>
+          <a:effectRef idx="1">
+            <a:schemeClr val="accent1"/>
+          </a:effectRef>
+          <a:fontRef idx="minor">
+            <a:schemeClr val="tx1"/>
+          </a:fontRef>
+        </p:style>
+      </p:cxnSp>
+      <p:sp>
+        <p:nvSpPr>
+          <p:cNvPr id="123" name="TextBox 122">
+            <a:extLst>
+              <a:ext uri="{FF2B5EF4-FFF2-40B4-BE49-F238E27FC236}">
+                <a16:creationId xmlns:a16="http://schemas.microsoft.com/office/drawing/2014/main" id="{AA595C17-BF35-32AE-277A-F2C06F975991}"/>
+              </a:ext>
+            </a:extLst>
+          </p:cNvPr>
+          <p:cNvSpPr txBox="1"/>
+          <p:nvPr/>
+        </p:nvSpPr>
+        <p:spPr>
+          <a:xfrm>
+            <a:off x="2758313" y="5168269"/>
+            <a:ext cx="397866" cy="276999"/>
+          </a:xfrm>
+          <a:prstGeom prst="rect">
+            <a:avLst/>
+          </a:prstGeom>
+          <a:solidFill>
+            <a:schemeClr val="bg1"/>
+          </a:solidFill>
+        </p:spPr>
+        <p:txBody>
+          <a:bodyPr wrap="none" rtlCol="0">
+            <a:spAutoFit/>
+          </a:bodyPr>
+          <a:lstStyle/>
+          <a:p>
+            <a:r>
+              <a:rPr lang="en-US" sz="1200" dirty="0"/>
+              <a:t>Wk</a:t>
+            </a:r>
+          </a:p>
+        </p:txBody>
+      </p:sp>
+      <p:cxnSp>
+        <p:nvCxnSpPr>
+          <p:cNvPr id="124" name="Curved Connector 123">
+            <a:extLst>
+              <a:ext uri="{FF2B5EF4-FFF2-40B4-BE49-F238E27FC236}">
+                <a16:creationId xmlns:a16="http://schemas.microsoft.com/office/drawing/2014/main" id="{CDA97011-81FC-453D-0264-47F1F5A9795C}"/>
+              </a:ext>
+            </a:extLst>
+          </p:cNvPr>
+          <p:cNvCxnSpPr>
+            <a:cxnSpLocks/>
+          </p:cNvCxnSpPr>
+          <p:nvPr/>
+        </p:nvCxnSpPr>
+        <p:spPr>
+          <a:xfrm rot="5400000" flipH="1" flipV="1">
+            <a:off x="1938717" y="5160561"/>
+            <a:ext cx="1052733" cy="76663"/>
+          </a:xfrm>
+          <a:prstGeom prst="curvedConnector3">
+            <a:avLst>
+              <a:gd name="adj1" fmla="val 50000"/>
+            </a:avLst>
+          </a:prstGeom>
+          <a:ln>
+            <a:tailEnd type="triangle"/>
+          </a:ln>
+        </p:spPr>
+        <p:style>
+          <a:lnRef idx="2">
+            <a:schemeClr val="accent1"/>
+          </a:lnRef>
+          <a:fillRef idx="0">
+            <a:schemeClr val="accent1"/>
+          </a:fillRef>
+          <a:effectRef idx="1">
+            <a:schemeClr val="accent1"/>
+          </a:effectRef>
+          <a:fontRef idx="minor">
+            <a:schemeClr val="tx1"/>
+          </a:fontRef>
+        </p:style>
+      </p:cxnSp>
+      <p:sp>
+        <p:nvSpPr>
+          <p:cNvPr id="126" name="TextBox 125">
+            <a:extLst>
+              <a:ext uri="{FF2B5EF4-FFF2-40B4-BE49-F238E27FC236}">
+                <a16:creationId xmlns:a16="http://schemas.microsoft.com/office/drawing/2014/main" id="{957268CF-AEBA-1426-963C-B903551DE5F2}"/>
+              </a:ext>
+            </a:extLst>
+          </p:cNvPr>
+          <p:cNvSpPr txBox="1"/>
+          <p:nvPr/>
+        </p:nvSpPr>
+        <p:spPr>
+          <a:xfrm>
+            <a:off x="757145" y="5155712"/>
+            <a:ext cx="409086" cy="276999"/>
+          </a:xfrm>
+          <a:prstGeom prst="rect">
+            <a:avLst/>
+          </a:prstGeom>
+          <a:solidFill>
+            <a:schemeClr val="bg1"/>
+          </a:solidFill>
+        </p:spPr>
+        <p:txBody>
+          <a:bodyPr wrap="none" rtlCol="0">
+            <a:spAutoFit/>
+          </a:bodyPr>
+          <a:lstStyle/>
+          <a:p>
+            <a:r>
+              <a:rPr lang="en-US" sz="1200" dirty="0"/>
+              <a:t>Wq</a:t>
+            </a:r>
+          </a:p>
+        </p:txBody>
+      </p:sp>
+      <p:sp>
+        <p:nvSpPr>
+          <p:cNvPr id="136" name="TextBox 135">
+            <a:extLst>
+              <a:ext uri="{FF2B5EF4-FFF2-40B4-BE49-F238E27FC236}">
+                <a16:creationId xmlns:a16="http://schemas.microsoft.com/office/drawing/2014/main" id="{86CBF1A1-1362-A3EF-CF0E-75704B1C7061}"/>
+              </a:ext>
+            </a:extLst>
+          </p:cNvPr>
+          <p:cNvSpPr txBox="1"/>
+          <p:nvPr/>
+        </p:nvSpPr>
+        <p:spPr>
+          <a:xfrm>
+            <a:off x="4967715" y="3193124"/>
+            <a:ext cx="875176" cy="276999"/>
+          </a:xfrm>
+          <a:prstGeom prst="rect">
+            <a:avLst/>
+          </a:prstGeom>
+          <a:solidFill>
+            <a:schemeClr val="bg1"/>
+          </a:solidFill>
+        </p:spPr>
+        <p:txBody>
+          <a:bodyPr wrap="none" rtlCol="0">
+            <a:spAutoFit/>
+          </a:bodyPr>
+          <a:lstStyle/>
+          <a:p>
+            <a:r>
+              <a:rPr lang="en-US" sz="1200" dirty="0"/>
+              <a:t>EOU value</a:t>
+            </a:r>
+          </a:p>
+        </p:txBody>
+      </p:sp>
+      <p:cxnSp>
+        <p:nvCxnSpPr>
+          <p:cNvPr id="144" name="Curved Connector 143">
+            <a:extLst>
+              <a:ext uri="{FF2B5EF4-FFF2-40B4-BE49-F238E27FC236}">
+                <a16:creationId xmlns:a16="http://schemas.microsoft.com/office/drawing/2014/main" id="{57E229F9-D17D-1B56-690F-63468347BAA9}"/>
+              </a:ext>
+            </a:extLst>
+          </p:cNvPr>
+          <p:cNvCxnSpPr>
+            <a:cxnSpLocks/>
+          </p:cNvCxnSpPr>
+          <p:nvPr/>
+        </p:nvCxnSpPr>
+        <p:spPr>
+          <a:xfrm rot="5400000" flipH="1" flipV="1">
+            <a:off x="249023" y="4148807"/>
+            <a:ext cx="2333778" cy="854650"/>
+          </a:xfrm>
+          <a:prstGeom prst="curvedConnector3">
+            <a:avLst>
+              <a:gd name="adj1" fmla="val 6465"/>
+            </a:avLst>
+          </a:prstGeom>
+          <a:ln>
+            <a:tailEnd type="triangle"/>
+          </a:ln>
+        </p:spPr>
+        <p:style>
+          <a:lnRef idx="2">
+            <a:schemeClr val="accent1"/>
+          </a:lnRef>
+          <a:fillRef idx="0">
+            <a:schemeClr val="accent1"/>
+          </a:fillRef>
+          <a:effectRef idx="1">
+            <a:schemeClr val="accent1"/>
+          </a:effectRef>
+          <a:fontRef idx="minor">
+            <a:schemeClr val="tx1"/>
+          </a:fontRef>
+        </p:style>
+      </p:cxnSp>
+      <p:sp>
+        <p:nvSpPr>
+          <p:cNvPr id="148" name="TextBox 147">
+            <a:extLst>
+              <a:ext uri="{FF2B5EF4-FFF2-40B4-BE49-F238E27FC236}">
+                <a16:creationId xmlns:a16="http://schemas.microsoft.com/office/drawing/2014/main" id="{BD3972FA-613F-3327-BA82-08970B3A0E40}"/>
+              </a:ext>
+            </a:extLst>
+          </p:cNvPr>
+          <p:cNvSpPr txBox="1"/>
+          <p:nvPr/>
+        </p:nvSpPr>
+        <p:spPr>
+          <a:xfrm>
+            <a:off x="2090481" y="3116181"/>
+            <a:ext cx="821956" cy="461665"/>
+          </a:xfrm>
+          <a:prstGeom prst="rect">
+            <a:avLst/>
+          </a:prstGeom>
+          <a:solidFill>
+            <a:schemeClr val="bg1"/>
+          </a:solidFill>
+        </p:spPr>
+        <p:txBody>
+          <a:bodyPr wrap="none" rtlCol="0">
+            <a:spAutoFit/>
+          </a:bodyPr>
+          <a:lstStyle/>
+          <a:p>
+            <a:r>
+              <a:rPr lang="en-US" sz="1200" dirty="0"/>
+              <a:t>T2 value</a:t>
+            </a:r>
+            <a:br>
+              <a:rPr lang="en-US" sz="1200" dirty="0"/>
+            </a:br>
+            <a:r>
+              <a:rPr lang="en-US" sz="1200" b="1" dirty="0"/>
+              <a:t>T1-aware</a:t>
+            </a:r>
+          </a:p>
+        </p:txBody>
+      </p:sp>
+      <p:cxnSp>
+        <p:nvCxnSpPr>
+          <p:cNvPr id="149" name="Curved Connector 148">
+            <a:extLst>
+              <a:ext uri="{FF2B5EF4-FFF2-40B4-BE49-F238E27FC236}">
+                <a16:creationId xmlns:a16="http://schemas.microsoft.com/office/drawing/2014/main" id="{7C9AD948-5026-64F9-770C-FFFAD387AB81}"/>
+              </a:ext>
+            </a:extLst>
+          </p:cNvPr>
+          <p:cNvCxnSpPr>
+            <a:cxnSpLocks/>
+          </p:cNvCxnSpPr>
+          <p:nvPr/>
+        </p:nvCxnSpPr>
+        <p:spPr>
+          <a:xfrm rot="16200000" flipV="1">
+            <a:off x="3468557" y="4587289"/>
+            <a:ext cx="2373539" cy="121197"/>
+          </a:xfrm>
+          <a:prstGeom prst="curvedConnector3">
+            <a:avLst>
+              <a:gd name="adj1" fmla="val 50000"/>
+            </a:avLst>
+          </a:prstGeom>
+          <a:ln>
+            <a:tailEnd type="triangle"/>
+          </a:ln>
+        </p:spPr>
+        <p:style>
+          <a:lnRef idx="2">
+            <a:schemeClr val="accent1"/>
+          </a:lnRef>
+          <a:fillRef idx="0">
+            <a:schemeClr val="accent1"/>
+          </a:fillRef>
+          <a:effectRef idx="1">
+            <a:schemeClr val="accent1"/>
+          </a:effectRef>
+          <a:fontRef idx="minor">
+            <a:schemeClr val="tx1"/>
+          </a:fontRef>
+        </p:style>
+      </p:cxnSp>
+      <p:sp>
+        <p:nvSpPr>
+          <p:cNvPr id="155" name="TextBox 154">
+            <a:extLst>
+              <a:ext uri="{FF2B5EF4-FFF2-40B4-BE49-F238E27FC236}">
+                <a16:creationId xmlns:a16="http://schemas.microsoft.com/office/drawing/2014/main" id="{FF58564B-05B2-9E00-F117-E31E7D038B3F}"/>
+              </a:ext>
+            </a:extLst>
+          </p:cNvPr>
+          <p:cNvSpPr txBox="1"/>
+          <p:nvPr/>
+        </p:nvSpPr>
+        <p:spPr>
+          <a:xfrm>
+            <a:off x="1981676" y="4908869"/>
+            <a:ext cx="391454" cy="276999"/>
+          </a:xfrm>
+          <a:prstGeom prst="rect">
+            <a:avLst/>
+          </a:prstGeom>
+          <a:solidFill>
+            <a:schemeClr val="bg1"/>
+          </a:solidFill>
+        </p:spPr>
+        <p:txBody>
+          <a:bodyPr wrap="none" rtlCol="0">
+            <a:spAutoFit/>
+          </a:bodyPr>
+          <a:lstStyle/>
+          <a:p>
+            <a:r>
+              <a:rPr lang="en-US" sz="1200" dirty="0"/>
+              <a:t>Wv</a:t>
+            </a:r>
+          </a:p>
+        </p:txBody>
+      </p:sp>
+      <p:sp>
+        <p:nvSpPr>
+          <p:cNvPr id="159" name="TextBox 158">
+            <a:extLst>
+              <a:ext uri="{FF2B5EF4-FFF2-40B4-BE49-F238E27FC236}">
+                <a16:creationId xmlns:a16="http://schemas.microsoft.com/office/drawing/2014/main" id="{CD436A5B-4625-5A62-9ED7-41500546B4BA}"/>
+              </a:ext>
+            </a:extLst>
+          </p:cNvPr>
+          <p:cNvSpPr txBox="1"/>
+          <p:nvPr/>
+        </p:nvSpPr>
+        <p:spPr>
+          <a:xfrm>
+            <a:off x="5002678" y="5013923"/>
+            <a:ext cx="391454" cy="276999"/>
+          </a:xfrm>
+          <a:prstGeom prst="rect">
+            <a:avLst/>
+          </a:prstGeom>
+          <a:solidFill>
+            <a:schemeClr val="bg1"/>
+          </a:solidFill>
+        </p:spPr>
+        <p:txBody>
+          <a:bodyPr wrap="none" rtlCol="0">
+            <a:spAutoFit/>
+          </a:bodyPr>
+          <a:lstStyle/>
+          <a:p>
+            <a:r>
+              <a:rPr lang="en-US" sz="1200" dirty="0"/>
+              <a:t>Wv</a:t>
+            </a:r>
+          </a:p>
+        </p:txBody>
+      </p:sp>
+      <p:sp>
+        <p:nvSpPr>
+          <p:cNvPr id="167" name="Rectangle 166">
+            <a:extLst>
+              <a:ext uri="{FF2B5EF4-FFF2-40B4-BE49-F238E27FC236}">
+                <a16:creationId xmlns:a16="http://schemas.microsoft.com/office/drawing/2014/main" id="{09D13994-715F-91DE-A837-3AB222226F54}"/>
+              </a:ext>
+            </a:extLst>
+          </p:cNvPr>
+          <p:cNvSpPr/>
+          <p:nvPr/>
+        </p:nvSpPr>
+        <p:spPr>
+          <a:xfrm flipV="1">
+            <a:off x="1258633" y="3695630"/>
+            <a:ext cx="127020" cy="107173"/>
+          </a:xfrm>
+          <a:prstGeom prst="rect">
+            <a:avLst/>
+          </a:prstGeom>
+          <a:ln>
+            <a:noFill/>
+          </a:ln>
+        </p:spPr>
+        <p:style>
+          <a:lnRef idx="2">
+            <a:schemeClr val="accent1">
+              <a:shade val="15000"/>
+            </a:schemeClr>
+          </a:lnRef>
+          <a:fillRef idx="1">
+            <a:schemeClr val="accent1"/>
+          </a:fillRef>
+          <a:effectRef idx="0">
+            <a:schemeClr val="accent1"/>
+          </a:effectRef>
+          <a:fontRef idx="minor">
+            <a:schemeClr val="lt1"/>
+          </a:fontRef>
+        </p:style>
+        <p:txBody>
+          <a:bodyPr rtlCol="0" anchor="ctr"/>
+          <a:lstStyle/>
+          <a:p>
+            <a:pPr algn="ctr"/>
+            <a:endParaRPr lang="en-US"/>
+          </a:p>
+        </p:txBody>
+      </p:sp>
+      <p:cxnSp>
+        <p:nvCxnSpPr>
+          <p:cNvPr id="169" name="Curved Connector 168">
+            <a:extLst>
+              <a:ext uri="{FF2B5EF4-FFF2-40B4-BE49-F238E27FC236}">
+                <a16:creationId xmlns:a16="http://schemas.microsoft.com/office/drawing/2014/main" id="{1EE51D6F-062B-34D7-CB39-E37FAA9F5585}"/>
+              </a:ext>
+            </a:extLst>
+          </p:cNvPr>
+          <p:cNvCxnSpPr>
+            <a:cxnSpLocks/>
+            <a:endCxn id="167" idx="0"/>
+          </p:cNvCxnSpPr>
+          <p:nvPr/>
+        </p:nvCxnSpPr>
+        <p:spPr>
+          <a:xfrm flipV="1">
+            <a:off x="689469" y="3802803"/>
+            <a:ext cx="632674" cy="380334"/>
+          </a:xfrm>
+          <a:prstGeom prst="curvedConnector2">
+            <a:avLst/>
+          </a:prstGeom>
+          <a:ln w="6350">
+            <a:tailEnd type="arrow"/>
+          </a:ln>
+        </p:spPr>
+        <p:style>
+          <a:lnRef idx="2">
+            <a:schemeClr val="accent1"/>
+          </a:lnRef>
+          <a:fillRef idx="0">
+            <a:schemeClr val="accent1"/>
+          </a:fillRef>
+          <a:effectRef idx="1">
+            <a:schemeClr val="accent1"/>
+          </a:effectRef>
+          <a:fontRef idx="minor">
+            <a:schemeClr val="tx1"/>
+          </a:fontRef>
+        </p:style>
+      </p:cxnSp>
+      <p:cxnSp>
+        <p:nvCxnSpPr>
+          <p:cNvPr id="170" name="Curved Connector 169">
+            <a:extLst>
+              <a:ext uri="{FF2B5EF4-FFF2-40B4-BE49-F238E27FC236}">
+                <a16:creationId xmlns:a16="http://schemas.microsoft.com/office/drawing/2014/main" id="{A2E36454-7322-4704-5509-2598BE09480E}"/>
+              </a:ext>
+            </a:extLst>
+          </p:cNvPr>
+          <p:cNvCxnSpPr>
+            <a:cxnSpLocks/>
+            <a:endCxn id="167" idx="0"/>
+          </p:cNvCxnSpPr>
+          <p:nvPr/>
+        </p:nvCxnSpPr>
+        <p:spPr>
+          <a:xfrm rot="10800000">
+            <a:off x="1322144" y="3802803"/>
+            <a:ext cx="1104609" cy="435480"/>
+          </a:xfrm>
+          <a:prstGeom prst="curvedConnector2">
+            <a:avLst/>
+          </a:prstGeom>
+          <a:ln w="6350">
+            <a:tailEnd type="arrow"/>
+          </a:ln>
+        </p:spPr>
+        <p:style>
+          <a:lnRef idx="2">
+            <a:schemeClr val="accent1"/>
+          </a:lnRef>
+          <a:fillRef idx="0">
+            <a:schemeClr val="accent1"/>
+          </a:fillRef>
+          <a:effectRef idx="1">
+            <a:schemeClr val="accent1"/>
+          </a:effectRef>
+          <a:fontRef idx="minor">
+            <a:schemeClr val="tx1"/>
+          </a:fontRef>
+        </p:style>
+      </p:cxnSp>
+      <p:cxnSp>
+        <p:nvCxnSpPr>
+          <p:cNvPr id="173" name="Curved Connector 172">
+            <a:extLst>
+              <a:ext uri="{FF2B5EF4-FFF2-40B4-BE49-F238E27FC236}">
+                <a16:creationId xmlns:a16="http://schemas.microsoft.com/office/drawing/2014/main" id="{2D0DAABB-BB90-7CAB-F84E-E0112774B66A}"/>
+              </a:ext>
+            </a:extLst>
+          </p:cNvPr>
+          <p:cNvCxnSpPr>
+            <a:cxnSpLocks/>
+            <a:stCxn id="167" idx="2"/>
+          </p:cNvCxnSpPr>
+          <p:nvPr/>
+        </p:nvCxnSpPr>
+        <p:spPr>
+          <a:xfrm rot="5400000" flipH="1" flipV="1">
+            <a:off x="1306254" y="3410749"/>
+            <a:ext cx="300770" cy="268992"/>
+          </a:xfrm>
+          <a:prstGeom prst="curvedConnector3">
+            <a:avLst>
+              <a:gd name="adj1" fmla="val 50000"/>
+            </a:avLst>
+          </a:prstGeom>
+          <a:ln w="6350">
+            <a:tailEnd type="triangle"/>
+          </a:ln>
+        </p:spPr>
+        <p:style>
+          <a:lnRef idx="2">
+            <a:schemeClr val="accent1"/>
+          </a:lnRef>
+          <a:fillRef idx="0">
+            <a:schemeClr val="accent1"/>
+          </a:fillRef>
+          <a:effectRef idx="1">
+            <a:schemeClr val="accent1"/>
+          </a:effectRef>
+          <a:fontRef idx="minor">
+            <a:schemeClr val="tx1"/>
+          </a:fontRef>
+        </p:style>
+      </p:cxnSp>
+      <p:sp>
+        <p:nvSpPr>
+          <p:cNvPr id="177" name="TextBox 176">
+            <a:extLst>
+              <a:ext uri="{FF2B5EF4-FFF2-40B4-BE49-F238E27FC236}">
+                <a16:creationId xmlns:a16="http://schemas.microsoft.com/office/drawing/2014/main" id="{1B4D9CD3-B655-B4A3-9299-EB63E2C3D870}"/>
+              </a:ext>
+            </a:extLst>
+          </p:cNvPr>
+          <p:cNvSpPr txBox="1"/>
+          <p:nvPr/>
+        </p:nvSpPr>
+        <p:spPr>
+          <a:xfrm>
+            <a:off x="372591" y="3603358"/>
+            <a:ext cx="636969" cy="276999"/>
+          </a:xfrm>
+          <a:prstGeom prst="rect">
+            <a:avLst/>
+          </a:prstGeom>
+          <a:solidFill>
+            <a:schemeClr val="bg1"/>
+          </a:solidFill>
+        </p:spPr>
+        <p:txBody>
+          <a:bodyPr wrap="none" rtlCol="0">
+            <a:spAutoFit/>
+          </a:bodyPr>
+          <a:lstStyle/>
+          <a:p>
+            <a:r>
+              <a:rPr lang="en-US" sz="1200" dirty="0"/>
+              <a:t>T2 attn</a:t>
+            </a:r>
+          </a:p>
+        </p:txBody>
+      </p:sp>
+      <p:sp>
+        <p:nvSpPr>
+          <p:cNvPr id="193" name="TextBox 192">
+            <a:extLst>
+              <a:ext uri="{FF2B5EF4-FFF2-40B4-BE49-F238E27FC236}">
+                <a16:creationId xmlns:a16="http://schemas.microsoft.com/office/drawing/2014/main" id="{3F054F70-0E9E-89C5-3AAE-3539907B726C}"/>
+              </a:ext>
+            </a:extLst>
+          </p:cNvPr>
+          <p:cNvSpPr txBox="1"/>
+          <p:nvPr/>
+        </p:nvSpPr>
+        <p:spPr>
+          <a:xfrm>
+            <a:off x="5056158" y="1669864"/>
+            <a:ext cx="894027" cy="276999"/>
+          </a:xfrm>
+          <a:prstGeom prst="rect">
+            <a:avLst/>
+          </a:prstGeom>
+          <a:solidFill>
+            <a:schemeClr val="bg1"/>
+          </a:solidFill>
+        </p:spPr>
+        <p:txBody>
+          <a:bodyPr wrap="none" rtlCol="0">
+            <a:spAutoFit/>
+          </a:bodyPr>
+          <a:lstStyle/>
+          <a:p>
+            <a:r>
+              <a:rPr lang="en-US" sz="1200" dirty="0"/>
+              <a:t>EOU query</a:t>
+            </a:r>
+          </a:p>
+        </p:txBody>
+      </p:sp>
+      <p:cxnSp>
+        <p:nvCxnSpPr>
+          <p:cNvPr id="195" name="Curved Connector 194">
+            <a:extLst>
+              <a:ext uri="{FF2B5EF4-FFF2-40B4-BE49-F238E27FC236}">
+                <a16:creationId xmlns:a16="http://schemas.microsoft.com/office/drawing/2014/main" id="{2D8DAE61-D35C-2EF0-C62D-8FCE60228140}"/>
+              </a:ext>
+            </a:extLst>
+          </p:cNvPr>
+          <p:cNvCxnSpPr>
+            <a:cxnSpLocks/>
+          </p:cNvCxnSpPr>
+          <p:nvPr/>
+        </p:nvCxnSpPr>
+        <p:spPr>
+          <a:xfrm rot="5400000" flipH="1" flipV="1">
+            <a:off x="4512044" y="2581399"/>
+            <a:ext cx="1046758" cy="218483"/>
+          </a:xfrm>
+          <a:prstGeom prst="curvedConnector3">
+            <a:avLst>
+              <a:gd name="adj1" fmla="val 50000"/>
+            </a:avLst>
+          </a:prstGeom>
+          <a:ln>
+            <a:tailEnd type="triangle"/>
+          </a:ln>
+        </p:spPr>
+        <p:style>
+          <a:lnRef idx="2">
+            <a:schemeClr val="accent1"/>
+          </a:lnRef>
+          <a:fillRef idx="0">
+            <a:schemeClr val="accent1"/>
+          </a:fillRef>
+          <a:effectRef idx="1">
+            <a:schemeClr val="accent1"/>
+          </a:effectRef>
+          <a:fontRef idx="minor">
+            <a:schemeClr val="tx1"/>
+          </a:fontRef>
+        </p:style>
+      </p:cxnSp>
+      <p:sp>
+        <p:nvSpPr>
+          <p:cNvPr id="197" name="TextBox 196">
+            <a:extLst>
+              <a:ext uri="{FF2B5EF4-FFF2-40B4-BE49-F238E27FC236}">
+                <a16:creationId xmlns:a16="http://schemas.microsoft.com/office/drawing/2014/main" id="{A1C7D089-ED67-F2A2-05AE-0BD040E61C7C}"/>
+              </a:ext>
+            </a:extLst>
+          </p:cNvPr>
+          <p:cNvSpPr txBox="1"/>
+          <p:nvPr/>
+        </p:nvSpPr>
+        <p:spPr>
+          <a:xfrm>
+            <a:off x="5376769" y="2535073"/>
+            <a:ext cx="409086" cy="276999"/>
+          </a:xfrm>
+          <a:prstGeom prst="rect">
+            <a:avLst/>
+          </a:prstGeom>
+          <a:solidFill>
+            <a:schemeClr val="bg1"/>
+          </a:solidFill>
+        </p:spPr>
+        <p:txBody>
+          <a:bodyPr wrap="none" rtlCol="0">
+            <a:spAutoFit/>
+          </a:bodyPr>
+          <a:lstStyle/>
+          <a:p>
+            <a:r>
+              <a:rPr lang="en-US" sz="1200" dirty="0"/>
+              <a:t>Wq</a:t>
+            </a:r>
+          </a:p>
+        </p:txBody>
+      </p:sp>
+      <p:grpSp>
+        <p:nvGrpSpPr>
+          <p:cNvPr id="198" name="Group 197">
+            <a:extLst>
+              <a:ext uri="{FF2B5EF4-FFF2-40B4-BE49-F238E27FC236}">
+                <a16:creationId xmlns:a16="http://schemas.microsoft.com/office/drawing/2014/main" id="{8E8CD5E0-7B74-63EB-DAEA-30C964F10E5C}"/>
+              </a:ext>
+            </a:extLst>
+          </p:cNvPr>
+          <p:cNvGrpSpPr/>
+          <p:nvPr/>
+        </p:nvGrpSpPr>
+        <p:grpSpPr>
+          <a:xfrm rot="9268224">
+            <a:off x="1207414" y="1605663"/>
+            <a:ext cx="80433" cy="524933"/>
+            <a:chOff x="876300" y="3429000"/>
+            <a:chExt cx="279400" cy="1981200"/>
+          </a:xfrm>
+        </p:grpSpPr>
+        <p:cxnSp>
+          <p:nvCxnSpPr>
+            <p:cNvPr id="199" name="Straight Connector 198">
+              <a:extLst>
+                <a:ext uri="{FF2B5EF4-FFF2-40B4-BE49-F238E27FC236}">
+                  <a16:creationId xmlns:a16="http://schemas.microsoft.com/office/drawing/2014/main" id="{3463E8B2-E7F9-926F-7433-34D4924A20E5}"/>
+                </a:ext>
+              </a:extLst>
+            </p:cNvPr>
+            <p:cNvCxnSpPr/>
+            <p:nvPr/>
+          </p:nvCxnSpPr>
+          <p:spPr>
+            <a:xfrm>
+              <a:off x="1016000" y="3429000"/>
+              <a:ext cx="0" cy="1981200"/>
+            </a:xfrm>
+            <a:prstGeom prst="line">
+              <a:avLst/>
+            </a:prstGeom>
+          </p:spPr>
+          <p:style>
+            <a:lnRef idx="2">
+              <a:schemeClr val="accent1"/>
+            </a:lnRef>
+            <a:fillRef idx="0">
+              <a:schemeClr val="accent1"/>
+            </a:fillRef>
+            <a:effectRef idx="1">
+              <a:schemeClr val="accent1"/>
+            </a:effectRef>
+            <a:fontRef idx="minor">
+              <a:schemeClr val="tx1"/>
+            </a:fontRef>
+          </p:style>
+        </p:cxnSp>
+        <p:cxnSp>
+          <p:nvCxnSpPr>
+            <p:cNvPr id="200" name="Straight Connector 199">
+              <a:extLst>
+                <a:ext uri="{FF2B5EF4-FFF2-40B4-BE49-F238E27FC236}">
+                  <a16:creationId xmlns:a16="http://schemas.microsoft.com/office/drawing/2014/main" id="{1A5F308C-A719-B933-2DFC-9322EFA11EDA}"/>
+                </a:ext>
+              </a:extLst>
+            </p:cNvPr>
+            <p:cNvCxnSpPr>
+              <a:cxnSpLocks/>
+            </p:cNvCxnSpPr>
+            <p:nvPr/>
+          </p:nvCxnSpPr>
+          <p:spPr>
+            <a:xfrm>
+              <a:off x="876300" y="3429000"/>
+              <a:ext cx="279400" cy="0"/>
+            </a:xfrm>
+            <a:prstGeom prst="line">
+              <a:avLst/>
+            </a:prstGeom>
+          </p:spPr>
+          <p:style>
+            <a:lnRef idx="2">
+              <a:schemeClr val="accent1"/>
+            </a:lnRef>
+            <a:fillRef idx="0">
+              <a:schemeClr val="accent1"/>
+            </a:fillRef>
+            <a:effectRef idx="1">
+              <a:schemeClr val="accent1"/>
+            </a:effectRef>
+            <a:fontRef idx="minor">
+              <a:schemeClr val="tx1"/>
+            </a:fontRef>
+          </p:style>
+        </p:cxnSp>
+        <p:cxnSp>
+          <p:nvCxnSpPr>
+            <p:cNvPr id="201" name="Straight Connector 200">
+              <a:extLst>
+                <a:ext uri="{FF2B5EF4-FFF2-40B4-BE49-F238E27FC236}">
+                  <a16:creationId xmlns:a16="http://schemas.microsoft.com/office/drawing/2014/main" id="{9DB6B763-C01C-28C5-2440-3AC5B109A3A0}"/>
+                </a:ext>
+              </a:extLst>
+            </p:cNvPr>
+            <p:cNvCxnSpPr>
+              <a:cxnSpLocks/>
+            </p:cNvCxnSpPr>
+            <p:nvPr/>
+          </p:nvCxnSpPr>
+          <p:spPr>
+            <a:xfrm>
+              <a:off x="876300" y="5410200"/>
+              <a:ext cx="279400" cy="0"/>
+            </a:xfrm>
+            <a:prstGeom prst="line">
+              <a:avLst/>
+            </a:prstGeom>
+          </p:spPr>
+          <p:style>
+            <a:lnRef idx="2">
+              <a:schemeClr val="accent1"/>
+            </a:lnRef>
+            <a:fillRef idx="0">
+              <a:schemeClr val="accent1"/>
+            </a:fillRef>
+            <a:effectRef idx="1">
+              <a:schemeClr val="accent1"/>
+            </a:effectRef>
+            <a:fontRef idx="minor">
+              <a:schemeClr val="tx1"/>
+            </a:fontRef>
+          </p:style>
+        </p:cxnSp>
+        <p:cxnSp>
+          <p:nvCxnSpPr>
+            <p:cNvPr id="202" name="Straight Connector 201">
+              <a:extLst>
+                <a:ext uri="{FF2B5EF4-FFF2-40B4-BE49-F238E27FC236}">
+                  <a16:creationId xmlns:a16="http://schemas.microsoft.com/office/drawing/2014/main" id="{35161DBE-A20A-A698-8CA4-57F1D1ED3796}"/>
+                </a:ext>
+              </a:extLst>
+            </p:cNvPr>
+            <p:cNvCxnSpPr>
+              <a:cxnSpLocks/>
+            </p:cNvCxnSpPr>
+            <p:nvPr/>
+          </p:nvCxnSpPr>
+          <p:spPr>
+            <a:xfrm>
+              <a:off x="876300" y="4419599"/>
+              <a:ext cx="279400" cy="0"/>
+            </a:xfrm>
+            <a:prstGeom prst="line">
+              <a:avLst/>
+            </a:prstGeom>
+          </p:spPr>
+          <p:style>
+            <a:lnRef idx="2">
+              <a:schemeClr val="accent1"/>
+            </a:lnRef>
+            <a:fillRef idx="0">
+              <a:schemeClr val="accent1"/>
+            </a:fillRef>
+            <a:effectRef idx="1">
+              <a:schemeClr val="accent1"/>
+            </a:effectRef>
+            <a:fontRef idx="minor">
+              <a:schemeClr val="tx1"/>
+            </a:fontRef>
+          </p:style>
+        </p:cxnSp>
+        <p:cxnSp>
+          <p:nvCxnSpPr>
+            <p:cNvPr id="203" name="Straight Connector 202">
+              <a:extLst>
+                <a:ext uri="{FF2B5EF4-FFF2-40B4-BE49-F238E27FC236}">
+                  <a16:creationId xmlns:a16="http://schemas.microsoft.com/office/drawing/2014/main" id="{46D47E28-23E3-F51C-A38F-8A075176E77D}"/>
+                </a:ext>
+              </a:extLst>
+            </p:cNvPr>
+            <p:cNvCxnSpPr>
+              <a:cxnSpLocks/>
+            </p:cNvCxnSpPr>
+            <p:nvPr/>
+          </p:nvCxnSpPr>
+          <p:spPr>
+            <a:xfrm>
+              <a:off x="876300" y="3894667"/>
+              <a:ext cx="279400" cy="0"/>
+            </a:xfrm>
+            <a:prstGeom prst="line">
+              <a:avLst/>
+            </a:prstGeom>
+          </p:spPr>
+          <p:style>
+            <a:lnRef idx="2">
+              <a:schemeClr val="accent1"/>
+            </a:lnRef>
+            <a:fillRef idx="0">
+              <a:schemeClr val="accent1"/>
+            </a:fillRef>
+            <a:effectRef idx="1">
+              <a:schemeClr val="accent1"/>
+            </a:effectRef>
+            <a:fontRef idx="minor">
+              <a:schemeClr val="tx1"/>
+            </a:fontRef>
+          </p:style>
+        </p:cxnSp>
+        <p:cxnSp>
+          <p:nvCxnSpPr>
+            <p:cNvPr id="204" name="Straight Connector 203">
+              <a:extLst>
+                <a:ext uri="{FF2B5EF4-FFF2-40B4-BE49-F238E27FC236}">
+                  <a16:creationId xmlns:a16="http://schemas.microsoft.com/office/drawing/2014/main" id="{0E9E07DD-C36E-B948-6EB5-E82A92E675F2}"/>
+                </a:ext>
+              </a:extLst>
+            </p:cNvPr>
+            <p:cNvCxnSpPr>
+              <a:cxnSpLocks/>
+            </p:cNvCxnSpPr>
+            <p:nvPr/>
+          </p:nvCxnSpPr>
+          <p:spPr>
+            <a:xfrm>
+              <a:off x="876300" y="4927600"/>
+              <a:ext cx="279400" cy="0"/>
+            </a:xfrm>
+            <a:prstGeom prst="line">
+              <a:avLst/>
+            </a:prstGeom>
+          </p:spPr>
+          <p:style>
+            <a:lnRef idx="2">
+              <a:schemeClr val="accent1"/>
+            </a:lnRef>
+            <a:fillRef idx="0">
+              <a:schemeClr val="accent1"/>
+            </a:fillRef>
+            <a:effectRef idx="1">
+              <a:schemeClr val="accent1"/>
+            </a:effectRef>
+            <a:fontRef idx="minor">
+              <a:schemeClr val="tx1"/>
+            </a:fontRef>
+          </p:style>
+        </p:cxnSp>
+      </p:grpSp>
+      <p:sp>
+        <p:nvSpPr>
+          <p:cNvPr id="205" name="TextBox 204">
+            <a:extLst>
+              <a:ext uri="{FF2B5EF4-FFF2-40B4-BE49-F238E27FC236}">
+                <a16:creationId xmlns:a16="http://schemas.microsoft.com/office/drawing/2014/main" id="{3E4F7C65-CCD0-523D-4F75-2B0C56D7C367}"/>
+              </a:ext>
+            </a:extLst>
+          </p:cNvPr>
+          <p:cNvSpPr txBox="1"/>
+          <p:nvPr/>
+        </p:nvSpPr>
+        <p:spPr>
+          <a:xfrm>
+            <a:off x="1288892" y="1671954"/>
+            <a:ext cx="594458" cy="276999"/>
+          </a:xfrm>
+          <a:prstGeom prst="rect">
+            <a:avLst/>
+          </a:prstGeom>
+          <a:solidFill>
+            <a:schemeClr val="bg1"/>
+          </a:solidFill>
+        </p:spPr>
+        <p:txBody>
+          <a:bodyPr wrap="none" rtlCol="0">
+            <a:spAutoFit/>
+          </a:bodyPr>
+          <a:lstStyle/>
+          <a:p>
+            <a:r>
+              <a:rPr lang="en-US" sz="1200" dirty="0"/>
+              <a:t>T2 key</a:t>
+            </a:r>
+          </a:p>
+        </p:txBody>
+      </p:sp>
+      <p:cxnSp>
+        <p:nvCxnSpPr>
+          <p:cNvPr id="207" name="Curved Connector 206">
+            <a:extLst>
+              <a:ext uri="{FF2B5EF4-FFF2-40B4-BE49-F238E27FC236}">
+                <a16:creationId xmlns:a16="http://schemas.microsoft.com/office/drawing/2014/main" id="{3AF68375-8A56-7501-9AA0-9050B102DB7A}"/>
+              </a:ext>
+            </a:extLst>
+          </p:cNvPr>
+          <p:cNvCxnSpPr>
+            <a:cxnSpLocks/>
+          </p:cNvCxnSpPr>
+          <p:nvPr/>
+        </p:nvCxnSpPr>
+        <p:spPr>
+          <a:xfrm rot="16200000" flipV="1">
+            <a:off x="988836" y="2549889"/>
+            <a:ext cx="962242" cy="295631"/>
+          </a:xfrm>
+          <a:prstGeom prst="curvedConnector3">
+            <a:avLst>
+              <a:gd name="adj1" fmla="val 50000"/>
+            </a:avLst>
+          </a:prstGeom>
+          <a:ln>
+            <a:tailEnd type="triangle"/>
+          </a:ln>
+        </p:spPr>
+        <p:style>
+          <a:lnRef idx="2">
+            <a:schemeClr val="accent1"/>
+          </a:lnRef>
+          <a:fillRef idx="0">
+            <a:schemeClr val="accent1"/>
+          </a:fillRef>
+          <a:effectRef idx="1">
+            <a:schemeClr val="accent1"/>
+          </a:effectRef>
+          <a:fontRef idx="minor">
+            <a:schemeClr val="tx1"/>
+          </a:fontRef>
+        </p:style>
+      </p:cxnSp>
+      <p:sp>
+        <p:nvSpPr>
+          <p:cNvPr id="208" name="Cube 207">
+            <a:extLst>
+              <a:ext uri="{FF2B5EF4-FFF2-40B4-BE49-F238E27FC236}">
+                <a16:creationId xmlns:a16="http://schemas.microsoft.com/office/drawing/2014/main" id="{826113F9-BCC3-A6F2-BD40-D09C4A5F6AFB}"/>
+              </a:ext>
+            </a:extLst>
+          </p:cNvPr>
+          <p:cNvSpPr/>
+          <p:nvPr/>
+        </p:nvSpPr>
+        <p:spPr>
+          <a:xfrm flipH="1">
+            <a:off x="1591772" y="2603666"/>
+            <a:ext cx="228600" cy="276997"/>
+          </a:xfrm>
+          <a:prstGeom prst="cube">
+            <a:avLst/>
+          </a:prstGeom>
+          <a:solidFill>
+            <a:schemeClr val="bg1"/>
+          </a:solidFill>
+        </p:spPr>
+        <p:style>
+          <a:lnRef idx="2">
+            <a:schemeClr val="accent1">
+              <a:shade val="15000"/>
+            </a:schemeClr>
+          </a:lnRef>
+          <a:fillRef idx="1">
+            <a:schemeClr val="accent1"/>
+          </a:fillRef>
+          <a:effectRef idx="0">
+            <a:schemeClr val="accent1"/>
+          </a:effectRef>
+          <a:fontRef idx="minor">
+            <a:schemeClr val="lt1"/>
+          </a:fontRef>
+        </p:style>
+        <p:txBody>
+          <a:bodyPr rtlCol="0" anchor="ctr"/>
+          <a:lstStyle/>
+          <a:p>
+            <a:pPr algn="ctr"/>
+            <a:endParaRPr lang="en-US"/>
+          </a:p>
+        </p:txBody>
+      </p:sp>
+      <p:sp>
+        <p:nvSpPr>
+          <p:cNvPr id="218" name="Rectangle 217">
+            <a:extLst>
+              <a:ext uri="{FF2B5EF4-FFF2-40B4-BE49-F238E27FC236}">
+                <a16:creationId xmlns:a16="http://schemas.microsoft.com/office/drawing/2014/main" id="{45AD59BA-9351-A6F8-A603-AC0EC86C6A24}"/>
+              </a:ext>
+            </a:extLst>
+          </p:cNvPr>
+          <p:cNvSpPr/>
+          <p:nvPr/>
+        </p:nvSpPr>
+        <p:spPr>
+          <a:xfrm flipV="1">
+            <a:off x="3488208" y="1189690"/>
+            <a:ext cx="127020" cy="107173"/>
+          </a:xfrm>
+          <a:prstGeom prst="rect">
+            <a:avLst/>
+          </a:prstGeom>
+          <a:ln>
+            <a:noFill/>
+          </a:ln>
+        </p:spPr>
+        <p:style>
+          <a:lnRef idx="2">
+            <a:schemeClr val="accent1">
+              <a:shade val="15000"/>
+            </a:schemeClr>
+          </a:lnRef>
+          <a:fillRef idx="1">
+            <a:schemeClr val="accent1"/>
+          </a:fillRef>
+          <a:effectRef idx="0">
+            <a:schemeClr val="accent1"/>
+          </a:effectRef>
+          <a:fontRef idx="minor">
+            <a:schemeClr val="lt1"/>
+          </a:fontRef>
+        </p:style>
+        <p:txBody>
+          <a:bodyPr rtlCol="0" anchor="ctr"/>
+          <a:lstStyle/>
+          <a:p>
+            <a:pPr algn="ctr"/>
+            <a:endParaRPr lang="en-US"/>
+          </a:p>
+        </p:txBody>
+      </p:sp>
+      <p:cxnSp>
+        <p:nvCxnSpPr>
+          <p:cNvPr id="220" name="Curved Connector 219">
+            <a:extLst>
+              <a:ext uri="{FF2B5EF4-FFF2-40B4-BE49-F238E27FC236}">
+                <a16:creationId xmlns:a16="http://schemas.microsoft.com/office/drawing/2014/main" id="{6C12837C-15F9-BEB4-8349-4AC33A3345C6}"/>
+              </a:ext>
+            </a:extLst>
+          </p:cNvPr>
+          <p:cNvCxnSpPr>
+            <a:cxnSpLocks/>
+            <a:endCxn id="218" idx="0"/>
+          </p:cNvCxnSpPr>
+          <p:nvPr/>
+        </p:nvCxnSpPr>
+        <p:spPr>
+          <a:xfrm flipV="1">
+            <a:off x="1288892" y="1296863"/>
+            <a:ext cx="2262826" cy="360814"/>
+          </a:xfrm>
+          <a:prstGeom prst="curvedConnector2">
+            <a:avLst/>
+          </a:prstGeom>
+          <a:ln w="6350">
+            <a:tailEnd type="arrow"/>
+          </a:ln>
+        </p:spPr>
+        <p:style>
+          <a:lnRef idx="2">
+            <a:schemeClr val="accent1"/>
+          </a:lnRef>
+          <a:fillRef idx="0">
+            <a:schemeClr val="accent1"/>
+          </a:fillRef>
+          <a:effectRef idx="1">
+            <a:schemeClr val="accent1"/>
+          </a:effectRef>
+          <a:fontRef idx="minor">
+            <a:schemeClr val="tx1"/>
+          </a:fontRef>
+        </p:style>
+      </p:cxnSp>
+      <p:cxnSp>
+        <p:nvCxnSpPr>
+          <p:cNvPr id="221" name="Curved Connector 220">
+            <a:extLst>
+              <a:ext uri="{FF2B5EF4-FFF2-40B4-BE49-F238E27FC236}">
+                <a16:creationId xmlns:a16="http://schemas.microsoft.com/office/drawing/2014/main" id="{4B3A220A-8E8B-D912-703E-DA7D5DF6AC4E}"/>
+              </a:ext>
+            </a:extLst>
+          </p:cNvPr>
+          <p:cNvCxnSpPr>
+            <a:cxnSpLocks/>
+            <a:endCxn id="218" idx="0"/>
+          </p:cNvCxnSpPr>
+          <p:nvPr/>
+        </p:nvCxnSpPr>
+        <p:spPr>
+          <a:xfrm rot="10800000">
+            <a:off x="3551719" y="1296863"/>
+            <a:ext cx="1374463" cy="457470"/>
+          </a:xfrm>
+          <a:prstGeom prst="curvedConnector2">
+            <a:avLst/>
+          </a:prstGeom>
+          <a:ln w="6350">
+            <a:tailEnd type="arrow"/>
+          </a:ln>
+        </p:spPr>
+        <p:style>
+          <a:lnRef idx="2">
+            <a:schemeClr val="accent1"/>
+          </a:lnRef>
+          <a:fillRef idx="0">
+            <a:schemeClr val="accent1"/>
+          </a:fillRef>
+          <a:effectRef idx="1">
+            <a:schemeClr val="accent1"/>
+          </a:effectRef>
+          <a:fontRef idx="minor">
+            <a:schemeClr val="tx1"/>
+          </a:fontRef>
+        </p:style>
+      </p:cxnSp>
+      <p:grpSp>
+        <p:nvGrpSpPr>
+          <p:cNvPr id="227" name="Group 226">
+            <a:extLst>
+              <a:ext uri="{FF2B5EF4-FFF2-40B4-BE49-F238E27FC236}">
+                <a16:creationId xmlns:a16="http://schemas.microsoft.com/office/drawing/2014/main" id="{4DEE173D-6BEC-1993-C56B-3BCE91D2C507}"/>
+              </a:ext>
+            </a:extLst>
+          </p:cNvPr>
+          <p:cNvGrpSpPr/>
+          <p:nvPr/>
+        </p:nvGrpSpPr>
+        <p:grpSpPr>
+          <a:xfrm rot="6995127">
+            <a:off x="4014381" y="437019"/>
+            <a:ext cx="80433" cy="524933"/>
+            <a:chOff x="876300" y="3429000"/>
+            <a:chExt cx="279400" cy="1981200"/>
+          </a:xfrm>
+        </p:grpSpPr>
+        <p:cxnSp>
+          <p:nvCxnSpPr>
+            <p:cNvPr id="228" name="Straight Connector 227">
+              <a:extLst>
+                <a:ext uri="{FF2B5EF4-FFF2-40B4-BE49-F238E27FC236}">
+                  <a16:creationId xmlns:a16="http://schemas.microsoft.com/office/drawing/2014/main" id="{DF17AEAB-E813-0E6E-C3E8-AC2272E1F2D3}"/>
+                </a:ext>
+              </a:extLst>
+            </p:cNvPr>
+            <p:cNvCxnSpPr/>
+            <p:nvPr/>
+          </p:nvCxnSpPr>
+          <p:spPr>
+            <a:xfrm>
+              <a:off x="1016000" y="3429000"/>
+              <a:ext cx="0" cy="1981200"/>
+            </a:xfrm>
+            <a:prstGeom prst="line">
+              <a:avLst/>
+            </a:prstGeom>
+          </p:spPr>
+          <p:style>
+            <a:lnRef idx="2">
+              <a:schemeClr val="accent1"/>
+            </a:lnRef>
+            <a:fillRef idx="0">
+              <a:schemeClr val="accent1"/>
+            </a:fillRef>
+            <a:effectRef idx="1">
+              <a:schemeClr val="accent1"/>
+            </a:effectRef>
+            <a:fontRef idx="minor">
+              <a:schemeClr val="tx1"/>
+            </a:fontRef>
+          </p:style>
+        </p:cxnSp>
+        <p:cxnSp>
+          <p:nvCxnSpPr>
+            <p:cNvPr id="229" name="Straight Connector 228">
+              <a:extLst>
+                <a:ext uri="{FF2B5EF4-FFF2-40B4-BE49-F238E27FC236}">
+                  <a16:creationId xmlns:a16="http://schemas.microsoft.com/office/drawing/2014/main" id="{9289774C-9594-08B9-45A4-D92AF7DA43E2}"/>
+                </a:ext>
+              </a:extLst>
+            </p:cNvPr>
+            <p:cNvCxnSpPr>
+              <a:cxnSpLocks/>
+            </p:cNvCxnSpPr>
+            <p:nvPr/>
+          </p:nvCxnSpPr>
+          <p:spPr>
+            <a:xfrm>
+              <a:off x="876300" y="3429000"/>
+              <a:ext cx="279400" cy="0"/>
+            </a:xfrm>
+            <a:prstGeom prst="line">
+              <a:avLst/>
+            </a:prstGeom>
+          </p:spPr>
+          <p:style>
+            <a:lnRef idx="2">
+              <a:schemeClr val="accent1"/>
+            </a:lnRef>
+            <a:fillRef idx="0">
+              <a:schemeClr val="accent1"/>
+            </a:fillRef>
+            <a:effectRef idx="1">
+              <a:schemeClr val="accent1"/>
+            </a:effectRef>
+            <a:fontRef idx="minor">
+              <a:schemeClr val="tx1"/>
+            </a:fontRef>
+          </p:style>
+        </p:cxnSp>
+        <p:cxnSp>
+          <p:nvCxnSpPr>
+            <p:cNvPr id="230" name="Straight Connector 229">
+              <a:extLst>
+                <a:ext uri="{FF2B5EF4-FFF2-40B4-BE49-F238E27FC236}">
+                  <a16:creationId xmlns:a16="http://schemas.microsoft.com/office/drawing/2014/main" id="{92387D61-3CBE-CC43-8E9C-5105F05824B4}"/>
+                </a:ext>
+              </a:extLst>
+            </p:cNvPr>
+            <p:cNvCxnSpPr>
+              <a:cxnSpLocks/>
+            </p:cNvCxnSpPr>
+            <p:nvPr/>
+          </p:nvCxnSpPr>
+          <p:spPr>
+            <a:xfrm>
+              <a:off x="876300" y="5410200"/>
+              <a:ext cx="279400" cy="0"/>
+            </a:xfrm>
+            <a:prstGeom prst="line">
+              <a:avLst/>
+            </a:prstGeom>
+          </p:spPr>
+          <p:style>
+            <a:lnRef idx="2">
+              <a:schemeClr val="accent1"/>
+            </a:lnRef>
+            <a:fillRef idx="0">
+              <a:schemeClr val="accent1"/>
+            </a:fillRef>
+            <a:effectRef idx="1">
+              <a:schemeClr val="accent1"/>
+            </a:effectRef>
+            <a:fontRef idx="minor">
+              <a:schemeClr val="tx1"/>
+            </a:fontRef>
+          </p:style>
+        </p:cxnSp>
+        <p:cxnSp>
+          <p:nvCxnSpPr>
+            <p:cNvPr id="231" name="Straight Connector 230">
+              <a:extLst>
+                <a:ext uri="{FF2B5EF4-FFF2-40B4-BE49-F238E27FC236}">
+                  <a16:creationId xmlns:a16="http://schemas.microsoft.com/office/drawing/2014/main" id="{02CF2EEC-C323-41B8-EA7F-53433BF3D703}"/>
+                </a:ext>
+              </a:extLst>
+            </p:cNvPr>
+            <p:cNvCxnSpPr>
+              <a:cxnSpLocks/>
+            </p:cNvCxnSpPr>
+            <p:nvPr/>
+          </p:nvCxnSpPr>
+          <p:spPr>
+            <a:xfrm>
+              <a:off x="876300" y="4419599"/>
+              <a:ext cx="279400" cy="0"/>
+            </a:xfrm>
+            <a:prstGeom prst="line">
+              <a:avLst/>
+            </a:prstGeom>
+          </p:spPr>
+          <p:style>
+            <a:lnRef idx="2">
+              <a:schemeClr val="accent1"/>
+            </a:lnRef>
+            <a:fillRef idx="0">
+              <a:schemeClr val="accent1"/>
+            </a:fillRef>
+            <a:effectRef idx="1">
+              <a:schemeClr val="accent1"/>
+            </a:effectRef>
+            <a:fontRef idx="minor">
+              <a:schemeClr val="tx1"/>
+            </a:fontRef>
+          </p:style>
+        </p:cxnSp>
+        <p:cxnSp>
+          <p:nvCxnSpPr>
+            <p:cNvPr id="232" name="Straight Connector 231">
+              <a:extLst>
+                <a:ext uri="{FF2B5EF4-FFF2-40B4-BE49-F238E27FC236}">
+                  <a16:creationId xmlns:a16="http://schemas.microsoft.com/office/drawing/2014/main" id="{E1BE54E0-7A2A-24D7-D0CA-C5DAFFA5FAB7}"/>
+                </a:ext>
+              </a:extLst>
+            </p:cNvPr>
+            <p:cNvCxnSpPr>
+              <a:cxnSpLocks/>
+            </p:cNvCxnSpPr>
+            <p:nvPr/>
+          </p:nvCxnSpPr>
+          <p:spPr>
+            <a:xfrm>
+              <a:off x="876300" y="3894667"/>
+              <a:ext cx="279400" cy="0"/>
+            </a:xfrm>
+            <a:prstGeom prst="line">
+              <a:avLst/>
+            </a:prstGeom>
+          </p:spPr>
+          <p:style>
+            <a:lnRef idx="2">
+              <a:schemeClr val="accent1"/>
+            </a:lnRef>
+            <a:fillRef idx="0">
+              <a:schemeClr val="accent1"/>
+            </a:fillRef>
+            <a:effectRef idx="1">
+              <a:schemeClr val="accent1"/>
+            </a:effectRef>
+            <a:fontRef idx="minor">
+              <a:schemeClr val="tx1"/>
+            </a:fontRef>
+          </p:style>
+        </p:cxnSp>
+        <p:cxnSp>
+          <p:nvCxnSpPr>
+            <p:cNvPr id="233" name="Straight Connector 232">
+              <a:extLst>
+                <a:ext uri="{FF2B5EF4-FFF2-40B4-BE49-F238E27FC236}">
+                  <a16:creationId xmlns:a16="http://schemas.microsoft.com/office/drawing/2014/main" id="{F6CAE346-0944-A7CA-BBFF-6925C8F8355C}"/>
+                </a:ext>
+              </a:extLst>
+            </p:cNvPr>
+            <p:cNvCxnSpPr>
+              <a:cxnSpLocks/>
+            </p:cNvCxnSpPr>
+            <p:nvPr/>
+          </p:nvCxnSpPr>
+          <p:spPr>
+            <a:xfrm>
+              <a:off x="876300" y="4927600"/>
+              <a:ext cx="279400" cy="0"/>
+            </a:xfrm>
+            <a:prstGeom prst="line">
+              <a:avLst/>
+            </a:prstGeom>
+          </p:spPr>
+          <p:style>
+            <a:lnRef idx="2">
+              <a:schemeClr val="accent1"/>
+            </a:lnRef>
+            <a:fillRef idx="0">
+              <a:schemeClr val="accent1"/>
+            </a:fillRef>
+            <a:effectRef idx="1">
+              <a:schemeClr val="accent1"/>
+            </a:effectRef>
+            <a:fontRef idx="minor">
+              <a:schemeClr val="tx1"/>
+            </a:fontRef>
+          </p:style>
+        </p:cxnSp>
+      </p:grpSp>
+      <p:cxnSp>
+        <p:nvCxnSpPr>
+          <p:cNvPr id="235" name="Curved Connector 234">
+            <a:extLst>
+              <a:ext uri="{FF2B5EF4-FFF2-40B4-BE49-F238E27FC236}">
+                <a16:creationId xmlns:a16="http://schemas.microsoft.com/office/drawing/2014/main" id="{C346FEEF-274D-83CE-98AD-15F778635DE6}"/>
+              </a:ext>
+            </a:extLst>
+          </p:cNvPr>
+          <p:cNvCxnSpPr>
+            <a:cxnSpLocks/>
+          </p:cNvCxnSpPr>
+          <p:nvPr/>
+        </p:nvCxnSpPr>
+        <p:spPr>
+          <a:xfrm rot="5400000" flipH="1" flipV="1">
+            <a:off x="3534810" y="809261"/>
+            <a:ext cx="328539" cy="309033"/>
+          </a:xfrm>
+          <a:prstGeom prst="curvedConnector3">
+            <a:avLst>
+              <a:gd name="adj1" fmla="val 50000"/>
+            </a:avLst>
+          </a:prstGeom>
+          <a:ln w="6350">
+            <a:tailEnd type="triangle"/>
+          </a:ln>
+        </p:spPr>
+        <p:style>
+          <a:lnRef idx="2">
+            <a:schemeClr val="accent1"/>
+          </a:lnRef>
+          <a:fillRef idx="0">
+            <a:schemeClr val="accent1"/>
+          </a:fillRef>
+          <a:effectRef idx="1">
+            <a:schemeClr val="accent1"/>
+          </a:effectRef>
+          <a:fontRef idx="minor">
+            <a:schemeClr val="tx1"/>
+          </a:fontRef>
+        </p:style>
+      </p:cxnSp>
+      <p:sp>
+        <p:nvSpPr>
+          <p:cNvPr id="196" name="Cube 195">
+            <a:extLst>
+              <a:ext uri="{FF2B5EF4-FFF2-40B4-BE49-F238E27FC236}">
+                <a16:creationId xmlns:a16="http://schemas.microsoft.com/office/drawing/2014/main" id="{891686C6-80E8-43D0-4530-0BFD285A04ED}"/>
+              </a:ext>
+            </a:extLst>
+          </p:cNvPr>
+          <p:cNvSpPr/>
+          <p:nvPr/>
+        </p:nvSpPr>
+        <p:spPr>
+          <a:xfrm flipH="1">
+            <a:off x="5170872" y="2427896"/>
+            <a:ext cx="228600" cy="276997"/>
+          </a:xfrm>
+          <a:prstGeom prst="cube">
+            <a:avLst/>
+          </a:prstGeom>
+          <a:solidFill>
+            <a:schemeClr val="bg1"/>
+          </a:solidFill>
+        </p:spPr>
+        <p:style>
+          <a:lnRef idx="2">
+            <a:schemeClr val="accent1">
+              <a:shade val="15000"/>
+            </a:schemeClr>
+          </a:lnRef>
+          <a:fillRef idx="1">
+            <a:schemeClr val="accent1"/>
+          </a:fillRef>
+          <a:effectRef idx="0">
+            <a:schemeClr val="accent1"/>
+          </a:effectRef>
+          <a:fontRef idx="minor">
+            <a:schemeClr val="lt1"/>
+          </a:fontRef>
+        </p:style>
+        <p:txBody>
+          <a:bodyPr rtlCol="0" anchor="ctr"/>
+          <a:lstStyle/>
+          <a:p>
+            <a:pPr algn="ctr"/>
+            <a:endParaRPr lang="en-US"/>
+          </a:p>
+        </p:txBody>
+      </p:sp>
+      <p:sp>
+        <p:nvSpPr>
+          <p:cNvPr id="121" name="Cube 120">
+            <a:extLst>
+              <a:ext uri="{FF2B5EF4-FFF2-40B4-BE49-F238E27FC236}">
+                <a16:creationId xmlns:a16="http://schemas.microsoft.com/office/drawing/2014/main" id="{73710C5E-802F-10D7-8E0D-8D4ED3A7F089}"/>
+              </a:ext>
+            </a:extLst>
+          </p:cNvPr>
+          <p:cNvSpPr/>
+          <p:nvPr/>
+        </p:nvSpPr>
+        <p:spPr>
+          <a:xfrm flipH="1">
+            <a:off x="551248" y="5048535"/>
+            <a:ext cx="228600" cy="276997"/>
+          </a:xfrm>
+          <a:prstGeom prst="cube">
+            <a:avLst/>
+          </a:prstGeom>
+          <a:solidFill>
+            <a:schemeClr val="bg1"/>
+          </a:solidFill>
+        </p:spPr>
+        <p:style>
+          <a:lnRef idx="2">
+            <a:schemeClr val="accent1">
+              <a:shade val="15000"/>
+            </a:schemeClr>
+          </a:lnRef>
+          <a:fillRef idx="1">
+            <a:schemeClr val="accent1"/>
+          </a:fillRef>
+          <a:effectRef idx="0">
+            <a:schemeClr val="accent1"/>
+          </a:effectRef>
+          <a:fontRef idx="minor">
+            <a:schemeClr val="lt1"/>
+          </a:fontRef>
+        </p:style>
+        <p:txBody>
+          <a:bodyPr rtlCol="0" anchor="ctr"/>
+          <a:lstStyle/>
+          <a:p>
+            <a:pPr algn="ctr"/>
+            <a:endParaRPr lang="en-US"/>
+          </a:p>
+        </p:txBody>
+      </p:sp>
+      <p:sp>
+        <p:nvSpPr>
+          <p:cNvPr id="125" name="Cube 124">
+            <a:extLst>
+              <a:ext uri="{FF2B5EF4-FFF2-40B4-BE49-F238E27FC236}">
+                <a16:creationId xmlns:a16="http://schemas.microsoft.com/office/drawing/2014/main" id="{9B6D4BBE-5BBA-458B-204F-8F8013947429}"/>
+              </a:ext>
+            </a:extLst>
+          </p:cNvPr>
+          <p:cNvSpPr/>
+          <p:nvPr/>
+        </p:nvSpPr>
+        <p:spPr>
+          <a:xfrm flipH="1">
+            <a:off x="2575119" y="4996003"/>
+            <a:ext cx="228600" cy="276997"/>
+          </a:xfrm>
+          <a:prstGeom prst="cube">
+            <a:avLst/>
+          </a:prstGeom>
+          <a:solidFill>
+            <a:schemeClr val="bg1"/>
+          </a:solidFill>
+        </p:spPr>
+        <p:style>
+          <a:lnRef idx="2">
+            <a:schemeClr val="accent1">
+              <a:shade val="15000"/>
+            </a:schemeClr>
+          </a:lnRef>
+          <a:fillRef idx="1">
+            <a:schemeClr val="accent1"/>
+          </a:fillRef>
+          <a:effectRef idx="0">
+            <a:schemeClr val="accent1"/>
+          </a:effectRef>
+          <a:fontRef idx="minor">
+            <a:schemeClr val="lt1"/>
+          </a:fontRef>
+        </p:style>
+        <p:txBody>
+          <a:bodyPr rtlCol="0" anchor="ctr"/>
+          <a:lstStyle/>
+          <a:p>
+            <a:pPr algn="ctr"/>
+            <a:endParaRPr lang="en-US"/>
+          </a:p>
+        </p:txBody>
+      </p:sp>
+      <p:sp>
+        <p:nvSpPr>
+          <p:cNvPr id="154" name="Cube 153">
+            <a:extLst>
+              <a:ext uri="{FF2B5EF4-FFF2-40B4-BE49-F238E27FC236}">
+                <a16:creationId xmlns:a16="http://schemas.microsoft.com/office/drawing/2014/main" id="{4A30DB5B-CB0F-D500-9B6E-817345370FED}"/>
+              </a:ext>
+            </a:extLst>
+          </p:cNvPr>
+          <p:cNvSpPr/>
+          <p:nvPr/>
+        </p:nvSpPr>
+        <p:spPr>
+          <a:xfrm flipH="1">
+            <a:off x="1775779" y="4801692"/>
+            <a:ext cx="228600" cy="276997"/>
+          </a:xfrm>
+          <a:prstGeom prst="cube">
+            <a:avLst/>
+          </a:prstGeom>
+          <a:noFill/>
+        </p:spPr>
+        <p:style>
+          <a:lnRef idx="2">
+            <a:schemeClr val="accent1">
+              <a:shade val="15000"/>
+            </a:schemeClr>
+          </a:lnRef>
+          <a:fillRef idx="1">
+            <a:schemeClr val="accent1"/>
+          </a:fillRef>
+          <a:effectRef idx="0">
+            <a:schemeClr val="accent1"/>
+          </a:effectRef>
+          <a:fontRef idx="minor">
+            <a:schemeClr val="lt1"/>
+          </a:fontRef>
+        </p:style>
+        <p:txBody>
+          <a:bodyPr rtlCol="0" anchor="ctr"/>
+          <a:lstStyle/>
+          <a:p>
+            <a:pPr algn="ctr"/>
+            <a:endParaRPr lang="en-US"/>
+          </a:p>
+        </p:txBody>
+      </p:sp>
+      <p:sp>
+        <p:nvSpPr>
+          <p:cNvPr id="158" name="Cube 157">
+            <a:extLst>
+              <a:ext uri="{FF2B5EF4-FFF2-40B4-BE49-F238E27FC236}">
+                <a16:creationId xmlns:a16="http://schemas.microsoft.com/office/drawing/2014/main" id="{8BE45AD0-4664-CE1B-E8BA-EC500C168E58}"/>
+              </a:ext>
+            </a:extLst>
+          </p:cNvPr>
+          <p:cNvSpPr/>
+          <p:nvPr/>
+        </p:nvSpPr>
+        <p:spPr>
+          <a:xfrm flipH="1">
+            <a:off x="4796781" y="4906746"/>
+            <a:ext cx="228600" cy="276997"/>
+          </a:xfrm>
+          <a:prstGeom prst="cube">
+            <a:avLst/>
+          </a:prstGeom>
+          <a:solidFill>
+            <a:schemeClr val="bg1"/>
+          </a:solidFill>
+        </p:spPr>
+        <p:style>
+          <a:lnRef idx="2">
+            <a:schemeClr val="accent1">
+              <a:shade val="15000"/>
+            </a:schemeClr>
+          </a:lnRef>
+          <a:fillRef idx="1">
+            <a:schemeClr val="accent1"/>
+          </a:fillRef>
+          <a:effectRef idx="0">
+            <a:schemeClr val="accent1"/>
+          </a:effectRef>
+          <a:fontRef idx="minor">
+            <a:schemeClr val="lt1"/>
+          </a:fontRef>
+        </p:style>
+        <p:txBody>
+          <a:bodyPr rtlCol="0" anchor="ctr"/>
+          <a:lstStyle/>
+          <a:p>
+            <a:pPr algn="ctr"/>
+            <a:endParaRPr lang="en-US"/>
+          </a:p>
+        </p:txBody>
+      </p:sp>
+      <p:sp>
+        <p:nvSpPr>
+          <p:cNvPr id="237" name="TextBox 236">
+            <a:extLst>
+              <a:ext uri="{FF2B5EF4-FFF2-40B4-BE49-F238E27FC236}">
+                <a16:creationId xmlns:a16="http://schemas.microsoft.com/office/drawing/2014/main" id="{28C29034-1176-C8ED-B343-8ABD40103CB8}"/>
+              </a:ext>
+            </a:extLst>
+          </p:cNvPr>
+          <p:cNvSpPr txBox="1"/>
+          <p:nvPr/>
+        </p:nvSpPr>
+        <p:spPr>
+          <a:xfrm>
+            <a:off x="4100417" y="2313678"/>
+            <a:ext cx="391454" cy="276999"/>
+          </a:xfrm>
+          <a:prstGeom prst="rect">
+            <a:avLst/>
+          </a:prstGeom>
+          <a:solidFill>
+            <a:schemeClr val="bg1"/>
+          </a:solidFill>
+        </p:spPr>
+        <p:txBody>
+          <a:bodyPr wrap="none" rtlCol="0">
+            <a:spAutoFit/>
+          </a:bodyPr>
+          <a:lstStyle/>
+          <a:p>
+            <a:r>
+              <a:rPr lang="en-US" sz="1200" dirty="0"/>
+              <a:t>Wv</a:t>
+            </a:r>
+          </a:p>
+        </p:txBody>
+      </p:sp>
+      <p:sp>
+        <p:nvSpPr>
+          <p:cNvPr id="238" name="Cube 237">
+            <a:extLst>
+              <a:ext uri="{FF2B5EF4-FFF2-40B4-BE49-F238E27FC236}">
+                <a16:creationId xmlns:a16="http://schemas.microsoft.com/office/drawing/2014/main" id="{F9D37FC9-ED40-26C1-589D-2F80C72C1ECF}"/>
+              </a:ext>
+            </a:extLst>
+          </p:cNvPr>
+          <p:cNvSpPr/>
+          <p:nvPr/>
+        </p:nvSpPr>
+        <p:spPr>
+          <a:xfrm flipH="1">
+            <a:off x="3894520" y="2206501"/>
+            <a:ext cx="228600" cy="276997"/>
+          </a:xfrm>
+          <a:prstGeom prst="cube">
+            <a:avLst/>
+          </a:prstGeom>
+          <a:solidFill>
+            <a:schemeClr val="bg1"/>
+          </a:solidFill>
+        </p:spPr>
+        <p:style>
+          <a:lnRef idx="2">
+            <a:schemeClr val="accent1">
+              <a:shade val="15000"/>
+            </a:schemeClr>
+          </a:lnRef>
+          <a:fillRef idx="1">
+            <a:schemeClr val="accent1"/>
+          </a:fillRef>
+          <a:effectRef idx="0">
+            <a:schemeClr val="accent1"/>
+          </a:effectRef>
+          <a:fontRef idx="minor">
+            <a:schemeClr val="lt1"/>
+          </a:fontRef>
+        </p:style>
+        <p:txBody>
+          <a:bodyPr rtlCol="0" anchor="ctr"/>
+          <a:lstStyle/>
+          <a:p>
+            <a:pPr algn="ctr"/>
+            <a:endParaRPr lang="en-US"/>
+          </a:p>
+        </p:txBody>
+      </p:sp>
+      <p:sp>
+        <p:nvSpPr>
+          <p:cNvPr id="219" name="TextBox 218">
+            <a:extLst>
+              <a:ext uri="{FF2B5EF4-FFF2-40B4-BE49-F238E27FC236}">
+                <a16:creationId xmlns:a16="http://schemas.microsoft.com/office/drawing/2014/main" id="{6FC4B9F6-AE78-F65E-B0BC-27E0DD9BB4F2}"/>
+              </a:ext>
+            </a:extLst>
+          </p:cNvPr>
+          <p:cNvSpPr txBox="1"/>
+          <p:nvPr/>
+        </p:nvSpPr>
+        <p:spPr>
+          <a:xfrm>
+            <a:off x="2698738" y="1099796"/>
+            <a:ext cx="781368" cy="276999"/>
+          </a:xfrm>
+          <a:prstGeom prst="rect">
+            <a:avLst/>
+          </a:prstGeom>
+          <a:solidFill>
+            <a:schemeClr val="bg1"/>
+          </a:solidFill>
+        </p:spPr>
+        <p:txBody>
+          <a:bodyPr wrap="none" rtlCol="0">
+            <a:spAutoFit/>
+          </a:bodyPr>
+          <a:lstStyle/>
+          <a:p>
+            <a:r>
+              <a:rPr lang="en-US" sz="1200" dirty="0"/>
+              <a:t>EOU attn</a:t>
+            </a:r>
+          </a:p>
+        </p:txBody>
+      </p:sp>
+      <p:grpSp>
+        <p:nvGrpSpPr>
+          <p:cNvPr id="211" name="Group 210">
+            <a:extLst>
+              <a:ext uri="{FF2B5EF4-FFF2-40B4-BE49-F238E27FC236}">
+                <a16:creationId xmlns:a16="http://schemas.microsoft.com/office/drawing/2014/main" id="{ED79795E-984F-B773-1C82-6A0EE1D71BD6}"/>
+              </a:ext>
+            </a:extLst>
+          </p:cNvPr>
+          <p:cNvGrpSpPr/>
+          <p:nvPr/>
+        </p:nvGrpSpPr>
+        <p:grpSpPr>
+          <a:xfrm rot="16200000">
+            <a:off x="3710458" y="980810"/>
+            <a:ext cx="80433" cy="524933"/>
+            <a:chOff x="876300" y="3429000"/>
+            <a:chExt cx="279400" cy="1981200"/>
+          </a:xfrm>
+        </p:grpSpPr>
+        <p:cxnSp>
+          <p:nvCxnSpPr>
+            <p:cNvPr id="212" name="Straight Connector 211">
+              <a:extLst>
+                <a:ext uri="{FF2B5EF4-FFF2-40B4-BE49-F238E27FC236}">
+                  <a16:creationId xmlns:a16="http://schemas.microsoft.com/office/drawing/2014/main" id="{594EAE8A-71F1-BD8B-8E21-644DECFF1BF1}"/>
+                </a:ext>
+              </a:extLst>
+            </p:cNvPr>
+            <p:cNvCxnSpPr/>
+            <p:nvPr/>
+          </p:nvCxnSpPr>
+          <p:spPr>
+            <a:xfrm>
+              <a:off x="1016000" y="3429000"/>
+              <a:ext cx="0" cy="1981200"/>
+            </a:xfrm>
+            <a:prstGeom prst="line">
+              <a:avLst/>
+            </a:prstGeom>
+          </p:spPr>
+          <p:style>
+            <a:lnRef idx="2">
+              <a:schemeClr val="accent1"/>
+            </a:lnRef>
+            <a:fillRef idx="0">
+              <a:schemeClr val="accent1"/>
+            </a:fillRef>
+            <a:effectRef idx="1">
+              <a:schemeClr val="accent1"/>
+            </a:effectRef>
+            <a:fontRef idx="minor">
+              <a:schemeClr val="tx1"/>
+            </a:fontRef>
+          </p:style>
+        </p:cxnSp>
+        <p:cxnSp>
+          <p:nvCxnSpPr>
+            <p:cNvPr id="213" name="Straight Connector 212">
+              <a:extLst>
+                <a:ext uri="{FF2B5EF4-FFF2-40B4-BE49-F238E27FC236}">
+                  <a16:creationId xmlns:a16="http://schemas.microsoft.com/office/drawing/2014/main" id="{F2452349-65F0-DB62-238C-D3C60DBCB745}"/>
+                </a:ext>
+              </a:extLst>
+            </p:cNvPr>
+            <p:cNvCxnSpPr>
+              <a:cxnSpLocks/>
+            </p:cNvCxnSpPr>
+            <p:nvPr/>
+          </p:nvCxnSpPr>
+          <p:spPr>
+            <a:xfrm>
+              <a:off x="876300" y="3429000"/>
+              <a:ext cx="279400" cy="0"/>
+            </a:xfrm>
+            <a:prstGeom prst="line">
+              <a:avLst/>
+            </a:prstGeom>
+          </p:spPr>
+          <p:style>
+            <a:lnRef idx="2">
+              <a:schemeClr val="accent1"/>
+            </a:lnRef>
+            <a:fillRef idx="0">
+              <a:schemeClr val="accent1"/>
+            </a:fillRef>
+            <a:effectRef idx="1">
+              <a:schemeClr val="accent1"/>
+            </a:effectRef>
+            <a:fontRef idx="minor">
+              <a:schemeClr val="tx1"/>
+            </a:fontRef>
+          </p:style>
+        </p:cxnSp>
+        <p:cxnSp>
+          <p:nvCxnSpPr>
+            <p:cNvPr id="214" name="Straight Connector 213">
+              <a:extLst>
+                <a:ext uri="{FF2B5EF4-FFF2-40B4-BE49-F238E27FC236}">
+                  <a16:creationId xmlns:a16="http://schemas.microsoft.com/office/drawing/2014/main" id="{8F8FC45D-6224-B8B8-8836-D0E198AD6FFE}"/>
+                </a:ext>
+              </a:extLst>
+            </p:cNvPr>
+            <p:cNvCxnSpPr>
+              <a:cxnSpLocks/>
+            </p:cNvCxnSpPr>
+            <p:nvPr/>
+          </p:nvCxnSpPr>
+          <p:spPr>
+            <a:xfrm>
+              <a:off x="876300" y="5410200"/>
+              <a:ext cx="279400" cy="0"/>
+            </a:xfrm>
+            <a:prstGeom prst="line">
+              <a:avLst/>
+            </a:prstGeom>
+          </p:spPr>
+          <p:style>
+            <a:lnRef idx="2">
+              <a:schemeClr val="accent1"/>
+            </a:lnRef>
+            <a:fillRef idx="0">
+              <a:schemeClr val="accent1"/>
+            </a:fillRef>
+            <a:effectRef idx="1">
+              <a:schemeClr val="accent1"/>
+            </a:effectRef>
+            <a:fontRef idx="minor">
+              <a:schemeClr val="tx1"/>
+            </a:fontRef>
+          </p:style>
+        </p:cxnSp>
+        <p:cxnSp>
+          <p:nvCxnSpPr>
+            <p:cNvPr id="215" name="Straight Connector 214">
+              <a:extLst>
+                <a:ext uri="{FF2B5EF4-FFF2-40B4-BE49-F238E27FC236}">
+                  <a16:creationId xmlns:a16="http://schemas.microsoft.com/office/drawing/2014/main" id="{C9276235-5191-D6D1-1DD6-05AA757A3C37}"/>
+                </a:ext>
+              </a:extLst>
+            </p:cNvPr>
+            <p:cNvCxnSpPr>
+              <a:cxnSpLocks/>
+            </p:cNvCxnSpPr>
+            <p:nvPr/>
+          </p:nvCxnSpPr>
+          <p:spPr>
+            <a:xfrm>
+              <a:off x="876300" y="4419599"/>
+              <a:ext cx="279400" cy="0"/>
+            </a:xfrm>
+            <a:prstGeom prst="line">
+              <a:avLst/>
+            </a:prstGeom>
+          </p:spPr>
+          <p:style>
+            <a:lnRef idx="2">
+              <a:schemeClr val="accent1"/>
+            </a:lnRef>
+            <a:fillRef idx="0">
+              <a:schemeClr val="accent1"/>
+            </a:fillRef>
+            <a:effectRef idx="1">
+              <a:schemeClr val="accent1"/>
+            </a:effectRef>
+            <a:fontRef idx="minor">
+              <a:schemeClr val="tx1"/>
+            </a:fontRef>
+          </p:style>
+        </p:cxnSp>
+        <p:cxnSp>
+          <p:nvCxnSpPr>
+            <p:cNvPr id="216" name="Straight Connector 215">
+              <a:extLst>
+                <a:ext uri="{FF2B5EF4-FFF2-40B4-BE49-F238E27FC236}">
+                  <a16:creationId xmlns:a16="http://schemas.microsoft.com/office/drawing/2014/main" id="{9EC3D97E-F6BB-7678-60A9-031787CD9CA9}"/>
+                </a:ext>
+              </a:extLst>
+            </p:cNvPr>
+            <p:cNvCxnSpPr>
+              <a:cxnSpLocks/>
+            </p:cNvCxnSpPr>
+            <p:nvPr/>
+          </p:nvCxnSpPr>
+          <p:spPr>
+            <a:xfrm>
+              <a:off x="876300" y="3894667"/>
+              <a:ext cx="279400" cy="0"/>
+            </a:xfrm>
+            <a:prstGeom prst="line">
+              <a:avLst/>
+            </a:prstGeom>
+          </p:spPr>
+          <p:style>
+            <a:lnRef idx="2">
+              <a:schemeClr val="accent1"/>
+            </a:lnRef>
+            <a:fillRef idx="0">
+              <a:schemeClr val="accent1"/>
+            </a:fillRef>
+            <a:effectRef idx="1">
+              <a:schemeClr val="accent1"/>
+            </a:effectRef>
+            <a:fontRef idx="minor">
+              <a:schemeClr val="tx1"/>
+            </a:fontRef>
+          </p:style>
+        </p:cxnSp>
+        <p:cxnSp>
+          <p:nvCxnSpPr>
+            <p:cNvPr id="217" name="Straight Connector 216">
+              <a:extLst>
+                <a:ext uri="{FF2B5EF4-FFF2-40B4-BE49-F238E27FC236}">
+                  <a16:creationId xmlns:a16="http://schemas.microsoft.com/office/drawing/2014/main" id="{99A9AD62-532D-6119-9035-1A176C55D84B}"/>
+                </a:ext>
+              </a:extLst>
+            </p:cNvPr>
+            <p:cNvCxnSpPr>
+              <a:cxnSpLocks/>
+            </p:cNvCxnSpPr>
+            <p:nvPr/>
+          </p:nvCxnSpPr>
+          <p:spPr>
+            <a:xfrm>
+              <a:off x="876300" y="4927600"/>
+              <a:ext cx="279400" cy="0"/>
+            </a:xfrm>
+            <a:prstGeom prst="line">
+              <a:avLst/>
+            </a:prstGeom>
+          </p:spPr>
+          <p:style>
+            <a:lnRef idx="2">
+              <a:schemeClr val="accent1"/>
+            </a:lnRef>
+            <a:fillRef idx="0">
+              <a:schemeClr val="accent1"/>
+            </a:fillRef>
+            <a:effectRef idx="1">
+              <a:schemeClr val="accent1"/>
+            </a:effectRef>
+            <a:fontRef idx="minor">
+              <a:schemeClr val="tx1"/>
+            </a:fontRef>
+          </p:style>
+        </p:cxnSp>
+      </p:grpSp>
+      <p:grpSp>
+        <p:nvGrpSpPr>
+          <p:cNvPr id="186" name="Group 185">
+            <a:extLst>
+              <a:ext uri="{FF2B5EF4-FFF2-40B4-BE49-F238E27FC236}">
+                <a16:creationId xmlns:a16="http://schemas.microsoft.com/office/drawing/2014/main" id="{4D2E8F63-CC0E-4C6A-D9AB-ECC23B059321}"/>
+              </a:ext>
+            </a:extLst>
+          </p:cNvPr>
+          <p:cNvGrpSpPr/>
+          <p:nvPr/>
+        </p:nvGrpSpPr>
+        <p:grpSpPr>
+          <a:xfrm rot="9506957">
+            <a:off x="4994437" y="1564058"/>
+            <a:ext cx="80433" cy="524933"/>
+            <a:chOff x="876300" y="3429000"/>
+            <a:chExt cx="279400" cy="1981200"/>
+          </a:xfrm>
+        </p:grpSpPr>
+        <p:cxnSp>
+          <p:nvCxnSpPr>
+            <p:cNvPr id="187" name="Straight Connector 186">
+              <a:extLst>
+                <a:ext uri="{FF2B5EF4-FFF2-40B4-BE49-F238E27FC236}">
+                  <a16:creationId xmlns:a16="http://schemas.microsoft.com/office/drawing/2014/main" id="{54E8F4D1-8BF9-5D3C-F763-C691D5D7EDA3}"/>
+                </a:ext>
+              </a:extLst>
+            </p:cNvPr>
+            <p:cNvCxnSpPr/>
+            <p:nvPr/>
+          </p:nvCxnSpPr>
+          <p:spPr>
+            <a:xfrm>
+              <a:off x="1016000" y="3429000"/>
+              <a:ext cx="0" cy="1981200"/>
+            </a:xfrm>
+            <a:prstGeom prst="line">
+              <a:avLst/>
+            </a:prstGeom>
+          </p:spPr>
+          <p:style>
+            <a:lnRef idx="2">
+              <a:schemeClr val="accent1"/>
+            </a:lnRef>
+            <a:fillRef idx="0">
+              <a:schemeClr val="accent1"/>
+            </a:fillRef>
+            <a:effectRef idx="1">
+              <a:schemeClr val="accent1"/>
+            </a:effectRef>
+            <a:fontRef idx="minor">
+              <a:schemeClr val="tx1"/>
+            </a:fontRef>
+          </p:style>
+        </p:cxnSp>
+        <p:cxnSp>
+          <p:nvCxnSpPr>
+            <p:cNvPr id="188" name="Straight Connector 187">
+              <a:extLst>
+                <a:ext uri="{FF2B5EF4-FFF2-40B4-BE49-F238E27FC236}">
+                  <a16:creationId xmlns:a16="http://schemas.microsoft.com/office/drawing/2014/main" id="{EAB49F80-B155-684D-25C6-C902023A85EA}"/>
+                </a:ext>
+              </a:extLst>
+            </p:cNvPr>
+            <p:cNvCxnSpPr>
+              <a:cxnSpLocks/>
+            </p:cNvCxnSpPr>
+            <p:nvPr/>
+          </p:nvCxnSpPr>
+          <p:spPr>
+            <a:xfrm>
+              <a:off x="876300" y="3429000"/>
+              <a:ext cx="279400" cy="0"/>
+            </a:xfrm>
+            <a:prstGeom prst="line">
+              <a:avLst/>
+            </a:prstGeom>
+          </p:spPr>
+          <p:style>
+            <a:lnRef idx="2">
+              <a:schemeClr val="accent1"/>
+            </a:lnRef>
+            <a:fillRef idx="0">
+              <a:schemeClr val="accent1"/>
+            </a:fillRef>
+            <a:effectRef idx="1">
+              <a:schemeClr val="accent1"/>
+            </a:effectRef>
+            <a:fontRef idx="minor">
+              <a:schemeClr val="tx1"/>
+            </a:fontRef>
+          </p:style>
+        </p:cxnSp>
+        <p:cxnSp>
+          <p:nvCxnSpPr>
+            <p:cNvPr id="189" name="Straight Connector 188">
+              <a:extLst>
+                <a:ext uri="{FF2B5EF4-FFF2-40B4-BE49-F238E27FC236}">
+                  <a16:creationId xmlns:a16="http://schemas.microsoft.com/office/drawing/2014/main" id="{E6760462-22F9-84B4-429C-74001D60A644}"/>
+                </a:ext>
+              </a:extLst>
+            </p:cNvPr>
+            <p:cNvCxnSpPr>
+              <a:cxnSpLocks/>
+            </p:cNvCxnSpPr>
+            <p:nvPr/>
+          </p:nvCxnSpPr>
+          <p:spPr>
+            <a:xfrm>
+              <a:off x="876300" y="5410200"/>
+              <a:ext cx="279400" cy="0"/>
+            </a:xfrm>
+            <a:prstGeom prst="line">
+              <a:avLst/>
+            </a:prstGeom>
+          </p:spPr>
+          <p:style>
+            <a:lnRef idx="2">
+              <a:schemeClr val="accent1"/>
+            </a:lnRef>
+            <a:fillRef idx="0">
+              <a:schemeClr val="accent1"/>
+            </a:fillRef>
+            <a:effectRef idx="1">
+              <a:schemeClr val="accent1"/>
+            </a:effectRef>
+            <a:fontRef idx="minor">
+              <a:schemeClr val="tx1"/>
+            </a:fontRef>
+          </p:style>
+        </p:cxnSp>
+        <p:cxnSp>
+          <p:nvCxnSpPr>
+            <p:cNvPr id="190" name="Straight Connector 189">
+              <a:extLst>
+                <a:ext uri="{FF2B5EF4-FFF2-40B4-BE49-F238E27FC236}">
+                  <a16:creationId xmlns:a16="http://schemas.microsoft.com/office/drawing/2014/main" id="{273710B9-6742-7C21-60CD-92083551EC24}"/>
+                </a:ext>
+              </a:extLst>
+            </p:cNvPr>
+            <p:cNvCxnSpPr>
+              <a:cxnSpLocks/>
+            </p:cNvCxnSpPr>
+            <p:nvPr/>
+          </p:nvCxnSpPr>
+          <p:spPr>
+            <a:xfrm>
+              <a:off x="876300" y="4419599"/>
+              <a:ext cx="279400" cy="0"/>
+            </a:xfrm>
+            <a:prstGeom prst="line">
+              <a:avLst/>
+            </a:prstGeom>
+          </p:spPr>
+          <p:style>
+            <a:lnRef idx="2">
+              <a:schemeClr val="accent1"/>
+            </a:lnRef>
+            <a:fillRef idx="0">
+              <a:schemeClr val="accent1"/>
+            </a:fillRef>
+            <a:effectRef idx="1">
+              <a:schemeClr val="accent1"/>
+            </a:effectRef>
+            <a:fontRef idx="minor">
+              <a:schemeClr val="tx1"/>
+            </a:fontRef>
+          </p:style>
+        </p:cxnSp>
+        <p:cxnSp>
+          <p:nvCxnSpPr>
+            <p:cNvPr id="191" name="Straight Connector 190">
+              <a:extLst>
+                <a:ext uri="{FF2B5EF4-FFF2-40B4-BE49-F238E27FC236}">
+                  <a16:creationId xmlns:a16="http://schemas.microsoft.com/office/drawing/2014/main" id="{9AF050E9-6679-4DA1-27CB-CFD89C14AD68}"/>
+                </a:ext>
+              </a:extLst>
+            </p:cNvPr>
+            <p:cNvCxnSpPr>
+              <a:cxnSpLocks/>
+            </p:cNvCxnSpPr>
+            <p:nvPr/>
+          </p:nvCxnSpPr>
+          <p:spPr>
+            <a:xfrm>
+              <a:off x="876300" y="3894667"/>
+              <a:ext cx="279400" cy="0"/>
+            </a:xfrm>
+            <a:prstGeom prst="line">
+              <a:avLst/>
+            </a:prstGeom>
+          </p:spPr>
+          <p:style>
+            <a:lnRef idx="2">
+              <a:schemeClr val="accent1"/>
+            </a:lnRef>
+            <a:fillRef idx="0">
+              <a:schemeClr val="accent1"/>
+            </a:fillRef>
+            <a:effectRef idx="1">
+              <a:schemeClr val="accent1"/>
+            </a:effectRef>
+            <a:fontRef idx="minor">
+              <a:schemeClr val="tx1"/>
+            </a:fontRef>
+          </p:style>
+        </p:cxnSp>
+        <p:cxnSp>
+          <p:nvCxnSpPr>
+            <p:cNvPr id="192" name="Straight Connector 191">
+              <a:extLst>
+                <a:ext uri="{FF2B5EF4-FFF2-40B4-BE49-F238E27FC236}">
+                  <a16:creationId xmlns:a16="http://schemas.microsoft.com/office/drawing/2014/main" id="{673B2C2A-D26A-4DE7-ADCC-6AC0BEB3641E}"/>
+                </a:ext>
+              </a:extLst>
+            </p:cNvPr>
+            <p:cNvCxnSpPr>
+              <a:cxnSpLocks/>
+            </p:cNvCxnSpPr>
+            <p:nvPr/>
+          </p:nvCxnSpPr>
+          <p:spPr>
+            <a:xfrm>
+              <a:off x="876300" y="4927600"/>
+              <a:ext cx="279400" cy="0"/>
+            </a:xfrm>
+            <a:prstGeom prst="line">
+              <a:avLst/>
+            </a:prstGeom>
+          </p:spPr>
+          <p:style>
+            <a:lnRef idx="2">
+              <a:schemeClr val="accent1"/>
+            </a:lnRef>
+            <a:fillRef idx="0">
+              <a:schemeClr val="accent1"/>
+            </a:fillRef>
+            <a:effectRef idx="1">
+              <a:schemeClr val="accent1"/>
+            </a:effectRef>
+            <a:fontRef idx="minor">
+              <a:schemeClr val="tx1"/>
+            </a:fontRef>
+          </p:style>
+        </p:cxnSp>
+      </p:grpSp>
+      <p:grpSp>
+        <p:nvGrpSpPr>
+          <p:cNvPr id="137" name="Group 136">
+            <a:extLst>
+              <a:ext uri="{FF2B5EF4-FFF2-40B4-BE49-F238E27FC236}">
+                <a16:creationId xmlns:a16="http://schemas.microsoft.com/office/drawing/2014/main" id="{095289B8-F8D3-60CB-0804-1ED264D95F99}"/>
+              </a:ext>
+            </a:extLst>
+          </p:cNvPr>
+          <p:cNvGrpSpPr/>
+          <p:nvPr/>
+        </p:nvGrpSpPr>
+        <p:grpSpPr>
+          <a:xfrm rot="5400000">
+            <a:off x="1761481" y="3035083"/>
+            <a:ext cx="80433" cy="524933"/>
+            <a:chOff x="876300" y="3429000"/>
+            <a:chExt cx="279400" cy="1981200"/>
+          </a:xfrm>
+        </p:grpSpPr>
+        <p:cxnSp>
+          <p:nvCxnSpPr>
+            <p:cNvPr id="138" name="Straight Connector 137">
+              <a:extLst>
+                <a:ext uri="{FF2B5EF4-FFF2-40B4-BE49-F238E27FC236}">
+                  <a16:creationId xmlns:a16="http://schemas.microsoft.com/office/drawing/2014/main" id="{274B8166-BED2-2441-F4A7-7F04CBDC3621}"/>
+                </a:ext>
+              </a:extLst>
+            </p:cNvPr>
+            <p:cNvCxnSpPr/>
+            <p:nvPr/>
+          </p:nvCxnSpPr>
+          <p:spPr>
+            <a:xfrm>
+              <a:off x="1016000" y="3429000"/>
+              <a:ext cx="0" cy="1981200"/>
+            </a:xfrm>
+            <a:prstGeom prst="line">
+              <a:avLst/>
+            </a:prstGeom>
+          </p:spPr>
+          <p:style>
+            <a:lnRef idx="2">
+              <a:schemeClr val="accent1"/>
+            </a:lnRef>
+            <a:fillRef idx="0">
+              <a:schemeClr val="accent1"/>
+            </a:fillRef>
+            <a:effectRef idx="1">
+              <a:schemeClr val="accent1"/>
+            </a:effectRef>
+            <a:fontRef idx="minor">
+              <a:schemeClr val="tx1"/>
+            </a:fontRef>
+          </p:style>
+        </p:cxnSp>
+        <p:cxnSp>
+          <p:nvCxnSpPr>
+            <p:cNvPr id="139" name="Straight Connector 138">
+              <a:extLst>
+                <a:ext uri="{FF2B5EF4-FFF2-40B4-BE49-F238E27FC236}">
+                  <a16:creationId xmlns:a16="http://schemas.microsoft.com/office/drawing/2014/main" id="{FE4EFED5-65A7-69C6-230E-921CD35A1DF0}"/>
+                </a:ext>
+              </a:extLst>
+            </p:cNvPr>
+            <p:cNvCxnSpPr>
+              <a:cxnSpLocks/>
+            </p:cNvCxnSpPr>
+            <p:nvPr/>
+          </p:nvCxnSpPr>
+          <p:spPr>
+            <a:xfrm>
+              <a:off x="876300" y="3429000"/>
+              <a:ext cx="279400" cy="0"/>
+            </a:xfrm>
+            <a:prstGeom prst="line">
+              <a:avLst/>
+            </a:prstGeom>
+          </p:spPr>
+          <p:style>
+            <a:lnRef idx="2">
+              <a:schemeClr val="accent1"/>
+            </a:lnRef>
+            <a:fillRef idx="0">
+              <a:schemeClr val="accent1"/>
+            </a:fillRef>
+            <a:effectRef idx="1">
+              <a:schemeClr val="accent1"/>
+            </a:effectRef>
+            <a:fontRef idx="minor">
+              <a:schemeClr val="tx1"/>
+            </a:fontRef>
+          </p:style>
+        </p:cxnSp>
+        <p:cxnSp>
+          <p:nvCxnSpPr>
+            <p:cNvPr id="140" name="Straight Connector 139">
+              <a:extLst>
+                <a:ext uri="{FF2B5EF4-FFF2-40B4-BE49-F238E27FC236}">
+                  <a16:creationId xmlns:a16="http://schemas.microsoft.com/office/drawing/2014/main" id="{A6B184AC-CC9E-7783-70E6-67ECCA0875A9}"/>
+                </a:ext>
+              </a:extLst>
+            </p:cNvPr>
+            <p:cNvCxnSpPr>
+              <a:cxnSpLocks/>
+            </p:cNvCxnSpPr>
+            <p:nvPr/>
+          </p:nvCxnSpPr>
+          <p:spPr>
+            <a:xfrm>
+              <a:off x="876300" y="5410200"/>
+              <a:ext cx="279400" cy="0"/>
+            </a:xfrm>
+            <a:prstGeom prst="line">
+              <a:avLst/>
+            </a:prstGeom>
+          </p:spPr>
+          <p:style>
+            <a:lnRef idx="2">
+              <a:schemeClr val="accent1"/>
+            </a:lnRef>
+            <a:fillRef idx="0">
+              <a:schemeClr val="accent1"/>
+            </a:fillRef>
+            <a:effectRef idx="1">
+              <a:schemeClr val="accent1"/>
+            </a:effectRef>
+            <a:fontRef idx="minor">
+              <a:schemeClr val="tx1"/>
+            </a:fontRef>
+          </p:style>
+        </p:cxnSp>
+        <p:cxnSp>
+          <p:nvCxnSpPr>
+            <p:cNvPr id="141" name="Straight Connector 140">
+              <a:extLst>
+                <a:ext uri="{FF2B5EF4-FFF2-40B4-BE49-F238E27FC236}">
+                  <a16:creationId xmlns:a16="http://schemas.microsoft.com/office/drawing/2014/main" id="{53D6E370-9338-0C5D-892F-C638A590D1DE}"/>
+                </a:ext>
+              </a:extLst>
+            </p:cNvPr>
+            <p:cNvCxnSpPr>
+              <a:cxnSpLocks/>
+            </p:cNvCxnSpPr>
+            <p:nvPr/>
+          </p:nvCxnSpPr>
+          <p:spPr>
+            <a:xfrm>
+              <a:off x="876300" y="4419599"/>
+              <a:ext cx="279400" cy="0"/>
+            </a:xfrm>
+            <a:prstGeom prst="line">
+              <a:avLst/>
+            </a:prstGeom>
+          </p:spPr>
+          <p:style>
+            <a:lnRef idx="2">
+              <a:schemeClr val="accent1"/>
+            </a:lnRef>
+            <a:fillRef idx="0">
+              <a:schemeClr val="accent1"/>
+            </a:fillRef>
+            <a:effectRef idx="1">
+              <a:schemeClr val="accent1"/>
+            </a:effectRef>
+            <a:fontRef idx="minor">
+              <a:schemeClr val="tx1"/>
+            </a:fontRef>
+          </p:style>
+        </p:cxnSp>
+        <p:cxnSp>
+          <p:nvCxnSpPr>
+            <p:cNvPr id="142" name="Straight Connector 141">
+              <a:extLst>
+                <a:ext uri="{FF2B5EF4-FFF2-40B4-BE49-F238E27FC236}">
+                  <a16:creationId xmlns:a16="http://schemas.microsoft.com/office/drawing/2014/main" id="{0562AD1F-34DD-8744-F5BF-B87F2A1DA0AA}"/>
+                </a:ext>
+              </a:extLst>
+            </p:cNvPr>
+            <p:cNvCxnSpPr>
+              <a:cxnSpLocks/>
+            </p:cNvCxnSpPr>
+            <p:nvPr/>
+          </p:nvCxnSpPr>
+          <p:spPr>
+            <a:xfrm>
+              <a:off x="876300" y="3894667"/>
+              <a:ext cx="279400" cy="0"/>
+            </a:xfrm>
+            <a:prstGeom prst="line">
+              <a:avLst/>
+            </a:prstGeom>
+          </p:spPr>
+          <p:style>
+            <a:lnRef idx="2">
+              <a:schemeClr val="accent1"/>
+            </a:lnRef>
+            <a:fillRef idx="0">
+              <a:schemeClr val="accent1"/>
+            </a:fillRef>
+            <a:effectRef idx="1">
+              <a:schemeClr val="accent1"/>
+            </a:effectRef>
+            <a:fontRef idx="minor">
+              <a:schemeClr val="tx1"/>
+            </a:fontRef>
+          </p:style>
+        </p:cxnSp>
+        <p:cxnSp>
+          <p:nvCxnSpPr>
+            <p:cNvPr id="143" name="Straight Connector 142">
+              <a:extLst>
+                <a:ext uri="{FF2B5EF4-FFF2-40B4-BE49-F238E27FC236}">
+                  <a16:creationId xmlns:a16="http://schemas.microsoft.com/office/drawing/2014/main" id="{FAF30D67-00D6-A425-BADF-CB64781E8A77}"/>
+                </a:ext>
+              </a:extLst>
+            </p:cNvPr>
+            <p:cNvCxnSpPr>
+              <a:cxnSpLocks/>
+            </p:cNvCxnSpPr>
+            <p:nvPr/>
+          </p:nvCxnSpPr>
+          <p:spPr>
+            <a:xfrm>
+              <a:off x="876300" y="4927600"/>
+              <a:ext cx="279400" cy="0"/>
+            </a:xfrm>
+            <a:prstGeom prst="line">
+              <a:avLst/>
+            </a:prstGeom>
+          </p:spPr>
+          <p:style>
+            <a:lnRef idx="2">
+              <a:schemeClr val="accent1"/>
+            </a:lnRef>
+            <a:fillRef idx="0">
+              <a:schemeClr val="accent1"/>
+            </a:fillRef>
+            <a:effectRef idx="1">
+              <a:schemeClr val="accent1"/>
+            </a:effectRef>
+            <a:fontRef idx="minor">
+              <a:schemeClr val="tx1"/>
+            </a:fontRef>
+          </p:style>
+        </p:cxnSp>
+      </p:grpSp>
+      <p:grpSp>
+        <p:nvGrpSpPr>
+          <p:cNvPr id="99" name="Group 98">
+            <a:extLst>
+              <a:ext uri="{FF2B5EF4-FFF2-40B4-BE49-F238E27FC236}">
+                <a16:creationId xmlns:a16="http://schemas.microsoft.com/office/drawing/2014/main" id="{B7264ED3-19F8-3764-0F96-05B046611520}"/>
+              </a:ext>
+            </a:extLst>
+          </p:cNvPr>
+          <p:cNvGrpSpPr/>
+          <p:nvPr/>
+        </p:nvGrpSpPr>
+        <p:grpSpPr>
+          <a:xfrm rot="11516355">
+            <a:off x="498945" y="4196129"/>
+            <a:ext cx="80433" cy="524933"/>
+            <a:chOff x="876300" y="3429000"/>
+            <a:chExt cx="279400" cy="1981200"/>
+          </a:xfrm>
+        </p:grpSpPr>
+        <p:cxnSp>
+          <p:nvCxnSpPr>
+            <p:cNvPr id="100" name="Straight Connector 99">
+              <a:extLst>
+                <a:ext uri="{FF2B5EF4-FFF2-40B4-BE49-F238E27FC236}">
+                  <a16:creationId xmlns:a16="http://schemas.microsoft.com/office/drawing/2014/main" id="{57239B40-A74C-990D-5D8D-DE9667D14A4D}"/>
+                </a:ext>
+              </a:extLst>
+            </p:cNvPr>
+            <p:cNvCxnSpPr/>
+            <p:nvPr/>
+          </p:nvCxnSpPr>
+          <p:spPr>
+            <a:xfrm>
+              <a:off x="1016000" y="3429000"/>
+              <a:ext cx="0" cy="1981200"/>
+            </a:xfrm>
+            <a:prstGeom prst="line">
+              <a:avLst/>
+            </a:prstGeom>
+          </p:spPr>
+          <p:style>
+            <a:lnRef idx="2">
+              <a:schemeClr val="accent1"/>
+            </a:lnRef>
+            <a:fillRef idx="0">
+              <a:schemeClr val="accent1"/>
+            </a:fillRef>
+            <a:effectRef idx="1">
+              <a:schemeClr val="accent1"/>
+            </a:effectRef>
+            <a:fontRef idx="minor">
+              <a:schemeClr val="tx1"/>
+            </a:fontRef>
+          </p:style>
+        </p:cxnSp>
+        <p:cxnSp>
+          <p:nvCxnSpPr>
+            <p:cNvPr id="101" name="Straight Connector 100">
+              <a:extLst>
+                <a:ext uri="{FF2B5EF4-FFF2-40B4-BE49-F238E27FC236}">
+                  <a16:creationId xmlns:a16="http://schemas.microsoft.com/office/drawing/2014/main" id="{0DD3AD11-73C2-5542-68D4-0DA0A90120B7}"/>
+                </a:ext>
+              </a:extLst>
+            </p:cNvPr>
+            <p:cNvCxnSpPr>
+              <a:cxnSpLocks/>
+            </p:cNvCxnSpPr>
+            <p:nvPr/>
+          </p:nvCxnSpPr>
+          <p:spPr>
+            <a:xfrm>
+              <a:off x="876300" y="3429000"/>
+              <a:ext cx="279400" cy="0"/>
+            </a:xfrm>
+            <a:prstGeom prst="line">
+              <a:avLst/>
+            </a:prstGeom>
+          </p:spPr>
+          <p:style>
+            <a:lnRef idx="2">
+              <a:schemeClr val="accent1"/>
+            </a:lnRef>
+            <a:fillRef idx="0">
+              <a:schemeClr val="accent1"/>
+            </a:fillRef>
+            <a:effectRef idx="1">
+              <a:schemeClr val="accent1"/>
+            </a:effectRef>
+            <a:fontRef idx="minor">
+              <a:schemeClr val="tx1"/>
+            </a:fontRef>
+          </p:style>
+        </p:cxnSp>
+        <p:cxnSp>
+          <p:nvCxnSpPr>
+            <p:cNvPr id="102" name="Straight Connector 101">
+              <a:extLst>
+                <a:ext uri="{FF2B5EF4-FFF2-40B4-BE49-F238E27FC236}">
+                  <a16:creationId xmlns:a16="http://schemas.microsoft.com/office/drawing/2014/main" id="{9C8A756E-B177-EAE8-22C6-35E1602B3F20}"/>
+                </a:ext>
+              </a:extLst>
+            </p:cNvPr>
+            <p:cNvCxnSpPr>
+              <a:cxnSpLocks/>
+            </p:cNvCxnSpPr>
+            <p:nvPr/>
+          </p:nvCxnSpPr>
+          <p:spPr>
+            <a:xfrm>
+              <a:off x="876300" y="5410200"/>
+              <a:ext cx="279400" cy="0"/>
+            </a:xfrm>
+            <a:prstGeom prst="line">
+              <a:avLst/>
+            </a:prstGeom>
+          </p:spPr>
+          <p:style>
+            <a:lnRef idx="2">
+              <a:schemeClr val="accent1"/>
+            </a:lnRef>
+            <a:fillRef idx="0">
+              <a:schemeClr val="accent1"/>
+            </a:fillRef>
+            <a:effectRef idx="1">
+              <a:schemeClr val="accent1"/>
+            </a:effectRef>
+            <a:fontRef idx="minor">
+              <a:schemeClr val="tx1"/>
+            </a:fontRef>
+          </p:style>
+        </p:cxnSp>
+        <p:cxnSp>
+          <p:nvCxnSpPr>
+            <p:cNvPr id="103" name="Straight Connector 102">
+              <a:extLst>
+                <a:ext uri="{FF2B5EF4-FFF2-40B4-BE49-F238E27FC236}">
+                  <a16:creationId xmlns:a16="http://schemas.microsoft.com/office/drawing/2014/main" id="{D6ACD211-834C-8BFA-31FB-D7412C8E90EB}"/>
+                </a:ext>
+              </a:extLst>
+            </p:cNvPr>
+            <p:cNvCxnSpPr>
+              <a:cxnSpLocks/>
+            </p:cNvCxnSpPr>
+            <p:nvPr/>
+          </p:nvCxnSpPr>
+          <p:spPr>
+            <a:xfrm>
+              <a:off x="876300" y="4419599"/>
+              <a:ext cx="279400" cy="0"/>
+            </a:xfrm>
+            <a:prstGeom prst="line">
+              <a:avLst/>
+            </a:prstGeom>
+          </p:spPr>
+          <p:style>
+            <a:lnRef idx="2">
+              <a:schemeClr val="accent1"/>
+            </a:lnRef>
+            <a:fillRef idx="0">
+              <a:schemeClr val="accent1"/>
+            </a:fillRef>
+            <a:effectRef idx="1">
+              <a:schemeClr val="accent1"/>
+            </a:effectRef>
+            <a:fontRef idx="minor">
+              <a:schemeClr val="tx1"/>
+            </a:fontRef>
+          </p:style>
+        </p:cxnSp>
+        <p:cxnSp>
+          <p:nvCxnSpPr>
+            <p:cNvPr id="104" name="Straight Connector 103">
+              <a:extLst>
+                <a:ext uri="{FF2B5EF4-FFF2-40B4-BE49-F238E27FC236}">
+                  <a16:creationId xmlns:a16="http://schemas.microsoft.com/office/drawing/2014/main" id="{F01E7144-178A-8E9C-602A-A2BDDC335E56}"/>
+                </a:ext>
+              </a:extLst>
+            </p:cNvPr>
+            <p:cNvCxnSpPr>
+              <a:cxnSpLocks/>
+            </p:cNvCxnSpPr>
+            <p:nvPr/>
+          </p:nvCxnSpPr>
+          <p:spPr>
+            <a:xfrm>
+              <a:off x="876300" y="3894667"/>
+              <a:ext cx="279400" cy="0"/>
+            </a:xfrm>
+            <a:prstGeom prst="line">
+              <a:avLst/>
+            </a:prstGeom>
+          </p:spPr>
+          <p:style>
+            <a:lnRef idx="2">
+              <a:schemeClr val="accent1"/>
+            </a:lnRef>
+            <a:fillRef idx="0">
+              <a:schemeClr val="accent1"/>
+            </a:fillRef>
+            <a:effectRef idx="1">
+              <a:schemeClr val="accent1"/>
+            </a:effectRef>
+            <a:fontRef idx="minor">
+              <a:schemeClr val="tx1"/>
+            </a:fontRef>
+          </p:style>
+        </p:cxnSp>
+        <p:cxnSp>
+          <p:nvCxnSpPr>
+            <p:cNvPr id="105" name="Straight Connector 104">
+              <a:extLst>
+                <a:ext uri="{FF2B5EF4-FFF2-40B4-BE49-F238E27FC236}">
+                  <a16:creationId xmlns:a16="http://schemas.microsoft.com/office/drawing/2014/main" id="{CE460F76-0542-6F66-8F14-B9726972AD6B}"/>
+                </a:ext>
+              </a:extLst>
+            </p:cNvPr>
+            <p:cNvCxnSpPr>
+              <a:cxnSpLocks/>
+            </p:cNvCxnSpPr>
+            <p:nvPr/>
+          </p:nvCxnSpPr>
+          <p:spPr>
+            <a:xfrm>
+              <a:off x="876300" y="4927600"/>
+              <a:ext cx="279400" cy="0"/>
+            </a:xfrm>
+            <a:prstGeom prst="line">
+              <a:avLst/>
+            </a:prstGeom>
+          </p:spPr>
+          <p:style>
+            <a:lnRef idx="2">
+              <a:schemeClr val="accent1"/>
+            </a:lnRef>
+            <a:fillRef idx="0">
+              <a:schemeClr val="accent1"/>
+            </a:fillRef>
+            <a:effectRef idx="1">
+              <a:schemeClr val="accent1"/>
+            </a:effectRef>
+            <a:fontRef idx="minor">
+              <a:schemeClr val="tx1"/>
+            </a:fontRef>
+          </p:style>
+        </p:cxnSp>
+      </p:grpSp>
+      <p:cxnSp>
+        <p:nvCxnSpPr>
+          <p:cNvPr id="243" name="Straight Connector 242">
+            <a:extLst>
+              <a:ext uri="{FF2B5EF4-FFF2-40B4-BE49-F238E27FC236}">
+                <a16:creationId xmlns:a16="http://schemas.microsoft.com/office/drawing/2014/main" id="{0224B86A-0BBA-EAEC-6AAB-44AFF0A00D42}"/>
+              </a:ext>
+            </a:extLst>
+          </p:cNvPr>
+          <p:cNvCxnSpPr/>
+          <p:nvPr/>
+        </p:nvCxnSpPr>
+        <p:spPr>
+          <a:xfrm>
+            <a:off x="226859" y="6341950"/>
+            <a:ext cx="8417984" cy="0"/>
+          </a:xfrm>
+          <a:prstGeom prst="line">
+            <a:avLst/>
+          </a:prstGeom>
+          <a:ln w="6350"/>
+        </p:spPr>
+        <p:style>
+          <a:lnRef idx="2">
+            <a:schemeClr val="accent1"/>
+          </a:lnRef>
+          <a:fillRef idx="0">
+            <a:schemeClr val="accent1"/>
+          </a:fillRef>
+          <a:effectRef idx="1">
+            <a:schemeClr val="accent1"/>
+          </a:effectRef>
+          <a:fontRef idx="minor">
+            <a:schemeClr val="tx1"/>
+          </a:fontRef>
+        </p:style>
+      </p:cxnSp>
+      <p:sp>
+        <p:nvSpPr>
+          <p:cNvPr id="244" name="TextBox 243">
+            <a:extLst>
+              <a:ext uri="{FF2B5EF4-FFF2-40B4-BE49-F238E27FC236}">
+                <a16:creationId xmlns:a16="http://schemas.microsoft.com/office/drawing/2014/main" id="{E60E4771-2AEC-5CBB-17A7-D884DF52E304}"/>
+              </a:ext>
+            </a:extLst>
+          </p:cNvPr>
+          <p:cNvSpPr txBox="1"/>
+          <p:nvPr/>
+        </p:nvSpPr>
+        <p:spPr>
+          <a:xfrm>
+            <a:off x="7219482" y="6342399"/>
+            <a:ext cx="854721" cy="276999"/>
+          </a:xfrm>
+          <a:prstGeom prst="rect">
+            <a:avLst/>
+          </a:prstGeom>
+          <a:noFill/>
+        </p:spPr>
+        <p:txBody>
+          <a:bodyPr wrap="none" rtlCol="0">
+            <a:spAutoFit/>
+          </a:bodyPr>
+          <a:lstStyle/>
+          <a:p>
+            <a:r>
+              <a:rPr lang="en-US" sz="1200" dirty="0"/>
+              <a:t>Sequence</a:t>
+            </a:r>
+          </a:p>
+        </p:txBody>
+      </p:sp>
+      <p:grpSp>
+        <p:nvGrpSpPr>
+          <p:cNvPr id="160" name="Group 159">
+            <a:extLst>
+              <a:ext uri="{FF2B5EF4-FFF2-40B4-BE49-F238E27FC236}">
+                <a16:creationId xmlns:a16="http://schemas.microsoft.com/office/drawing/2014/main" id="{049C1A0E-1559-BAD7-ED2F-6FD6357DE904}"/>
+              </a:ext>
+            </a:extLst>
+          </p:cNvPr>
+          <p:cNvGrpSpPr/>
+          <p:nvPr/>
+        </p:nvGrpSpPr>
+        <p:grpSpPr>
+          <a:xfrm rot="16200000">
+            <a:off x="1210837" y="3486751"/>
+            <a:ext cx="80433" cy="524933"/>
+            <a:chOff x="876300" y="3429000"/>
+            <a:chExt cx="279400" cy="1981200"/>
+          </a:xfrm>
+        </p:grpSpPr>
+        <p:cxnSp>
+          <p:nvCxnSpPr>
+            <p:cNvPr id="161" name="Straight Connector 160">
+              <a:extLst>
+                <a:ext uri="{FF2B5EF4-FFF2-40B4-BE49-F238E27FC236}">
+                  <a16:creationId xmlns:a16="http://schemas.microsoft.com/office/drawing/2014/main" id="{A67CC7FD-8BB4-54DF-EBF2-1A320A9A369D}"/>
+                </a:ext>
+              </a:extLst>
+            </p:cNvPr>
+            <p:cNvCxnSpPr/>
+            <p:nvPr/>
+          </p:nvCxnSpPr>
+          <p:spPr>
+            <a:xfrm>
+              <a:off x="1016000" y="3429000"/>
+              <a:ext cx="0" cy="1981200"/>
+            </a:xfrm>
+            <a:prstGeom prst="line">
+              <a:avLst/>
+            </a:prstGeom>
+          </p:spPr>
+          <p:style>
+            <a:lnRef idx="2">
+              <a:schemeClr val="accent1"/>
+            </a:lnRef>
+            <a:fillRef idx="0">
+              <a:schemeClr val="accent1"/>
+            </a:fillRef>
+            <a:effectRef idx="1">
+              <a:schemeClr val="accent1"/>
+            </a:effectRef>
+            <a:fontRef idx="minor">
+              <a:schemeClr val="tx1"/>
+            </a:fontRef>
+          </p:style>
+        </p:cxnSp>
+        <p:cxnSp>
+          <p:nvCxnSpPr>
+            <p:cNvPr id="162" name="Straight Connector 161">
+              <a:extLst>
+                <a:ext uri="{FF2B5EF4-FFF2-40B4-BE49-F238E27FC236}">
+                  <a16:creationId xmlns:a16="http://schemas.microsoft.com/office/drawing/2014/main" id="{893C330B-F6F1-8838-B294-1D1C19EA6E1E}"/>
+                </a:ext>
+              </a:extLst>
+            </p:cNvPr>
+            <p:cNvCxnSpPr>
+              <a:cxnSpLocks/>
+            </p:cNvCxnSpPr>
+            <p:nvPr/>
+          </p:nvCxnSpPr>
+          <p:spPr>
+            <a:xfrm>
+              <a:off x="876300" y="3429000"/>
+              <a:ext cx="279400" cy="0"/>
+            </a:xfrm>
+            <a:prstGeom prst="line">
+              <a:avLst/>
+            </a:prstGeom>
+          </p:spPr>
+          <p:style>
+            <a:lnRef idx="2">
+              <a:schemeClr val="accent1"/>
+            </a:lnRef>
+            <a:fillRef idx="0">
+              <a:schemeClr val="accent1"/>
+            </a:fillRef>
+            <a:effectRef idx="1">
+              <a:schemeClr val="accent1"/>
+            </a:effectRef>
+            <a:fontRef idx="minor">
+              <a:schemeClr val="tx1"/>
+            </a:fontRef>
+          </p:style>
+        </p:cxnSp>
+        <p:cxnSp>
+          <p:nvCxnSpPr>
+            <p:cNvPr id="163" name="Straight Connector 162">
+              <a:extLst>
+                <a:ext uri="{FF2B5EF4-FFF2-40B4-BE49-F238E27FC236}">
+                  <a16:creationId xmlns:a16="http://schemas.microsoft.com/office/drawing/2014/main" id="{463FD72F-89A4-384E-D6AD-A68C6EC152CA}"/>
+                </a:ext>
+              </a:extLst>
+            </p:cNvPr>
+            <p:cNvCxnSpPr>
+              <a:cxnSpLocks/>
+            </p:cNvCxnSpPr>
+            <p:nvPr/>
+          </p:nvCxnSpPr>
+          <p:spPr>
+            <a:xfrm>
+              <a:off x="876300" y="5410200"/>
+              <a:ext cx="279400" cy="0"/>
+            </a:xfrm>
+            <a:prstGeom prst="line">
+              <a:avLst/>
+            </a:prstGeom>
+          </p:spPr>
+          <p:style>
+            <a:lnRef idx="2">
+              <a:schemeClr val="accent1"/>
+            </a:lnRef>
+            <a:fillRef idx="0">
+              <a:schemeClr val="accent1"/>
+            </a:fillRef>
+            <a:effectRef idx="1">
+              <a:schemeClr val="accent1"/>
+            </a:effectRef>
+            <a:fontRef idx="minor">
+              <a:schemeClr val="tx1"/>
+            </a:fontRef>
+          </p:style>
+        </p:cxnSp>
+        <p:cxnSp>
+          <p:nvCxnSpPr>
+            <p:cNvPr id="164" name="Straight Connector 163">
+              <a:extLst>
+                <a:ext uri="{FF2B5EF4-FFF2-40B4-BE49-F238E27FC236}">
+                  <a16:creationId xmlns:a16="http://schemas.microsoft.com/office/drawing/2014/main" id="{EEEFB725-A254-3969-994A-A39CF9B135C9}"/>
+                </a:ext>
+              </a:extLst>
+            </p:cNvPr>
+            <p:cNvCxnSpPr>
+              <a:cxnSpLocks/>
+            </p:cNvCxnSpPr>
+            <p:nvPr/>
+          </p:nvCxnSpPr>
+          <p:spPr>
+            <a:xfrm>
+              <a:off x="876300" y="4419599"/>
+              <a:ext cx="279400" cy="0"/>
+            </a:xfrm>
+            <a:prstGeom prst="line">
+              <a:avLst/>
+            </a:prstGeom>
+          </p:spPr>
+          <p:style>
+            <a:lnRef idx="2">
+              <a:schemeClr val="accent1"/>
+            </a:lnRef>
+            <a:fillRef idx="0">
+              <a:schemeClr val="accent1"/>
+            </a:fillRef>
+            <a:effectRef idx="1">
+              <a:schemeClr val="accent1"/>
+            </a:effectRef>
+            <a:fontRef idx="minor">
+              <a:schemeClr val="tx1"/>
+            </a:fontRef>
+          </p:style>
+        </p:cxnSp>
+        <p:cxnSp>
+          <p:nvCxnSpPr>
+            <p:cNvPr id="165" name="Straight Connector 164">
+              <a:extLst>
+                <a:ext uri="{FF2B5EF4-FFF2-40B4-BE49-F238E27FC236}">
+                  <a16:creationId xmlns:a16="http://schemas.microsoft.com/office/drawing/2014/main" id="{4B6F0D3F-9BB2-D6C4-90D2-1BC5C1C57BE0}"/>
+                </a:ext>
+              </a:extLst>
+            </p:cNvPr>
+            <p:cNvCxnSpPr>
+              <a:cxnSpLocks/>
+            </p:cNvCxnSpPr>
+            <p:nvPr/>
+          </p:nvCxnSpPr>
+          <p:spPr>
+            <a:xfrm>
+              <a:off x="876300" y="3894667"/>
+              <a:ext cx="279400" cy="0"/>
+            </a:xfrm>
+            <a:prstGeom prst="line">
+              <a:avLst/>
+            </a:prstGeom>
+          </p:spPr>
+          <p:style>
+            <a:lnRef idx="2">
+              <a:schemeClr val="accent1"/>
+            </a:lnRef>
+            <a:fillRef idx="0">
+              <a:schemeClr val="accent1"/>
+            </a:fillRef>
+            <a:effectRef idx="1">
+              <a:schemeClr val="accent1"/>
+            </a:effectRef>
+            <a:fontRef idx="minor">
+              <a:schemeClr val="tx1"/>
+            </a:fontRef>
+          </p:style>
+        </p:cxnSp>
+        <p:cxnSp>
+          <p:nvCxnSpPr>
+            <p:cNvPr id="166" name="Straight Connector 165">
+              <a:extLst>
+                <a:ext uri="{FF2B5EF4-FFF2-40B4-BE49-F238E27FC236}">
+                  <a16:creationId xmlns:a16="http://schemas.microsoft.com/office/drawing/2014/main" id="{BDF5ACC9-F9FC-50DB-B3EA-74142C94855D}"/>
+                </a:ext>
+              </a:extLst>
+            </p:cNvPr>
+            <p:cNvCxnSpPr>
+              <a:cxnSpLocks/>
+            </p:cNvCxnSpPr>
+            <p:nvPr/>
+          </p:nvCxnSpPr>
+          <p:spPr>
+            <a:xfrm>
+              <a:off x="876300" y="4927600"/>
+              <a:ext cx="279400" cy="0"/>
+            </a:xfrm>
+            <a:prstGeom prst="line">
+              <a:avLst/>
+            </a:prstGeom>
+          </p:spPr>
+          <p:style>
+            <a:lnRef idx="2">
+              <a:schemeClr val="accent1"/>
+            </a:lnRef>
+            <a:fillRef idx="0">
+              <a:schemeClr val="accent1"/>
+            </a:fillRef>
+            <a:effectRef idx="1">
+              <a:schemeClr val="accent1"/>
+            </a:effectRef>
+            <a:fontRef idx="minor">
+              <a:schemeClr val="tx1"/>
+            </a:fontRef>
+          </p:style>
+        </p:cxnSp>
+      </p:grpSp>
+      <p:sp>
+        <p:nvSpPr>
+          <p:cNvPr id="10" name="TextBox 9">
+            <a:extLst>
+              <a:ext uri="{FF2B5EF4-FFF2-40B4-BE49-F238E27FC236}">
+                <a16:creationId xmlns:a16="http://schemas.microsoft.com/office/drawing/2014/main" id="{6E2B1242-BE02-6B6D-E51E-992A1034B744}"/>
+              </a:ext>
+            </a:extLst>
+          </p:cNvPr>
+          <p:cNvSpPr txBox="1"/>
+          <p:nvPr/>
+        </p:nvSpPr>
+        <p:spPr>
+          <a:xfrm>
+            <a:off x="3542312" y="5187032"/>
+            <a:ext cx="419725" cy="276999"/>
+          </a:xfrm>
+          <a:prstGeom prst="rect">
+            <a:avLst/>
+          </a:prstGeom>
+          <a:solidFill>
+            <a:schemeClr val="bg1"/>
+          </a:solidFill>
+        </p:spPr>
+        <p:txBody>
+          <a:bodyPr wrap="square" rtlCol="0">
+            <a:spAutoFit/>
+          </a:bodyPr>
+          <a:lstStyle/>
+          <a:p>
+            <a:r>
+              <a:rPr lang="en-US" sz="1200" dirty="0"/>
+              <a:t>Wq</a:t>
+            </a:r>
+          </a:p>
+        </p:txBody>
+      </p:sp>
+      <p:cxnSp>
+        <p:nvCxnSpPr>
+          <p:cNvPr id="11" name="Curved Connector 10">
+            <a:extLst>
+              <a:ext uri="{FF2B5EF4-FFF2-40B4-BE49-F238E27FC236}">
+                <a16:creationId xmlns:a16="http://schemas.microsoft.com/office/drawing/2014/main" id="{2B01296F-5651-6892-0C0A-68CAD539D0FB}"/>
+              </a:ext>
+            </a:extLst>
+          </p:cNvPr>
+          <p:cNvCxnSpPr>
+            <a:cxnSpLocks/>
+          </p:cNvCxnSpPr>
+          <p:nvPr/>
+        </p:nvCxnSpPr>
+        <p:spPr>
+          <a:xfrm rot="5400000" flipH="1" flipV="1">
+            <a:off x="2393908" y="4983999"/>
+            <a:ext cx="1254081" cy="563610"/>
+          </a:xfrm>
+          <a:prstGeom prst="curvedConnector3">
+            <a:avLst>
+              <a:gd name="adj1" fmla="val 20834"/>
+            </a:avLst>
+          </a:prstGeom>
+          <a:ln>
+            <a:tailEnd type="triangle"/>
+          </a:ln>
+        </p:spPr>
+        <p:style>
+          <a:lnRef idx="2">
+            <a:schemeClr val="accent1"/>
+          </a:lnRef>
+          <a:fillRef idx="0">
+            <a:schemeClr val="accent1"/>
+          </a:fillRef>
+          <a:effectRef idx="1">
+            <a:schemeClr val="accent1"/>
+          </a:effectRef>
+          <a:fontRef idx="minor">
+            <a:schemeClr val="tx1"/>
+          </a:fontRef>
+        </p:style>
+      </p:cxnSp>
+      <p:sp>
+        <p:nvSpPr>
+          <p:cNvPr id="12" name="Cube 11">
+            <a:extLst>
+              <a:ext uri="{FF2B5EF4-FFF2-40B4-BE49-F238E27FC236}">
+                <a16:creationId xmlns:a16="http://schemas.microsoft.com/office/drawing/2014/main" id="{A1FB4587-D431-D5AE-6356-81EFA0B0DECB}"/>
+              </a:ext>
+            </a:extLst>
+          </p:cNvPr>
+          <p:cNvSpPr/>
+          <p:nvPr/>
+        </p:nvSpPr>
+        <p:spPr>
+          <a:xfrm flipH="1">
+            <a:off x="3359119" y="4984380"/>
+            <a:ext cx="228600" cy="307384"/>
+          </a:xfrm>
+          <a:prstGeom prst="cube">
+            <a:avLst/>
+          </a:prstGeom>
+          <a:solidFill>
+            <a:schemeClr val="bg1"/>
+          </a:solidFill>
+        </p:spPr>
+        <p:style>
+          <a:lnRef idx="2">
+            <a:schemeClr val="accent1">
+              <a:shade val="15000"/>
+            </a:schemeClr>
+          </a:lnRef>
+          <a:fillRef idx="1">
+            <a:schemeClr val="accent1"/>
+          </a:fillRef>
+          <a:effectRef idx="0">
+            <a:schemeClr val="accent1"/>
+          </a:effectRef>
+          <a:fontRef idx="minor">
+            <a:schemeClr val="lt1"/>
+          </a:fontRef>
+        </p:style>
+        <p:txBody>
+          <a:bodyPr rtlCol="0" anchor="ctr"/>
+          <a:lstStyle/>
+          <a:p>
+            <a:pPr algn="ctr"/>
+            <a:endParaRPr lang="en-US"/>
+          </a:p>
+        </p:txBody>
+      </p:sp>
+      <p:sp>
+        <p:nvSpPr>
+          <p:cNvPr id="20" name="TextBox 19">
+            <a:extLst>
+              <a:ext uri="{FF2B5EF4-FFF2-40B4-BE49-F238E27FC236}">
+                <a16:creationId xmlns:a16="http://schemas.microsoft.com/office/drawing/2014/main" id="{C78B34ED-83EA-EA4D-8D46-1F635EA76010}"/>
+              </a:ext>
+            </a:extLst>
+          </p:cNvPr>
+          <p:cNvSpPr txBox="1"/>
+          <p:nvPr/>
+        </p:nvSpPr>
+        <p:spPr>
+          <a:xfrm>
+            <a:off x="1353959" y="4444328"/>
+            <a:ext cx="594458" cy="276999"/>
+          </a:xfrm>
+          <a:prstGeom prst="rect">
+            <a:avLst/>
+          </a:prstGeom>
+          <a:solidFill>
+            <a:schemeClr val="bg1"/>
+          </a:solidFill>
+        </p:spPr>
+        <p:txBody>
+          <a:bodyPr wrap="none" rtlCol="0">
+            <a:spAutoFit/>
+          </a:bodyPr>
+          <a:lstStyle/>
+          <a:p>
+            <a:r>
+              <a:rPr lang="en-US" sz="1200" dirty="0"/>
+              <a:t>T2 key</a:t>
+            </a:r>
+          </a:p>
+        </p:txBody>
+      </p:sp>
+      <p:grpSp>
+        <p:nvGrpSpPr>
+          <p:cNvPr id="21" name="Group 20">
+            <a:extLst>
+              <a:ext uri="{FF2B5EF4-FFF2-40B4-BE49-F238E27FC236}">
+                <a16:creationId xmlns:a16="http://schemas.microsoft.com/office/drawing/2014/main" id="{4B5CB796-1241-A8C0-120D-ADF3D247ECDA}"/>
+              </a:ext>
+            </a:extLst>
+          </p:cNvPr>
+          <p:cNvGrpSpPr/>
+          <p:nvPr/>
+        </p:nvGrpSpPr>
+        <p:grpSpPr>
+          <a:xfrm rot="10175099">
+            <a:off x="1288996" y="4257507"/>
+            <a:ext cx="80433" cy="524933"/>
+            <a:chOff x="876300" y="3429000"/>
+            <a:chExt cx="279400" cy="1981200"/>
+          </a:xfrm>
+        </p:grpSpPr>
+        <p:cxnSp>
+          <p:nvCxnSpPr>
+            <p:cNvPr id="22" name="Straight Connector 21">
+              <a:extLst>
+                <a:ext uri="{FF2B5EF4-FFF2-40B4-BE49-F238E27FC236}">
+                  <a16:creationId xmlns:a16="http://schemas.microsoft.com/office/drawing/2014/main" id="{5FA0FAFF-6073-EA55-B591-E5741A72CDB3}"/>
+                </a:ext>
+              </a:extLst>
+            </p:cNvPr>
+            <p:cNvCxnSpPr/>
+            <p:nvPr/>
+          </p:nvCxnSpPr>
+          <p:spPr>
+            <a:xfrm>
+              <a:off x="1016000" y="3429000"/>
+              <a:ext cx="0" cy="1981200"/>
+            </a:xfrm>
+            <a:prstGeom prst="line">
+              <a:avLst/>
+            </a:prstGeom>
+          </p:spPr>
+          <p:style>
+            <a:lnRef idx="2">
+              <a:schemeClr val="accent1"/>
+            </a:lnRef>
+            <a:fillRef idx="0">
+              <a:schemeClr val="accent1"/>
+            </a:fillRef>
+            <a:effectRef idx="1">
+              <a:schemeClr val="accent1"/>
+            </a:effectRef>
+            <a:fontRef idx="minor">
+              <a:schemeClr val="tx1"/>
+            </a:fontRef>
+          </p:style>
+        </p:cxnSp>
+        <p:cxnSp>
+          <p:nvCxnSpPr>
+            <p:cNvPr id="23" name="Straight Connector 22">
+              <a:extLst>
+                <a:ext uri="{FF2B5EF4-FFF2-40B4-BE49-F238E27FC236}">
+                  <a16:creationId xmlns:a16="http://schemas.microsoft.com/office/drawing/2014/main" id="{65FF3A8F-C554-E6F2-D02A-1660B83F78BD}"/>
+                </a:ext>
+              </a:extLst>
+            </p:cNvPr>
+            <p:cNvCxnSpPr>
+              <a:cxnSpLocks/>
+            </p:cNvCxnSpPr>
+            <p:nvPr/>
+          </p:nvCxnSpPr>
+          <p:spPr>
+            <a:xfrm>
+              <a:off x="876300" y="3429000"/>
+              <a:ext cx="279400" cy="0"/>
+            </a:xfrm>
+            <a:prstGeom prst="line">
+              <a:avLst/>
+            </a:prstGeom>
+          </p:spPr>
+          <p:style>
+            <a:lnRef idx="2">
+              <a:schemeClr val="accent1"/>
+            </a:lnRef>
+            <a:fillRef idx="0">
+              <a:schemeClr val="accent1"/>
+            </a:fillRef>
+            <a:effectRef idx="1">
+              <a:schemeClr val="accent1"/>
+            </a:effectRef>
+            <a:fontRef idx="minor">
+              <a:schemeClr val="tx1"/>
+            </a:fontRef>
+          </p:style>
+        </p:cxnSp>
+        <p:cxnSp>
+          <p:nvCxnSpPr>
+            <p:cNvPr id="24" name="Straight Connector 23">
+              <a:extLst>
+                <a:ext uri="{FF2B5EF4-FFF2-40B4-BE49-F238E27FC236}">
+                  <a16:creationId xmlns:a16="http://schemas.microsoft.com/office/drawing/2014/main" id="{9AAC03D2-D86D-D514-BFFB-1B85D5D8D464}"/>
+                </a:ext>
+              </a:extLst>
+            </p:cNvPr>
+            <p:cNvCxnSpPr>
+              <a:cxnSpLocks/>
+            </p:cNvCxnSpPr>
+            <p:nvPr/>
+          </p:nvCxnSpPr>
+          <p:spPr>
+            <a:xfrm>
+              <a:off x="876300" y="5410200"/>
+              <a:ext cx="279400" cy="0"/>
+            </a:xfrm>
+            <a:prstGeom prst="line">
+              <a:avLst/>
+            </a:prstGeom>
+          </p:spPr>
+          <p:style>
+            <a:lnRef idx="2">
+              <a:schemeClr val="accent1"/>
+            </a:lnRef>
+            <a:fillRef idx="0">
+              <a:schemeClr val="accent1"/>
+            </a:fillRef>
+            <a:effectRef idx="1">
+              <a:schemeClr val="accent1"/>
+            </a:effectRef>
+            <a:fontRef idx="minor">
+              <a:schemeClr val="tx1"/>
+            </a:fontRef>
+          </p:style>
+        </p:cxnSp>
+        <p:cxnSp>
+          <p:nvCxnSpPr>
+            <p:cNvPr id="25" name="Straight Connector 24">
+              <a:extLst>
+                <a:ext uri="{FF2B5EF4-FFF2-40B4-BE49-F238E27FC236}">
+                  <a16:creationId xmlns:a16="http://schemas.microsoft.com/office/drawing/2014/main" id="{26126DD6-8E2A-2209-63D8-EC43F4E5D120}"/>
+                </a:ext>
+              </a:extLst>
+            </p:cNvPr>
+            <p:cNvCxnSpPr>
+              <a:cxnSpLocks/>
+            </p:cNvCxnSpPr>
+            <p:nvPr/>
+          </p:nvCxnSpPr>
+          <p:spPr>
+            <a:xfrm>
+              <a:off x="876300" y="4419599"/>
+              <a:ext cx="279400" cy="0"/>
+            </a:xfrm>
+            <a:prstGeom prst="line">
+              <a:avLst/>
+            </a:prstGeom>
+          </p:spPr>
+          <p:style>
+            <a:lnRef idx="2">
+              <a:schemeClr val="accent1"/>
+            </a:lnRef>
+            <a:fillRef idx="0">
+              <a:schemeClr val="accent1"/>
+            </a:fillRef>
+            <a:effectRef idx="1">
+              <a:schemeClr val="accent1"/>
+            </a:effectRef>
+            <a:fontRef idx="minor">
+              <a:schemeClr val="tx1"/>
+            </a:fontRef>
+          </p:style>
+        </p:cxnSp>
+        <p:cxnSp>
+          <p:nvCxnSpPr>
+            <p:cNvPr id="26" name="Straight Connector 25">
+              <a:extLst>
+                <a:ext uri="{FF2B5EF4-FFF2-40B4-BE49-F238E27FC236}">
+                  <a16:creationId xmlns:a16="http://schemas.microsoft.com/office/drawing/2014/main" id="{89A574C2-9D63-8FF2-2A77-75617A530860}"/>
+                </a:ext>
+              </a:extLst>
+            </p:cNvPr>
+            <p:cNvCxnSpPr>
+              <a:cxnSpLocks/>
+            </p:cNvCxnSpPr>
+            <p:nvPr/>
+          </p:nvCxnSpPr>
+          <p:spPr>
+            <a:xfrm>
+              <a:off x="876300" y="3894667"/>
+              <a:ext cx="279400" cy="0"/>
+            </a:xfrm>
+            <a:prstGeom prst="line">
+              <a:avLst/>
+            </a:prstGeom>
+          </p:spPr>
+          <p:style>
+            <a:lnRef idx="2">
+              <a:schemeClr val="accent1"/>
+            </a:lnRef>
+            <a:fillRef idx="0">
+              <a:schemeClr val="accent1"/>
+            </a:fillRef>
+            <a:effectRef idx="1">
+              <a:schemeClr val="accent1"/>
+            </a:effectRef>
+            <a:fontRef idx="minor">
+              <a:schemeClr val="tx1"/>
+            </a:fontRef>
+          </p:style>
+        </p:cxnSp>
+        <p:cxnSp>
+          <p:nvCxnSpPr>
+            <p:cNvPr id="27" name="Straight Connector 26">
+              <a:extLst>
+                <a:ext uri="{FF2B5EF4-FFF2-40B4-BE49-F238E27FC236}">
+                  <a16:creationId xmlns:a16="http://schemas.microsoft.com/office/drawing/2014/main" id="{CA3C73E8-3ACD-DCAB-80C3-2BA321CFFBB3}"/>
+                </a:ext>
+              </a:extLst>
+            </p:cNvPr>
+            <p:cNvCxnSpPr>
+              <a:cxnSpLocks/>
+            </p:cNvCxnSpPr>
+            <p:nvPr/>
+          </p:nvCxnSpPr>
+          <p:spPr>
+            <a:xfrm>
+              <a:off x="876300" y="4927600"/>
+              <a:ext cx="279400" cy="0"/>
+            </a:xfrm>
+            <a:prstGeom prst="line">
+              <a:avLst/>
+            </a:prstGeom>
+          </p:spPr>
+          <p:style>
+            <a:lnRef idx="2">
+              <a:schemeClr val="accent1"/>
+            </a:lnRef>
+            <a:fillRef idx="0">
+              <a:schemeClr val="accent1"/>
+            </a:fillRef>
+            <a:effectRef idx="1">
+              <a:schemeClr val="accent1"/>
+            </a:effectRef>
+            <a:fontRef idx="minor">
+              <a:schemeClr val="tx1"/>
+            </a:fontRef>
+          </p:style>
+        </p:cxnSp>
+      </p:grpSp>
+      <p:cxnSp>
+        <p:nvCxnSpPr>
+          <p:cNvPr id="28" name="Curved Connector 27">
+            <a:extLst>
+              <a:ext uri="{FF2B5EF4-FFF2-40B4-BE49-F238E27FC236}">
+                <a16:creationId xmlns:a16="http://schemas.microsoft.com/office/drawing/2014/main" id="{65F25245-E0F4-3185-B1AA-87D4B1E79353}"/>
+              </a:ext>
+            </a:extLst>
+          </p:cNvPr>
+          <p:cNvCxnSpPr>
+            <a:cxnSpLocks/>
+          </p:cNvCxnSpPr>
+          <p:nvPr/>
+        </p:nvCxnSpPr>
+        <p:spPr>
+          <a:xfrm rot="5400000" flipH="1" flipV="1">
+            <a:off x="498855" y="4964714"/>
+            <a:ext cx="1020141" cy="533368"/>
+          </a:xfrm>
+          <a:prstGeom prst="curvedConnector3">
+            <a:avLst>
+              <a:gd name="adj1" fmla="val 21579"/>
+            </a:avLst>
+          </a:prstGeom>
+          <a:ln>
+            <a:tailEnd type="triangle"/>
+          </a:ln>
+        </p:spPr>
+        <p:style>
+          <a:lnRef idx="2">
+            <a:schemeClr val="accent1"/>
+          </a:lnRef>
+          <a:fillRef idx="0">
+            <a:schemeClr val="accent1"/>
+          </a:fillRef>
+          <a:effectRef idx="1">
+            <a:schemeClr val="accent1"/>
+          </a:effectRef>
+          <a:fontRef idx="minor">
+            <a:schemeClr val="tx1"/>
+          </a:fontRef>
+        </p:style>
+      </p:cxnSp>
+      <p:sp>
+        <p:nvSpPr>
+          <p:cNvPr id="32" name="TextBox 31">
+            <a:extLst>
+              <a:ext uri="{FF2B5EF4-FFF2-40B4-BE49-F238E27FC236}">
+                <a16:creationId xmlns:a16="http://schemas.microsoft.com/office/drawing/2014/main" id="{1F0745C1-6CF1-83C8-3436-4500A07B2A67}"/>
+              </a:ext>
+            </a:extLst>
+          </p:cNvPr>
+          <p:cNvSpPr txBox="1"/>
+          <p:nvPr/>
+        </p:nvSpPr>
+        <p:spPr>
+          <a:xfrm>
+            <a:off x="1501265" y="5199520"/>
+            <a:ext cx="397866" cy="276999"/>
+          </a:xfrm>
+          <a:prstGeom prst="rect">
+            <a:avLst/>
+          </a:prstGeom>
+          <a:solidFill>
+            <a:schemeClr val="bg1"/>
+          </a:solidFill>
+        </p:spPr>
+        <p:txBody>
+          <a:bodyPr wrap="none" rtlCol="0">
+            <a:spAutoFit/>
+          </a:bodyPr>
+          <a:lstStyle/>
+          <a:p>
+            <a:r>
+              <a:rPr lang="en-US" sz="1200" dirty="0"/>
+              <a:t>Wk</a:t>
+            </a:r>
+          </a:p>
+        </p:txBody>
+      </p:sp>
+      <p:sp>
+        <p:nvSpPr>
+          <p:cNvPr id="33" name="Cube 32">
+            <a:extLst>
+              <a:ext uri="{FF2B5EF4-FFF2-40B4-BE49-F238E27FC236}">
+                <a16:creationId xmlns:a16="http://schemas.microsoft.com/office/drawing/2014/main" id="{C6A53EC1-80D5-65A4-90EA-662A4C90AA6C}"/>
+              </a:ext>
+            </a:extLst>
+          </p:cNvPr>
+          <p:cNvSpPr/>
+          <p:nvPr/>
+        </p:nvSpPr>
+        <p:spPr>
+          <a:xfrm flipH="1">
+            <a:off x="1295368" y="5092343"/>
+            <a:ext cx="228600" cy="276997"/>
+          </a:xfrm>
+          <a:prstGeom prst="cube">
+            <a:avLst/>
+          </a:prstGeom>
+          <a:solidFill>
+            <a:schemeClr val="bg1"/>
+          </a:solidFill>
+        </p:spPr>
+        <p:style>
+          <a:lnRef idx="2">
+            <a:schemeClr val="accent1">
+              <a:shade val="15000"/>
+            </a:schemeClr>
+          </a:lnRef>
+          <a:fillRef idx="1">
+            <a:schemeClr val="accent1"/>
+          </a:fillRef>
+          <a:effectRef idx="0">
+            <a:schemeClr val="accent1"/>
+          </a:effectRef>
+          <a:fontRef idx="minor">
+            <a:schemeClr val="lt1"/>
+          </a:fontRef>
+        </p:style>
+        <p:txBody>
+          <a:bodyPr rtlCol="0" anchor="ctr"/>
+          <a:lstStyle/>
+          <a:p>
+            <a:pPr algn="ctr"/>
+            <a:endParaRPr lang="en-US"/>
+          </a:p>
+        </p:txBody>
+      </p:sp>
+      <p:cxnSp>
+        <p:nvCxnSpPr>
+          <p:cNvPr id="34" name="Curved Connector 33">
+            <a:extLst>
+              <a:ext uri="{FF2B5EF4-FFF2-40B4-BE49-F238E27FC236}">
+                <a16:creationId xmlns:a16="http://schemas.microsoft.com/office/drawing/2014/main" id="{CFE7EDD0-4D05-1CD7-31BD-F5D3612870EA}"/>
+              </a:ext>
+            </a:extLst>
+          </p:cNvPr>
+          <p:cNvCxnSpPr>
+            <a:cxnSpLocks/>
+            <a:endCxn id="62" idx="0"/>
+          </p:cNvCxnSpPr>
+          <p:nvPr/>
+        </p:nvCxnSpPr>
+        <p:spPr>
+          <a:xfrm flipV="1">
+            <a:off x="689469" y="3854844"/>
+            <a:ext cx="2306842" cy="381539"/>
+          </a:xfrm>
+          <a:prstGeom prst="curvedConnector2">
+            <a:avLst/>
+          </a:prstGeom>
+          <a:ln w="6350">
+            <a:tailEnd type="arrow"/>
+          </a:ln>
+        </p:spPr>
+        <p:style>
+          <a:lnRef idx="2">
+            <a:schemeClr val="accent1"/>
+          </a:lnRef>
+          <a:fillRef idx="0">
+            <a:schemeClr val="accent1"/>
+          </a:fillRef>
+          <a:effectRef idx="1">
+            <a:schemeClr val="accent1"/>
+          </a:effectRef>
+          <a:fontRef idx="minor">
+            <a:schemeClr val="tx1"/>
+          </a:fontRef>
+        </p:style>
+      </p:cxnSp>
+      <p:cxnSp>
+        <p:nvCxnSpPr>
+          <p:cNvPr id="35" name="Curved Connector 34">
+            <a:extLst>
+              <a:ext uri="{FF2B5EF4-FFF2-40B4-BE49-F238E27FC236}">
+                <a16:creationId xmlns:a16="http://schemas.microsoft.com/office/drawing/2014/main" id="{61AB1FCE-DF82-4F4D-95DA-8E1CFFBCC8A0}"/>
+              </a:ext>
+            </a:extLst>
+          </p:cNvPr>
+          <p:cNvCxnSpPr>
+            <a:cxnSpLocks/>
+            <a:endCxn id="62" idx="0"/>
+          </p:cNvCxnSpPr>
+          <p:nvPr/>
+        </p:nvCxnSpPr>
+        <p:spPr>
+          <a:xfrm rot="10800000">
+            <a:off x="2996311" y="3854844"/>
+            <a:ext cx="313310" cy="303074"/>
+          </a:xfrm>
+          <a:prstGeom prst="curvedConnector2">
+            <a:avLst/>
+          </a:prstGeom>
+          <a:ln w="6350">
+            <a:tailEnd type="arrow"/>
+          </a:ln>
+        </p:spPr>
+        <p:style>
+          <a:lnRef idx="2">
+            <a:schemeClr val="accent1"/>
+          </a:lnRef>
+          <a:fillRef idx="0">
+            <a:schemeClr val="accent1"/>
+          </a:fillRef>
+          <a:effectRef idx="1">
+            <a:schemeClr val="accent1"/>
+          </a:effectRef>
+          <a:fontRef idx="minor">
+            <a:schemeClr val="tx1"/>
+          </a:fontRef>
+        </p:style>
+      </p:cxnSp>
+      <p:sp>
+        <p:nvSpPr>
+          <p:cNvPr id="46" name="TextBox 45">
+            <a:extLst>
+              <a:ext uri="{FF2B5EF4-FFF2-40B4-BE49-F238E27FC236}">
+                <a16:creationId xmlns:a16="http://schemas.microsoft.com/office/drawing/2014/main" id="{BCEE79F5-91EE-D8D1-DD62-CBC92F5CC6FE}"/>
+              </a:ext>
+            </a:extLst>
+          </p:cNvPr>
+          <p:cNvSpPr txBox="1"/>
+          <p:nvPr/>
+        </p:nvSpPr>
+        <p:spPr>
+          <a:xfrm>
+            <a:off x="3564928" y="3147871"/>
+            <a:ext cx="821956" cy="461665"/>
+          </a:xfrm>
+          <a:prstGeom prst="rect">
+            <a:avLst/>
+          </a:prstGeom>
+          <a:solidFill>
+            <a:schemeClr val="bg1"/>
+          </a:solidFill>
+        </p:spPr>
+        <p:txBody>
+          <a:bodyPr wrap="none" rtlCol="0">
+            <a:spAutoFit/>
+          </a:bodyPr>
+          <a:lstStyle/>
+          <a:p>
+            <a:r>
+              <a:rPr lang="en-US" sz="1200" dirty="0"/>
+              <a:t>T1 value</a:t>
+            </a:r>
+            <a:br>
+              <a:rPr lang="en-US" sz="1200" dirty="0"/>
+            </a:br>
+            <a:r>
+              <a:rPr lang="en-US" sz="1200" b="1" dirty="0"/>
+              <a:t>T2-aware</a:t>
+            </a:r>
+          </a:p>
+        </p:txBody>
+      </p:sp>
+      <p:grpSp>
+        <p:nvGrpSpPr>
+          <p:cNvPr id="129" name="Group 128">
+            <a:extLst>
+              <a:ext uri="{FF2B5EF4-FFF2-40B4-BE49-F238E27FC236}">
+                <a16:creationId xmlns:a16="http://schemas.microsoft.com/office/drawing/2014/main" id="{992D6CC1-6DF5-2EA5-22E8-0ACBA8FB0527}"/>
+              </a:ext>
+            </a:extLst>
+          </p:cNvPr>
+          <p:cNvGrpSpPr/>
+          <p:nvPr/>
+        </p:nvGrpSpPr>
+        <p:grpSpPr>
+          <a:xfrm rot="5400000">
+            <a:off x="4629751" y="3070335"/>
+            <a:ext cx="80433" cy="524933"/>
+            <a:chOff x="876300" y="3429000"/>
+            <a:chExt cx="279400" cy="1981200"/>
+          </a:xfrm>
+        </p:grpSpPr>
+        <p:cxnSp>
+          <p:nvCxnSpPr>
+            <p:cNvPr id="130" name="Straight Connector 129">
+              <a:extLst>
+                <a:ext uri="{FF2B5EF4-FFF2-40B4-BE49-F238E27FC236}">
+                  <a16:creationId xmlns:a16="http://schemas.microsoft.com/office/drawing/2014/main" id="{F2658C1B-CA6B-D4CD-150B-4E0C35EFFEC1}"/>
+                </a:ext>
+              </a:extLst>
+            </p:cNvPr>
+            <p:cNvCxnSpPr/>
+            <p:nvPr/>
+          </p:nvCxnSpPr>
+          <p:spPr>
+            <a:xfrm>
+              <a:off x="1016000" y="3429000"/>
+              <a:ext cx="0" cy="1981200"/>
+            </a:xfrm>
+            <a:prstGeom prst="line">
+              <a:avLst/>
+            </a:prstGeom>
+          </p:spPr>
+          <p:style>
+            <a:lnRef idx="2">
+              <a:schemeClr val="accent1"/>
+            </a:lnRef>
+            <a:fillRef idx="0">
+              <a:schemeClr val="accent1"/>
+            </a:fillRef>
+            <a:effectRef idx="1">
+              <a:schemeClr val="accent1"/>
+            </a:effectRef>
+            <a:fontRef idx="minor">
+              <a:schemeClr val="tx1"/>
+            </a:fontRef>
+          </p:style>
+        </p:cxnSp>
+        <p:cxnSp>
+          <p:nvCxnSpPr>
+            <p:cNvPr id="131" name="Straight Connector 130">
+              <a:extLst>
+                <a:ext uri="{FF2B5EF4-FFF2-40B4-BE49-F238E27FC236}">
+                  <a16:creationId xmlns:a16="http://schemas.microsoft.com/office/drawing/2014/main" id="{D84EED21-AA09-5015-B911-4D03D739F450}"/>
+                </a:ext>
+              </a:extLst>
+            </p:cNvPr>
+            <p:cNvCxnSpPr>
+              <a:cxnSpLocks/>
+            </p:cNvCxnSpPr>
+            <p:nvPr/>
+          </p:nvCxnSpPr>
+          <p:spPr>
+            <a:xfrm>
+              <a:off x="876300" y="3429000"/>
+              <a:ext cx="279400" cy="0"/>
+            </a:xfrm>
+            <a:prstGeom prst="line">
+              <a:avLst/>
+            </a:prstGeom>
+          </p:spPr>
+          <p:style>
+            <a:lnRef idx="2">
+              <a:schemeClr val="accent1"/>
+            </a:lnRef>
+            <a:fillRef idx="0">
+              <a:schemeClr val="accent1"/>
+            </a:fillRef>
+            <a:effectRef idx="1">
+              <a:schemeClr val="accent1"/>
+            </a:effectRef>
+            <a:fontRef idx="minor">
+              <a:schemeClr val="tx1"/>
+            </a:fontRef>
+          </p:style>
+        </p:cxnSp>
+        <p:cxnSp>
+          <p:nvCxnSpPr>
+            <p:cNvPr id="132" name="Straight Connector 131">
+              <a:extLst>
+                <a:ext uri="{FF2B5EF4-FFF2-40B4-BE49-F238E27FC236}">
+                  <a16:creationId xmlns:a16="http://schemas.microsoft.com/office/drawing/2014/main" id="{5D7C61B3-996C-586F-097A-80D49E60BA54}"/>
+                </a:ext>
+              </a:extLst>
+            </p:cNvPr>
+            <p:cNvCxnSpPr>
+              <a:cxnSpLocks/>
+            </p:cNvCxnSpPr>
+            <p:nvPr/>
+          </p:nvCxnSpPr>
+          <p:spPr>
+            <a:xfrm>
+              <a:off x="876300" y="5410200"/>
+              <a:ext cx="279400" cy="0"/>
+            </a:xfrm>
+            <a:prstGeom prst="line">
+              <a:avLst/>
+            </a:prstGeom>
+          </p:spPr>
+          <p:style>
+            <a:lnRef idx="2">
+              <a:schemeClr val="accent1"/>
+            </a:lnRef>
+            <a:fillRef idx="0">
+              <a:schemeClr val="accent1"/>
+            </a:fillRef>
+            <a:effectRef idx="1">
+              <a:schemeClr val="accent1"/>
+            </a:effectRef>
+            <a:fontRef idx="minor">
+              <a:schemeClr val="tx1"/>
+            </a:fontRef>
+          </p:style>
+        </p:cxnSp>
+        <p:cxnSp>
+          <p:nvCxnSpPr>
+            <p:cNvPr id="133" name="Straight Connector 132">
+              <a:extLst>
+                <a:ext uri="{FF2B5EF4-FFF2-40B4-BE49-F238E27FC236}">
+                  <a16:creationId xmlns:a16="http://schemas.microsoft.com/office/drawing/2014/main" id="{3E19E1AE-503E-2861-B56F-97CF5B4E4C74}"/>
+                </a:ext>
+              </a:extLst>
+            </p:cNvPr>
+            <p:cNvCxnSpPr>
+              <a:cxnSpLocks/>
+            </p:cNvCxnSpPr>
+            <p:nvPr/>
+          </p:nvCxnSpPr>
+          <p:spPr>
+            <a:xfrm>
+              <a:off x="876300" y="4419599"/>
+              <a:ext cx="279400" cy="0"/>
+            </a:xfrm>
+            <a:prstGeom prst="line">
+              <a:avLst/>
+            </a:prstGeom>
+          </p:spPr>
+          <p:style>
+            <a:lnRef idx="2">
+              <a:schemeClr val="accent1"/>
+            </a:lnRef>
+            <a:fillRef idx="0">
+              <a:schemeClr val="accent1"/>
+            </a:fillRef>
+            <a:effectRef idx="1">
+              <a:schemeClr val="accent1"/>
+            </a:effectRef>
+            <a:fontRef idx="minor">
+              <a:schemeClr val="tx1"/>
+            </a:fontRef>
+          </p:style>
+        </p:cxnSp>
+        <p:cxnSp>
+          <p:nvCxnSpPr>
+            <p:cNvPr id="134" name="Straight Connector 133">
+              <a:extLst>
+                <a:ext uri="{FF2B5EF4-FFF2-40B4-BE49-F238E27FC236}">
+                  <a16:creationId xmlns:a16="http://schemas.microsoft.com/office/drawing/2014/main" id="{239AE264-A21E-3CC8-41EC-10B2E971AA15}"/>
+                </a:ext>
+              </a:extLst>
+            </p:cNvPr>
+            <p:cNvCxnSpPr>
+              <a:cxnSpLocks/>
+            </p:cNvCxnSpPr>
+            <p:nvPr/>
+          </p:nvCxnSpPr>
+          <p:spPr>
+            <a:xfrm>
+              <a:off x="876300" y="3894667"/>
+              <a:ext cx="279400" cy="0"/>
+            </a:xfrm>
+            <a:prstGeom prst="line">
+              <a:avLst/>
+            </a:prstGeom>
+          </p:spPr>
+          <p:style>
+            <a:lnRef idx="2">
+              <a:schemeClr val="accent1"/>
+            </a:lnRef>
+            <a:fillRef idx="0">
+              <a:schemeClr val="accent1"/>
+            </a:fillRef>
+            <a:effectRef idx="1">
+              <a:schemeClr val="accent1"/>
+            </a:effectRef>
+            <a:fontRef idx="minor">
+              <a:schemeClr val="tx1"/>
+            </a:fontRef>
+          </p:style>
+        </p:cxnSp>
+        <p:cxnSp>
+          <p:nvCxnSpPr>
+            <p:cNvPr id="135" name="Straight Connector 134">
+              <a:extLst>
+                <a:ext uri="{FF2B5EF4-FFF2-40B4-BE49-F238E27FC236}">
+                  <a16:creationId xmlns:a16="http://schemas.microsoft.com/office/drawing/2014/main" id="{767B2E2A-31AC-A56A-1008-21E6C1D7D418}"/>
+                </a:ext>
+              </a:extLst>
+            </p:cNvPr>
+            <p:cNvCxnSpPr>
+              <a:cxnSpLocks/>
+            </p:cNvCxnSpPr>
+            <p:nvPr/>
+          </p:nvCxnSpPr>
+          <p:spPr>
+            <a:xfrm>
+              <a:off x="876300" y="4927600"/>
+              <a:ext cx="279400" cy="0"/>
+            </a:xfrm>
+            <a:prstGeom prst="line">
+              <a:avLst/>
+            </a:prstGeom>
+          </p:spPr>
+          <p:style>
+            <a:lnRef idx="2">
+              <a:schemeClr val="accent1"/>
+            </a:lnRef>
+            <a:fillRef idx="0">
+              <a:schemeClr val="accent1"/>
+            </a:fillRef>
+            <a:effectRef idx="1">
+              <a:schemeClr val="accent1"/>
+            </a:effectRef>
+            <a:fontRef idx="minor">
+              <a:schemeClr val="tx1"/>
+            </a:fontRef>
+          </p:style>
+        </p:cxnSp>
+      </p:grpSp>
+      <p:sp>
+        <p:nvSpPr>
+          <p:cNvPr id="62" name="Rectangle 61">
+            <a:extLst>
+              <a:ext uri="{FF2B5EF4-FFF2-40B4-BE49-F238E27FC236}">
+                <a16:creationId xmlns:a16="http://schemas.microsoft.com/office/drawing/2014/main" id="{E7D8A441-956A-B353-8045-D65448EFDA1C}"/>
+              </a:ext>
+            </a:extLst>
+          </p:cNvPr>
+          <p:cNvSpPr/>
+          <p:nvPr/>
+        </p:nvSpPr>
+        <p:spPr>
+          <a:xfrm flipV="1">
+            <a:off x="2932801" y="3747671"/>
+            <a:ext cx="127020" cy="107173"/>
+          </a:xfrm>
+          <a:prstGeom prst="rect">
+            <a:avLst/>
+          </a:prstGeom>
+          <a:ln>
+            <a:noFill/>
+          </a:ln>
+        </p:spPr>
+        <p:style>
+          <a:lnRef idx="2">
+            <a:schemeClr val="accent1">
+              <a:shade val="15000"/>
+            </a:schemeClr>
+          </a:lnRef>
+          <a:fillRef idx="1">
+            <a:schemeClr val="accent1"/>
+          </a:fillRef>
+          <a:effectRef idx="0">
+            <a:schemeClr val="accent1"/>
+          </a:effectRef>
+          <a:fontRef idx="minor">
+            <a:schemeClr val="lt1"/>
+          </a:fontRef>
+        </p:style>
+        <p:txBody>
+          <a:bodyPr rtlCol="0" anchor="ctr"/>
+          <a:lstStyle/>
+          <a:p>
+            <a:pPr algn="ctr"/>
+            <a:endParaRPr lang="en-US"/>
+          </a:p>
+        </p:txBody>
+      </p:sp>
+      <p:cxnSp>
+        <p:nvCxnSpPr>
+          <p:cNvPr id="115" name="Curved Connector 114">
+            <a:extLst>
+              <a:ext uri="{FF2B5EF4-FFF2-40B4-BE49-F238E27FC236}">
+                <a16:creationId xmlns:a16="http://schemas.microsoft.com/office/drawing/2014/main" id="{3461878E-CAD4-18CA-F3FA-587AA80913F3}"/>
+              </a:ext>
+            </a:extLst>
+          </p:cNvPr>
+          <p:cNvCxnSpPr>
+            <a:cxnSpLocks/>
+            <a:stCxn id="62" idx="2"/>
+          </p:cNvCxnSpPr>
+          <p:nvPr/>
+        </p:nvCxnSpPr>
+        <p:spPr>
+          <a:xfrm rot="5400000" flipH="1" flipV="1">
+            <a:off x="2942236" y="3465158"/>
+            <a:ext cx="336588" cy="228439"/>
+          </a:xfrm>
+          <a:prstGeom prst="curvedConnector3">
+            <a:avLst>
+              <a:gd name="adj1" fmla="val 50000"/>
+            </a:avLst>
+          </a:prstGeom>
+          <a:ln w="6350">
+            <a:tailEnd type="triangle"/>
+          </a:ln>
+        </p:spPr>
+        <p:style>
+          <a:lnRef idx="2">
+            <a:schemeClr val="accent1"/>
+          </a:lnRef>
+          <a:fillRef idx="0">
+            <a:schemeClr val="accent1"/>
+          </a:fillRef>
+          <a:effectRef idx="1">
+            <a:schemeClr val="accent1"/>
+          </a:effectRef>
+          <a:fontRef idx="minor">
+            <a:schemeClr val="tx1"/>
+          </a:fontRef>
+        </p:style>
+      </p:cxnSp>
+      <p:grpSp>
+        <p:nvGrpSpPr>
+          <p:cNvPr id="36" name="Group 35">
+            <a:extLst>
+              <a:ext uri="{FF2B5EF4-FFF2-40B4-BE49-F238E27FC236}">
+                <a16:creationId xmlns:a16="http://schemas.microsoft.com/office/drawing/2014/main" id="{AC5DB83F-7FF5-F291-9A3A-87C392237C66}"/>
+              </a:ext>
+            </a:extLst>
+          </p:cNvPr>
+          <p:cNvGrpSpPr/>
+          <p:nvPr/>
+        </p:nvGrpSpPr>
+        <p:grpSpPr>
+          <a:xfrm rot="16200000">
+            <a:off x="3294025" y="3096990"/>
+            <a:ext cx="80433" cy="524933"/>
+            <a:chOff x="876300" y="3429000"/>
+            <a:chExt cx="279400" cy="1981200"/>
+          </a:xfrm>
+        </p:grpSpPr>
+        <p:cxnSp>
+          <p:nvCxnSpPr>
+            <p:cNvPr id="37" name="Straight Connector 36">
+              <a:extLst>
+                <a:ext uri="{FF2B5EF4-FFF2-40B4-BE49-F238E27FC236}">
+                  <a16:creationId xmlns:a16="http://schemas.microsoft.com/office/drawing/2014/main" id="{8902242B-5057-74D3-56E9-3A908ED9759B}"/>
+                </a:ext>
+              </a:extLst>
+            </p:cNvPr>
+            <p:cNvCxnSpPr/>
+            <p:nvPr/>
+          </p:nvCxnSpPr>
+          <p:spPr>
+            <a:xfrm>
+              <a:off x="1016000" y="3429000"/>
+              <a:ext cx="0" cy="1981200"/>
+            </a:xfrm>
+            <a:prstGeom prst="line">
+              <a:avLst/>
+            </a:prstGeom>
+          </p:spPr>
+          <p:style>
+            <a:lnRef idx="2">
+              <a:schemeClr val="accent1"/>
+            </a:lnRef>
+            <a:fillRef idx="0">
+              <a:schemeClr val="accent1"/>
+            </a:fillRef>
+            <a:effectRef idx="1">
+              <a:schemeClr val="accent1"/>
+            </a:effectRef>
+            <a:fontRef idx="minor">
+              <a:schemeClr val="tx1"/>
+            </a:fontRef>
+          </p:style>
+        </p:cxnSp>
+        <p:cxnSp>
+          <p:nvCxnSpPr>
+            <p:cNvPr id="38" name="Straight Connector 37">
+              <a:extLst>
+                <a:ext uri="{FF2B5EF4-FFF2-40B4-BE49-F238E27FC236}">
+                  <a16:creationId xmlns:a16="http://schemas.microsoft.com/office/drawing/2014/main" id="{22BF260D-07FF-7FEA-1714-CF9D8A1C824E}"/>
+                </a:ext>
+              </a:extLst>
+            </p:cNvPr>
+            <p:cNvCxnSpPr>
+              <a:cxnSpLocks/>
+            </p:cNvCxnSpPr>
+            <p:nvPr/>
+          </p:nvCxnSpPr>
+          <p:spPr>
+            <a:xfrm>
+              <a:off x="876300" y="3429000"/>
+              <a:ext cx="279400" cy="0"/>
+            </a:xfrm>
+            <a:prstGeom prst="line">
+              <a:avLst/>
+            </a:prstGeom>
+          </p:spPr>
+          <p:style>
+            <a:lnRef idx="2">
+              <a:schemeClr val="accent1"/>
+            </a:lnRef>
+            <a:fillRef idx="0">
+              <a:schemeClr val="accent1"/>
+            </a:fillRef>
+            <a:effectRef idx="1">
+              <a:schemeClr val="accent1"/>
+            </a:effectRef>
+            <a:fontRef idx="minor">
+              <a:schemeClr val="tx1"/>
+            </a:fontRef>
+          </p:style>
+        </p:cxnSp>
+        <p:cxnSp>
+          <p:nvCxnSpPr>
+            <p:cNvPr id="39" name="Straight Connector 38">
+              <a:extLst>
+                <a:ext uri="{FF2B5EF4-FFF2-40B4-BE49-F238E27FC236}">
+                  <a16:creationId xmlns:a16="http://schemas.microsoft.com/office/drawing/2014/main" id="{5E6D8AE1-7188-6BD9-3A03-8BFB38D45616}"/>
+                </a:ext>
+              </a:extLst>
+            </p:cNvPr>
+            <p:cNvCxnSpPr>
+              <a:cxnSpLocks/>
+            </p:cNvCxnSpPr>
+            <p:nvPr/>
+          </p:nvCxnSpPr>
+          <p:spPr>
+            <a:xfrm>
+              <a:off x="876300" y="5410200"/>
+              <a:ext cx="279400" cy="0"/>
+            </a:xfrm>
+            <a:prstGeom prst="line">
+              <a:avLst/>
+            </a:prstGeom>
+          </p:spPr>
+          <p:style>
+            <a:lnRef idx="2">
+              <a:schemeClr val="accent1"/>
+            </a:lnRef>
+            <a:fillRef idx="0">
+              <a:schemeClr val="accent1"/>
+            </a:fillRef>
+            <a:effectRef idx="1">
+              <a:schemeClr val="accent1"/>
+            </a:effectRef>
+            <a:fontRef idx="minor">
+              <a:schemeClr val="tx1"/>
+            </a:fontRef>
+          </p:style>
+        </p:cxnSp>
+        <p:cxnSp>
+          <p:nvCxnSpPr>
+            <p:cNvPr id="40" name="Straight Connector 39">
+              <a:extLst>
+                <a:ext uri="{FF2B5EF4-FFF2-40B4-BE49-F238E27FC236}">
+                  <a16:creationId xmlns:a16="http://schemas.microsoft.com/office/drawing/2014/main" id="{22632EE5-C64D-60E8-13B5-BB0921BD2776}"/>
+                </a:ext>
+              </a:extLst>
+            </p:cNvPr>
+            <p:cNvCxnSpPr>
+              <a:cxnSpLocks/>
+            </p:cNvCxnSpPr>
+            <p:nvPr/>
+          </p:nvCxnSpPr>
+          <p:spPr>
+            <a:xfrm>
+              <a:off x="876300" y="4419599"/>
+              <a:ext cx="279400" cy="0"/>
+            </a:xfrm>
+            <a:prstGeom prst="line">
+              <a:avLst/>
+            </a:prstGeom>
+          </p:spPr>
+          <p:style>
+            <a:lnRef idx="2">
+              <a:schemeClr val="accent1"/>
+            </a:lnRef>
+            <a:fillRef idx="0">
+              <a:schemeClr val="accent1"/>
+            </a:fillRef>
+            <a:effectRef idx="1">
+              <a:schemeClr val="accent1"/>
+            </a:effectRef>
+            <a:fontRef idx="minor">
+              <a:schemeClr val="tx1"/>
+            </a:fontRef>
+          </p:style>
+        </p:cxnSp>
+        <p:cxnSp>
+          <p:nvCxnSpPr>
+            <p:cNvPr id="41" name="Straight Connector 40">
+              <a:extLst>
+                <a:ext uri="{FF2B5EF4-FFF2-40B4-BE49-F238E27FC236}">
+                  <a16:creationId xmlns:a16="http://schemas.microsoft.com/office/drawing/2014/main" id="{821B71C8-00B4-9C0E-31C5-985396CED6FF}"/>
+                </a:ext>
+              </a:extLst>
+            </p:cNvPr>
+            <p:cNvCxnSpPr>
+              <a:cxnSpLocks/>
+            </p:cNvCxnSpPr>
+            <p:nvPr/>
+          </p:nvCxnSpPr>
+          <p:spPr>
+            <a:xfrm>
+              <a:off x="876300" y="3894667"/>
+              <a:ext cx="279400" cy="0"/>
+            </a:xfrm>
+            <a:prstGeom prst="line">
+              <a:avLst/>
+            </a:prstGeom>
+          </p:spPr>
+          <p:style>
+            <a:lnRef idx="2">
+              <a:schemeClr val="accent1"/>
+            </a:lnRef>
+            <a:fillRef idx="0">
+              <a:schemeClr val="accent1"/>
+            </a:fillRef>
+            <a:effectRef idx="1">
+              <a:schemeClr val="accent1"/>
+            </a:effectRef>
+            <a:fontRef idx="minor">
+              <a:schemeClr val="tx1"/>
+            </a:fontRef>
+          </p:style>
+        </p:cxnSp>
+        <p:cxnSp>
+          <p:nvCxnSpPr>
+            <p:cNvPr id="42" name="Straight Connector 41">
+              <a:extLst>
+                <a:ext uri="{FF2B5EF4-FFF2-40B4-BE49-F238E27FC236}">
+                  <a16:creationId xmlns:a16="http://schemas.microsoft.com/office/drawing/2014/main" id="{98B64FC2-4A72-7E89-5796-AD32C56F8842}"/>
+                </a:ext>
+              </a:extLst>
+            </p:cNvPr>
+            <p:cNvCxnSpPr>
+              <a:cxnSpLocks/>
+            </p:cNvCxnSpPr>
+            <p:nvPr/>
+          </p:nvCxnSpPr>
+          <p:spPr>
+            <a:xfrm>
+              <a:off x="876300" y="4927600"/>
+              <a:ext cx="279400" cy="0"/>
+            </a:xfrm>
+            <a:prstGeom prst="line">
+              <a:avLst/>
+            </a:prstGeom>
+          </p:spPr>
+          <p:style>
+            <a:lnRef idx="2">
+              <a:schemeClr val="accent1"/>
+            </a:lnRef>
+            <a:fillRef idx="0">
+              <a:schemeClr val="accent1"/>
+            </a:fillRef>
+            <a:effectRef idx="1">
+              <a:schemeClr val="accent1"/>
+            </a:effectRef>
+            <a:fontRef idx="minor">
+              <a:schemeClr val="tx1"/>
+            </a:fontRef>
+          </p:style>
+        </p:cxnSp>
+      </p:grpSp>
+      <p:grpSp>
+        <p:nvGrpSpPr>
+          <p:cNvPr id="118" name="Group 117">
+            <a:extLst>
+              <a:ext uri="{FF2B5EF4-FFF2-40B4-BE49-F238E27FC236}">
+                <a16:creationId xmlns:a16="http://schemas.microsoft.com/office/drawing/2014/main" id="{A8689227-9E5F-AED5-0344-EE197A413CC8}"/>
+              </a:ext>
+            </a:extLst>
+          </p:cNvPr>
+          <p:cNvGrpSpPr/>
+          <p:nvPr/>
+        </p:nvGrpSpPr>
+        <p:grpSpPr>
+          <a:xfrm rot="9268224">
+            <a:off x="3021345" y="1646553"/>
+            <a:ext cx="80433" cy="524933"/>
+            <a:chOff x="876300" y="3429000"/>
+            <a:chExt cx="279400" cy="1981200"/>
+          </a:xfrm>
+        </p:grpSpPr>
+        <p:cxnSp>
+          <p:nvCxnSpPr>
+            <p:cNvPr id="119" name="Straight Connector 118">
+              <a:extLst>
+                <a:ext uri="{FF2B5EF4-FFF2-40B4-BE49-F238E27FC236}">
+                  <a16:creationId xmlns:a16="http://schemas.microsoft.com/office/drawing/2014/main" id="{4052EB40-ED98-BD33-A264-B9B099A60D3D}"/>
+                </a:ext>
+              </a:extLst>
+            </p:cNvPr>
+            <p:cNvCxnSpPr/>
+            <p:nvPr/>
+          </p:nvCxnSpPr>
+          <p:spPr>
+            <a:xfrm>
+              <a:off x="1016000" y="3429000"/>
+              <a:ext cx="0" cy="1981200"/>
+            </a:xfrm>
+            <a:prstGeom prst="line">
+              <a:avLst/>
+            </a:prstGeom>
+          </p:spPr>
+          <p:style>
+            <a:lnRef idx="2">
+              <a:schemeClr val="accent1"/>
+            </a:lnRef>
+            <a:fillRef idx="0">
+              <a:schemeClr val="accent1"/>
+            </a:fillRef>
+            <a:effectRef idx="1">
+              <a:schemeClr val="accent1"/>
+            </a:effectRef>
+            <a:fontRef idx="minor">
+              <a:schemeClr val="tx1"/>
+            </a:fontRef>
+          </p:style>
+        </p:cxnSp>
+        <p:cxnSp>
+          <p:nvCxnSpPr>
+            <p:cNvPr id="120" name="Straight Connector 119">
+              <a:extLst>
+                <a:ext uri="{FF2B5EF4-FFF2-40B4-BE49-F238E27FC236}">
+                  <a16:creationId xmlns:a16="http://schemas.microsoft.com/office/drawing/2014/main" id="{96F9622C-43D3-4BC5-807F-9687D80587DE}"/>
+                </a:ext>
+              </a:extLst>
+            </p:cNvPr>
+            <p:cNvCxnSpPr>
+              <a:cxnSpLocks/>
+            </p:cNvCxnSpPr>
+            <p:nvPr/>
+          </p:nvCxnSpPr>
+          <p:spPr>
+            <a:xfrm>
+              <a:off x="876300" y="3429000"/>
+              <a:ext cx="279400" cy="0"/>
+            </a:xfrm>
+            <a:prstGeom prst="line">
+              <a:avLst/>
+            </a:prstGeom>
+          </p:spPr>
+          <p:style>
+            <a:lnRef idx="2">
+              <a:schemeClr val="accent1"/>
+            </a:lnRef>
+            <a:fillRef idx="0">
+              <a:schemeClr val="accent1"/>
+            </a:fillRef>
+            <a:effectRef idx="1">
+              <a:schemeClr val="accent1"/>
+            </a:effectRef>
+            <a:fontRef idx="minor">
+              <a:schemeClr val="tx1"/>
+            </a:fontRef>
+          </p:style>
+        </p:cxnSp>
+        <p:cxnSp>
+          <p:nvCxnSpPr>
+            <p:cNvPr id="122" name="Straight Connector 121">
+              <a:extLst>
+                <a:ext uri="{FF2B5EF4-FFF2-40B4-BE49-F238E27FC236}">
+                  <a16:creationId xmlns:a16="http://schemas.microsoft.com/office/drawing/2014/main" id="{49688D3A-DAFF-B8FD-70FC-9EE1D1B6A786}"/>
+                </a:ext>
+              </a:extLst>
+            </p:cNvPr>
+            <p:cNvCxnSpPr>
+              <a:cxnSpLocks/>
+            </p:cNvCxnSpPr>
+            <p:nvPr/>
+          </p:nvCxnSpPr>
+          <p:spPr>
+            <a:xfrm>
+              <a:off x="876300" y="5410200"/>
+              <a:ext cx="279400" cy="0"/>
+            </a:xfrm>
+            <a:prstGeom prst="line">
+              <a:avLst/>
+            </a:prstGeom>
+          </p:spPr>
+          <p:style>
+            <a:lnRef idx="2">
+              <a:schemeClr val="accent1"/>
+            </a:lnRef>
+            <a:fillRef idx="0">
+              <a:schemeClr val="accent1"/>
+            </a:fillRef>
+            <a:effectRef idx="1">
+              <a:schemeClr val="accent1"/>
+            </a:effectRef>
+            <a:fontRef idx="minor">
+              <a:schemeClr val="tx1"/>
+            </a:fontRef>
+          </p:style>
+        </p:cxnSp>
+        <p:cxnSp>
+          <p:nvCxnSpPr>
+            <p:cNvPr id="127" name="Straight Connector 126">
+              <a:extLst>
+                <a:ext uri="{FF2B5EF4-FFF2-40B4-BE49-F238E27FC236}">
+                  <a16:creationId xmlns:a16="http://schemas.microsoft.com/office/drawing/2014/main" id="{CA3031F0-6A10-F4EC-C617-1004DE5FFD32}"/>
+                </a:ext>
+              </a:extLst>
+            </p:cNvPr>
+            <p:cNvCxnSpPr>
+              <a:cxnSpLocks/>
+            </p:cNvCxnSpPr>
+            <p:nvPr/>
+          </p:nvCxnSpPr>
+          <p:spPr>
+            <a:xfrm>
+              <a:off x="876300" y="4419599"/>
+              <a:ext cx="279400" cy="0"/>
+            </a:xfrm>
+            <a:prstGeom prst="line">
+              <a:avLst/>
+            </a:prstGeom>
+          </p:spPr>
+          <p:style>
+            <a:lnRef idx="2">
+              <a:schemeClr val="accent1"/>
+            </a:lnRef>
+            <a:fillRef idx="0">
+              <a:schemeClr val="accent1"/>
+            </a:fillRef>
+            <a:effectRef idx="1">
+              <a:schemeClr val="accent1"/>
+            </a:effectRef>
+            <a:fontRef idx="minor">
+              <a:schemeClr val="tx1"/>
+            </a:fontRef>
+          </p:style>
+        </p:cxnSp>
+        <p:cxnSp>
+          <p:nvCxnSpPr>
+            <p:cNvPr id="128" name="Straight Connector 127">
+              <a:extLst>
+                <a:ext uri="{FF2B5EF4-FFF2-40B4-BE49-F238E27FC236}">
+                  <a16:creationId xmlns:a16="http://schemas.microsoft.com/office/drawing/2014/main" id="{33B375DD-54CA-FA21-F7AA-CCA410176303}"/>
+                </a:ext>
+              </a:extLst>
+            </p:cNvPr>
+            <p:cNvCxnSpPr>
+              <a:cxnSpLocks/>
+            </p:cNvCxnSpPr>
+            <p:nvPr/>
+          </p:nvCxnSpPr>
+          <p:spPr>
+            <a:xfrm>
+              <a:off x="876300" y="3894667"/>
+              <a:ext cx="279400" cy="0"/>
+            </a:xfrm>
+            <a:prstGeom prst="line">
+              <a:avLst/>
+            </a:prstGeom>
+          </p:spPr>
+          <p:style>
+            <a:lnRef idx="2">
+              <a:schemeClr val="accent1"/>
+            </a:lnRef>
+            <a:fillRef idx="0">
+              <a:schemeClr val="accent1"/>
+            </a:fillRef>
+            <a:effectRef idx="1">
+              <a:schemeClr val="accent1"/>
+            </a:effectRef>
+            <a:fontRef idx="minor">
+              <a:schemeClr val="tx1"/>
+            </a:fontRef>
+          </p:style>
+        </p:cxnSp>
+        <p:cxnSp>
+          <p:nvCxnSpPr>
+            <p:cNvPr id="145" name="Straight Connector 144">
+              <a:extLst>
+                <a:ext uri="{FF2B5EF4-FFF2-40B4-BE49-F238E27FC236}">
+                  <a16:creationId xmlns:a16="http://schemas.microsoft.com/office/drawing/2014/main" id="{B294DB67-1DFF-D445-1DBB-200A92428F4B}"/>
+                </a:ext>
+              </a:extLst>
+            </p:cNvPr>
+            <p:cNvCxnSpPr>
+              <a:cxnSpLocks/>
+            </p:cNvCxnSpPr>
+            <p:nvPr/>
+          </p:nvCxnSpPr>
+          <p:spPr>
+            <a:xfrm>
+              <a:off x="876300" y="4927600"/>
+              <a:ext cx="279400" cy="0"/>
+            </a:xfrm>
+            <a:prstGeom prst="line">
+              <a:avLst/>
+            </a:prstGeom>
+          </p:spPr>
+          <p:style>
+            <a:lnRef idx="2">
+              <a:schemeClr val="accent1"/>
+            </a:lnRef>
+            <a:fillRef idx="0">
+              <a:schemeClr val="accent1"/>
+            </a:fillRef>
+            <a:effectRef idx="1">
+              <a:schemeClr val="accent1"/>
+            </a:effectRef>
+            <a:fontRef idx="minor">
+              <a:schemeClr val="tx1"/>
+            </a:fontRef>
+          </p:style>
+        </p:cxnSp>
+      </p:grpSp>
+      <p:sp>
+        <p:nvSpPr>
+          <p:cNvPr id="146" name="TextBox 145">
+            <a:extLst>
+              <a:ext uri="{FF2B5EF4-FFF2-40B4-BE49-F238E27FC236}">
+                <a16:creationId xmlns:a16="http://schemas.microsoft.com/office/drawing/2014/main" id="{A4D918EF-0B93-A4DD-9B1C-C3749204E12F}"/>
+              </a:ext>
+            </a:extLst>
+          </p:cNvPr>
+          <p:cNvSpPr txBox="1"/>
+          <p:nvPr/>
+        </p:nvSpPr>
+        <p:spPr>
+          <a:xfrm>
+            <a:off x="3102823" y="1712844"/>
+            <a:ext cx="594458" cy="276999"/>
+          </a:xfrm>
+          <a:prstGeom prst="rect">
+            <a:avLst/>
+          </a:prstGeom>
+          <a:solidFill>
+            <a:schemeClr val="bg1"/>
+          </a:solidFill>
+        </p:spPr>
+        <p:txBody>
+          <a:bodyPr wrap="none" rtlCol="0">
+            <a:spAutoFit/>
+          </a:bodyPr>
+          <a:lstStyle/>
+          <a:p>
+            <a:r>
+              <a:rPr lang="en-US" sz="1200" dirty="0"/>
+              <a:t>T1 key</a:t>
+            </a:r>
+          </a:p>
+        </p:txBody>
+      </p:sp>
+      <p:sp>
+        <p:nvSpPr>
+          <p:cNvPr id="147" name="TextBox 146">
+            <a:extLst>
+              <a:ext uri="{FF2B5EF4-FFF2-40B4-BE49-F238E27FC236}">
+                <a16:creationId xmlns:a16="http://schemas.microsoft.com/office/drawing/2014/main" id="{FE07B487-EC7F-5A64-90F6-9E1A25C600C9}"/>
+              </a:ext>
+            </a:extLst>
+          </p:cNvPr>
+          <p:cNvSpPr txBox="1"/>
+          <p:nvPr/>
+        </p:nvSpPr>
+        <p:spPr>
+          <a:xfrm>
+            <a:off x="3467225" y="2770234"/>
+            <a:ext cx="397866" cy="276999"/>
+          </a:xfrm>
+          <a:prstGeom prst="rect">
+            <a:avLst/>
+          </a:prstGeom>
+          <a:solidFill>
+            <a:schemeClr val="bg1"/>
+          </a:solidFill>
+        </p:spPr>
+        <p:txBody>
+          <a:bodyPr wrap="none" rtlCol="0">
+            <a:spAutoFit/>
+          </a:bodyPr>
+          <a:lstStyle/>
+          <a:p>
+            <a:r>
+              <a:rPr lang="en-US" sz="1200" dirty="0"/>
+              <a:t>Wk</a:t>
+            </a:r>
+          </a:p>
+        </p:txBody>
+      </p:sp>
+      <p:cxnSp>
+        <p:nvCxnSpPr>
+          <p:cNvPr id="150" name="Curved Connector 149">
+            <a:extLst>
+              <a:ext uri="{FF2B5EF4-FFF2-40B4-BE49-F238E27FC236}">
+                <a16:creationId xmlns:a16="http://schemas.microsoft.com/office/drawing/2014/main" id="{25FF502A-7177-0498-CB18-49D3FAF004CD}"/>
+              </a:ext>
+            </a:extLst>
+          </p:cNvPr>
+          <p:cNvCxnSpPr>
+            <a:cxnSpLocks/>
+          </p:cNvCxnSpPr>
+          <p:nvPr/>
+        </p:nvCxnSpPr>
+        <p:spPr>
+          <a:xfrm rot="16200000" flipV="1">
+            <a:off x="2646072" y="2569054"/>
+            <a:ext cx="1079364" cy="322385"/>
+          </a:xfrm>
+          <a:prstGeom prst="curvedConnector3">
+            <a:avLst>
+              <a:gd name="adj1" fmla="val 50000"/>
+            </a:avLst>
+          </a:prstGeom>
+          <a:ln>
+            <a:tailEnd type="triangle"/>
+          </a:ln>
+        </p:spPr>
+        <p:style>
+          <a:lnRef idx="2">
+            <a:schemeClr val="accent1"/>
+          </a:lnRef>
+          <a:fillRef idx="0">
+            <a:schemeClr val="accent1"/>
+          </a:fillRef>
+          <a:effectRef idx="1">
+            <a:schemeClr val="accent1"/>
+          </a:effectRef>
+          <a:fontRef idx="minor">
+            <a:schemeClr val="tx1"/>
+          </a:fontRef>
+        </p:style>
+      </p:cxnSp>
+      <p:sp>
+        <p:nvSpPr>
+          <p:cNvPr id="151" name="Cube 150">
+            <a:extLst>
+              <a:ext uri="{FF2B5EF4-FFF2-40B4-BE49-F238E27FC236}">
+                <a16:creationId xmlns:a16="http://schemas.microsoft.com/office/drawing/2014/main" id="{78C2D935-1465-E7F1-B13F-77DFC213DD4F}"/>
+              </a:ext>
+            </a:extLst>
+          </p:cNvPr>
+          <p:cNvSpPr/>
+          <p:nvPr/>
+        </p:nvSpPr>
+        <p:spPr>
+          <a:xfrm flipH="1">
+            <a:off x="3284031" y="2597968"/>
+            <a:ext cx="228600" cy="276997"/>
+          </a:xfrm>
+          <a:prstGeom prst="cube">
+            <a:avLst/>
+          </a:prstGeom>
+          <a:solidFill>
+            <a:schemeClr val="bg1"/>
+          </a:solidFill>
+        </p:spPr>
+        <p:style>
+          <a:lnRef idx="2">
+            <a:schemeClr val="accent1">
+              <a:shade val="15000"/>
+            </a:schemeClr>
+          </a:lnRef>
+          <a:fillRef idx="1">
+            <a:schemeClr val="accent1"/>
+          </a:fillRef>
+          <a:effectRef idx="0">
+            <a:schemeClr val="accent1"/>
+          </a:effectRef>
+          <a:fontRef idx="minor">
+            <a:schemeClr val="lt1"/>
+          </a:fontRef>
+        </p:style>
+        <p:txBody>
+          <a:bodyPr rtlCol="0" anchor="ctr"/>
+          <a:lstStyle/>
+          <a:p>
+            <a:pPr algn="ctr"/>
+            <a:endParaRPr lang="en-US"/>
+          </a:p>
+        </p:txBody>
+      </p:sp>
+      <p:sp>
+        <p:nvSpPr>
+          <p:cNvPr id="156" name="Rectangle 155">
+            <a:extLst>
+              <a:ext uri="{FF2B5EF4-FFF2-40B4-BE49-F238E27FC236}">
+                <a16:creationId xmlns:a16="http://schemas.microsoft.com/office/drawing/2014/main" id="{60B96D37-5A26-A5E7-BFCF-45EDA312B729}"/>
+              </a:ext>
+            </a:extLst>
+          </p:cNvPr>
+          <p:cNvSpPr/>
+          <p:nvPr/>
+        </p:nvSpPr>
+        <p:spPr>
+          <a:xfrm flipV="1">
+            <a:off x="3755031" y="1188889"/>
+            <a:ext cx="127020" cy="107173"/>
+          </a:xfrm>
+          <a:prstGeom prst="rect">
+            <a:avLst/>
+          </a:prstGeom>
+          <a:ln>
+            <a:noFill/>
+          </a:ln>
+        </p:spPr>
+        <p:style>
+          <a:lnRef idx="2">
+            <a:schemeClr val="accent1">
+              <a:shade val="15000"/>
+            </a:schemeClr>
+          </a:lnRef>
+          <a:fillRef idx="1">
+            <a:schemeClr val="accent1"/>
+          </a:fillRef>
+          <a:effectRef idx="0">
+            <a:schemeClr val="accent1"/>
+          </a:effectRef>
+          <a:fontRef idx="minor">
+            <a:schemeClr val="lt1"/>
+          </a:fontRef>
+        </p:style>
+        <p:txBody>
+          <a:bodyPr rtlCol="0" anchor="ctr"/>
+          <a:lstStyle/>
+          <a:p>
+            <a:pPr algn="ctr"/>
+            <a:endParaRPr lang="en-US"/>
+          </a:p>
+        </p:txBody>
+      </p:sp>
+      <p:cxnSp>
+        <p:nvCxnSpPr>
+          <p:cNvPr id="157" name="Curved Connector 156">
+            <a:extLst>
+              <a:ext uri="{FF2B5EF4-FFF2-40B4-BE49-F238E27FC236}">
+                <a16:creationId xmlns:a16="http://schemas.microsoft.com/office/drawing/2014/main" id="{15F3D36D-96BC-E9FD-BC31-6AC21551E5B9}"/>
+              </a:ext>
+            </a:extLst>
+          </p:cNvPr>
+          <p:cNvCxnSpPr>
+            <a:cxnSpLocks/>
+            <a:endCxn id="156" idx="0"/>
+          </p:cNvCxnSpPr>
+          <p:nvPr/>
+        </p:nvCxnSpPr>
+        <p:spPr>
+          <a:xfrm flipV="1">
+            <a:off x="3045544" y="1296062"/>
+            <a:ext cx="772997" cy="401947"/>
+          </a:xfrm>
+          <a:prstGeom prst="curvedConnector2">
+            <a:avLst/>
+          </a:prstGeom>
+          <a:ln w="6350">
+            <a:tailEnd type="arrow"/>
+          </a:ln>
+        </p:spPr>
+        <p:style>
+          <a:lnRef idx="2">
+            <a:schemeClr val="accent1"/>
+          </a:lnRef>
+          <a:fillRef idx="0">
+            <a:schemeClr val="accent1"/>
+          </a:fillRef>
+          <a:effectRef idx="1">
+            <a:schemeClr val="accent1"/>
+          </a:effectRef>
+          <a:fontRef idx="minor">
+            <a:schemeClr val="tx1"/>
+          </a:fontRef>
+        </p:style>
+      </p:cxnSp>
+      <p:cxnSp>
+        <p:nvCxnSpPr>
+          <p:cNvPr id="168" name="Curved Connector 167">
+            <a:extLst>
+              <a:ext uri="{FF2B5EF4-FFF2-40B4-BE49-F238E27FC236}">
+                <a16:creationId xmlns:a16="http://schemas.microsoft.com/office/drawing/2014/main" id="{DF20E0DF-50CD-FE5F-5842-DFE4116FD9FC}"/>
+              </a:ext>
+            </a:extLst>
+          </p:cNvPr>
+          <p:cNvCxnSpPr>
+            <a:cxnSpLocks/>
+            <a:endCxn id="156" idx="0"/>
+          </p:cNvCxnSpPr>
+          <p:nvPr/>
+        </p:nvCxnSpPr>
+        <p:spPr>
+          <a:xfrm rot="10800000">
+            <a:off x="3818541" y="1296063"/>
+            <a:ext cx="1054440" cy="397613"/>
+          </a:xfrm>
+          <a:prstGeom prst="curvedConnector2">
+            <a:avLst/>
+          </a:prstGeom>
+          <a:ln w="6350">
+            <a:tailEnd type="arrow"/>
+          </a:ln>
+        </p:spPr>
+        <p:style>
+          <a:lnRef idx="2">
+            <a:schemeClr val="accent1"/>
+          </a:lnRef>
+          <a:fillRef idx="0">
+            <a:schemeClr val="accent1"/>
+          </a:fillRef>
+          <a:effectRef idx="1">
+            <a:schemeClr val="accent1"/>
+          </a:effectRef>
+          <a:fontRef idx="minor">
+            <a:schemeClr val="tx1"/>
+          </a:fontRef>
+        </p:style>
+      </p:cxnSp>
+      <p:cxnSp>
+        <p:nvCxnSpPr>
+          <p:cNvPr id="176" name="Curved Connector 175">
+            <a:extLst>
+              <a:ext uri="{FF2B5EF4-FFF2-40B4-BE49-F238E27FC236}">
+                <a16:creationId xmlns:a16="http://schemas.microsoft.com/office/drawing/2014/main" id="{6A3D3179-08C2-42DE-C7AD-617ECFD28724}"/>
+              </a:ext>
+            </a:extLst>
+          </p:cNvPr>
+          <p:cNvCxnSpPr>
+            <a:cxnSpLocks/>
+            <a:stCxn id="156" idx="2"/>
+          </p:cNvCxnSpPr>
+          <p:nvPr/>
+        </p:nvCxnSpPr>
+        <p:spPr>
+          <a:xfrm rot="5400000" flipH="1" flipV="1">
+            <a:off x="3711928" y="938778"/>
+            <a:ext cx="356725" cy="143498"/>
+          </a:xfrm>
+          <a:prstGeom prst="curvedConnector3">
+            <a:avLst>
+              <a:gd name="adj1" fmla="val 50000"/>
+            </a:avLst>
+          </a:prstGeom>
+          <a:ln w="6350">
+            <a:tailEnd type="triangle"/>
+          </a:ln>
+        </p:spPr>
+        <p:style>
+          <a:lnRef idx="2">
+            <a:schemeClr val="accent1"/>
+          </a:lnRef>
+          <a:fillRef idx="0">
+            <a:schemeClr val="accent1"/>
+          </a:fillRef>
+          <a:effectRef idx="1">
+            <a:schemeClr val="accent1"/>
+          </a:effectRef>
+          <a:fontRef idx="minor">
+            <a:schemeClr val="tx1"/>
+          </a:fontRef>
+        </p:style>
+      </p:cxnSp>
+      <p:sp>
+        <p:nvSpPr>
+          <p:cNvPr id="181" name="TextBox 180">
+            <a:extLst>
+              <a:ext uri="{FF2B5EF4-FFF2-40B4-BE49-F238E27FC236}">
+                <a16:creationId xmlns:a16="http://schemas.microsoft.com/office/drawing/2014/main" id="{FFFD8097-9B43-9771-8C20-51514D068516}"/>
+              </a:ext>
+            </a:extLst>
+          </p:cNvPr>
+          <p:cNvSpPr txBox="1"/>
+          <p:nvPr/>
+        </p:nvSpPr>
+        <p:spPr>
+          <a:xfrm>
+            <a:off x="6592092" y="1545860"/>
+            <a:ext cx="2277588" cy="461665"/>
+          </a:xfrm>
+          <a:prstGeom prst="rect">
+            <a:avLst/>
+          </a:prstGeom>
+          <a:solidFill>
+            <a:schemeClr val="bg1"/>
+          </a:solidFill>
+        </p:spPr>
+        <p:txBody>
+          <a:bodyPr wrap="square" rtlCol="0">
+            <a:spAutoFit/>
+          </a:bodyPr>
+          <a:lstStyle/>
+          <a:p>
+            <a:r>
+              <a:rPr lang="en-US" sz="1200" i="1" dirty="0"/>
+              <a:t>In this case, T2 key, T1 key, and EOU query are all aligned</a:t>
+            </a:r>
+          </a:p>
+        </p:txBody>
+      </p:sp>
+      <p:sp>
+        <p:nvSpPr>
+          <p:cNvPr id="222" name="TextBox 221">
+            <a:extLst>
+              <a:ext uri="{FF2B5EF4-FFF2-40B4-BE49-F238E27FC236}">
+                <a16:creationId xmlns:a16="http://schemas.microsoft.com/office/drawing/2014/main" id="{880B867D-F7B4-514E-1609-C58C1A9BE1B6}"/>
+              </a:ext>
+            </a:extLst>
+          </p:cNvPr>
+          <p:cNvSpPr txBox="1"/>
+          <p:nvPr/>
+        </p:nvSpPr>
+        <p:spPr>
+          <a:xfrm>
+            <a:off x="4335770" y="469402"/>
+            <a:ext cx="1395831" cy="461665"/>
+          </a:xfrm>
+          <a:prstGeom prst="rect">
+            <a:avLst/>
+          </a:prstGeom>
+          <a:solidFill>
+            <a:schemeClr val="bg1"/>
+          </a:solidFill>
+        </p:spPr>
+        <p:txBody>
+          <a:bodyPr wrap="none" rtlCol="0">
+            <a:spAutoFit/>
+          </a:bodyPr>
+          <a:lstStyle/>
+          <a:p>
+            <a:r>
+              <a:rPr lang="en-US" sz="1200" dirty="0"/>
+              <a:t>EOU value</a:t>
+            </a:r>
+            <a:br>
+              <a:rPr lang="en-US" sz="1200" dirty="0"/>
+            </a:br>
+            <a:r>
+              <a:rPr lang="en-US" sz="1200" b="1" dirty="0"/>
+              <a:t>T2- and T1- aware</a:t>
+            </a:r>
+          </a:p>
+        </p:txBody>
+      </p:sp>
+      <p:cxnSp>
+        <p:nvCxnSpPr>
+          <p:cNvPr id="255" name="Curved Connector 254">
+            <a:extLst>
+              <a:ext uri="{FF2B5EF4-FFF2-40B4-BE49-F238E27FC236}">
+                <a16:creationId xmlns:a16="http://schemas.microsoft.com/office/drawing/2014/main" id="{7D3FCD4E-99B6-C1BC-532C-BB7EBD2A8B01}"/>
+              </a:ext>
+            </a:extLst>
+          </p:cNvPr>
+          <p:cNvCxnSpPr>
+            <a:cxnSpLocks/>
+          </p:cNvCxnSpPr>
+          <p:nvPr/>
+        </p:nvCxnSpPr>
+        <p:spPr>
+          <a:xfrm flipV="1">
+            <a:off x="2959882" y="5181456"/>
+            <a:ext cx="1100891" cy="787128"/>
+          </a:xfrm>
+          <a:prstGeom prst="curvedConnector3">
+            <a:avLst>
+              <a:gd name="adj1" fmla="val 101682"/>
+            </a:avLst>
+          </a:prstGeom>
+          <a:ln>
+            <a:tailEnd type="none"/>
+          </a:ln>
+        </p:spPr>
+        <p:style>
+          <a:lnRef idx="2">
+            <a:schemeClr val="accent1"/>
+          </a:lnRef>
+          <a:fillRef idx="0">
+            <a:schemeClr val="accent1"/>
+          </a:fillRef>
+          <a:effectRef idx="1">
+            <a:schemeClr val="accent1"/>
+          </a:effectRef>
+          <a:fontRef idx="minor">
+            <a:schemeClr val="tx1"/>
+          </a:fontRef>
+        </p:style>
+      </p:cxnSp>
+      <p:sp>
+        <p:nvSpPr>
+          <p:cNvPr id="265" name="TextBox 264">
+            <a:extLst>
+              <a:ext uri="{FF2B5EF4-FFF2-40B4-BE49-F238E27FC236}">
+                <a16:creationId xmlns:a16="http://schemas.microsoft.com/office/drawing/2014/main" id="{E93153E4-87BE-B71D-FCCF-77A4BEE01D9F}"/>
+              </a:ext>
+            </a:extLst>
+          </p:cNvPr>
+          <p:cNvSpPr txBox="1"/>
+          <p:nvPr/>
+        </p:nvSpPr>
+        <p:spPr>
+          <a:xfrm>
+            <a:off x="4362786" y="5085980"/>
+            <a:ext cx="391454" cy="276999"/>
+          </a:xfrm>
+          <a:prstGeom prst="rect">
+            <a:avLst/>
+          </a:prstGeom>
+          <a:solidFill>
+            <a:schemeClr val="bg1"/>
+          </a:solidFill>
+        </p:spPr>
+        <p:txBody>
+          <a:bodyPr wrap="none" rtlCol="0">
+            <a:spAutoFit/>
+          </a:bodyPr>
+          <a:lstStyle/>
+          <a:p>
+            <a:r>
+              <a:rPr lang="en-US" sz="1200" dirty="0"/>
+              <a:t>Wv</a:t>
+            </a:r>
+          </a:p>
+        </p:txBody>
+      </p:sp>
+      <p:sp>
+        <p:nvSpPr>
+          <p:cNvPr id="266" name="Cube 265">
+            <a:extLst>
+              <a:ext uri="{FF2B5EF4-FFF2-40B4-BE49-F238E27FC236}">
+                <a16:creationId xmlns:a16="http://schemas.microsoft.com/office/drawing/2014/main" id="{F67805B3-3DB9-AFB8-4628-2B1131646ABC}"/>
+              </a:ext>
+            </a:extLst>
+          </p:cNvPr>
+          <p:cNvSpPr/>
+          <p:nvPr/>
+        </p:nvSpPr>
+        <p:spPr>
+          <a:xfrm flipH="1">
+            <a:off x="4156889" y="4978803"/>
+            <a:ext cx="228600" cy="276997"/>
+          </a:xfrm>
+          <a:prstGeom prst="cube">
+            <a:avLst/>
+          </a:prstGeom>
+          <a:solidFill>
+            <a:schemeClr val="bg1"/>
+          </a:solidFill>
+        </p:spPr>
+        <p:style>
+          <a:lnRef idx="2">
+            <a:schemeClr val="accent1">
+              <a:shade val="15000"/>
+            </a:schemeClr>
+          </a:lnRef>
+          <a:fillRef idx="1">
+            <a:schemeClr val="accent1"/>
+          </a:fillRef>
+          <a:effectRef idx="0">
+            <a:schemeClr val="accent1"/>
+          </a:effectRef>
+          <a:fontRef idx="minor">
+            <a:schemeClr val="lt1"/>
+          </a:fontRef>
+        </p:style>
+        <p:txBody>
+          <a:bodyPr rtlCol="0" anchor="ctr"/>
+          <a:lstStyle/>
+          <a:p>
+            <a:pPr algn="ctr"/>
+            <a:endParaRPr lang="en-US"/>
+          </a:p>
+        </p:txBody>
+      </p:sp>
+      <p:cxnSp>
+        <p:nvCxnSpPr>
+          <p:cNvPr id="267" name="Curved Connector 266">
+            <a:extLst>
+              <a:ext uri="{FF2B5EF4-FFF2-40B4-BE49-F238E27FC236}">
+                <a16:creationId xmlns:a16="http://schemas.microsoft.com/office/drawing/2014/main" id="{961CEC7F-7F71-FE42-D2C8-CCD7F84B9C5A}"/>
+              </a:ext>
+            </a:extLst>
+          </p:cNvPr>
+          <p:cNvCxnSpPr>
+            <a:cxnSpLocks/>
+          </p:cNvCxnSpPr>
+          <p:nvPr/>
+        </p:nvCxnSpPr>
+        <p:spPr>
+          <a:xfrm rot="16200000" flipV="1">
+            <a:off x="2842998" y="3955640"/>
+            <a:ext cx="1734531" cy="716205"/>
+          </a:xfrm>
+          <a:prstGeom prst="curvedConnector3">
+            <a:avLst>
+              <a:gd name="adj1" fmla="val 50000"/>
+            </a:avLst>
+          </a:prstGeom>
+          <a:ln>
+            <a:tailEnd type="triangle"/>
+          </a:ln>
+        </p:spPr>
+        <p:style>
+          <a:lnRef idx="2">
+            <a:schemeClr val="accent1"/>
+          </a:lnRef>
+          <a:fillRef idx="0">
+            <a:schemeClr val="accent1"/>
+          </a:fillRef>
+          <a:effectRef idx="1">
+            <a:schemeClr val="accent1"/>
+          </a:effectRef>
+          <a:fontRef idx="minor">
+            <a:schemeClr val="tx1"/>
+          </a:fontRef>
+        </p:style>
+      </p:cxnSp>
+      <p:sp>
+        <p:nvSpPr>
+          <p:cNvPr id="54" name="TextBox 53">
+            <a:extLst>
+              <a:ext uri="{FF2B5EF4-FFF2-40B4-BE49-F238E27FC236}">
+                <a16:creationId xmlns:a16="http://schemas.microsoft.com/office/drawing/2014/main" id="{6E3ADF15-391F-1D00-564D-ABEC5A4AF136}"/>
+              </a:ext>
+            </a:extLst>
+          </p:cNvPr>
+          <p:cNvSpPr txBox="1"/>
+          <p:nvPr/>
+        </p:nvSpPr>
+        <p:spPr>
+          <a:xfrm>
+            <a:off x="3486766" y="3672935"/>
+            <a:ext cx="636969" cy="276999"/>
+          </a:xfrm>
+          <a:prstGeom prst="rect">
+            <a:avLst/>
+          </a:prstGeom>
+          <a:solidFill>
+            <a:schemeClr val="bg1"/>
+          </a:solidFill>
+        </p:spPr>
+        <p:txBody>
+          <a:bodyPr wrap="none" rtlCol="0">
+            <a:spAutoFit/>
+          </a:bodyPr>
+          <a:lstStyle/>
+          <a:p>
+            <a:r>
+              <a:rPr lang="en-US" sz="1200" dirty="0"/>
+              <a:t>T1 attn</a:t>
+            </a:r>
+          </a:p>
+        </p:txBody>
+      </p:sp>
+      <p:sp>
+        <p:nvSpPr>
+          <p:cNvPr id="9" name="TextBox 8">
+            <a:extLst>
+              <a:ext uri="{FF2B5EF4-FFF2-40B4-BE49-F238E27FC236}">
+                <a16:creationId xmlns:a16="http://schemas.microsoft.com/office/drawing/2014/main" id="{751B84E9-FE0C-162A-39E1-3E6878F25639}"/>
+              </a:ext>
+            </a:extLst>
+          </p:cNvPr>
+          <p:cNvSpPr txBox="1"/>
+          <p:nvPr/>
+        </p:nvSpPr>
+        <p:spPr>
+          <a:xfrm>
+            <a:off x="3419310" y="4381142"/>
+            <a:ext cx="749629" cy="276999"/>
+          </a:xfrm>
+          <a:prstGeom prst="rect">
+            <a:avLst/>
+          </a:prstGeom>
+          <a:solidFill>
+            <a:schemeClr val="bg1"/>
+          </a:solidFill>
+        </p:spPr>
+        <p:txBody>
+          <a:bodyPr wrap="none" rtlCol="0">
+            <a:spAutoFit/>
+          </a:bodyPr>
+          <a:lstStyle/>
+          <a:p>
+            <a:r>
+              <a:rPr lang="en-US" sz="1200" dirty="0"/>
+              <a:t>T1 query</a:t>
+            </a:r>
+          </a:p>
+        </p:txBody>
+      </p:sp>
+      <p:grpSp>
+        <p:nvGrpSpPr>
+          <p:cNvPr id="2" name="Group 1">
+            <a:extLst>
+              <a:ext uri="{FF2B5EF4-FFF2-40B4-BE49-F238E27FC236}">
+                <a16:creationId xmlns:a16="http://schemas.microsoft.com/office/drawing/2014/main" id="{7B6A6272-90DB-81AA-CC4A-B542FE2D5E95}"/>
+              </a:ext>
+            </a:extLst>
+          </p:cNvPr>
+          <p:cNvGrpSpPr/>
+          <p:nvPr/>
+        </p:nvGrpSpPr>
+        <p:grpSpPr>
+          <a:xfrm rot="10175099">
+            <a:off x="3354347" y="4194321"/>
+            <a:ext cx="80433" cy="524933"/>
+            <a:chOff x="876300" y="3429000"/>
+            <a:chExt cx="279400" cy="1981200"/>
+          </a:xfrm>
+        </p:grpSpPr>
+        <p:cxnSp>
+          <p:nvCxnSpPr>
+            <p:cNvPr id="3" name="Straight Connector 2">
+              <a:extLst>
+                <a:ext uri="{FF2B5EF4-FFF2-40B4-BE49-F238E27FC236}">
+                  <a16:creationId xmlns:a16="http://schemas.microsoft.com/office/drawing/2014/main" id="{410BCE09-1B56-E5D8-4C0E-BA40FC603A91}"/>
+                </a:ext>
+              </a:extLst>
+            </p:cNvPr>
+            <p:cNvCxnSpPr/>
+            <p:nvPr/>
+          </p:nvCxnSpPr>
+          <p:spPr>
+            <a:xfrm>
+              <a:off x="1016000" y="3429000"/>
+              <a:ext cx="0" cy="1981200"/>
+            </a:xfrm>
+            <a:prstGeom prst="line">
+              <a:avLst/>
+            </a:prstGeom>
+          </p:spPr>
+          <p:style>
+            <a:lnRef idx="2">
+              <a:schemeClr val="accent1"/>
+            </a:lnRef>
+            <a:fillRef idx="0">
+              <a:schemeClr val="accent1"/>
+            </a:fillRef>
+            <a:effectRef idx="1">
+              <a:schemeClr val="accent1"/>
+            </a:effectRef>
+            <a:fontRef idx="minor">
+              <a:schemeClr val="tx1"/>
+            </a:fontRef>
+          </p:style>
+        </p:cxnSp>
+        <p:cxnSp>
+          <p:nvCxnSpPr>
+            <p:cNvPr id="4" name="Straight Connector 3">
+              <a:extLst>
+                <a:ext uri="{FF2B5EF4-FFF2-40B4-BE49-F238E27FC236}">
+                  <a16:creationId xmlns:a16="http://schemas.microsoft.com/office/drawing/2014/main" id="{7D41E0B9-3ECE-6AD9-2DCF-2514E48B2323}"/>
+                </a:ext>
+              </a:extLst>
+            </p:cNvPr>
+            <p:cNvCxnSpPr>
+              <a:cxnSpLocks/>
+            </p:cNvCxnSpPr>
+            <p:nvPr/>
+          </p:nvCxnSpPr>
+          <p:spPr>
+            <a:xfrm>
+              <a:off x="876300" y="3429000"/>
+              <a:ext cx="279400" cy="0"/>
+            </a:xfrm>
+            <a:prstGeom prst="line">
+              <a:avLst/>
+            </a:prstGeom>
+          </p:spPr>
+          <p:style>
+            <a:lnRef idx="2">
+              <a:schemeClr val="accent1"/>
+            </a:lnRef>
+            <a:fillRef idx="0">
+              <a:schemeClr val="accent1"/>
+            </a:fillRef>
+            <a:effectRef idx="1">
+              <a:schemeClr val="accent1"/>
+            </a:effectRef>
+            <a:fontRef idx="minor">
+              <a:schemeClr val="tx1"/>
+            </a:fontRef>
+          </p:style>
+        </p:cxnSp>
+        <p:cxnSp>
+          <p:nvCxnSpPr>
+            <p:cNvPr id="5" name="Straight Connector 4">
+              <a:extLst>
+                <a:ext uri="{FF2B5EF4-FFF2-40B4-BE49-F238E27FC236}">
+                  <a16:creationId xmlns:a16="http://schemas.microsoft.com/office/drawing/2014/main" id="{5CE74911-7DE0-F5FD-F6E1-4AC25275C327}"/>
+                </a:ext>
+              </a:extLst>
+            </p:cNvPr>
+            <p:cNvCxnSpPr>
+              <a:cxnSpLocks/>
+            </p:cNvCxnSpPr>
+            <p:nvPr/>
+          </p:nvCxnSpPr>
+          <p:spPr>
+            <a:xfrm>
+              <a:off x="876300" y="5410200"/>
+              <a:ext cx="279400" cy="0"/>
+            </a:xfrm>
+            <a:prstGeom prst="line">
+              <a:avLst/>
+            </a:prstGeom>
+          </p:spPr>
+          <p:style>
+            <a:lnRef idx="2">
+              <a:schemeClr val="accent1"/>
+            </a:lnRef>
+            <a:fillRef idx="0">
+              <a:schemeClr val="accent1"/>
+            </a:fillRef>
+            <a:effectRef idx="1">
+              <a:schemeClr val="accent1"/>
+            </a:effectRef>
+            <a:fontRef idx="minor">
+              <a:schemeClr val="tx1"/>
+            </a:fontRef>
+          </p:style>
+        </p:cxnSp>
+        <p:cxnSp>
+          <p:nvCxnSpPr>
+            <p:cNvPr id="6" name="Straight Connector 5">
+              <a:extLst>
+                <a:ext uri="{FF2B5EF4-FFF2-40B4-BE49-F238E27FC236}">
+                  <a16:creationId xmlns:a16="http://schemas.microsoft.com/office/drawing/2014/main" id="{8EF2D7CD-A941-D2C3-AAED-444A25F2D834}"/>
+                </a:ext>
+              </a:extLst>
+            </p:cNvPr>
+            <p:cNvCxnSpPr>
+              <a:cxnSpLocks/>
+            </p:cNvCxnSpPr>
+            <p:nvPr/>
+          </p:nvCxnSpPr>
+          <p:spPr>
+            <a:xfrm>
+              <a:off x="876300" y="4419599"/>
+              <a:ext cx="279400" cy="0"/>
+            </a:xfrm>
+            <a:prstGeom prst="line">
+              <a:avLst/>
+            </a:prstGeom>
+          </p:spPr>
+          <p:style>
+            <a:lnRef idx="2">
+              <a:schemeClr val="accent1"/>
+            </a:lnRef>
+            <a:fillRef idx="0">
+              <a:schemeClr val="accent1"/>
+            </a:fillRef>
+            <a:effectRef idx="1">
+              <a:schemeClr val="accent1"/>
+            </a:effectRef>
+            <a:fontRef idx="minor">
+              <a:schemeClr val="tx1"/>
+            </a:fontRef>
+          </p:style>
+        </p:cxnSp>
+        <p:cxnSp>
+          <p:nvCxnSpPr>
+            <p:cNvPr id="7" name="Straight Connector 6">
+              <a:extLst>
+                <a:ext uri="{FF2B5EF4-FFF2-40B4-BE49-F238E27FC236}">
+                  <a16:creationId xmlns:a16="http://schemas.microsoft.com/office/drawing/2014/main" id="{F8C69FF9-CBFF-250C-6069-707DF2F48EAB}"/>
+                </a:ext>
+              </a:extLst>
+            </p:cNvPr>
+            <p:cNvCxnSpPr>
+              <a:cxnSpLocks/>
+            </p:cNvCxnSpPr>
+            <p:nvPr/>
+          </p:nvCxnSpPr>
+          <p:spPr>
+            <a:xfrm>
+              <a:off x="876300" y="3894667"/>
+              <a:ext cx="279400" cy="0"/>
+            </a:xfrm>
+            <a:prstGeom prst="line">
+              <a:avLst/>
+            </a:prstGeom>
+          </p:spPr>
+          <p:style>
+            <a:lnRef idx="2">
+              <a:schemeClr val="accent1"/>
+            </a:lnRef>
+            <a:fillRef idx="0">
+              <a:schemeClr val="accent1"/>
+            </a:fillRef>
+            <a:effectRef idx="1">
+              <a:schemeClr val="accent1"/>
+            </a:effectRef>
+            <a:fontRef idx="minor">
+              <a:schemeClr val="tx1"/>
+            </a:fontRef>
+          </p:style>
+        </p:cxnSp>
+        <p:cxnSp>
+          <p:nvCxnSpPr>
+            <p:cNvPr id="8" name="Straight Connector 7">
+              <a:extLst>
+                <a:ext uri="{FF2B5EF4-FFF2-40B4-BE49-F238E27FC236}">
+                  <a16:creationId xmlns:a16="http://schemas.microsoft.com/office/drawing/2014/main" id="{1489E9E0-7D83-E158-BB0D-3241002D6451}"/>
+                </a:ext>
+              </a:extLst>
+            </p:cNvPr>
+            <p:cNvCxnSpPr>
+              <a:cxnSpLocks/>
+            </p:cNvCxnSpPr>
+            <p:nvPr/>
+          </p:nvCxnSpPr>
+          <p:spPr>
+            <a:xfrm>
+              <a:off x="876300" y="4927600"/>
+              <a:ext cx="279400" cy="0"/>
+            </a:xfrm>
+            <a:prstGeom prst="line">
+              <a:avLst/>
+            </a:prstGeom>
+          </p:spPr>
+          <p:style>
+            <a:lnRef idx="2">
+              <a:schemeClr val="accent1"/>
+            </a:lnRef>
+            <a:fillRef idx="0">
+              <a:schemeClr val="accent1"/>
+            </a:fillRef>
+            <a:effectRef idx="1">
+              <a:schemeClr val="accent1"/>
+            </a:effectRef>
+            <a:fontRef idx="minor">
+              <a:schemeClr val="tx1"/>
+            </a:fontRef>
+          </p:style>
+        </p:cxnSp>
+      </p:grpSp>
+      <p:grpSp>
+        <p:nvGrpSpPr>
+          <p:cNvPr id="55" name="Group 54">
+            <a:extLst>
+              <a:ext uri="{FF2B5EF4-FFF2-40B4-BE49-F238E27FC236}">
+                <a16:creationId xmlns:a16="http://schemas.microsoft.com/office/drawing/2014/main" id="{15705DAE-A244-623C-2A66-FA0EFA2B1582}"/>
+              </a:ext>
+            </a:extLst>
+          </p:cNvPr>
+          <p:cNvGrpSpPr/>
+          <p:nvPr/>
+        </p:nvGrpSpPr>
+        <p:grpSpPr>
+          <a:xfrm rot="16200000">
+            <a:off x="3146910" y="3528446"/>
+            <a:ext cx="80433" cy="524933"/>
+            <a:chOff x="876300" y="3429000"/>
+            <a:chExt cx="279400" cy="1981200"/>
+          </a:xfrm>
+        </p:grpSpPr>
+        <p:cxnSp>
+          <p:nvCxnSpPr>
+            <p:cNvPr id="56" name="Straight Connector 55">
+              <a:extLst>
+                <a:ext uri="{FF2B5EF4-FFF2-40B4-BE49-F238E27FC236}">
+                  <a16:creationId xmlns:a16="http://schemas.microsoft.com/office/drawing/2014/main" id="{1EE2C38D-4D6A-5BB7-021D-0C569987A06B}"/>
+                </a:ext>
+              </a:extLst>
+            </p:cNvPr>
+            <p:cNvCxnSpPr/>
+            <p:nvPr/>
+          </p:nvCxnSpPr>
+          <p:spPr>
+            <a:xfrm>
+              <a:off x="1016000" y="3429000"/>
+              <a:ext cx="0" cy="1981200"/>
+            </a:xfrm>
+            <a:prstGeom prst="line">
+              <a:avLst/>
+            </a:prstGeom>
+          </p:spPr>
+          <p:style>
+            <a:lnRef idx="2">
+              <a:schemeClr val="accent1"/>
+            </a:lnRef>
+            <a:fillRef idx="0">
+              <a:schemeClr val="accent1"/>
+            </a:fillRef>
+            <a:effectRef idx="1">
+              <a:schemeClr val="accent1"/>
+            </a:effectRef>
+            <a:fontRef idx="minor">
+              <a:schemeClr val="tx1"/>
+            </a:fontRef>
+          </p:style>
+        </p:cxnSp>
+        <p:cxnSp>
+          <p:nvCxnSpPr>
+            <p:cNvPr id="57" name="Straight Connector 56">
+              <a:extLst>
+                <a:ext uri="{FF2B5EF4-FFF2-40B4-BE49-F238E27FC236}">
+                  <a16:creationId xmlns:a16="http://schemas.microsoft.com/office/drawing/2014/main" id="{1F02F477-E7F5-DE65-3D41-6E1387B889AB}"/>
+                </a:ext>
+              </a:extLst>
+            </p:cNvPr>
+            <p:cNvCxnSpPr>
+              <a:cxnSpLocks/>
+            </p:cNvCxnSpPr>
+            <p:nvPr/>
+          </p:nvCxnSpPr>
+          <p:spPr>
+            <a:xfrm>
+              <a:off x="876300" y="3429000"/>
+              <a:ext cx="279400" cy="0"/>
+            </a:xfrm>
+            <a:prstGeom prst="line">
+              <a:avLst/>
+            </a:prstGeom>
+          </p:spPr>
+          <p:style>
+            <a:lnRef idx="2">
+              <a:schemeClr val="accent1"/>
+            </a:lnRef>
+            <a:fillRef idx="0">
+              <a:schemeClr val="accent1"/>
+            </a:fillRef>
+            <a:effectRef idx="1">
+              <a:schemeClr val="accent1"/>
+            </a:effectRef>
+            <a:fontRef idx="minor">
+              <a:schemeClr val="tx1"/>
+            </a:fontRef>
+          </p:style>
+        </p:cxnSp>
+        <p:cxnSp>
+          <p:nvCxnSpPr>
+            <p:cNvPr id="58" name="Straight Connector 57">
+              <a:extLst>
+                <a:ext uri="{FF2B5EF4-FFF2-40B4-BE49-F238E27FC236}">
+                  <a16:creationId xmlns:a16="http://schemas.microsoft.com/office/drawing/2014/main" id="{6315ACB9-BD96-17C9-90EA-B169989E1627}"/>
+                </a:ext>
+              </a:extLst>
+            </p:cNvPr>
+            <p:cNvCxnSpPr>
+              <a:cxnSpLocks/>
+            </p:cNvCxnSpPr>
+            <p:nvPr/>
+          </p:nvCxnSpPr>
+          <p:spPr>
+            <a:xfrm>
+              <a:off x="876300" y="5410200"/>
+              <a:ext cx="279400" cy="0"/>
+            </a:xfrm>
+            <a:prstGeom prst="line">
+              <a:avLst/>
+            </a:prstGeom>
+          </p:spPr>
+          <p:style>
+            <a:lnRef idx="2">
+              <a:schemeClr val="accent1"/>
+            </a:lnRef>
+            <a:fillRef idx="0">
+              <a:schemeClr val="accent1"/>
+            </a:fillRef>
+            <a:effectRef idx="1">
+              <a:schemeClr val="accent1"/>
+            </a:effectRef>
+            <a:fontRef idx="minor">
+              <a:schemeClr val="tx1"/>
+            </a:fontRef>
+          </p:style>
+        </p:cxnSp>
+        <p:cxnSp>
+          <p:nvCxnSpPr>
+            <p:cNvPr id="59" name="Straight Connector 58">
+              <a:extLst>
+                <a:ext uri="{FF2B5EF4-FFF2-40B4-BE49-F238E27FC236}">
+                  <a16:creationId xmlns:a16="http://schemas.microsoft.com/office/drawing/2014/main" id="{1755B583-DFDB-AB95-5E6B-D5DF50D97E53}"/>
+                </a:ext>
+              </a:extLst>
+            </p:cNvPr>
+            <p:cNvCxnSpPr>
+              <a:cxnSpLocks/>
+            </p:cNvCxnSpPr>
+            <p:nvPr/>
+          </p:nvCxnSpPr>
+          <p:spPr>
+            <a:xfrm>
+              <a:off x="876300" y="4419599"/>
+              <a:ext cx="279400" cy="0"/>
+            </a:xfrm>
+            <a:prstGeom prst="line">
+              <a:avLst/>
+            </a:prstGeom>
+          </p:spPr>
+          <p:style>
+            <a:lnRef idx="2">
+              <a:schemeClr val="accent1"/>
+            </a:lnRef>
+            <a:fillRef idx="0">
+              <a:schemeClr val="accent1"/>
+            </a:fillRef>
+            <a:effectRef idx="1">
+              <a:schemeClr val="accent1"/>
+            </a:effectRef>
+            <a:fontRef idx="minor">
+              <a:schemeClr val="tx1"/>
+            </a:fontRef>
+          </p:style>
+        </p:cxnSp>
+        <p:cxnSp>
+          <p:nvCxnSpPr>
+            <p:cNvPr id="60" name="Straight Connector 59">
+              <a:extLst>
+                <a:ext uri="{FF2B5EF4-FFF2-40B4-BE49-F238E27FC236}">
+                  <a16:creationId xmlns:a16="http://schemas.microsoft.com/office/drawing/2014/main" id="{AEAE90FE-B723-1D9C-1080-70321B6A977B}"/>
+                </a:ext>
+              </a:extLst>
+            </p:cNvPr>
+            <p:cNvCxnSpPr>
+              <a:cxnSpLocks/>
+            </p:cNvCxnSpPr>
+            <p:nvPr/>
+          </p:nvCxnSpPr>
+          <p:spPr>
+            <a:xfrm>
+              <a:off x="876300" y="3894667"/>
+              <a:ext cx="279400" cy="0"/>
+            </a:xfrm>
+            <a:prstGeom prst="line">
+              <a:avLst/>
+            </a:prstGeom>
+          </p:spPr>
+          <p:style>
+            <a:lnRef idx="2">
+              <a:schemeClr val="accent1"/>
+            </a:lnRef>
+            <a:fillRef idx="0">
+              <a:schemeClr val="accent1"/>
+            </a:fillRef>
+            <a:effectRef idx="1">
+              <a:schemeClr val="accent1"/>
+            </a:effectRef>
+            <a:fontRef idx="minor">
+              <a:schemeClr val="tx1"/>
+            </a:fontRef>
+          </p:style>
+        </p:cxnSp>
+        <p:cxnSp>
+          <p:nvCxnSpPr>
+            <p:cNvPr id="61" name="Straight Connector 60">
+              <a:extLst>
+                <a:ext uri="{FF2B5EF4-FFF2-40B4-BE49-F238E27FC236}">
+                  <a16:creationId xmlns:a16="http://schemas.microsoft.com/office/drawing/2014/main" id="{6D693AFB-D134-9F08-C58B-441DA9F9F1B8}"/>
+                </a:ext>
+              </a:extLst>
+            </p:cNvPr>
+            <p:cNvCxnSpPr>
+              <a:cxnSpLocks/>
+            </p:cNvCxnSpPr>
+            <p:nvPr/>
+          </p:nvCxnSpPr>
+          <p:spPr>
+            <a:xfrm>
+              <a:off x="876300" y="4927600"/>
+              <a:ext cx="279400" cy="0"/>
+            </a:xfrm>
+            <a:prstGeom prst="line">
+              <a:avLst/>
+            </a:prstGeom>
+          </p:spPr>
+          <p:style>
+            <a:lnRef idx="2">
+              <a:schemeClr val="accent1"/>
+            </a:lnRef>
+            <a:fillRef idx="0">
+              <a:schemeClr val="accent1"/>
+            </a:fillRef>
+            <a:effectRef idx="1">
+              <a:schemeClr val="accent1"/>
+            </a:effectRef>
+            <a:fontRef idx="minor">
+              <a:schemeClr val="tx1"/>
+            </a:fontRef>
+          </p:style>
+        </p:cxnSp>
+      </p:grpSp>
+      <p:sp>
+        <p:nvSpPr>
+          <p:cNvPr id="289" name="TextBox 288">
+            <a:extLst>
+              <a:ext uri="{FF2B5EF4-FFF2-40B4-BE49-F238E27FC236}">
+                <a16:creationId xmlns:a16="http://schemas.microsoft.com/office/drawing/2014/main" id="{571E62DE-F5D3-8FE6-E46B-37A758B161A8}"/>
+              </a:ext>
+            </a:extLst>
+          </p:cNvPr>
+          <p:cNvSpPr txBox="1"/>
+          <p:nvPr/>
+        </p:nvSpPr>
+        <p:spPr>
+          <a:xfrm>
+            <a:off x="1762995" y="915026"/>
+            <a:ext cx="975077" cy="461665"/>
+          </a:xfrm>
+          <a:prstGeom prst="rect">
+            <a:avLst/>
+          </a:prstGeom>
+          <a:solidFill>
+            <a:schemeClr val="bg1"/>
+          </a:solidFill>
+        </p:spPr>
+        <p:txBody>
+          <a:bodyPr wrap="square" rtlCol="0">
+            <a:spAutoFit/>
+          </a:bodyPr>
+          <a:lstStyle/>
+          <a:p>
+            <a:r>
+              <a:rPr lang="en-US" sz="1200" i="1" dirty="0"/>
+              <a:t>evenly split attention </a:t>
+            </a:r>
+          </a:p>
+        </p:txBody>
+      </p:sp>
+      <p:cxnSp>
+        <p:nvCxnSpPr>
+          <p:cNvPr id="236" name="Curved Connector 235">
+            <a:extLst>
+              <a:ext uri="{FF2B5EF4-FFF2-40B4-BE49-F238E27FC236}">
+                <a16:creationId xmlns:a16="http://schemas.microsoft.com/office/drawing/2014/main" id="{61896B93-40D6-B23C-8EA3-6100749D63D3}"/>
+              </a:ext>
+            </a:extLst>
+          </p:cNvPr>
+          <p:cNvCxnSpPr>
+            <a:cxnSpLocks/>
+          </p:cNvCxnSpPr>
+          <p:nvPr/>
+        </p:nvCxnSpPr>
+        <p:spPr>
+          <a:xfrm rot="16200000" flipV="1">
+            <a:off x="3183359" y="1823115"/>
+            <a:ext cx="2269206" cy="380776"/>
+          </a:xfrm>
+          <a:prstGeom prst="curvedConnector3">
+            <a:avLst>
+              <a:gd name="adj1" fmla="val 50000"/>
+            </a:avLst>
+          </a:prstGeom>
+          <a:ln>
+            <a:tailEnd type="triangle"/>
+          </a:ln>
+        </p:spPr>
+        <p:style>
+          <a:lnRef idx="2">
+            <a:schemeClr val="accent1"/>
+          </a:lnRef>
+          <a:fillRef idx="0">
+            <a:schemeClr val="accent1"/>
+          </a:fillRef>
+          <a:effectRef idx="1">
+            <a:schemeClr val="accent1"/>
+          </a:effectRef>
+          <a:fontRef idx="minor">
+            <a:schemeClr val="tx1"/>
+          </a:fontRef>
+        </p:style>
+      </p:cxnSp>
+      <p:sp>
+        <p:nvSpPr>
+          <p:cNvPr id="291" name="TextBox 290">
+            <a:extLst>
+              <a:ext uri="{FF2B5EF4-FFF2-40B4-BE49-F238E27FC236}">
+                <a16:creationId xmlns:a16="http://schemas.microsoft.com/office/drawing/2014/main" id="{62A76F24-9B7E-C64D-8238-1976359AD9AF}"/>
+              </a:ext>
+            </a:extLst>
+          </p:cNvPr>
+          <p:cNvSpPr txBox="1"/>
+          <p:nvPr/>
+        </p:nvSpPr>
+        <p:spPr>
+          <a:xfrm>
+            <a:off x="5341187" y="3631864"/>
+            <a:ext cx="1454742" cy="646331"/>
+          </a:xfrm>
+          <a:prstGeom prst="rect">
+            <a:avLst/>
+          </a:prstGeom>
+          <a:solidFill>
+            <a:schemeClr val="bg1"/>
+          </a:solidFill>
+        </p:spPr>
+        <p:txBody>
+          <a:bodyPr wrap="square" rtlCol="0">
+            <a:spAutoFit/>
+          </a:bodyPr>
+          <a:lstStyle/>
+          <a:p>
+            <a:r>
+              <a:rPr lang="en-US" sz="1200" i="1" dirty="0"/>
+              <a:t>identical T2 and T1 representations at this layer</a:t>
+            </a:r>
+          </a:p>
+        </p:txBody>
+      </p:sp>
+    </p:spTree>
+    <p:extLst>
+      <p:ext uri="{BB962C8B-B14F-4D97-AF65-F5344CB8AC3E}">
+        <p14:creationId xmlns:p14="http://schemas.microsoft.com/office/powerpoint/2010/main" val="1308393176"/>
+      </p:ext>
+    </p:extLst>
+  </p:cSld>
+  <p:clrMapOvr>
+    <a:masterClrMapping/>
+  </p:clrMapOvr>
+</p:sld>
+</file>
+
+<file path=ppt/slides/slide4.xml><?xml version="1.0" encoding="utf-8"?>
+<p:sld xmlns:a="http://schemas.openxmlformats.org/drawingml/2006/main" xmlns:r="http://schemas.openxmlformats.org/officeDocument/2006/relationships" xmlns:p="http://schemas.openxmlformats.org/presentationml/2006/main">
+  <p:cSld>
+    <p:spTree>
+      <p:nvGrpSpPr>
         <p:cNvPr id="1" name=""/>
         <p:cNvGrpSpPr/>
         <p:nvPr/>
@@ -9016,7 +16571,7 @@
           <a:p>
             <a:r>
               <a:rPr lang="en-US" dirty="0"/>
-              <a:t>How to fix</a:t>
+              <a:t>How to fix - ideation</a:t>
             </a:r>
           </a:p>
         </p:txBody>
@@ -9080,6 +16635,129 @@
     <p:extLst>
       <p:ext uri="{BB962C8B-B14F-4D97-AF65-F5344CB8AC3E}">
         <p14:creationId xmlns:p14="http://schemas.microsoft.com/office/powerpoint/2010/main" val="155105084"/>
+      </p:ext>
+    </p:extLst>
+  </p:cSld>
+  <p:clrMapOvr>
+    <a:masterClrMapping/>
+  </p:clrMapOvr>
+</p:sld>
+</file>
+
+<file path=ppt/slides/slide5.xml><?xml version="1.0" encoding="utf-8"?>
+<p:sld xmlns:a="http://schemas.openxmlformats.org/drawingml/2006/main" xmlns:r="http://schemas.openxmlformats.org/officeDocument/2006/relationships" xmlns:p="http://schemas.openxmlformats.org/presentationml/2006/main">
+  <p:cSld>
+    <p:spTree>
+      <p:nvGrpSpPr>
+        <p:cNvPr id="1" name=""/>
+        <p:cNvGrpSpPr/>
+        <p:nvPr/>
+      </p:nvGrpSpPr>
+      <p:grpSpPr>
+        <a:xfrm>
+          <a:off x="0" y="0"/>
+          <a:ext cx="0" cy="0"/>
+          <a:chOff x="0" y="0"/>
+          <a:chExt cx="0" cy="0"/>
+        </a:xfrm>
+      </p:grpSpPr>
+      <p:sp>
+        <p:nvSpPr>
+          <p:cNvPr id="2" name="Title 1">
+            <a:extLst>
+              <a:ext uri="{FF2B5EF4-FFF2-40B4-BE49-F238E27FC236}">
+                <a16:creationId xmlns:a16="http://schemas.microsoft.com/office/drawing/2014/main" id="{FFF0D012-8030-0256-46A2-610B2F461FFE}"/>
+              </a:ext>
+            </a:extLst>
+          </p:cNvPr>
+          <p:cNvSpPr>
+            <a:spLocks noGrp="1"/>
+          </p:cNvSpPr>
+          <p:nvPr>
+            <p:ph type="title"/>
+          </p:nvPr>
+        </p:nvSpPr>
+        <p:spPr/>
+        <p:txBody>
+          <a:bodyPr>
+            <a:normAutofit fontScale="90000"/>
+          </a:bodyPr>
+          <a:lstStyle/>
+          <a:p>
+            <a:r>
+              <a:rPr lang="en-US" dirty="0"/>
+              <a:t>Experiment 2b:</a:t>
+            </a:r>
+            <a:br>
+              <a:rPr lang="en-US" dirty="0"/>
+            </a:br>
+            <a:r>
+              <a:rPr lang="en-US" dirty="0"/>
+              <a:t>Temperature-annealed </a:t>
+            </a:r>
+            <a:r>
+              <a:rPr lang="en-US" dirty="0" err="1"/>
+              <a:t>softmax</a:t>
+            </a:r>
+            <a:r>
+              <a:rPr lang="en-US" dirty="0"/>
+              <a:t> in attention mechanism of Transformers</a:t>
+            </a:r>
+          </a:p>
+        </p:txBody>
+      </p:sp>
+      <p:sp>
+        <p:nvSpPr>
+          <p:cNvPr id="3" name="Content Placeholder 2">
+            <a:extLst>
+              <a:ext uri="{FF2B5EF4-FFF2-40B4-BE49-F238E27FC236}">
+                <a16:creationId xmlns:a16="http://schemas.microsoft.com/office/drawing/2014/main" id="{E3DA3AE6-C94F-891D-EB6E-023AC003878B}"/>
+              </a:ext>
+            </a:extLst>
+          </p:cNvPr>
+          <p:cNvSpPr>
+            <a:spLocks noGrp="1"/>
+          </p:cNvSpPr>
+          <p:nvPr>
+            <p:ph idx="1"/>
+          </p:nvPr>
+        </p:nvSpPr>
+        <p:spPr/>
+        <p:txBody>
+          <a:bodyPr/>
+          <a:lstStyle/>
+          <a:p>
+            <a:r>
+              <a:rPr lang="en-US" dirty="0"/>
+              <a:t>Basic idea: start with small temperatures (to allow all information flow paths ”develop”)</a:t>
+            </a:r>
+          </a:p>
+          <a:p>
+            <a:r>
+              <a:rPr lang="en-US" dirty="0"/>
+              <a:t>Anneal temperature towards typical e value (to allow singularity to develop) as loss reduces</a:t>
+            </a:r>
+          </a:p>
+          <a:p>
+            <a:r>
+              <a:rPr lang="en-US" dirty="0"/>
+              <a:t>Implemented as `soft-temperature-loss-guided` mode </a:t>
+            </a:r>
+            <a:r>
+              <a:rPr lang="en-US"/>
+              <a:t>in `SelfAttention</a:t>
+            </a:r>
+            <a:r>
+              <a:rPr lang="en-US" dirty="0"/>
+              <a:t>`</a:t>
+            </a:r>
+          </a:p>
+        </p:txBody>
+      </p:sp>
+    </p:spTree>
+    <p:extLst>
+      <p:ext uri="{BB962C8B-B14F-4D97-AF65-F5344CB8AC3E}">
+        <p14:creationId xmlns:p14="http://schemas.microsoft.com/office/powerpoint/2010/main" val="3385559455"/>
       </p:ext>
     </p:extLst>
   </p:cSld>

--- a/notes/2024 12 25 experiment 2.pptx
+++ b/notes/2024 12 25 experiment 2.pptx
@@ -12933,7 +12933,7 @@
           <p:nvPr/>
         </p:nvGrpSpPr>
         <p:grpSpPr>
-          <a:xfrm rot="5400000">
+          <a:xfrm rot="5669119">
             <a:off x="1761481" y="3035083"/>
             <a:ext cx="80433" cy="524933"/>
             <a:chOff x="876300" y="3429000"/>
@@ -14416,7 +14416,7 @@
           <p:nvPr/>
         </p:nvGrpSpPr>
         <p:grpSpPr>
-          <a:xfrm rot="5400000">
+          <a:xfrm rot="5137578">
             <a:off x="4629751" y="3070335"/>
             <a:ext cx="80433" cy="524933"/>
             <a:chOff x="876300" y="3429000"/>
@@ -14756,7 +14756,7 @@
           <p:nvPr/>
         </p:nvGrpSpPr>
         <p:grpSpPr>
-          <a:xfrm rot="16200000">
+          <a:xfrm rot="16474608">
             <a:off x="3294025" y="3096990"/>
             <a:ext cx="80433" cy="524933"/>
             <a:chOff x="876300" y="3429000"/>
@@ -16741,11 +16741,19 @@
           <a:p>
             <a:r>
               <a:rPr lang="en-US" dirty="0"/>
-              <a:t>Implemented as `soft-temperature-loss-guided` mode </a:t>
+              <a:t>Implemented as `soft-temperature-loss-guided</a:t>
             </a:r>
             <a:r>
               <a:rPr lang="en-US"/>
-              <a:t>in `SelfAttention</a:t>
+              <a:t>` and `soft-temperature-loss-guided-2` modes </a:t>
+            </a:r>
+            <a:r>
+              <a:rPr lang="en-US" dirty="0"/>
+              <a:t>in `</a:t>
+            </a:r>
+            <a:r>
+              <a:rPr lang="en-US" dirty="0" err="1"/>
+              <a:t>SelfAttention</a:t>
             </a:r>
             <a:r>
               <a:rPr lang="en-US" dirty="0"/>

--- a/notes/2024 12 25 experiment 2.pptx
+++ b/notes/2024 12 25 experiment 2.pptx
@@ -5,7 +5,7 @@
     <p:sldMasterId id="2147483648" r:id="rId1"/>
   </p:sldMasterIdLst>
   <p:notesMasterIdLst>
-    <p:notesMasterId r:id="rId7"/>
+    <p:notesMasterId r:id="rId9"/>
   </p:notesMasterIdLst>
   <p:sldIdLst>
     <p:sldId id="257" r:id="rId2"/>
@@ -13,6 +13,8 @@
     <p:sldId id="259" r:id="rId4"/>
     <p:sldId id="258" r:id="rId5"/>
     <p:sldId id="260" r:id="rId6"/>
+    <p:sldId id="261" r:id="rId7"/>
+    <p:sldId id="262" r:id="rId8"/>
   </p:sldIdLst>
   <p:sldSz cx="12192000" cy="6858000"/>
   <p:notesSz cx="6858000" cy="9144000"/>
@@ -646,6 +648,90 @@
     <p:extLst>
       <p:ext uri="{BB962C8B-B14F-4D97-AF65-F5344CB8AC3E}">
         <p14:creationId xmlns:p14="http://schemas.microsoft.com/office/powerpoint/2010/main" val="813583374"/>
+      </p:ext>
+    </p:extLst>
+  </p:cSld>
+  <p:clrMapOvr>
+    <a:masterClrMapping/>
+  </p:clrMapOvr>
+</p:notes>
+</file>
+
+<file path=ppt/notesSlides/notesSlide3.xml><?xml version="1.0" encoding="utf-8"?>
+<p:notes xmlns:a="http://schemas.openxmlformats.org/drawingml/2006/main" xmlns:r="http://schemas.openxmlformats.org/officeDocument/2006/relationships" xmlns:p="http://schemas.openxmlformats.org/presentationml/2006/main">
+  <p:cSld>
+    <p:spTree>
+      <p:nvGrpSpPr>
+        <p:cNvPr id="1" name=""/>
+        <p:cNvGrpSpPr/>
+        <p:nvPr/>
+      </p:nvGrpSpPr>
+      <p:grpSpPr>
+        <a:xfrm>
+          <a:off x="0" y="0"/>
+          <a:ext cx="0" cy="0"/>
+          <a:chOff x="0" y="0"/>
+          <a:chExt cx="0" cy="0"/>
+        </a:xfrm>
+      </p:grpSpPr>
+      <p:sp>
+        <p:nvSpPr>
+          <p:cNvPr id="2" name="Slide Image Placeholder 1"/>
+          <p:cNvSpPr>
+            <a:spLocks noGrp="1" noRot="1" noChangeAspect="1"/>
+          </p:cNvSpPr>
+          <p:nvPr>
+            <p:ph type="sldImg"/>
+          </p:nvPr>
+        </p:nvSpPr>
+        <p:spPr/>
+      </p:sp>
+      <p:sp>
+        <p:nvSpPr>
+          <p:cNvPr id="3" name="Notes Placeholder 2"/>
+          <p:cNvSpPr>
+            <a:spLocks noGrp="1"/>
+          </p:cNvSpPr>
+          <p:nvPr>
+            <p:ph type="body" idx="1"/>
+          </p:nvPr>
+        </p:nvSpPr>
+        <p:spPr/>
+        <p:txBody>
+          <a:bodyPr/>
+          <a:lstStyle/>
+          <a:p>
+            <a:endParaRPr lang="en-US" dirty="0"/>
+          </a:p>
+        </p:txBody>
+      </p:sp>
+      <p:sp>
+        <p:nvSpPr>
+          <p:cNvPr id="4" name="Slide Number Placeholder 3"/>
+          <p:cNvSpPr>
+            <a:spLocks noGrp="1"/>
+          </p:cNvSpPr>
+          <p:nvPr>
+            <p:ph type="sldNum" sz="quarter" idx="5"/>
+          </p:nvPr>
+        </p:nvSpPr>
+        <p:spPr/>
+        <p:txBody>
+          <a:bodyPr/>
+          <a:lstStyle/>
+          <a:p>
+            <a:fld id="{3098084A-C0FE-9240-A03A-0B24AAF4C80D}" type="slidenum">
+              <a:rPr lang="en-US" smtClean="0"/>
+              <a:t>7</a:t>
+            </a:fld>
+            <a:endParaRPr lang="en-US"/>
+          </a:p>
+        </p:txBody>
+      </p:sp>
+    </p:spTree>
+    <p:extLst>
+      <p:ext uri="{BB962C8B-B14F-4D97-AF65-F5344CB8AC3E}">
+        <p14:creationId xmlns:p14="http://schemas.microsoft.com/office/powerpoint/2010/main" val="746353847"/>
       </p:ext>
     </p:extLst>
   </p:cSld>
@@ -16735,21 +16821,13 @@
           <a:p>
             <a:r>
               <a:rPr lang="en-US" dirty="0"/>
-              <a:t>Anneal temperature towards typical e value (to allow singularity to develop) as loss reduces</a:t>
+              <a:t>Anneal temperature towards typical e value (to allow “the commitment” to develop) as loss reduces</a:t>
             </a:r>
           </a:p>
           <a:p>
             <a:r>
               <a:rPr lang="en-US" dirty="0"/>
-              <a:t>Implemented as `soft-temperature-loss-guided</a:t>
-            </a:r>
-            <a:r>
-              <a:rPr lang="en-US"/>
-              <a:t>` and `soft-temperature-loss-guided-2` modes </a:t>
-            </a:r>
-            <a:r>
-              <a:rPr lang="en-US" dirty="0"/>
-              <a:t>in `</a:t>
+              <a:t>Implemented as `soft-temperature-loss-guided` and `soft-temperature-loss-guided-2` modes in `</a:t>
             </a:r>
             <a:r>
               <a:rPr lang="en-US" dirty="0" err="1"/>
@@ -16766,6 +16844,3812 @@
     <p:extLst>
       <p:ext uri="{BB962C8B-B14F-4D97-AF65-F5344CB8AC3E}">
         <p14:creationId xmlns:p14="http://schemas.microsoft.com/office/powerpoint/2010/main" val="3385559455"/>
+      </p:ext>
+    </p:extLst>
+  </p:cSld>
+  <p:clrMapOvr>
+    <a:masterClrMapping/>
+  </p:clrMapOvr>
+</p:sld>
+</file>
+
+<file path=ppt/slides/slide6.xml><?xml version="1.0" encoding="utf-8"?>
+<p:sld xmlns:a="http://schemas.openxmlformats.org/drawingml/2006/main" xmlns:r="http://schemas.openxmlformats.org/officeDocument/2006/relationships" xmlns:p="http://schemas.openxmlformats.org/presentationml/2006/main">
+  <p:cSld>
+    <p:spTree>
+      <p:nvGrpSpPr>
+        <p:cNvPr id="1" name=""/>
+        <p:cNvGrpSpPr/>
+        <p:nvPr/>
+      </p:nvGrpSpPr>
+      <p:grpSpPr>
+        <a:xfrm>
+          <a:off x="0" y="0"/>
+          <a:ext cx="0" cy="0"/>
+          <a:chOff x="0" y="0"/>
+          <a:chExt cx="0" cy="0"/>
+        </a:xfrm>
+      </p:grpSpPr>
+      <p:sp>
+        <p:nvSpPr>
+          <p:cNvPr id="2" name="Title 1">
+            <a:extLst>
+              <a:ext uri="{FF2B5EF4-FFF2-40B4-BE49-F238E27FC236}">
+                <a16:creationId xmlns:a16="http://schemas.microsoft.com/office/drawing/2014/main" id="{033B4EEC-9120-98A4-6323-8DA1DAA4A79E}"/>
+              </a:ext>
+            </a:extLst>
+          </p:cNvPr>
+          <p:cNvSpPr>
+            <a:spLocks noGrp="1"/>
+          </p:cNvSpPr>
+          <p:nvPr>
+            <p:ph type="title"/>
+          </p:nvPr>
+        </p:nvSpPr>
+        <p:spPr/>
+        <p:txBody>
+          <a:bodyPr/>
+          <a:lstStyle/>
+          <a:p>
+            <a:r>
+              <a:rPr lang="en-US" dirty="0"/>
+              <a:t>“Conceptualized attention” - exploration</a:t>
+            </a:r>
+          </a:p>
+        </p:txBody>
+      </p:sp>
+      <p:sp>
+        <p:nvSpPr>
+          <p:cNvPr id="3" name="Content Placeholder 2">
+            <a:extLst>
+              <a:ext uri="{FF2B5EF4-FFF2-40B4-BE49-F238E27FC236}">
+                <a16:creationId xmlns:a16="http://schemas.microsoft.com/office/drawing/2014/main" id="{615E7338-96FE-BE92-E9D9-DDDA958A44CA}"/>
+              </a:ext>
+            </a:extLst>
+          </p:cNvPr>
+          <p:cNvSpPr>
+            <a:spLocks noGrp="1"/>
+          </p:cNvSpPr>
+          <p:nvPr>
+            <p:ph idx="1"/>
+          </p:nvPr>
+        </p:nvSpPr>
+        <p:spPr/>
+        <p:txBody>
+          <a:bodyPr/>
+          <a:lstStyle/>
+          <a:p>
+            <a:r>
+              <a:rPr lang="en-US" dirty="0"/>
+              <a:t>An attention built by seemingly same principles, just somewhat different pattern</a:t>
+            </a:r>
+          </a:p>
+          <a:p>
+            <a:r>
+              <a:rPr lang="en-US" dirty="0"/>
+              <a:t>Doesn’t converge (doesn’t even begin to converge)</a:t>
+            </a:r>
+          </a:p>
+          <a:p>
+            <a:r>
+              <a:rPr lang="en-US" dirty="0"/>
+              <a:t>Why?</a:t>
+            </a:r>
+          </a:p>
+        </p:txBody>
+      </p:sp>
+    </p:spTree>
+    <p:extLst>
+      <p:ext uri="{BB962C8B-B14F-4D97-AF65-F5344CB8AC3E}">
+        <p14:creationId xmlns:p14="http://schemas.microsoft.com/office/powerpoint/2010/main" val="2908065297"/>
+      </p:ext>
+    </p:extLst>
+  </p:cSld>
+  <p:clrMapOvr>
+    <a:masterClrMapping/>
+  </p:clrMapOvr>
+</p:sld>
+</file>
+
+<file path=ppt/slides/slide7.xml><?xml version="1.0" encoding="utf-8"?>
+<p:sld xmlns:a="http://schemas.openxmlformats.org/drawingml/2006/main" xmlns:r="http://schemas.openxmlformats.org/officeDocument/2006/relationships" xmlns:p="http://schemas.openxmlformats.org/presentationml/2006/main">
+  <p:cSld>
+    <p:spTree>
+      <p:nvGrpSpPr>
+        <p:cNvPr id="1" name=""/>
+        <p:cNvGrpSpPr/>
+        <p:nvPr/>
+      </p:nvGrpSpPr>
+      <p:grpSpPr>
+        <a:xfrm>
+          <a:off x="0" y="0"/>
+          <a:ext cx="0" cy="0"/>
+          <a:chOff x="0" y="0"/>
+          <a:chExt cx="0" cy="0"/>
+        </a:xfrm>
+      </p:grpSpPr>
+      <p:grpSp>
+        <p:nvGrpSpPr>
+          <p:cNvPr id="5" name="Group 4">
+            <a:extLst>
+              <a:ext uri="{FF2B5EF4-FFF2-40B4-BE49-F238E27FC236}">
+                <a16:creationId xmlns:a16="http://schemas.microsoft.com/office/drawing/2014/main" id="{FF25BA86-80A4-AD37-CB46-5407E2589717}"/>
+              </a:ext>
+            </a:extLst>
+          </p:cNvPr>
+          <p:cNvGrpSpPr/>
+          <p:nvPr/>
+        </p:nvGrpSpPr>
+        <p:grpSpPr>
+          <a:xfrm rot="4482237">
+            <a:off x="862038" y="5610617"/>
+            <a:ext cx="80433" cy="524933"/>
+            <a:chOff x="876300" y="3429000"/>
+            <a:chExt cx="279400" cy="1981200"/>
+          </a:xfrm>
+        </p:grpSpPr>
+        <p:cxnSp>
+          <p:nvCxnSpPr>
+            <p:cNvPr id="6" name="Straight Connector 5">
+              <a:extLst>
+                <a:ext uri="{FF2B5EF4-FFF2-40B4-BE49-F238E27FC236}">
+                  <a16:creationId xmlns:a16="http://schemas.microsoft.com/office/drawing/2014/main" id="{8D02516A-3D9D-641C-4029-BA9CC10426B5}"/>
+                </a:ext>
+              </a:extLst>
+            </p:cNvPr>
+            <p:cNvCxnSpPr/>
+            <p:nvPr/>
+          </p:nvCxnSpPr>
+          <p:spPr>
+            <a:xfrm>
+              <a:off x="1016000" y="3429000"/>
+              <a:ext cx="0" cy="1981200"/>
+            </a:xfrm>
+            <a:prstGeom prst="line">
+              <a:avLst/>
+            </a:prstGeom>
+          </p:spPr>
+          <p:style>
+            <a:lnRef idx="2">
+              <a:schemeClr val="accent1"/>
+            </a:lnRef>
+            <a:fillRef idx="0">
+              <a:schemeClr val="accent1"/>
+            </a:fillRef>
+            <a:effectRef idx="1">
+              <a:schemeClr val="accent1"/>
+            </a:effectRef>
+            <a:fontRef idx="minor">
+              <a:schemeClr val="tx1"/>
+            </a:fontRef>
+          </p:style>
+        </p:cxnSp>
+        <p:cxnSp>
+          <p:nvCxnSpPr>
+            <p:cNvPr id="7" name="Straight Connector 6">
+              <a:extLst>
+                <a:ext uri="{FF2B5EF4-FFF2-40B4-BE49-F238E27FC236}">
+                  <a16:creationId xmlns:a16="http://schemas.microsoft.com/office/drawing/2014/main" id="{BEF9E66A-39BA-2ECD-6104-A3FE729CC104}"/>
+                </a:ext>
+              </a:extLst>
+            </p:cNvPr>
+            <p:cNvCxnSpPr>
+              <a:cxnSpLocks/>
+            </p:cNvCxnSpPr>
+            <p:nvPr/>
+          </p:nvCxnSpPr>
+          <p:spPr>
+            <a:xfrm>
+              <a:off x="876300" y="3429000"/>
+              <a:ext cx="279400" cy="0"/>
+            </a:xfrm>
+            <a:prstGeom prst="line">
+              <a:avLst/>
+            </a:prstGeom>
+          </p:spPr>
+          <p:style>
+            <a:lnRef idx="2">
+              <a:schemeClr val="accent1"/>
+            </a:lnRef>
+            <a:fillRef idx="0">
+              <a:schemeClr val="accent1"/>
+            </a:fillRef>
+            <a:effectRef idx="1">
+              <a:schemeClr val="accent1"/>
+            </a:effectRef>
+            <a:fontRef idx="minor">
+              <a:schemeClr val="tx1"/>
+            </a:fontRef>
+          </p:style>
+        </p:cxnSp>
+        <p:cxnSp>
+          <p:nvCxnSpPr>
+            <p:cNvPr id="8" name="Straight Connector 7">
+              <a:extLst>
+                <a:ext uri="{FF2B5EF4-FFF2-40B4-BE49-F238E27FC236}">
+                  <a16:creationId xmlns:a16="http://schemas.microsoft.com/office/drawing/2014/main" id="{C93955B8-AAC4-0ABF-3254-09782321A6D4}"/>
+                </a:ext>
+              </a:extLst>
+            </p:cNvPr>
+            <p:cNvCxnSpPr>
+              <a:cxnSpLocks/>
+            </p:cNvCxnSpPr>
+            <p:nvPr/>
+          </p:nvCxnSpPr>
+          <p:spPr>
+            <a:xfrm>
+              <a:off x="876300" y="5410200"/>
+              <a:ext cx="279400" cy="0"/>
+            </a:xfrm>
+            <a:prstGeom prst="line">
+              <a:avLst/>
+            </a:prstGeom>
+          </p:spPr>
+          <p:style>
+            <a:lnRef idx="2">
+              <a:schemeClr val="accent1"/>
+            </a:lnRef>
+            <a:fillRef idx="0">
+              <a:schemeClr val="accent1"/>
+            </a:fillRef>
+            <a:effectRef idx="1">
+              <a:schemeClr val="accent1"/>
+            </a:effectRef>
+            <a:fontRef idx="minor">
+              <a:schemeClr val="tx1"/>
+            </a:fontRef>
+          </p:style>
+        </p:cxnSp>
+        <p:cxnSp>
+          <p:nvCxnSpPr>
+            <p:cNvPr id="9" name="Straight Connector 8">
+              <a:extLst>
+                <a:ext uri="{FF2B5EF4-FFF2-40B4-BE49-F238E27FC236}">
+                  <a16:creationId xmlns:a16="http://schemas.microsoft.com/office/drawing/2014/main" id="{8882DD7D-8DD9-A9D8-BE4E-D8A0B050F42D}"/>
+                </a:ext>
+              </a:extLst>
+            </p:cNvPr>
+            <p:cNvCxnSpPr>
+              <a:cxnSpLocks/>
+            </p:cNvCxnSpPr>
+            <p:nvPr/>
+          </p:nvCxnSpPr>
+          <p:spPr>
+            <a:xfrm>
+              <a:off x="876300" y="4419599"/>
+              <a:ext cx="279400" cy="0"/>
+            </a:xfrm>
+            <a:prstGeom prst="line">
+              <a:avLst/>
+            </a:prstGeom>
+          </p:spPr>
+          <p:style>
+            <a:lnRef idx="2">
+              <a:schemeClr val="accent1"/>
+            </a:lnRef>
+            <a:fillRef idx="0">
+              <a:schemeClr val="accent1"/>
+            </a:fillRef>
+            <a:effectRef idx="1">
+              <a:schemeClr val="accent1"/>
+            </a:effectRef>
+            <a:fontRef idx="minor">
+              <a:schemeClr val="tx1"/>
+            </a:fontRef>
+          </p:style>
+        </p:cxnSp>
+        <p:cxnSp>
+          <p:nvCxnSpPr>
+            <p:cNvPr id="10" name="Straight Connector 9">
+              <a:extLst>
+                <a:ext uri="{FF2B5EF4-FFF2-40B4-BE49-F238E27FC236}">
+                  <a16:creationId xmlns:a16="http://schemas.microsoft.com/office/drawing/2014/main" id="{7C6FA912-929E-773B-0442-D17F3FF42AAD}"/>
+                </a:ext>
+              </a:extLst>
+            </p:cNvPr>
+            <p:cNvCxnSpPr>
+              <a:cxnSpLocks/>
+            </p:cNvCxnSpPr>
+            <p:nvPr/>
+          </p:nvCxnSpPr>
+          <p:spPr>
+            <a:xfrm>
+              <a:off x="876300" y="3894667"/>
+              <a:ext cx="279400" cy="0"/>
+            </a:xfrm>
+            <a:prstGeom prst="line">
+              <a:avLst/>
+            </a:prstGeom>
+          </p:spPr>
+          <p:style>
+            <a:lnRef idx="2">
+              <a:schemeClr val="accent1"/>
+            </a:lnRef>
+            <a:fillRef idx="0">
+              <a:schemeClr val="accent1"/>
+            </a:fillRef>
+            <a:effectRef idx="1">
+              <a:schemeClr val="accent1"/>
+            </a:effectRef>
+            <a:fontRef idx="minor">
+              <a:schemeClr val="tx1"/>
+            </a:fontRef>
+          </p:style>
+        </p:cxnSp>
+        <p:cxnSp>
+          <p:nvCxnSpPr>
+            <p:cNvPr id="11" name="Straight Connector 10">
+              <a:extLst>
+                <a:ext uri="{FF2B5EF4-FFF2-40B4-BE49-F238E27FC236}">
+                  <a16:creationId xmlns:a16="http://schemas.microsoft.com/office/drawing/2014/main" id="{AB2F8E5D-122E-598B-996B-FFB55D7F11A9}"/>
+                </a:ext>
+              </a:extLst>
+            </p:cNvPr>
+            <p:cNvCxnSpPr>
+              <a:cxnSpLocks/>
+            </p:cNvCxnSpPr>
+            <p:nvPr/>
+          </p:nvCxnSpPr>
+          <p:spPr>
+            <a:xfrm>
+              <a:off x="876300" y="4927600"/>
+              <a:ext cx="279400" cy="0"/>
+            </a:xfrm>
+            <a:prstGeom prst="line">
+              <a:avLst/>
+            </a:prstGeom>
+          </p:spPr>
+          <p:style>
+            <a:lnRef idx="2">
+              <a:schemeClr val="accent1"/>
+            </a:lnRef>
+            <a:fillRef idx="0">
+              <a:schemeClr val="accent1"/>
+            </a:fillRef>
+            <a:effectRef idx="1">
+              <a:schemeClr val="accent1"/>
+            </a:effectRef>
+            <a:fontRef idx="minor">
+              <a:schemeClr val="tx1"/>
+            </a:fontRef>
+          </p:style>
+        </p:cxnSp>
+      </p:grpSp>
+      <p:grpSp>
+        <p:nvGrpSpPr>
+          <p:cNvPr id="12" name="Group 11">
+            <a:extLst>
+              <a:ext uri="{FF2B5EF4-FFF2-40B4-BE49-F238E27FC236}">
+                <a16:creationId xmlns:a16="http://schemas.microsoft.com/office/drawing/2014/main" id="{DD0E1A14-C677-8CB1-2CFF-145F502A2F8A}"/>
+              </a:ext>
+            </a:extLst>
+          </p:cNvPr>
+          <p:cNvGrpSpPr/>
+          <p:nvPr/>
+        </p:nvGrpSpPr>
+        <p:grpSpPr>
+          <a:xfrm rot="6631385">
+            <a:off x="2595035" y="5719925"/>
+            <a:ext cx="80433" cy="524933"/>
+            <a:chOff x="876300" y="3429000"/>
+            <a:chExt cx="279400" cy="1981200"/>
+          </a:xfrm>
+        </p:grpSpPr>
+        <p:cxnSp>
+          <p:nvCxnSpPr>
+            <p:cNvPr id="13" name="Straight Connector 12">
+              <a:extLst>
+                <a:ext uri="{FF2B5EF4-FFF2-40B4-BE49-F238E27FC236}">
+                  <a16:creationId xmlns:a16="http://schemas.microsoft.com/office/drawing/2014/main" id="{7CADBE65-BEA7-427A-E884-F12DE9B7B7A2}"/>
+                </a:ext>
+              </a:extLst>
+            </p:cNvPr>
+            <p:cNvCxnSpPr/>
+            <p:nvPr/>
+          </p:nvCxnSpPr>
+          <p:spPr>
+            <a:xfrm>
+              <a:off x="1016000" y="3429000"/>
+              <a:ext cx="0" cy="1981200"/>
+            </a:xfrm>
+            <a:prstGeom prst="line">
+              <a:avLst/>
+            </a:prstGeom>
+          </p:spPr>
+          <p:style>
+            <a:lnRef idx="2">
+              <a:schemeClr val="accent1"/>
+            </a:lnRef>
+            <a:fillRef idx="0">
+              <a:schemeClr val="accent1"/>
+            </a:fillRef>
+            <a:effectRef idx="1">
+              <a:schemeClr val="accent1"/>
+            </a:effectRef>
+            <a:fontRef idx="minor">
+              <a:schemeClr val="tx1"/>
+            </a:fontRef>
+          </p:style>
+        </p:cxnSp>
+        <p:cxnSp>
+          <p:nvCxnSpPr>
+            <p:cNvPr id="14" name="Straight Connector 13">
+              <a:extLst>
+                <a:ext uri="{FF2B5EF4-FFF2-40B4-BE49-F238E27FC236}">
+                  <a16:creationId xmlns:a16="http://schemas.microsoft.com/office/drawing/2014/main" id="{29F61DFB-6C06-20DD-CA4D-DB6CE127C150}"/>
+                </a:ext>
+              </a:extLst>
+            </p:cNvPr>
+            <p:cNvCxnSpPr>
+              <a:cxnSpLocks/>
+            </p:cNvCxnSpPr>
+            <p:nvPr/>
+          </p:nvCxnSpPr>
+          <p:spPr>
+            <a:xfrm>
+              <a:off x="876300" y="3429000"/>
+              <a:ext cx="279400" cy="0"/>
+            </a:xfrm>
+            <a:prstGeom prst="line">
+              <a:avLst/>
+            </a:prstGeom>
+          </p:spPr>
+          <p:style>
+            <a:lnRef idx="2">
+              <a:schemeClr val="accent1"/>
+            </a:lnRef>
+            <a:fillRef idx="0">
+              <a:schemeClr val="accent1"/>
+            </a:fillRef>
+            <a:effectRef idx="1">
+              <a:schemeClr val="accent1"/>
+            </a:effectRef>
+            <a:fontRef idx="minor">
+              <a:schemeClr val="tx1"/>
+            </a:fontRef>
+          </p:style>
+        </p:cxnSp>
+        <p:cxnSp>
+          <p:nvCxnSpPr>
+            <p:cNvPr id="15" name="Straight Connector 14">
+              <a:extLst>
+                <a:ext uri="{FF2B5EF4-FFF2-40B4-BE49-F238E27FC236}">
+                  <a16:creationId xmlns:a16="http://schemas.microsoft.com/office/drawing/2014/main" id="{582BB546-BF0A-8BF3-504F-7C0B19BEDA25}"/>
+                </a:ext>
+              </a:extLst>
+            </p:cNvPr>
+            <p:cNvCxnSpPr>
+              <a:cxnSpLocks/>
+            </p:cNvCxnSpPr>
+            <p:nvPr/>
+          </p:nvCxnSpPr>
+          <p:spPr>
+            <a:xfrm>
+              <a:off x="876300" y="5410200"/>
+              <a:ext cx="279400" cy="0"/>
+            </a:xfrm>
+            <a:prstGeom prst="line">
+              <a:avLst/>
+            </a:prstGeom>
+          </p:spPr>
+          <p:style>
+            <a:lnRef idx="2">
+              <a:schemeClr val="accent1"/>
+            </a:lnRef>
+            <a:fillRef idx="0">
+              <a:schemeClr val="accent1"/>
+            </a:fillRef>
+            <a:effectRef idx="1">
+              <a:schemeClr val="accent1"/>
+            </a:effectRef>
+            <a:fontRef idx="minor">
+              <a:schemeClr val="tx1"/>
+            </a:fontRef>
+          </p:style>
+        </p:cxnSp>
+        <p:cxnSp>
+          <p:nvCxnSpPr>
+            <p:cNvPr id="16" name="Straight Connector 15">
+              <a:extLst>
+                <a:ext uri="{FF2B5EF4-FFF2-40B4-BE49-F238E27FC236}">
+                  <a16:creationId xmlns:a16="http://schemas.microsoft.com/office/drawing/2014/main" id="{011E9FAD-519C-45C0-0577-B88EED3A622B}"/>
+                </a:ext>
+              </a:extLst>
+            </p:cNvPr>
+            <p:cNvCxnSpPr>
+              <a:cxnSpLocks/>
+            </p:cNvCxnSpPr>
+            <p:nvPr/>
+          </p:nvCxnSpPr>
+          <p:spPr>
+            <a:xfrm>
+              <a:off x="876300" y="4419599"/>
+              <a:ext cx="279400" cy="0"/>
+            </a:xfrm>
+            <a:prstGeom prst="line">
+              <a:avLst/>
+            </a:prstGeom>
+          </p:spPr>
+          <p:style>
+            <a:lnRef idx="2">
+              <a:schemeClr val="accent1"/>
+            </a:lnRef>
+            <a:fillRef idx="0">
+              <a:schemeClr val="accent1"/>
+            </a:fillRef>
+            <a:effectRef idx="1">
+              <a:schemeClr val="accent1"/>
+            </a:effectRef>
+            <a:fontRef idx="minor">
+              <a:schemeClr val="tx1"/>
+            </a:fontRef>
+          </p:style>
+        </p:cxnSp>
+        <p:cxnSp>
+          <p:nvCxnSpPr>
+            <p:cNvPr id="17" name="Straight Connector 16">
+              <a:extLst>
+                <a:ext uri="{FF2B5EF4-FFF2-40B4-BE49-F238E27FC236}">
+                  <a16:creationId xmlns:a16="http://schemas.microsoft.com/office/drawing/2014/main" id="{285591A0-2866-AEBD-53FF-7ED82C5547C9}"/>
+                </a:ext>
+              </a:extLst>
+            </p:cNvPr>
+            <p:cNvCxnSpPr>
+              <a:cxnSpLocks/>
+            </p:cNvCxnSpPr>
+            <p:nvPr/>
+          </p:nvCxnSpPr>
+          <p:spPr>
+            <a:xfrm>
+              <a:off x="876300" y="3894667"/>
+              <a:ext cx="279400" cy="0"/>
+            </a:xfrm>
+            <a:prstGeom prst="line">
+              <a:avLst/>
+            </a:prstGeom>
+          </p:spPr>
+          <p:style>
+            <a:lnRef idx="2">
+              <a:schemeClr val="accent1"/>
+            </a:lnRef>
+            <a:fillRef idx="0">
+              <a:schemeClr val="accent1"/>
+            </a:fillRef>
+            <a:effectRef idx="1">
+              <a:schemeClr val="accent1"/>
+            </a:effectRef>
+            <a:fontRef idx="minor">
+              <a:schemeClr val="tx1"/>
+            </a:fontRef>
+          </p:style>
+        </p:cxnSp>
+        <p:cxnSp>
+          <p:nvCxnSpPr>
+            <p:cNvPr id="18" name="Straight Connector 17">
+              <a:extLst>
+                <a:ext uri="{FF2B5EF4-FFF2-40B4-BE49-F238E27FC236}">
+                  <a16:creationId xmlns:a16="http://schemas.microsoft.com/office/drawing/2014/main" id="{4F1D9B99-8893-DB64-2207-7A0B5EC36EAF}"/>
+                </a:ext>
+              </a:extLst>
+            </p:cNvPr>
+            <p:cNvCxnSpPr>
+              <a:cxnSpLocks/>
+            </p:cNvCxnSpPr>
+            <p:nvPr/>
+          </p:nvCxnSpPr>
+          <p:spPr>
+            <a:xfrm>
+              <a:off x="876300" y="4927600"/>
+              <a:ext cx="279400" cy="0"/>
+            </a:xfrm>
+            <a:prstGeom prst="line">
+              <a:avLst/>
+            </a:prstGeom>
+          </p:spPr>
+          <p:style>
+            <a:lnRef idx="2">
+              <a:schemeClr val="accent1"/>
+            </a:lnRef>
+            <a:fillRef idx="0">
+              <a:schemeClr val="accent1"/>
+            </a:fillRef>
+            <a:effectRef idx="1">
+              <a:schemeClr val="accent1"/>
+            </a:effectRef>
+            <a:fontRef idx="minor">
+              <a:schemeClr val="tx1"/>
+            </a:fontRef>
+          </p:style>
+        </p:cxnSp>
+      </p:grpSp>
+      <p:grpSp>
+        <p:nvGrpSpPr>
+          <p:cNvPr id="19" name="Group 18">
+            <a:extLst>
+              <a:ext uri="{FF2B5EF4-FFF2-40B4-BE49-F238E27FC236}">
+                <a16:creationId xmlns:a16="http://schemas.microsoft.com/office/drawing/2014/main" id="{46958B6D-B899-5AE0-D193-BFD4A05180B3}"/>
+              </a:ext>
+            </a:extLst>
+          </p:cNvPr>
+          <p:cNvGrpSpPr/>
+          <p:nvPr/>
+        </p:nvGrpSpPr>
+        <p:grpSpPr>
+          <a:xfrm rot="16782961">
+            <a:off x="4437457" y="5627907"/>
+            <a:ext cx="80433" cy="524933"/>
+            <a:chOff x="876300" y="3429000"/>
+            <a:chExt cx="279400" cy="1981200"/>
+          </a:xfrm>
+        </p:grpSpPr>
+        <p:cxnSp>
+          <p:nvCxnSpPr>
+            <p:cNvPr id="20" name="Straight Connector 19">
+              <a:extLst>
+                <a:ext uri="{FF2B5EF4-FFF2-40B4-BE49-F238E27FC236}">
+                  <a16:creationId xmlns:a16="http://schemas.microsoft.com/office/drawing/2014/main" id="{92D624F8-E6AD-336B-4495-919EC2C83BEB}"/>
+                </a:ext>
+              </a:extLst>
+            </p:cNvPr>
+            <p:cNvCxnSpPr/>
+            <p:nvPr/>
+          </p:nvCxnSpPr>
+          <p:spPr>
+            <a:xfrm>
+              <a:off x="1016000" y="3429000"/>
+              <a:ext cx="0" cy="1981200"/>
+            </a:xfrm>
+            <a:prstGeom prst="line">
+              <a:avLst/>
+            </a:prstGeom>
+          </p:spPr>
+          <p:style>
+            <a:lnRef idx="2">
+              <a:schemeClr val="accent1"/>
+            </a:lnRef>
+            <a:fillRef idx="0">
+              <a:schemeClr val="accent1"/>
+            </a:fillRef>
+            <a:effectRef idx="1">
+              <a:schemeClr val="accent1"/>
+            </a:effectRef>
+            <a:fontRef idx="minor">
+              <a:schemeClr val="tx1"/>
+            </a:fontRef>
+          </p:style>
+        </p:cxnSp>
+        <p:cxnSp>
+          <p:nvCxnSpPr>
+            <p:cNvPr id="21" name="Straight Connector 20">
+              <a:extLst>
+                <a:ext uri="{FF2B5EF4-FFF2-40B4-BE49-F238E27FC236}">
+                  <a16:creationId xmlns:a16="http://schemas.microsoft.com/office/drawing/2014/main" id="{ED92F49D-F33B-422E-3FEF-1C0AD89CB3E6}"/>
+                </a:ext>
+              </a:extLst>
+            </p:cNvPr>
+            <p:cNvCxnSpPr>
+              <a:cxnSpLocks/>
+            </p:cNvCxnSpPr>
+            <p:nvPr/>
+          </p:nvCxnSpPr>
+          <p:spPr>
+            <a:xfrm>
+              <a:off x="876300" y="3429000"/>
+              <a:ext cx="279400" cy="0"/>
+            </a:xfrm>
+            <a:prstGeom prst="line">
+              <a:avLst/>
+            </a:prstGeom>
+          </p:spPr>
+          <p:style>
+            <a:lnRef idx="2">
+              <a:schemeClr val="accent1"/>
+            </a:lnRef>
+            <a:fillRef idx="0">
+              <a:schemeClr val="accent1"/>
+            </a:fillRef>
+            <a:effectRef idx="1">
+              <a:schemeClr val="accent1"/>
+            </a:effectRef>
+            <a:fontRef idx="minor">
+              <a:schemeClr val="tx1"/>
+            </a:fontRef>
+          </p:style>
+        </p:cxnSp>
+        <p:cxnSp>
+          <p:nvCxnSpPr>
+            <p:cNvPr id="22" name="Straight Connector 21">
+              <a:extLst>
+                <a:ext uri="{FF2B5EF4-FFF2-40B4-BE49-F238E27FC236}">
+                  <a16:creationId xmlns:a16="http://schemas.microsoft.com/office/drawing/2014/main" id="{C5A0534F-B21A-601A-E4C2-D0AB43485C51}"/>
+                </a:ext>
+              </a:extLst>
+            </p:cNvPr>
+            <p:cNvCxnSpPr>
+              <a:cxnSpLocks/>
+            </p:cNvCxnSpPr>
+            <p:nvPr/>
+          </p:nvCxnSpPr>
+          <p:spPr>
+            <a:xfrm>
+              <a:off x="876300" y="5410200"/>
+              <a:ext cx="279400" cy="0"/>
+            </a:xfrm>
+            <a:prstGeom prst="line">
+              <a:avLst/>
+            </a:prstGeom>
+          </p:spPr>
+          <p:style>
+            <a:lnRef idx="2">
+              <a:schemeClr val="accent1"/>
+            </a:lnRef>
+            <a:fillRef idx="0">
+              <a:schemeClr val="accent1"/>
+            </a:fillRef>
+            <a:effectRef idx="1">
+              <a:schemeClr val="accent1"/>
+            </a:effectRef>
+            <a:fontRef idx="minor">
+              <a:schemeClr val="tx1"/>
+            </a:fontRef>
+          </p:style>
+        </p:cxnSp>
+        <p:cxnSp>
+          <p:nvCxnSpPr>
+            <p:cNvPr id="23" name="Straight Connector 22">
+              <a:extLst>
+                <a:ext uri="{FF2B5EF4-FFF2-40B4-BE49-F238E27FC236}">
+                  <a16:creationId xmlns:a16="http://schemas.microsoft.com/office/drawing/2014/main" id="{9CD10766-A2B9-A1D0-D20F-4868D271E006}"/>
+                </a:ext>
+              </a:extLst>
+            </p:cNvPr>
+            <p:cNvCxnSpPr>
+              <a:cxnSpLocks/>
+            </p:cNvCxnSpPr>
+            <p:nvPr/>
+          </p:nvCxnSpPr>
+          <p:spPr>
+            <a:xfrm>
+              <a:off x="876300" y="4419599"/>
+              <a:ext cx="279400" cy="0"/>
+            </a:xfrm>
+            <a:prstGeom prst="line">
+              <a:avLst/>
+            </a:prstGeom>
+          </p:spPr>
+          <p:style>
+            <a:lnRef idx="2">
+              <a:schemeClr val="accent1"/>
+            </a:lnRef>
+            <a:fillRef idx="0">
+              <a:schemeClr val="accent1"/>
+            </a:fillRef>
+            <a:effectRef idx="1">
+              <a:schemeClr val="accent1"/>
+            </a:effectRef>
+            <a:fontRef idx="minor">
+              <a:schemeClr val="tx1"/>
+            </a:fontRef>
+          </p:style>
+        </p:cxnSp>
+        <p:cxnSp>
+          <p:nvCxnSpPr>
+            <p:cNvPr id="24" name="Straight Connector 23">
+              <a:extLst>
+                <a:ext uri="{FF2B5EF4-FFF2-40B4-BE49-F238E27FC236}">
+                  <a16:creationId xmlns:a16="http://schemas.microsoft.com/office/drawing/2014/main" id="{48AB1F32-4C20-6C6E-C597-726F1DB19FBE}"/>
+                </a:ext>
+              </a:extLst>
+            </p:cNvPr>
+            <p:cNvCxnSpPr>
+              <a:cxnSpLocks/>
+            </p:cNvCxnSpPr>
+            <p:nvPr/>
+          </p:nvCxnSpPr>
+          <p:spPr>
+            <a:xfrm>
+              <a:off x="876300" y="3894667"/>
+              <a:ext cx="279400" cy="0"/>
+            </a:xfrm>
+            <a:prstGeom prst="line">
+              <a:avLst/>
+            </a:prstGeom>
+          </p:spPr>
+          <p:style>
+            <a:lnRef idx="2">
+              <a:schemeClr val="accent1"/>
+            </a:lnRef>
+            <a:fillRef idx="0">
+              <a:schemeClr val="accent1"/>
+            </a:fillRef>
+            <a:effectRef idx="1">
+              <a:schemeClr val="accent1"/>
+            </a:effectRef>
+            <a:fontRef idx="minor">
+              <a:schemeClr val="tx1"/>
+            </a:fontRef>
+          </p:style>
+        </p:cxnSp>
+        <p:cxnSp>
+          <p:nvCxnSpPr>
+            <p:cNvPr id="25" name="Straight Connector 24">
+              <a:extLst>
+                <a:ext uri="{FF2B5EF4-FFF2-40B4-BE49-F238E27FC236}">
+                  <a16:creationId xmlns:a16="http://schemas.microsoft.com/office/drawing/2014/main" id="{2A9A2271-AE24-4AF2-7472-D3AED421230F}"/>
+                </a:ext>
+              </a:extLst>
+            </p:cNvPr>
+            <p:cNvCxnSpPr>
+              <a:cxnSpLocks/>
+            </p:cNvCxnSpPr>
+            <p:nvPr/>
+          </p:nvCxnSpPr>
+          <p:spPr>
+            <a:xfrm>
+              <a:off x="876300" y="4927600"/>
+              <a:ext cx="279400" cy="0"/>
+            </a:xfrm>
+            <a:prstGeom prst="line">
+              <a:avLst/>
+            </a:prstGeom>
+          </p:spPr>
+          <p:style>
+            <a:lnRef idx="2">
+              <a:schemeClr val="accent1"/>
+            </a:lnRef>
+            <a:fillRef idx="0">
+              <a:schemeClr val="accent1"/>
+            </a:fillRef>
+            <a:effectRef idx="1">
+              <a:schemeClr val="accent1"/>
+            </a:effectRef>
+            <a:fontRef idx="minor">
+              <a:schemeClr val="tx1"/>
+            </a:fontRef>
+          </p:style>
+        </p:cxnSp>
+      </p:grpSp>
+      <p:cxnSp>
+        <p:nvCxnSpPr>
+          <p:cNvPr id="26" name="Straight Connector 25">
+            <a:extLst>
+              <a:ext uri="{FF2B5EF4-FFF2-40B4-BE49-F238E27FC236}">
+                <a16:creationId xmlns:a16="http://schemas.microsoft.com/office/drawing/2014/main" id="{4F87CC9C-EACD-1C2B-48E5-8E73F84C8E8B}"/>
+              </a:ext>
+            </a:extLst>
+          </p:cNvPr>
+          <p:cNvCxnSpPr/>
+          <p:nvPr/>
+        </p:nvCxnSpPr>
+        <p:spPr>
+          <a:xfrm>
+            <a:off x="203200" y="5477933"/>
+            <a:ext cx="8417984" cy="0"/>
+          </a:xfrm>
+          <a:prstGeom prst="line">
+            <a:avLst/>
+          </a:prstGeom>
+          <a:ln w="6350"/>
+        </p:spPr>
+        <p:style>
+          <a:lnRef idx="2">
+            <a:schemeClr val="accent1"/>
+          </a:lnRef>
+          <a:fillRef idx="0">
+            <a:schemeClr val="accent1"/>
+          </a:fillRef>
+          <a:effectRef idx="1">
+            <a:schemeClr val="accent1"/>
+          </a:effectRef>
+          <a:fontRef idx="minor">
+            <a:schemeClr val="tx1"/>
+          </a:fontRef>
+        </p:style>
+      </p:cxnSp>
+      <p:sp>
+        <p:nvSpPr>
+          <p:cNvPr id="27" name="TextBox 26">
+            <a:extLst>
+              <a:ext uri="{FF2B5EF4-FFF2-40B4-BE49-F238E27FC236}">
+                <a16:creationId xmlns:a16="http://schemas.microsoft.com/office/drawing/2014/main" id="{ACA6B7E1-82D3-CBC6-5AF7-F6D28327CD7C}"/>
+              </a:ext>
+            </a:extLst>
+          </p:cNvPr>
+          <p:cNvSpPr txBox="1"/>
+          <p:nvPr/>
+        </p:nvSpPr>
+        <p:spPr>
+          <a:xfrm>
+            <a:off x="7219482" y="5557657"/>
+            <a:ext cx="939681" cy="276999"/>
+          </a:xfrm>
+          <a:prstGeom prst="rect">
+            <a:avLst/>
+          </a:prstGeom>
+          <a:noFill/>
+        </p:spPr>
+        <p:txBody>
+          <a:bodyPr wrap="none" rtlCol="0">
+            <a:spAutoFit/>
+          </a:bodyPr>
+          <a:lstStyle/>
+          <a:p>
+            <a:r>
+              <a:rPr lang="en-US" sz="1200" dirty="0"/>
+              <a:t>Embedding</a:t>
+            </a:r>
+          </a:p>
+        </p:txBody>
+      </p:sp>
+      <p:cxnSp>
+        <p:nvCxnSpPr>
+          <p:cNvPr id="28" name="Straight Connector 27">
+            <a:extLst>
+              <a:ext uri="{FF2B5EF4-FFF2-40B4-BE49-F238E27FC236}">
+                <a16:creationId xmlns:a16="http://schemas.microsoft.com/office/drawing/2014/main" id="{743D010B-95FC-2F26-7964-F8B8E7C79B6A}"/>
+              </a:ext>
+            </a:extLst>
+          </p:cNvPr>
+          <p:cNvCxnSpPr/>
+          <p:nvPr/>
+        </p:nvCxnSpPr>
+        <p:spPr>
+          <a:xfrm>
+            <a:off x="197749" y="3078917"/>
+            <a:ext cx="8417984" cy="0"/>
+          </a:xfrm>
+          <a:prstGeom prst="line">
+            <a:avLst/>
+          </a:prstGeom>
+          <a:ln w="6350"/>
+        </p:spPr>
+        <p:style>
+          <a:lnRef idx="2">
+            <a:schemeClr val="accent1"/>
+          </a:lnRef>
+          <a:fillRef idx="0">
+            <a:schemeClr val="accent1"/>
+          </a:fillRef>
+          <a:effectRef idx="1">
+            <a:schemeClr val="accent1"/>
+          </a:effectRef>
+          <a:fontRef idx="minor">
+            <a:schemeClr val="tx1"/>
+          </a:fontRef>
+        </p:style>
+      </p:cxnSp>
+      <p:sp>
+        <p:nvSpPr>
+          <p:cNvPr id="29" name="TextBox 28">
+            <a:extLst>
+              <a:ext uri="{FF2B5EF4-FFF2-40B4-BE49-F238E27FC236}">
+                <a16:creationId xmlns:a16="http://schemas.microsoft.com/office/drawing/2014/main" id="{322A712F-603F-B7A0-90AA-BC9624101EDF}"/>
+              </a:ext>
+            </a:extLst>
+          </p:cNvPr>
+          <p:cNvSpPr txBox="1"/>
+          <p:nvPr/>
+        </p:nvSpPr>
+        <p:spPr>
+          <a:xfrm>
+            <a:off x="7214031" y="3158641"/>
+            <a:ext cx="659411" cy="276999"/>
+          </a:xfrm>
+          <a:prstGeom prst="rect">
+            <a:avLst/>
+          </a:prstGeom>
+          <a:noFill/>
+        </p:spPr>
+        <p:txBody>
+          <a:bodyPr wrap="none" rtlCol="0">
+            <a:spAutoFit/>
+          </a:bodyPr>
+          <a:lstStyle/>
+          <a:p>
+            <a:r>
+              <a:rPr lang="en-US" sz="1200" dirty="0"/>
+              <a:t>Layer 1</a:t>
+            </a:r>
+          </a:p>
+        </p:txBody>
+      </p:sp>
+      <p:cxnSp>
+        <p:nvCxnSpPr>
+          <p:cNvPr id="30" name="Straight Connector 29">
+            <a:extLst>
+              <a:ext uri="{FF2B5EF4-FFF2-40B4-BE49-F238E27FC236}">
+                <a16:creationId xmlns:a16="http://schemas.microsoft.com/office/drawing/2014/main" id="{7F1F0395-0AAF-A654-E72D-E6CEE16F612C}"/>
+              </a:ext>
+            </a:extLst>
+          </p:cNvPr>
+          <p:cNvCxnSpPr/>
+          <p:nvPr/>
+        </p:nvCxnSpPr>
+        <p:spPr>
+          <a:xfrm>
+            <a:off x="197749" y="440818"/>
+            <a:ext cx="8417984" cy="0"/>
+          </a:xfrm>
+          <a:prstGeom prst="line">
+            <a:avLst/>
+          </a:prstGeom>
+          <a:ln w="6350"/>
+        </p:spPr>
+        <p:style>
+          <a:lnRef idx="2">
+            <a:schemeClr val="accent1"/>
+          </a:lnRef>
+          <a:fillRef idx="0">
+            <a:schemeClr val="accent1"/>
+          </a:fillRef>
+          <a:effectRef idx="1">
+            <a:schemeClr val="accent1"/>
+          </a:effectRef>
+          <a:fontRef idx="minor">
+            <a:schemeClr val="tx1"/>
+          </a:fontRef>
+        </p:style>
+      </p:cxnSp>
+      <p:sp>
+        <p:nvSpPr>
+          <p:cNvPr id="31" name="TextBox 30">
+            <a:extLst>
+              <a:ext uri="{FF2B5EF4-FFF2-40B4-BE49-F238E27FC236}">
+                <a16:creationId xmlns:a16="http://schemas.microsoft.com/office/drawing/2014/main" id="{A24D09BF-5593-A9E3-1951-7247A2B3F07D}"/>
+              </a:ext>
+            </a:extLst>
+          </p:cNvPr>
+          <p:cNvSpPr txBox="1"/>
+          <p:nvPr/>
+        </p:nvSpPr>
+        <p:spPr>
+          <a:xfrm>
+            <a:off x="7214031" y="520542"/>
+            <a:ext cx="659411" cy="276999"/>
+          </a:xfrm>
+          <a:prstGeom prst="rect">
+            <a:avLst/>
+          </a:prstGeom>
+          <a:noFill/>
+        </p:spPr>
+        <p:txBody>
+          <a:bodyPr wrap="none" rtlCol="0">
+            <a:spAutoFit/>
+          </a:bodyPr>
+          <a:lstStyle/>
+          <a:p>
+            <a:r>
+              <a:rPr lang="en-US" sz="1200" dirty="0"/>
+              <a:t>Layer 2</a:t>
+            </a:r>
+          </a:p>
+        </p:txBody>
+      </p:sp>
+      <p:sp>
+        <p:nvSpPr>
+          <p:cNvPr id="32" name="TextBox 31">
+            <a:extLst>
+              <a:ext uri="{FF2B5EF4-FFF2-40B4-BE49-F238E27FC236}">
+                <a16:creationId xmlns:a16="http://schemas.microsoft.com/office/drawing/2014/main" id="{9F15855A-FF45-CCE4-5123-FBF01CCF6140}"/>
+              </a:ext>
+            </a:extLst>
+          </p:cNvPr>
+          <p:cNvSpPr txBox="1"/>
+          <p:nvPr/>
+        </p:nvSpPr>
+        <p:spPr>
+          <a:xfrm>
+            <a:off x="464028" y="6341950"/>
+            <a:ext cx="340158" cy="276999"/>
+          </a:xfrm>
+          <a:prstGeom prst="rect">
+            <a:avLst/>
+          </a:prstGeom>
+          <a:noFill/>
+        </p:spPr>
+        <p:txBody>
+          <a:bodyPr wrap="none" rtlCol="0">
+            <a:spAutoFit/>
+          </a:bodyPr>
+          <a:lstStyle/>
+          <a:p>
+            <a:r>
+              <a:rPr lang="en-US" sz="1200" dirty="0"/>
+              <a:t>T2</a:t>
+            </a:r>
+          </a:p>
+        </p:txBody>
+      </p:sp>
+      <p:sp>
+        <p:nvSpPr>
+          <p:cNvPr id="33" name="TextBox 32">
+            <a:extLst>
+              <a:ext uri="{FF2B5EF4-FFF2-40B4-BE49-F238E27FC236}">
+                <a16:creationId xmlns:a16="http://schemas.microsoft.com/office/drawing/2014/main" id="{1D08E987-FFB4-344F-7ED6-85D0DE5801EB}"/>
+              </a:ext>
+            </a:extLst>
+          </p:cNvPr>
+          <p:cNvSpPr txBox="1"/>
+          <p:nvPr/>
+        </p:nvSpPr>
+        <p:spPr>
+          <a:xfrm>
+            <a:off x="2570000" y="6356334"/>
+            <a:ext cx="340158" cy="276999"/>
+          </a:xfrm>
+          <a:prstGeom prst="rect">
+            <a:avLst/>
+          </a:prstGeom>
+          <a:noFill/>
+        </p:spPr>
+        <p:txBody>
+          <a:bodyPr wrap="none" rtlCol="0">
+            <a:spAutoFit/>
+          </a:bodyPr>
+          <a:lstStyle/>
+          <a:p>
+            <a:r>
+              <a:rPr lang="en-US" sz="1200" dirty="0"/>
+              <a:t>T1</a:t>
+            </a:r>
+          </a:p>
+        </p:txBody>
+      </p:sp>
+      <p:sp>
+        <p:nvSpPr>
+          <p:cNvPr id="34" name="TextBox 33">
+            <a:extLst>
+              <a:ext uri="{FF2B5EF4-FFF2-40B4-BE49-F238E27FC236}">
+                <a16:creationId xmlns:a16="http://schemas.microsoft.com/office/drawing/2014/main" id="{A91E3AB8-2B13-AF41-2729-A5486395ABA2}"/>
+              </a:ext>
+            </a:extLst>
+          </p:cNvPr>
+          <p:cNvSpPr txBox="1"/>
+          <p:nvPr/>
+        </p:nvSpPr>
+        <p:spPr>
+          <a:xfrm>
+            <a:off x="4202390" y="6341950"/>
+            <a:ext cx="484556" cy="276999"/>
+          </a:xfrm>
+          <a:prstGeom prst="rect">
+            <a:avLst/>
+          </a:prstGeom>
+          <a:noFill/>
+        </p:spPr>
+        <p:txBody>
+          <a:bodyPr wrap="none" rtlCol="0">
+            <a:spAutoFit/>
+          </a:bodyPr>
+          <a:lstStyle/>
+          <a:p>
+            <a:r>
+              <a:rPr lang="en-US" sz="1200" dirty="0"/>
+              <a:t>EOU</a:t>
+            </a:r>
+          </a:p>
+        </p:txBody>
+      </p:sp>
+      <p:cxnSp>
+        <p:nvCxnSpPr>
+          <p:cNvPr id="44" name="Curved Connector 43">
+            <a:extLst>
+              <a:ext uri="{FF2B5EF4-FFF2-40B4-BE49-F238E27FC236}">
+                <a16:creationId xmlns:a16="http://schemas.microsoft.com/office/drawing/2014/main" id="{278E1E7F-CFDB-2CB9-631C-C0A5CEF47887}"/>
+              </a:ext>
+            </a:extLst>
+          </p:cNvPr>
+          <p:cNvCxnSpPr>
+            <a:cxnSpLocks/>
+          </p:cNvCxnSpPr>
+          <p:nvPr/>
+        </p:nvCxnSpPr>
+        <p:spPr>
+          <a:xfrm rot="5400000" flipH="1" flipV="1">
+            <a:off x="480408" y="4160148"/>
+            <a:ext cx="1813507" cy="1516713"/>
+          </a:xfrm>
+          <a:prstGeom prst="curvedConnector3">
+            <a:avLst>
+              <a:gd name="adj1" fmla="val 50000"/>
+            </a:avLst>
+          </a:prstGeom>
+          <a:ln>
+            <a:tailEnd type="triangle"/>
+          </a:ln>
+        </p:spPr>
+        <p:style>
+          <a:lnRef idx="2">
+            <a:schemeClr val="accent1"/>
+          </a:lnRef>
+          <a:fillRef idx="0">
+            <a:schemeClr val="accent1"/>
+          </a:fillRef>
+          <a:effectRef idx="1">
+            <a:schemeClr val="accent1"/>
+          </a:effectRef>
+          <a:fontRef idx="minor">
+            <a:schemeClr val="tx1"/>
+          </a:fontRef>
+        </p:style>
+      </p:cxnSp>
+      <p:sp>
+        <p:nvSpPr>
+          <p:cNvPr id="47" name="TextBox 46">
+            <a:extLst>
+              <a:ext uri="{FF2B5EF4-FFF2-40B4-BE49-F238E27FC236}">
+                <a16:creationId xmlns:a16="http://schemas.microsoft.com/office/drawing/2014/main" id="{B6E2CB2D-A138-EE30-1FDA-406A27E7C368}"/>
+              </a:ext>
+            </a:extLst>
+          </p:cNvPr>
+          <p:cNvSpPr txBox="1"/>
+          <p:nvPr/>
+        </p:nvSpPr>
+        <p:spPr>
+          <a:xfrm>
+            <a:off x="1240881" y="4643855"/>
+            <a:ext cx="397866" cy="276999"/>
+          </a:xfrm>
+          <a:prstGeom prst="rect">
+            <a:avLst/>
+          </a:prstGeom>
+          <a:solidFill>
+            <a:schemeClr val="bg1"/>
+          </a:solidFill>
+        </p:spPr>
+        <p:txBody>
+          <a:bodyPr wrap="none" rtlCol="0">
+            <a:spAutoFit/>
+          </a:bodyPr>
+          <a:lstStyle/>
+          <a:p>
+            <a:r>
+              <a:rPr lang="en-US" sz="1200" dirty="0"/>
+              <a:t>Wk</a:t>
+            </a:r>
+          </a:p>
+        </p:txBody>
+      </p:sp>
+      <p:sp>
+        <p:nvSpPr>
+          <p:cNvPr id="45" name="TextBox 44">
+            <a:extLst>
+              <a:ext uri="{FF2B5EF4-FFF2-40B4-BE49-F238E27FC236}">
+                <a16:creationId xmlns:a16="http://schemas.microsoft.com/office/drawing/2014/main" id="{98DBC550-E17A-1D84-B205-6C0A9DABE5FA}"/>
+              </a:ext>
+            </a:extLst>
+          </p:cNvPr>
+          <p:cNvSpPr txBox="1"/>
+          <p:nvPr/>
+        </p:nvSpPr>
+        <p:spPr>
+          <a:xfrm>
+            <a:off x="2862552" y="5080455"/>
+            <a:ext cx="397866" cy="276999"/>
+          </a:xfrm>
+          <a:prstGeom prst="rect">
+            <a:avLst/>
+          </a:prstGeom>
+          <a:solidFill>
+            <a:schemeClr val="bg1"/>
+          </a:solidFill>
+        </p:spPr>
+        <p:txBody>
+          <a:bodyPr wrap="none" rtlCol="0">
+            <a:spAutoFit/>
+          </a:bodyPr>
+          <a:lstStyle/>
+          <a:p>
+            <a:r>
+              <a:rPr lang="en-US" sz="1200" dirty="0"/>
+              <a:t>Wk</a:t>
+            </a:r>
+          </a:p>
+        </p:txBody>
+      </p:sp>
+      <p:cxnSp>
+        <p:nvCxnSpPr>
+          <p:cNvPr id="56" name="Curved Connector 55">
+            <a:extLst>
+              <a:ext uri="{FF2B5EF4-FFF2-40B4-BE49-F238E27FC236}">
+                <a16:creationId xmlns:a16="http://schemas.microsoft.com/office/drawing/2014/main" id="{7E39302D-4C04-E666-3961-50A2AA231D50}"/>
+              </a:ext>
+            </a:extLst>
+          </p:cNvPr>
+          <p:cNvCxnSpPr>
+            <a:cxnSpLocks/>
+          </p:cNvCxnSpPr>
+          <p:nvPr/>
+        </p:nvCxnSpPr>
+        <p:spPr>
+          <a:xfrm rot="5400000" flipH="1" flipV="1">
+            <a:off x="341469" y="4287693"/>
+            <a:ext cx="2380216" cy="623318"/>
+          </a:xfrm>
+          <a:prstGeom prst="curvedConnector3">
+            <a:avLst>
+              <a:gd name="adj1" fmla="val 20065"/>
+            </a:avLst>
+          </a:prstGeom>
+          <a:ln>
+            <a:tailEnd type="triangle"/>
+          </a:ln>
+        </p:spPr>
+        <p:style>
+          <a:lnRef idx="2">
+            <a:schemeClr val="accent1"/>
+          </a:lnRef>
+          <a:fillRef idx="0">
+            <a:schemeClr val="accent1"/>
+          </a:fillRef>
+          <a:effectRef idx="1">
+            <a:schemeClr val="accent1"/>
+          </a:effectRef>
+          <a:fontRef idx="minor">
+            <a:schemeClr val="tx1"/>
+          </a:fontRef>
+        </p:style>
+      </p:cxnSp>
+      <p:sp>
+        <p:nvSpPr>
+          <p:cNvPr id="57" name="TextBox 56">
+            <a:extLst>
+              <a:ext uri="{FF2B5EF4-FFF2-40B4-BE49-F238E27FC236}">
+                <a16:creationId xmlns:a16="http://schemas.microsoft.com/office/drawing/2014/main" id="{727F8856-120F-402C-888C-137E0AB317BC}"/>
+              </a:ext>
+            </a:extLst>
+          </p:cNvPr>
+          <p:cNvSpPr txBox="1"/>
+          <p:nvPr/>
+        </p:nvSpPr>
+        <p:spPr>
+          <a:xfrm>
+            <a:off x="2118288" y="3089056"/>
+            <a:ext cx="1691425" cy="646331"/>
+          </a:xfrm>
+          <a:prstGeom prst="rect">
+            <a:avLst/>
+          </a:prstGeom>
+          <a:solidFill>
+            <a:schemeClr val="bg1"/>
+          </a:solidFill>
+        </p:spPr>
+        <p:txBody>
+          <a:bodyPr wrap="none" rtlCol="0">
+            <a:spAutoFit/>
+          </a:bodyPr>
+          <a:lstStyle/>
+          <a:p>
+            <a:r>
+              <a:rPr lang="en-US" sz="1200" dirty="0"/>
+              <a:t>T2 value</a:t>
+            </a:r>
+            <a:br>
+              <a:rPr lang="en-US" sz="1200" dirty="0"/>
+            </a:br>
+            <a:r>
+              <a:rPr lang="en-US" sz="1200" b="1" dirty="0"/>
+              <a:t>”T2-concept”- ,</a:t>
+            </a:r>
+            <a:br>
+              <a:rPr lang="en-US" sz="1200" b="1" dirty="0"/>
+            </a:br>
+            <a:r>
+              <a:rPr lang="en-US" sz="1200" b="1" dirty="0"/>
+              <a:t>“T1-concept”- aware</a:t>
+            </a:r>
+          </a:p>
+        </p:txBody>
+      </p:sp>
+      <p:sp>
+        <p:nvSpPr>
+          <p:cNvPr id="59" name="TextBox 58">
+            <a:extLst>
+              <a:ext uri="{FF2B5EF4-FFF2-40B4-BE49-F238E27FC236}">
+                <a16:creationId xmlns:a16="http://schemas.microsoft.com/office/drawing/2014/main" id="{6B3BB104-7F98-42A7-9B96-A32F45FD2466}"/>
+              </a:ext>
+            </a:extLst>
+          </p:cNvPr>
+          <p:cNvSpPr txBox="1"/>
+          <p:nvPr/>
+        </p:nvSpPr>
+        <p:spPr>
+          <a:xfrm>
+            <a:off x="1928653" y="5176393"/>
+            <a:ext cx="391454" cy="276999"/>
+          </a:xfrm>
+          <a:prstGeom prst="rect">
+            <a:avLst/>
+          </a:prstGeom>
+          <a:solidFill>
+            <a:schemeClr val="bg1"/>
+          </a:solidFill>
+        </p:spPr>
+        <p:txBody>
+          <a:bodyPr wrap="none" rtlCol="0">
+            <a:spAutoFit/>
+          </a:bodyPr>
+          <a:lstStyle/>
+          <a:p>
+            <a:r>
+              <a:rPr lang="en-US" sz="1200" dirty="0"/>
+              <a:t>Wv</a:t>
+            </a:r>
+          </a:p>
+        </p:txBody>
+      </p:sp>
+      <p:cxnSp>
+        <p:nvCxnSpPr>
+          <p:cNvPr id="64" name="Curved Connector 63">
+            <a:extLst>
+              <a:ext uri="{FF2B5EF4-FFF2-40B4-BE49-F238E27FC236}">
+                <a16:creationId xmlns:a16="http://schemas.microsoft.com/office/drawing/2014/main" id="{FCA17184-40A9-4874-B309-591B9D92B5F4}"/>
+              </a:ext>
+            </a:extLst>
+          </p:cNvPr>
+          <p:cNvCxnSpPr>
+            <a:cxnSpLocks/>
+            <a:stCxn id="61" idx="2"/>
+          </p:cNvCxnSpPr>
+          <p:nvPr/>
+        </p:nvCxnSpPr>
+        <p:spPr>
+          <a:xfrm rot="16200000" flipV="1">
+            <a:off x="1983470" y="3603140"/>
+            <a:ext cx="154024" cy="434492"/>
+          </a:xfrm>
+          <a:prstGeom prst="curvedConnector2">
+            <a:avLst/>
+          </a:prstGeom>
+          <a:ln w="6350">
+            <a:tailEnd type="diamond"/>
+          </a:ln>
+        </p:spPr>
+        <p:style>
+          <a:lnRef idx="2">
+            <a:schemeClr val="accent1"/>
+          </a:lnRef>
+          <a:fillRef idx="0">
+            <a:schemeClr val="accent1"/>
+          </a:fillRef>
+          <a:effectRef idx="1">
+            <a:schemeClr val="accent1"/>
+          </a:effectRef>
+          <a:fontRef idx="minor">
+            <a:schemeClr val="tx1"/>
+          </a:fontRef>
+        </p:style>
+      </p:cxnSp>
+      <p:sp>
+        <p:nvSpPr>
+          <p:cNvPr id="92" name="Cube 91">
+            <a:extLst>
+              <a:ext uri="{FF2B5EF4-FFF2-40B4-BE49-F238E27FC236}">
+                <a16:creationId xmlns:a16="http://schemas.microsoft.com/office/drawing/2014/main" id="{0FC6FC78-F9AE-A414-54B3-1DD7353FC07C}"/>
+              </a:ext>
+            </a:extLst>
+          </p:cNvPr>
+          <p:cNvSpPr/>
+          <p:nvPr/>
+        </p:nvSpPr>
+        <p:spPr>
+          <a:xfrm flipH="1">
+            <a:off x="1034984" y="4536678"/>
+            <a:ext cx="228600" cy="276997"/>
+          </a:xfrm>
+          <a:prstGeom prst="cube">
+            <a:avLst/>
+          </a:prstGeom>
+          <a:solidFill>
+            <a:schemeClr val="bg1"/>
+          </a:solidFill>
+        </p:spPr>
+        <p:style>
+          <a:lnRef idx="2">
+            <a:schemeClr val="accent1">
+              <a:shade val="15000"/>
+            </a:schemeClr>
+          </a:lnRef>
+          <a:fillRef idx="1">
+            <a:schemeClr val="accent1"/>
+          </a:fillRef>
+          <a:effectRef idx="0">
+            <a:schemeClr val="accent1"/>
+          </a:effectRef>
+          <a:fontRef idx="minor">
+            <a:schemeClr val="lt1"/>
+          </a:fontRef>
+        </p:style>
+        <p:txBody>
+          <a:bodyPr rtlCol="0" anchor="ctr"/>
+          <a:lstStyle/>
+          <a:p>
+            <a:pPr algn="ctr"/>
+            <a:endParaRPr lang="en-US"/>
+          </a:p>
+        </p:txBody>
+      </p:sp>
+      <p:sp>
+        <p:nvSpPr>
+          <p:cNvPr id="65" name="TextBox 64">
+            <a:extLst>
+              <a:ext uri="{FF2B5EF4-FFF2-40B4-BE49-F238E27FC236}">
+                <a16:creationId xmlns:a16="http://schemas.microsoft.com/office/drawing/2014/main" id="{8F6DD3C6-4089-A22E-0346-CE3A9D65DFC4}"/>
+              </a:ext>
+            </a:extLst>
+          </p:cNvPr>
+          <p:cNvSpPr txBox="1"/>
+          <p:nvPr/>
+        </p:nvSpPr>
+        <p:spPr>
+          <a:xfrm>
+            <a:off x="494156" y="3720862"/>
+            <a:ext cx="1123193" cy="461665"/>
+          </a:xfrm>
+          <a:prstGeom prst="rect">
+            <a:avLst/>
+          </a:prstGeom>
+          <a:solidFill>
+            <a:schemeClr val="bg1"/>
+          </a:solidFill>
+        </p:spPr>
+        <p:txBody>
+          <a:bodyPr wrap="none" rtlCol="0">
+            <a:spAutoFit/>
+          </a:bodyPr>
+          <a:lstStyle/>
+          <a:p>
+            <a:r>
+              <a:rPr lang="en-US" sz="1200" dirty="0"/>
+              <a:t>L1 “concepts”</a:t>
+            </a:r>
+            <a:br>
+              <a:rPr lang="en-US" sz="1200" dirty="0"/>
+            </a:br>
+            <a:r>
+              <a:rPr lang="en-US" sz="1200" dirty="0"/>
+              <a:t>(fc + sigmoid)</a:t>
+            </a:r>
+          </a:p>
+        </p:txBody>
+      </p:sp>
+      <p:sp>
+        <p:nvSpPr>
+          <p:cNvPr id="94" name="Cube 93">
+            <a:extLst>
+              <a:ext uri="{FF2B5EF4-FFF2-40B4-BE49-F238E27FC236}">
+                <a16:creationId xmlns:a16="http://schemas.microsoft.com/office/drawing/2014/main" id="{A9CDE1D8-915A-5E19-C6C6-FB3F84772992}"/>
+              </a:ext>
+            </a:extLst>
+          </p:cNvPr>
+          <p:cNvSpPr/>
+          <p:nvPr/>
+        </p:nvSpPr>
+        <p:spPr>
+          <a:xfrm flipH="1">
+            <a:off x="1722756" y="5069216"/>
+            <a:ext cx="228600" cy="276997"/>
+          </a:xfrm>
+          <a:prstGeom prst="cube">
+            <a:avLst/>
+          </a:prstGeom>
+          <a:noFill/>
+        </p:spPr>
+        <p:style>
+          <a:lnRef idx="2">
+            <a:schemeClr val="accent1">
+              <a:shade val="15000"/>
+            </a:schemeClr>
+          </a:lnRef>
+          <a:fillRef idx="1">
+            <a:schemeClr val="accent1"/>
+          </a:fillRef>
+          <a:effectRef idx="0">
+            <a:schemeClr val="accent1"/>
+          </a:effectRef>
+          <a:fontRef idx="minor">
+            <a:schemeClr val="lt1"/>
+          </a:fontRef>
+        </p:style>
+        <p:txBody>
+          <a:bodyPr rtlCol="0" anchor="ctr"/>
+          <a:lstStyle/>
+          <a:p>
+            <a:pPr algn="ctr"/>
+            <a:endParaRPr lang="en-US"/>
+          </a:p>
+        </p:txBody>
+      </p:sp>
+      <p:grpSp>
+        <p:nvGrpSpPr>
+          <p:cNvPr id="114" name="Group 113">
+            <a:extLst>
+              <a:ext uri="{FF2B5EF4-FFF2-40B4-BE49-F238E27FC236}">
+                <a16:creationId xmlns:a16="http://schemas.microsoft.com/office/drawing/2014/main" id="{411CBC8C-75E1-4FC0-7D41-E5C0243C7405}"/>
+              </a:ext>
+            </a:extLst>
+          </p:cNvPr>
+          <p:cNvGrpSpPr/>
+          <p:nvPr/>
+        </p:nvGrpSpPr>
+        <p:grpSpPr>
+          <a:xfrm rot="5400000">
+            <a:off x="1791961" y="3004603"/>
+            <a:ext cx="80433" cy="524933"/>
+            <a:chOff x="876300" y="3429000"/>
+            <a:chExt cx="279400" cy="1981200"/>
+          </a:xfrm>
+        </p:grpSpPr>
+        <p:cxnSp>
+          <p:nvCxnSpPr>
+            <p:cNvPr id="115" name="Straight Connector 114">
+              <a:extLst>
+                <a:ext uri="{FF2B5EF4-FFF2-40B4-BE49-F238E27FC236}">
+                  <a16:creationId xmlns:a16="http://schemas.microsoft.com/office/drawing/2014/main" id="{9F30F656-4DB4-04E3-7BBE-0ED51BA8AF4B}"/>
+                </a:ext>
+              </a:extLst>
+            </p:cNvPr>
+            <p:cNvCxnSpPr/>
+            <p:nvPr/>
+          </p:nvCxnSpPr>
+          <p:spPr>
+            <a:xfrm>
+              <a:off x="1016000" y="3429000"/>
+              <a:ext cx="0" cy="1981200"/>
+            </a:xfrm>
+            <a:prstGeom prst="line">
+              <a:avLst/>
+            </a:prstGeom>
+          </p:spPr>
+          <p:style>
+            <a:lnRef idx="2">
+              <a:schemeClr val="accent1"/>
+            </a:lnRef>
+            <a:fillRef idx="0">
+              <a:schemeClr val="accent1"/>
+            </a:fillRef>
+            <a:effectRef idx="1">
+              <a:schemeClr val="accent1"/>
+            </a:effectRef>
+            <a:fontRef idx="minor">
+              <a:schemeClr val="tx1"/>
+            </a:fontRef>
+          </p:style>
+        </p:cxnSp>
+        <p:cxnSp>
+          <p:nvCxnSpPr>
+            <p:cNvPr id="116" name="Straight Connector 115">
+              <a:extLst>
+                <a:ext uri="{FF2B5EF4-FFF2-40B4-BE49-F238E27FC236}">
+                  <a16:creationId xmlns:a16="http://schemas.microsoft.com/office/drawing/2014/main" id="{2B777DB3-06B4-FFA4-DF13-71B93EB2201A}"/>
+                </a:ext>
+              </a:extLst>
+            </p:cNvPr>
+            <p:cNvCxnSpPr>
+              <a:cxnSpLocks/>
+            </p:cNvCxnSpPr>
+            <p:nvPr/>
+          </p:nvCxnSpPr>
+          <p:spPr>
+            <a:xfrm>
+              <a:off x="876300" y="3429000"/>
+              <a:ext cx="279400" cy="0"/>
+            </a:xfrm>
+            <a:prstGeom prst="line">
+              <a:avLst/>
+            </a:prstGeom>
+          </p:spPr>
+          <p:style>
+            <a:lnRef idx="2">
+              <a:schemeClr val="accent1"/>
+            </a:lnRef>
+            <a:fillRef idx="0">
+              <a:schemeClr val="accent1"/>
+            </a:fillRef>
+            <a:effectRef idx="1">
+              <a:schemeClr val="accent1"/>
+            </a:effectRef>
+            <a:fontRef idx="minor">
+              <a:schemeClr val="tx1"/>
+            </a:fontRef>
+          </p:style>
+        </p:cxnSp>
+        <p:cxnSp>
+          <p:nvCxnSpPr>
+            <p:cNvPr id="117" name="Straight Connector 116">
+              <a:extLst>
+                <a:ext uri="{FF2B5EF4-FFF2-40B4-BE49-F238E27FC236}">
+                  <a16:creationId xmlns:a16="http://schemas.microsoft.com/office/drawing/2014/main" id="{B2C54B74-B2AF-1439-BEA4-2C07592BB5C7}"/>
+                </a:ext>
+              </a:extLst>
+            </p:cNvPr>
+            <p:cNvCxnSpPr>
+              <a:cxnSpLocks/>
+            </p:cNvCxnSpPr>
+            <p:nvPr/>
+          </p:nvCxnSpPr>
+          <p:spPr>
+            <a:xfrm>
+              <a:off x="876300" y="5410200"/>
+              <a:ext cx="279400" cy="0"/>
+            </a:xfrm>
+            <a:prstGeom prst="line">
+              <a:avLst/>
+            </a:prstGeom>
+          </p:spPr>
+          <p:style>
+            <a:lnRef idx="2">
+              <a:schemeClr val="accent1"/>
+            </a:lnRef>
+            <a:fillRef idx="0">
+              <a:schemeClr val="accent1"/>
+            </a:fillRef>
+            <a:effectRef idx="1">
+              <a:schemeClr val="accent1"/>
+            </a:effectRef>
+            <a:fontRef idx="minor">
+              <a:schemeClr val="tx1"/>
+            </a:fontRef>
+          </p:style>
+        </p:cxnSp>
+        <p:cxnSp>
+          <p:nvCxnSpPr>
+            <p:cNvPr id="118" name="Straight Connector 117">
+              <a:extLst>
+                <a:ext uri="{FF2B5EF4-FFF2-40B4-BE49-F238E27FC236}">
+                  <a16:creationId xmlns:a16="http://schemas.microsoft.com/office/drawing/2014/main" id="{C544AF2B-74B6-2784-F757-514D7B434943}"/>
+                </a:ext>
+              </a:extLst>
+            </p:cNvPr>
+            <p:cNvCxnSpPr>
+              <a:cxnSpLocks/>
+            </p:cNvCxnSpPr>
+            <p:nvPr/>
+          </p:nvCxnSpPr>
+          <p:spPr>
+            <a:xfrm>
+              <a:off x="876300" y="4419599"/>
+              <a:ext cx="279400" cy="0"/>
+            </a:xfrm>
+            <a:prstGeom prst="line">
+              <a:avLst/>
+            </a:prstGeom>
+          </p:spPr>
+          <p:style>
+            <a:lnRef idx="2">
+              <a:schemeClr val="accent1"/>
+            </a:lnRef>
+            <a:fillRef idx="0">
+              <a:schemeClr val="accent1"/>
+            </a:fillRef>
+            <a:effectRef idx="1">
+              <a:schemeClr val="accent1"/>
+            </a:effectRef>
+            <a:fontRef idx="minor">
+              <a:schemeClr val="tx1"/>
+            </a:fontRef>
+          </p:style>
+        </p:cxnSp>
+        <p:cxnSp>
+          <p:nvCxnSpPr>
+            <p:cNvPr id="119" name="Straight Connector 118">
+              <a:extLst>
+                <a:ext uri="{FF2B5EF4-FFF2-40B4-BE49-F238E27FC236}">
+                  <a16:creationId xmlns:a16="http://schemas.microsoft.com/office/drawing/2014/main" id="{1EDCC395-9693-20F8-F0C5-5D57FDF02654}"/>
+                </a:ext>
+              </a:extLst>
+            </p:cNvPr>
+            <p:cNvCxnSpPr>
+              <a:cxnSpLocks/>
+            </p:cNvCxnSpPr>
+            <p:nvPr/>
+          </p:nvCxnSpPr>
+          <p:spPr>
+            <a:xfrm>
+              <a:off x="876300" y="3894667"/>
+              <a:ext cx="279400" cy="0"/>
+            </a:xfrm>
+            <a:prstGeom prst="line">
+              <a:avLst/>
+            </a:prstGeom>
+          </p:spPr>
+          <p:style>
+            <a:lnRef idx="2">
+              <a:schemeClr val="accent1"/>
+            </a:lnRef>
+            <a:fillRef idx="0">
+              <a:schemeClr val="accent1"/>
+            </a:fillRef>
+            <a:effectRef idx="1">
+              <a:schemeClr val="accent1"/>
+            </a:effectRef>
+            <a:fontRef idx="minor">
+              <a:schemeClr val="tx1"/>
+            </a:fontRef>
+          </p:style>
+        </p:cxnSp>
+        <p:cxnSp>
+          <p:nvCxnSpPr>
+            <p:cNvPr id="120" name="Straight Connector 119">
+              <a:extLst>
+                <a:ext uri="{FF2B5EF4-FFF2-40B4-BE49-F238E27FC236}">
+                  <a16:creationId xmlns:a16="http://schemas.microsoft.com/office/drawing/2014/main" id="{4F5893D9-B8AA-2E11-8D9F-C2C63264DA29}"/>
+                </a:ext>
+              </a:extLst>
+            </p:cNvPr>
+            <p:cNvCxnSpPr>
+              <a:cxnSpLocks/>
+            </p:cNvCxnSpPr>
+            <p:nvPr/>
+          </p:nvCxnSpPr>
+          <p:spPr>
+            <a:xfrm>
+              <a:off x="876300" y="4927600"/>
+              <a:ext cx="279400" cy="0"/>
+            </a:xfrm>
+            <a:prstGeom prst="line">
+              <a:avLst/>
+            </a:prstGeom>
+          </p:spPr>
+          <p:style>
+            <a:lnRef idx="2">
+              <a:schemeClr val="accent1"/>
+            </a:lnRef>
+            <a:fillRef idx="0">
+              <a:schemeClr val="accent1"/>
+            </a:fillRef>
+            <a:effectRef idx="1">
+              <a:schemeClr val="accent1"/>
+            </a:effectRef>
+            <a:fontRef idx="minor">
+              <a:schemeClr val="tx1"/>
+            </a:fontRef>
+          </p:style>
+        </p:cxnSp>
+      </p:grpSp>
+      <p:cxnSp>
+        <p:nvCxnSpPr>
+          <p:cNvPr id="128" name="Straight Connector 127">
+            <a:extLst>
+              <a:ext uri="{FF2B5EF4-FFF2-40B4-BE49-F238E27FC236}">
+                <a16:creationId xmlns:a16="http://schemas.microsoft.com/office/drawing/2014/main" id="{4CEC5661-4452-6FD9-92AB-52BCAD57AE4A}"/>
+              </a:ext>
+            </a:extLst>
+          </p:cNvPr>
+          <p:cNvCxnSpPr/>
+          <p:nvPr/>
+        </p:nvCxnSpPr>
+        <p:spPr>
+          <a:xfrm>
+            <a:off x="226859" y="6341950"/>
+            <a:ext cx="8417984" cy="0"/>
+          </a:xfrm>
+          <a:prstGeom prst="line">
+            <a:avLst/>
+          </a:prstGeom>
+          <a:ln w="6350"/>
+        </p:spPr>
+        <p:style>
+          <a:lnRef idx="2">
+            <a:schemeClr val="accent1"/>
+          </a:lnRef>
+          <a:fillRef idx="0">
+            <a:schemeClr val="accent1"/>
+          </a:fillRef>
+          <a:effectRef idx="1">
+            <a:schemeClr val="accent1"/>
+          </a:effectRef>
+          <a:fontRef idx="minor">
+            <a:schemeClr val="tx1"/>
+          </a:fontRef>
+        </p:style>
+      </p:cxnSp>
+      <p:sp>
+        <p:nvSpPr>
+          <p:cNvPr id="129" name="TextBox 128">
+            <a:extLst>
+              <a:ext uri="{FF2B5EF4-FFF2-40B4-BE49-F238E27FC236}">
+                <a16:creationId xmlns:a16="http://schemas.microsoft.com/office/drawing/2014/main" id="{0E3334BD-822A-B139-8859-1C2412D8CAE4}"/>
+              </a:ext>
+            </a:extLst>
+          </p:cNvPr>
+          <p:cNvSpPr txBox="1"/>
+          <p:nvPr/>
+        </p:nvSpPr>
+        <p:spPr>
+          <a:xfrm>
+            <a:off x="7219482" y="6342399"/>
+            <a:ext cx="854721" cy="276999"/>
+          </a:xfrm>
+          <a:prstGeom prst="rect">
+            <a:avLst/>
+          </a:prstGeom>
+          <a:noFill/>
+        </p:spPr>
+        <p:txBody>
+          <a:bodyPr wrap="none" rtlCol="0">
+            <a:spAutoFit/>
+          </a:bodyPr>
+          <a:lstStyle/>
+          <a:p>
+            <a:r>
+              <a:rPr lang="en-US" sz="1200" dirty="0"/>
+              <a:t>Sequence</a:t>
+            </a:r>
+          </a:p>
+        </p:txBody>
+      </p:sp>
+      <p:sp>
+        <p:nvSpPr>
+          <p:cNvPr id="61" name="Rectangle 60">
+            <a:extLst>
+              <a:ext uri="{FF2B5EF4-FFF2-40B4-BE49-F238E27FC236}">
+                <a16:creationId xmlns:a16="http://schemas.microsoft.com/office/drawing/2014/main" id="{D39A4702-4D81-3427-6C37-BA66359F0855}"/>
+              </a:ext>
+            </a:extLst>
+          </p:cNvPr>
+          <p:cNvSpPr/>
+          <p:nvPr/>
+        </p:nvSpPr>
+        <p:spPr>
+          <a:xfrm flipV="1">
+            <a:off x="2215566" y="3897398"/>
+            <a:ext cx="124324" cy="88399"/>
+          </a:xfrm>
+          <a:prstGeom prst="rect">
+            <a:avLst/>
+          </a:prstGeom>
+          <a:ln>
+            <a:noFill/>
+          </a:ln>
+        </p:spPr>
+        <p:style>
+          <a:lnRef idx="2">
+            <a:schemeClr val="accent1">
+              <a:shade val="15000"/>
+            </a:schemeClr>
+          </a:lnRef>
+          <a:fillRef idx="1">
+            <a:schemeClr val="accent1"/>
+          </a:fillRef>
+          <a:effectRef idx="0">
+            <a:schemeClr val="accent1"/>
+          </a:effectRef>
+          <a:fontRef idx="minor">
+            <a:schemeClr val="lt1"/>
+          </a:fontRef>
+        </p:style>
+        <p:txBody>
+          <a:bodyPr rtlCol="0" anchor="ctr"/>
+          <a:lstStyle/>
+          <a:p>
+            <a:pPr algn="ctr"/>
+            <a:endParaRPr lang="en-US"/>
+          </a:p>
+        </p:txBody>
+      </p:sp>
+      <p:sp>
+        <p:nvSpPr>
+          <p:cNvPr id="137" name="TextBox 136">
+            <a:extLst>
+              <a:ext uri="{FF2B5EF4-FFF2-40B4-BE49-F238E27FC236}">
+                <a16:creationId xmlns:a16="http://schemas.microsoft.com/office/drawing/2014/main" id="{EDBB4FAF-A8CB-ED1B-E0D2-9DBD3424C322}"/>
+              </a:ext>
+            </a:extLst>
+          </p:cNvPr>
+          <p:cNvSpPr txBox="1"/>
+          <p:nvPr/>
+        </p:nvSpPr>
+        <p:spPr>
+          <a:xfrm>
+            <a:off x="8762758" y="1110947"/>
+            <a:ext cx="3231493" cy="2246769"/>
+          </a:xfrm>
+          <a:prstGeom prst="rect">
+            <a:avLst/>
+          </a:prstGeom>
+          <a:noFill/>
+        </p:spPr>
+        <p:txBody>
+          <a:bodyPr wrap="square" rtlCol="0">
+            <a:spAutoFit/>
+          </a:bodyPr>
+          <a:lstStyle/>
+          <a:p>
+            <a:r>
+              <a:rPr lang="en-US" sz="1400" dirty="0"/>
+              <a:t>Possible learned, and actually observed, dependency paths:</a:t>
+            </a:r>
+          </a:p>
+          <a:p>
+            <a:pPr marL="342900" indent="-342900">
+              <a:buAutoNum type="arabicPeriod"/>
+            </a:pPr>
+            <a:r>
+              <a:rPr lang="en-US" sz="1400" dirty="0"/>
+              <a:t>EOU • T2, where T2 is T1-aware</a:t>
+            </a:r>
+          </a:p>
+          <a:p>
+            <a:pPr marL="342900" indent="-342900">
+              <a:buFontTx/>
+              <a:buAutoNum type="arabicPeriod"/>
+            </a:pPr>
+            <a:r>
+              <a:rPr lang="en-US" sz="1400" dirty="0"/>
+              <a:t>EOU • T1, where T1 is T2-aware</a:t>
+            </a:r>
+          </a:p>
+          <a:p>
+            <a:pPr marL="342900" indent="-342900">
+              <a:buFontTx/>
+              <a:buAutoNum type="arabicPeriod"/>
+            </a:pPr>
+            <a:r>
+              <a:rPr lang="en-US" sz="1400" dirty="0"/>
+              <a:t>EOU • T1 • T2</a:t>
+            </a:r>
+          </a:p>
+          <a:p>
+            <a:pPr marL="800100" lvl="1" indent="-342900">
+              <a:buFont typeface="Arial" panose="020B0604020202020204" pitchFamily="34" charset="0"/>
+              <a:buChar char="•"/>
+            </a:pPr>
+            <a:r>
+              <a:rPr lang="en-US" sz="1400" dirty="0"/>
+              <a:t>split attention</a:t>
+            </a:r>
+          </a:p>
+          <a:p>
+            <a:pPr marL="800100" lvl="1" indent="-342900">
+              <a:buFont typeface="Arial" panose="020B0604020202020204" pitchFamily="34" charset="0"/>
+              <a:buChar char="•"/>
+            </a:pPr>
+            <a:r>
+              <a:rPr lang="en-US" sz="1400" dirty="0"/>
+              <a:t>note: consider variations of T1/T2 awareness or not awareness in this case</a:t>
+            </a:r>
+          </a:p>
+          <a:p>
+            <a:pPr marL="342900" indent="-342900">
+              <a:buAutoNum type="arabicPeriod"/>
+            </a:pPr>
+            <a:endParaRPr lang="en-US" sz="1400" dirty="0"/>
+          </a:p>
+        </p:txBody>
+      </p:sp>
+      <p:cxnSp>
+        <p:nvCxnSpPr>
+          <p:cNvPr id="142" name="Curved Connector 141">
+            <a:extLst>
+              <a:ext uri="{FF2B5EF4-FFF2-40B4-BE49-F238E27FC236}">
+                <a16:creationId xmlns:a16="http://schemas.microsoft.com/office/drawing/2014/main" id="{56294CC4-FF74-F3E9-2CD2-D8B753F49094}"/>
+              </a:ext>
+            </a:extLst>
+          </p:cNvPr>
+          <p:cNvCxnSpPr>
+            <a:cxnSpLocks/>
+          </p:cNvCxnSpPr>
+          <p:nvPr/>
+        </p:nvCxnSpPr>
+        <p:spPr>
+          <a:xfrm rot="5400000" flipH="1" flipV="1">
+            <a:off x="607529" y="4116554"/>
+            <a:ext cx="1783619" cy="1565678"/>
+          </a:xfrm>
+          <a:prstGeom prst="curvedConnector3">
+            <a:avLst>
+              <a:gd name="adj1" fmla="val 50000"/>
+            </a:avLst>
+          </a:prstGeom>
+          <a:ln>
+            <a:tailEnd type="triangle"/>
+          </a:ln>
+        </p:spPr>
+        <p:style>
+          <a:lnRef idx="2">
+            <a:schemeClr val="accent1"/>
+          </a:lnRef>
+          <a:fillRef idx="0">
+            <a:schemeClr val="accent1"/>
+          </a:fillRef>
+          <a:effectRef idx="1">
+            <a:schemeClr val="accent1"/>
+          </a:effectRef>
+          <a:fontRef idx="minor">
+            <a:schemeClr val="tx1"/>
+          </a:fontRef>
+        </p:style>
+      </p:cxnSp>
+      <p:grpSp>
+        <p:nvGrpSpPr>
+          <p:cNvPr id="158" name="Group 157">
+            <a:extLst>
+              <a:ext uri="{FF2B5EF4-FFF2-40B4-BE49-F238E27FC236}">
+                <a16:creationId xmlns:a16="http://schemas.microsoft.com/office/drawing/2014/main" id="{37DFBEB8-2AA2-D70E-9A69-D02F9FAA86FC}"/>
+              </a:ext>
+            </a:extLst>
+          </p:cNvPr>
+          <p:cNvGrpSpPr/>
+          <p:nvPr/>
+        </p:nvGrpSpPr>
+        <p:grpSpPr>
+          <a:xfrm>
+            <a:off x="2086488" y="3905363"/>
+            <a:ext cx="804458" cy="94038"/>
+            <a:chOff x="2647691" y="4096671"/>
+            <a:chExt cx="804458" cy="94038"/>
+          </a:xfrm>
+        </p:grpSpPr>
+        <p:grpSp>
+          <p:nvGrpSpPr>
+            <p:cNvPr id="148" name="Group 147">
+              <a:extLst>
+                <a:ext uri="{FF2B5EF4-FFF2-40B4-BE49-F238E27FC236}">
+                  <a16:creationId xmlns:a16="http://schemas.microsoft.com/office/drawing/2014/main" id="{E5420263-1D51-F7B6-DB03-E72B2AEFDAE2}"/>
+                </a:ext>
+              </a:extLst>
+            </p:cNvPr>
+            <p:cNvGrpSpPr/>
+            <p:nvPr/>
+          </p:nvGrpSpPr>
+          <p:grpSpPr>
+            <a:xfrm rot="16200000">
+              <a:off x="3009703" y="3734659"/>
+              <a:ext cx="80433" cy="804457"/>
+              <a:chOff x="876300" y="3429000"/>
+              <a:chExt cx="279400" cy="3036178"/>
+            </a:xfrm>
+          </p:grpSpPr>
+          <p:cxnSp>
+            <p:nvCxnSpPr>
+              <p:cNvPr id="149" name="Straight Connector 148">
+                <a:extLst>
+                  <a:ext uri="{FF2B5EF4-FFF2-40B4-BE49-F238E27FC236}">
+                    <a16:creationId xmlns:a16="http://schemas.microsoft.com/office/drawing/2014/main" id="{E19BDBE6-BC8B-302B-6C20-FCEC3126F9B4}"/>
+                  </a:ext>
+                </a:extLst>
+              </p:cNvPr>
+              <p:cNvCxnSpPr>
+                <a:cxnSpLocks/>
+              </p:cNvCxnSpPr>
+              <p:nvPr/>
+            </p:nvCxnSpPr>
+            <p:spPr>
+              <a:xfrm rot="5400000">
+                <a:off x="-519866" y="4929314"/>
+                <a:ext cx="3036178" cy="35550"/>
+              </a:xfrm>
+              <a:prstGeom prst="line">
+                <a:avLst/>
+              </a:prstGeom>
+            </p:spPr>
+            <p:style>
+              <a:lnRef idx="2">
+                <a:schemeClr val="accent1"/>
+              </a:lnRef>
+              <a:fillRef idx="0">
+                <a:schemeClr val="accent1"/>
+              </a:fillRef>
+              <a:effectRef idx="1">
+                <a:schemeClr val="accent1"/>
+              </a:effectRef>
+              <a:fontRef idx="minor">
+                <a:schemeClr val="tx1"/>
+              </a:fontRef>
+            </p:style>
+          </p:cxnSp>
+          <p:cxnSp>
+            <p:nvCxnSpPr>
+              <p:cNvPr id="150" name="Straight Connector 149">
+                <a:extLst>
+                  <a:ext uri="{FF2B5EF4-FFF2-40B4-BE49-F238E27FC236}">
+                    <a16:creationId xmlns:a16="http://schemas.microsoft.com/office/drawing/2014/main" id="{1396DED3-8B04-0718-D628-627D331A76D3}"/>
+                  </a:ext>
+                </a:extLst>
+              </p:cNvPr>
+              <p:cNvCxnSpPr>
+                <a:cxnSpLocks/>
+              </p:cNvCxnSpPr>
+              <p:nvPr/>
+            </p:nvCxnSpPr>
+            <p:spPr>
+              <a:xfrm>
+                <a:off x="876300" y="3429000"/>
+                <a:ext cx="279400" cy="0"/>
+              </a:xfrm>
+              <a:prstGeom prst="line">
+                <a:avLst/>
+              </a:prstGeom>
+            </p:spPr>
+            <p:style>
+              <a:lnRef idx="2">
+                <a:schemeClr val="accent1"/>
+              </a:lnRef>
+              <a:fillRef idx="0">
+                <a:schemeClr val="accent1"/>
+              </a:fillRef>
+              <a:effectRef idx="1">
+                <a:schemeClr val="accent1"/>
+              </a:effectRef>
+              <a:fontRef idx="minor">
+                <a:schemeClr val="tx1"/>
+              </a:fontRef>
+            </p:style>
+          </p:cxnSp>
+          <p:cxnSp>
+            <p:nvCxnSpPr>
+              <p:cNvPr id="151" name="Straight Connector 150">
+                <a:extLst>
+                  <a:ext uri="{FF2B5EF4-FFF2-40B4-BE49-F238E27FC236}">
+                    <a16:creationId xmlns:a16="http://schemas.microsoft.com/office/drawing/2014/main" id="{8D604B77-B1D2-526F-5CD5-6CA5EEF227B5}"/>
+                  </a:ext>
+                </a:extLst>
+              </p:cNvPr>
+              <p:cNvCxnSpPr>
+                <a:cxnSpLocks/>
+              </p:cNvCxnSpPr>
+              <p:nvPr/>
+            </p:nvCxnSpPr>
+            <p:spPr>
+              <a:xfrm>
+                <a:off x="876300" y="5410200"/>
+                <a:ext cx="279400" cy="0"/>
+              </a:xfrm>
+              <a:prstGeom prst="line">
+                <a:avLst/>
+              </a:prstGeom>
+            </p:spPr>
+            <p:style>
+              <a:lnRef idx="2">
+                <a:schemeClr val="accent1"/>
+              </a:lnRef>
+              <a:fillRef idx="0">
+                <a:schemeClr val="accent1"/>
+              </a:fillRef>
+              <a:effectRef idx="1">
+                <a:schemeClr val="accent1"/>
+              </a:effectRef>
+              <a:fontRef idx="minor">
+                <a:schemeClr val="tx1"/>
+              </a:fontRef>
+            </p:style>
+          </p:cxnSp>
+          <p:cxnSp>
+            <p:nvCxnSpPr>
+              <p:cNvPr id="152" name="Straight Connector 151">
+                <a:extLst>
+                  <a:ext uri="{FF2B5EF4-FFF2-40B4-BE49-F238E27FC236}">
+                    <a16:creationId xmlns:a16="http://schemas.microsoft.com/office/drawing/2014/main" id="{6A6F5DC0-5C25-1F4F-0F81-23C636850515}"/>
+                  </a:ext>
+                </a:extLst>
+              </p:cNvPr>
+              <p:cNvCxnSpPr>
+                <a:cxnSpLocks/>
+              </p:cNvCxnSpPr>
+              <p:nvPr/>
+            </p:nvCxnSpPr>
+            <p:spPr>
+              <a:xfrm>
+                <a:off x="876300" y="4419599"/>
+                <a:ext cx="279400" cy="0"/>
+              </a:xfrm>
+              <a:prstGeom prst="line">
+                <a:avLst/>
+              </a:prstGeom>
+            </p:spPr>
+            <p:style>
+              <a:lnRef idx="2">
+                <a:schemeClr val="accent1"/>
+              </a:lnRef>
+              <a:fillRef idx="0">
+                <a:schemeClr val="accent1"/>
+              </a:fillRef>
+              <a:effectRef idx="1">
+                <a:schemeClr val="accent1"/>
+              </a:effectRef>
+              <a:fontRef idx="minor">
+                <a:schemeClr val="tx1"/>
+              </a:fontRef>
+            </p:style>
+          </p:cxnSp>
+          <p:cxnSp>
+            <p:nvCxnSpPr>
+              <p:cNvPr id="153" name="Straight Connector 152">
+                <a:extLst>
+                  <a:ext uri="{FF2B5EF4-FFF2-40B4-BE49-F238E27FC236}">
+                    <a16:creationId xmlns:a16="http://schemas.microsoft.com/office/drawing/2014/main" id="{1D61AAD2-2D37-2295-7505-778F1F3F7988}"/>
+                  </a:ext>
+                </a:extLst>
+              </p:cNvPr>
+              <p:cNvCxnSpPr>
+                <a:cxnSpLocks/>
+              </p:cNvCxnSpPr>
+              <p:nvPr/>
+            </p:nvCxnSpPr>
+            <p:spPr>
+              <a:xfrm>
+                <a:off x="876300" y="3894667"/>
+                <a:ext cx="279400" cy="0"/>
+              </a:xfrm>
+              <a:prstGeom prst="line">
+                <a:avLst/>
+              </a:prstGeom>
+            </p:spPr>
+            <p:style>
+              <a:lnRef idx="2">
+                <a:schemeClr val="accent1"/>
+              </a:lnRef>
+              <a:fillRef idx="0">
+                <a:schemeClr val="accent1"/>
+              </a:fillRef>
+              <a:effectRef idx="1">
+                <a:schemeClr val="accent1"/>
+              </a:effectRef>
+              <a:fontRef idx="minor">
+                <a:schemeClr val="tx1"/>
+              </a:fontRef>
+            </p:style>
+          </p:cxnSp>
+          <p:cxnSp>
+            <p:nvCxnSpPr>
+              <p:cNvPr id="154" name="Straight Connector 153">
+                <a:extLst>
+                  <a:ext uri="{FF2B5EF4-FFF2-40B4-BE49-F238E27FC236}">
+                    <a16:creationId xmlns:a16="http://schemas.microsoft.com/office/drawing/2014/main" id="{8CB1F97A-A0C1-297C-8FF6-E83E8C494BD3}"/>
+                  </a:ext>
+                </a:extLst>
+              </p:cNvPr>
+              <p:cNvCxnSpPr>
+                <a:cxnSpLocks/>
+              </p:cNvCxnSpPr>
+              <p:nvPr/>
+            </p:nvCxnSpPr>
+            <p:spPr>
+              <a:xfrm>
+                <a:off x="876300" y="4927600"/>
+                <a:ext cx="279400" cy="0"/>
+              </a:xfrm>
+              <a:prstGeom prst="line">
+                <a:avLst/>
+              </a:prstGeom>
+            </p:spPr>
+            <p:style>
+              <a:lnRef idx="2">
+                <a:schemeClr val="accent1"/>
+              </a:lnRef>
+              <a:fillRef idx="0">
+                <a:schemeClr val="accent1"/>
+              </a:fillRef>
+              <a:effectRef idx="1">
+                <a:schemeClr val="accent1"/>
+              </a:effectRef>
+              <a:fontRef idx="minor">
+                <a:schemeClr val="tx1"/>
+              </a:fontRef>
+            </p:style>
+          </p:cxnSp>
+        </p:grpSp>
+        <p:cxnSp>
+          <p:nvCxnSpPr>
+            <p:cNvPr id="156" name="Straight Connector 155">
+              <a:extLst>
+                <a:ext uri="{FF2B5EF4-FFF2-40B4-BE49-F238E27FC236}">
+                  <a16:creationId xmlns:a16="http://schemas.microsoft.com/office/drawing/2014/main" id="{7CD6BCA0-DFE2-82FD-5BA9-42A921726739}"/>
+                </a:ext>
+              </a:extLst>
+            </p:cNvPr>
+            <p:cNvCxnSpPr>
+              <a:cxnSpLocks/>
+            </p:cNvCxnSpPr>
+            <p:nvPr/>
+          </p:nvCxnSpPr>
+          <p:spPr>
+            <a:xfrm rot="16200000">
+              <a:off x="3272170" y="4146811"/>
+              <a:ext cx="80433" cy="0"/>
+            </a:xfrm>
+            <a:prstGeom prst="line">
+              <a:avLst/>
+            </a:prstGeom>
+          </p:spPr>
+          <p:style>
+            <a:lnRef idx="2">
+              <a:schemeClr val="accent1"/>
+            </a:lnRef>
+            <a:fillRef idx="0">
+              <a:schemeClr val="accent1"/>
+            </a:fillRef>
+            <a:effectRef idx="1">
+              <a:schemeClr val="accent1"/>
+            </a:effectRef>
+            <a:fontRef idx="minor">
+              <a:schemeClr val="tx1"/>
+            </a:fontRef>
+          </p:style>
+        </p:cxnSp>
+        <p:cxnSp>
+          <p:nvCxnSpPr>
+            <p:cNvPr id="157" name="Straight Connector 156">
+              <a:extLst>
+                <a:ext uri="{FF2B5EF4-FFF2-40B4-BE49-F238E27FC236}">
+                  <a16:creationId xmlns:a16="http://schemas.microsoft.com/office/drawing/2014/main" id="{02A344AD-4095-BA22-A9C9-C501D3814A96}"/>
+                </a:ext>
+              </a:extLst>
+            </p:cNvPr>
+            <p:cNvCxnSpPr>
+              <a:cxnSpLocks/>
+            </p:cNvCxnSpPr>
+            <p:nvPr/>
+          </p:nvCxnSpPr>
+          <p:spPr>
+            <a:xfrm rot="16200000">
+              <a:off x="3411932" y="4150493"/>
+              <a:ext cx="80433" cy="0"/>
+            </a:xfrm>
+            <a:prstGeom prst="line">
+              <a:avLst/>
+            </a:prstGeom>
+          </p:spPr>
+          <p:style>
+            <a:lnRef idx="2">
+              <a:schemeClr val="accent1"/>
+            </a:lnRef>
+            <a:fillRef idx="0">
+              <a:schemeClr val="accent1"/>
+            </a:fillRef>
+            <a:effectRef idx="1">
+              <a:schemeClr val="accent1"/>
+            </a:effectRef>
+            <a:fontRef idx="minor">
+              <a:schemeClr val="tx1"/>
+            </a:fontRef>
+          </p:style>
+        </p:cxnSp>
+      </p:grpSp>
+      <p:cxnSp>
+        <p:nvCxnSpPr>
+          <p:cNvPr id="165" name="Curved Connector 164">
+            <a:extLst>
+              <a:ext uri="{FF2B5EF4-FFF2-40B4-BE49-F238E27FC236}">
+                <a16:creationId xmlns:a16="http://schemas.microsoft.com/office/drawing/2014/main" id="{B26DF026-1C8A-F086-DEDE-E9A1C08DBEEB}"/>
+              </a:ext>
+            </a:extLst>
+          </p:cNvPr>
+          <p:cNvCxnSpPr>
+            <a:cxnSpLocks/>
+          </p:cNvCxnSpPr>
+          <p:nvPr/>
+        </p:nvCxnSpPr>
+        <p:spPr>
+          <a:xfrm rot="5400000" flipH="1" flipV="1">
+            <a:off x="707253" y="4098900"/>
+            <a:ext cx="1771156" cy="1620278"/>
+          </a:xfrm>
+          <a:prstGeom prst="curvedConnector3">
+            <a:avLst>
+              <a:gd name="adj1" fmla="val 50000"/>
+            </a:avLst>
+          </a:prstGeom>
+          <a:ln>
+            <a:tailEnd type="triangle"/>
+          </a:ln>
+        </p:spPr>
+        <p:style>
+          <a:lnRef idx="2">
+            <a:schemeClr val="accent1"/>
+          </a:lnRef>
+          <a:fillRef idx="0">
+            <a:schemeClr val="accent1"/>
+          </a:fillRef>
+          <a:effectRef idx="1">
+            <a:schemeClr val="accent1"/>
+          </a:effectRef>
+          <a:fontRef idx="minor">
+            <a:schemeClr val="tx1"/>
+          </a:fontRef>
+        </p:style>
+      </p:cxnSp>
+      <p:cxnSp>
+        <p:nvCxnSpPr>
+          <p:cNvPr id="166" name="Curved Connector 165">
+            <a:extLst>
+              <a:ext uri="{FF2B5EF4-FFF2-40B4-BE49-F238E27FC236}">
+                <a16:creationId xmlns:a16="http://schemas.microsoft.com/office/drawing/2014/main" id="{1C0AED78-96F2-031F-DB5F-6A1E52E58FA7}"/>
+              </a:ext>
+            </a:extLst>
+          </p:cNvPr>
+          <p:cNvCxnSpPr>
+            <a:cxnSpLocks/>
+          </p:cNvCxnSpPr>
+          <p:nvPr/>
+        </p:nvCxnSpPr>
+        <p:spPr>
+          <a:xfrm rot="5400000" flipH="1" flipV="1">
+            <a:off x="812651" y="4052627"/>
+            <a:ext cx="1754123" cy="1678114"/>
+          </a:xfrm>
+          <a:prstGeom prst="curvedConnector3">
+            <a:avLst>
+              <a:gd name="adj1" fmla="val 50000"/>
+            </a:avLst>
+          </a:prstGeom>
+          <a:ln>
+            <a:tailEnd type="triangle"/>
+          </a:ln>
+        </p:spPr>
+        <p:style>
+          <a:lnRef idx="2">
+            <a:schemeClr val="accent1"/>
+          </a:lnRef>
+          <a:fillRef idx="0">
+            <a:schemeClr val="accent1"/>
+          </a:fillRef>
+          <a:effectRef idx="1">
+            <a:schemeClr val="accent1"/>
+          </a:effectRef>
+          <a:fontRef idx="minor">
+            <a:schemeClr val="tx1"/>
+          </a:fontRef>
+        </p:style>
+      </p:cxnSp>
+      <p:cxnSp>
+        <p:nvCxnSpPr>
+          <p:cNvPr id="167" name="Curved Connector 166">
+            <a:extLst>
+              <a:ext uri="{FF2B5EF4-FFF2-40B4-BE49-F238E27FC236}">
+                <a16:creationId xmlns:a16="http://schemas.microsoft.com/office/drawing/2014/main" id="{9F2E06E5-CA20-3E7A-73B4-59B8C026A03C}"/>
+              </a:ext>
+            </a:extLst>
+          </p:cNvPr>
+          <p:cNvCxnSpPr>
+            <a:cxnSpLocks/>
+          </p:cNvCxnSpPr>
+          <p:nvPr/>
+        </p:nvCxnSpPr>
+        <p:spPr>
+          <a:xfrm rot="5400000" flipH="1" flipV="1">
+            <a:off x="955929" y="4040191"/>
+            <a:ext cx="1721432" cy="1692562"/>
+          </a:xfrm>
+          <a:prstGeom prst="curvedConnector3">
+            <a:avLst>
+              <a:gd name="adj1" fmla="val 50000"/>
+            </a:avLst>
+          </a:prstGeom>
+          <a:ln>
+            <a:tailEnd type="triangle"/>
+          </a:ln>
+        </p:spPr>
+        <p:style>
+          <a:lnRef idx="2">
+            <a:schemeClr val="accent1"/>
+          </a:lnRef>
+          <a:fillRef idx="0">
+            <a:schemeClr val="accent1"/>
+          </a:fillRef>
+          <a:effectRef idx="1">
+            <a:schemeClr val="accent1"/>
+          </a:effectRef>
+          <a:fontRef idx="minor">
+            <a:schemeClr val="tx1"/>
+          </a:fontRef>
+        </p:style>
+      </p:cxnSp>
+      <p:cxnSp>
+        <p:nvCxnSpPr>
+          <p:cNvPr id="179" name="Curved Connector 178">
+            <a:extLst>
+              <a:ext uri="{FF2B5EF4-FFF2-40B4-BE49-F238E27FC236}">
+                <a16:creationId xmlns:a16="http://schemas.microsoft.com/office/drawing/2014/main" id="{257AE874-1CD1-AF08-6E24-B88593D1796A}"/>
+              </a:ext>
+            </a:extLst>
+          </p:cNvPr>
+          <p:cNvCxnSpPr>
+            <a:cxnSpLocks/>
+          </p:cNvCxnSpPr>
+          <p:nvPr/>
+        </p:nvCxnSpPr>
+        <p:spPr>
+          <a:xfrm rot="5400000" flipH="1" flipV="1">
+            <a:off x="1110675" y="4030213"/>
+            <a:ext cx="1701025" cy="1689689"/>
+          </a:xfrm>
+          <a:prstGeom prst="curvedConnector3">
+            <a:avLst>
+              <a:gd name="adj1" fmla="val 50000"/>
+            </a:avLst>
+          </a:prstGeom>
+          <a:ln>
+            <a:tailEnd type="triangle"/>
+          </a:ln>
+        </p:spPr>
+        <p:style>
+          <a:lnRef idx="2">
+            <a:schemeClr val="accent1"/>
+          </a:lnRef>
+          <a:fillRef idx="0">
+            <a:schemeClr val="accent1"/>
+          </a:fillRef>
+          <a:effectRef idx="1">
+            <a:schemeClr val="accent1"/>
+          </a:effectRef>
+          <a:fontRef idx="minor">
+            <a:schemeClr val="tx1"/>
+          </a:fontRef>
+        </p:style>
+      </p:cxnSp>
+      <p:cxnSp>
+        <p:nvCxnSpPr>
+          <p:cNvPr id="195" name="Curved Connector 194">
+            <a:extLst>
+              <a:ext uri="{FF2B5EF4-FFF2-40B4-BE49-F238E27FC236}">
+                <a16:creationId xmlns:a16="http://schemas.microsoft.com/office/drawing/2014/main" id="{CBF8D843-8DF2-C191-8DD2-26A3B6406DEC}"/>
+              </a:ext>
+            </a:extLst>
+          </p:cNvPr>
+          <p:cNvCxnSpPr>
+            <a:cxnSpLocks/>
+          </p:cNvCxnSpPr>
+          <p:nvPr/>
+        </p:nvCxnSpPr>
+        <p:spPr>
+          <a:xfrm rot="16200000" flipV="1">
+            <a:off x="1906701" y="5241434"/>
+            <a:ext cx="919912" cy="233791"/>
+          </a:xfrm>
+          <a:prstGeom prst="curvedConnector3">
+            <a:avLst>
+              <a:gd name="adj1" fmla="val 50000"/>
+            </a:avLst>
+          </a:prstGeom>
+          <a:ln>
+            <a:tailEnd type="triangle"/>
+          </a:ln>
+        </p:spPr>
+        <p:style>
+          <a:lnRef idx="2">
+            <a:schemeClr val="accent1"/>
+          </a:lnRef>
+          <a:fillRef idx="0">
+            <a:schemeClr val="accent1"/>
+          </a:fillRef>
+          <a:effectRef idx="1">
+            <a:schemeClr val="accent1"/>
+          </a:effectRef>
+          <a:fontRef idx="minor">
+            <a:schemeClr val="tx1"/>
+          </a:fontRef>
+        </p:style>
+      </p:cxnSp>
+      <p:cxnSp>
+        <p:nvCxnSpPr>
+          <p:cNvPr id="198" name="Curved Connector 197">
+            <a:extLst>
+              <a:ext uri="{FF2B5EF4-FFF2-40B4-BE49-F238E27FC236}">
+                <a16:creationId xmlns:a16="http://schemas.microsoft.com/office/drawing/2014/main" id="{B60F77C7-E7DC-0E99-F700-8BB08FA3CE02}"/>
+              </a:ext>
+            </a:extLst>
+          </p:cNvPr>
+          <p:cNvCxnSpPr>
+            <a:cxnSpLocks/>
+          </p:cNvCxnSpPr>
+          <p:nvPr/>
+        </p:nvCxnSpPr>
+        <p:spPr>
+          <a:xfrm rot="16200000" flipV="1">
+            <a:off x="1964233" y="5271907"/>
+            <a:ext cx="919912" cy="233791"/>
+          </a:xfrm>
+          <a:prstGeom prst="curvedConnector3">
+            <a:avLst>
+              <a:gd name="adj1" fmla="val 50000"/>
+            </a:avLst>
+          </a:prstGeom>
+          <a:ln>
+            <a:tailEnd type="triangle"/>
+          </a:ln>
+        </p:spPr>
+        <p:style>
+          <a:lnRef idx="2">
+            <a:schemeClr val="accent1"/>
+          </a:lnRef>
+          <a:fillRef idx="0">
+            <a:schemeClr val="accent1"/>
+          </a:fillRef>
+          <a:effectRef idx="1">
+            <a:schemeClr val="accent1"/>
+          </a:effectRef>
+          <a:fontRef idx="minor">
+            <a:schemeClr val="tx1"/>
+          </a:fontRef>
+        </p:style>
+      </p:cxnSp>
+      <p:cxnSp>
+        <p:nvCxnSpPr>
+          <p:cNvPr id="199" name="Curved Connector 198">
+            <a:extLst>
+              <a:ext uri="{FF2B5EF4-FFF2-40B4-BE49-F238E27FC236}">
+                <a16:creationId xmlns:a16="http://schemas.microsoft.com/office/drawing/2014/main" id="{296F8A47-E91E-51A9-2A00-955597DC80CE}"/>
+              </a:ext>
+            </a:extLst>
+          </p:cNvPr>
+          <p:cNvCxnSpPr>
+            <a:cxnSpLocks/>
+          </p:cNvCxnSpPr>
+          <p:nvPr/>
+        </p:nvCxnSpPr>
+        <p:spPr>
+          <a:xfrm rot="16200000" flipV="1">
+            <a:off x="2028923" y="5304107"/>
+            <a:ext cx="919912" cy="233791"/>
+          </a:xfrm>
+          <a:prstGeom prst="curvedConnector3">
+            <a:avLst>
+              <a:gd name="adj1" fmla="val 50000"/>
+            </a:avLst>
+          </a:prstGeom>
+          <a:ln>
+            <a:tailEnd type="triangle"/>
+          </a:ln>
+        </p:spPr>
+        <p:style>
+          <a:lnRef idx="2">
+            <a:schemeClr val="accent1"/>
+          </a:lnRef>
+          <a:fillRef idx="0">
+            <a:schemeClr val="accent1"/>
+          </a:fillRef>
+          <a:effectRef idx="1">
+            <a:schemeClr val="accent1"/>
+          </a:effectRef>
+          <a:fontRef idx="minor">
+            <a:schemeClr val="tx1"/>
+          </a:fontRef>
+        </p:style>
+      </p:cxnSp>
+      <p:cxnSp>
+        <p:nvCxnSpPr>
+          <p:cNvPr id="200" name="Curved Connector 199">
+            <a:extLst>
+              <a:ext uri="{FF2B5EF4-FFF2-40B4-BE49-F238E27FC236}">
+                <a16:creationId xmlns:a16="http://schemas.microsoft.com/office/drawing/2014/main" id="{7099B9DF-80F2-1114-B7A1-8A46D245ABE0}"/>
+              </a:ext>
+            </a:extLst>
+          </p:cNvPr>
+          <p:cNvCxnSpPr>
+            <a:cxnSpLocks/>
+          </p:cNvCxnSpPr>
+          <p:nvPr/>
+        </p:nvCxnSpPr>
+        <p:spPr>
+          <a:xfrm rot="16200000" flipV="1">
+            <a:off x="2101159" y="5343874"/>
+            <a:ext cx="919912" cy="233791"/>
+          </a:xfrm>
+          <a:prstGeom prst="curvedConnector3">
+            <a:avLst>
+              <a:gd name="adj1" fmla="val 50000"/>
+            </a:avLst>
+          </a:prstGeom>
+          <a:ln>
+            <a:tailEnd type="triangle"/>
+          </a:ln>
+        </p:spPr>
+        <p:style>
+          <a:lnRef idx="2">
+            <a:schemeClr val="accent1"/>
+          </a:lnRef>
+          <a:fillRef idx="0">
+            <a:schemeClr val="accent1"/>
+          </a:fillRef>
+          <a:effectRef idx="1">
+            <a:schemeClr val="accent1"/>
+          </a:effectRef>
+          <a:fontRef idx="minor">
+            <a:schemeClr val="tx1"/>
+          </a:fontRef>
+        </p:style>
+      </p:cxnSp>
+      <p:cxnSp>
+        <p:nvCxnSpPr>
+          <p:cNvPr id="201" name="Curved Connector 200">
+            <a:extLst>
+              <a:ext uri="{FF2B5EF4-FFF2-40B4-BE49-F238E27FC236}">
+                <a16:creationId xmlns:a16="http://schemas.microsoft.com/office/drawing/2014/main" id="{D81D2A91-E549-C104-0807-2750E0B33C4D}"/>
+              </a:ext>
+            </a:extLst>
+          </p:cNvPr>
+          <p:cNvCxnSpPr>
+            <a:cxnSpLocks/>
+          </p:cNvCxnSpPr>
+          <p:nvPr/>
+        </p:nvCxnSpPr>
+        <p:spPr>
+          <a:xfrm rot="16200000" flipV="1">
+            <a:off x="2171720" y="5370342"/>
+            <a:ext cx="919912" cy="233791"/>
+          </a:xfrm>
+          <a:prstGeom prst="curvedConnector3">
+            <a:avLst>
+              <a:gd name="adj1" fmla="val 50000"/>
+            </a:avLst>
+          </a:prstGeom>
+          <a:ln>
+            <a:tailEnd type="triangle"/>
+          </a:ln>
+        </p:spPr>
+        <p:style>
+          <a:lnRef idx="2">
+            <a:schemeClr val="accent1"/>
+          </a:lnRef>
+          <a:fillRef idx="0">
+            <a:schemeClr val="accent1"/>
+          </a:fillRef>
+          <a:effectRef idx="1">
+            <a:schemeClr val="accent1"/>
+          </a:effectRef>
+          <a:fontRef idx="minor">
+            <a:schemeClr val="tx1"/>
+          </a:fontRef>
+        </p:style>
+      </p:cxnSp>
+      <p:cxnSp>
+        <p:nvCxnSpPr>
+          <p:cNvPr id="202" name="Curved Connector 201">
+            <a:extLst>
+              <a:ext uri="{FF2B5EF4-FFF2-40B4-BE49-F238E27FC236}">
+                <a16:creationId xmlns:a16="http://schemas.microsoft.com/office/drawing/2014/main" id="{F5808FDA-7B94-C7FD-AC02-D5147C80EB9C}"/>
+              </a:ext>
+            </a:extLst>
+          </p:cNvPr>
+          <p:cNvCxnSpPr>
+            <a:cxnSpLocks/>
+          </p:cNvCxnSpPr>
+          <p:nvPr/>
+        </p:nvCxnSpPr>
+        <p:spPr>
+          <a:xfrm rot="16200000" flipV="1">
+            <a:off x="2243279" y="5404264"/>
+            <a:ext cx="919912" cy="233791"/>
+          </a:xfrm>
+          <a:prstGeom prst="curvedConnector3">
+            <a:avLst>
+              <a:gd name="adj1" fmla="val 50000"/>
+            </a:avLst>
+          </a:prstGeom>
+          <a:ln>
+            <a:tailEnd type="triangle"/>
+          </a:ln>
+        </p:spPr>
+        <p:style>
+          <a:lnRef idx="2">
+            <a:schemeClr val="accent1"/>
+          </a:lnRef>
+          <a:fillRef idx="0">
+            <a:schemeClr val="accent1"/>
+          </a:fillRef>
+          <a:effectRef idx="1">
+            <a:schemeClr val="accent1"/>
+          </a:effectRef>
+          <a:fontRef idx="minor">
+            <a:schemeClr val="tx1"/>
+          </a:fontRef>
+        </p:style>
+      </p:cxnSp>
+      <p:sp>
+        <p:nvSpPr>
+          <p:cNvPr id="203" name="Cube 202">
+            <a:extLst>
+              <a:ext uri="{FF2B5EF4-FFF2-40B4-BE49-F238E27FC236}">
+                <a16:creationId xmlns:a16="http://schemas.microsoft.com/office/drawing/2014/main" id="{B1B55776-B7BD-E8CD-1E3F-9E8088314FF9}"/>
+              </a:ext>
+            </a:extLst>
+          </p:cNvPr>
+          <p:cNvSpPr/>
+          <p:nvPr/>
+        </p:nvSpPr>
+        <p:spPr>
+          <a:xfrm flipH="1">
+            <a:off x="2680918" y="4920854"/>
+            <a:ext cx="228600" cy="276997"/>
+          </a:xfrm>
+          <a:prstGeom prst="cube">
+            <a:avLst/>
+          </a:prstGeom>
+          <a:solidFill>
+            <a:schemeClr val="bg1"/>
+          </a:solidFill>
+        </p:spPr>
+        <p:style>
+          <a:lnRef idx="2">
+            <a:schemeClr val="accent1">
+              <a:shade val="15000"/>
+            </a:schemeClr>
+          </a:lnRef>
+          <a:fillRef idx="1">
+            <a:schemeClr val="accent1"/>
+          </a:fillRef>
+          <a:effectRef idx="0">
+            <a:schemeClr val="accent1"/>
+          </a:effectRef>
+          <a:fontRef idx="minor">
+            <a:schemeClr val="lt1"/>
+          </a:fontRef>
+        </p:style>
+        <p:txBody>
+          <a:bodyPr rtlCol="0" anchor="ctr"/>
+          <a:lstStyle/>
+          <a:p>
+            <a:pPr algn="ctr"/>
+            <a:endParaRPr lang="en-US"/>
+          </a:p>
+        </p:txBody>
+      </p:sp>
+      <p:cxnSp>
+        <p:nvCxnSpPr>
+          <p:cNvPr id="204" name="Curved Connector 203">
+            <a:extLst>
+              <a:ext uri="{FF2B5EF4-FFF2-40B4-BE49-F238E27FC236}">
+                <a16:creationId xmlns:a16="http://schemas.microsoft.com/office/drawing/2014/main" id="{2EB63B4C-2CA4-AC47-63E7-48517F861C92}"/>
+              </a:ext>
+            </a:extLst>
+          </p:cNvPr>
+          <p:cNvCxnSpPr>
+            <a:cxnSpLocks/>
+          </p:cNvCxnSpPr>
+          <p:nvPr/>
+        </p:nvCxnSpPr>
+        <p:spPr>
+          <a:xfrm rot="16200000" flipV="1">
+            <a:off x="2894169" y="4334938"/>
+            <a:ext cx="1391265" cy="1354751"/>
+          </a:xfrm>
+          <a:prstGeom prst="curvedConnector3">
+            <a:avLst>
+              <a:gd name="adj1" fmla="val 50000"/>
+            </a:avLst>
+          </a:prstGeom>
+          <a:ln>
+            <a:tailEnd type="triangle"/>
+          </a:ln>
+        </p:spPr>
+        <p:style>
+          <a:lnRef idx="2">
+            <a:schemeClr val="accent1"/>
+          </a:lnRef>
+          <a:fillRef idx="0">
+            <a:schemeClr val="accent1"/>
+          </a:fillRef>
+          <a:effectRef idx="1">
+            <a:schemeClr val="accent1"/>
+          </a:effectRef>
+          <a:fontRef idx="minor">
+            <a:schemeClr val="tx1"/>
+          </a:fontRef>
+        </p:style>
+      </p:cxnSp>
+      <p:cxnSp>
+        <p:nvCxnSpPr>
+          <p:cNvPr id="206" name="Curved Connector 205">
+            <a:extLst>
+              <a:ext uri="{FF2B5EF4-FFF2-40B4-BE49-F238E27FC236}">
+                <a16:creationId xmlns:a16="http://schemas.microsoft.com/office/drawing/2014/main" id="{3D35E01B-FDC6-F761-3DDF-DBA157253057}"/>
+              </a:ext>
+            </a:extLst>
+          </p:cNvPr>
+          <p:cNvCxnSpPr>
+            <a:cxnSpLocks/>
+          </p:cNvCxnSpPr>
+          <p:nvPr/>
+        </p:nvCxnSpPr>
+        <p:spPr>
+          <a:xfrm rot="16200000" flipV="1">
+            <a:off x="2983556" y="4338900"/>
+            <a:ext cx="1391265" cy="1354751"/>
+          </a:xfrm>
+          <a:prstGeom prst="curvedConnector3">
+            <a:avLst>
+              <a:gd name="adj1" fmla="val 50000"/>
+            </a:avLst>
+          </a:prstGeom>
+          <a:ln>
+            <a:tailEnd type="triangle"/>
+          </a:ln>
+        </p:spPr>
+        <p:style>
+          <a:lnRef idx="2">
+            <a:schemeClr val="accent1"/>
+          </a:lnRef>
+          <a:fillRef idx="0">
+            <a:schemeClr val="accent1"/>
+          </a:fillRef>
+          <a:effectRef idx="1">
+            <a:schemeClr val="accent1"/>
+          </a:effectRef>
+          <a:fontRef idx="minor">
+            <a:schemeClr val="tx1"/>
+          </a:fontRef>
+        </p:style>
+      </p:cxnSp>
+      <p:cxnSp>
+        <p:nvCxnSpPr>
+          <p:cNvPr id="207" name="Curved Connector 206">
+            <a:extLst>
+              <a:ext uri="{FF2B5EF4-FFF2-40B4-BE49-F238E27FC236}">
+                <a16:creationId xmlns:a16="http://schemas.microsoft.com/office/drawing/2014/main" id="{EA465666-9651-F908-3551-9E5AB7413C08}"/>
+              </a:ext>
+            </a:extLst>
+          </p:cNvPr>
+          <p:cNvCxnSpPr>
+            <a:cxnSpLocks/>
+          </p:cNvCxnSpPr>
+          <p:nvPr/>
+        </p:nvCxnSpPr>
+        <p:spPr>
+          <a:xfrm rot="16200000" flipV="1">
+            <a:off x="3074230" y="4344096"/>
+            <a:ext cx="1391265" cy="1354751"/>
+          </a:xfrm>
+          <a:prstGeom prst="curvedConnector3">
+            <a:avLst>
+              <a:gd name="adj1" fmla="val 50000"/>
+            </a:avLst>
+          </a:prstGeom>
+          <a:ln>
+            <a:tailEnd type="triangle"/>
+          </a:ln>
+        </p:spPr>
+        <p:style>
+          <a:lnRef idx="2">
+            <a:schemeClr val="accent1"/>
+          </a:lnRef>
+          <a:fillRef idx="0">
+            <a:schemeClr val="accent1"/>
+          </a:fillRef>
+          <a:effectRef idx="1">
+            <a:schemeClr val="accent1"/>
+          </a:effectRef>
+          <a:fontRef idx="minor">
+            <a:schemeClr val="tx1"/>
+          </a:fontRef>
+        </p:style>
+      </p:cxnSp>
+      <p:cxnSp>
+        <p:nvCxnSpPr>
+          <p:cNvPr id="208" name="Curved Connector 207">
+            <a:extLst>
+              <a:ext uri="{FF2B5EF4-FFF2-40B4-BE49-F238E27FC236}">
+                <a16:creationId xmlns:a16="http://schemas.microsoft.com/office/drawing/2014/main" id="{32F9C832-45F2-CB0C-A959-C9EF7FB74894}"/>
+              </a:ext>
+            </a:extLst>
+          </p:cNvPr>
+          <p:cNvCxnSpPr>
+            <a:cxnSpLocks/>
+          </p:cNvCxnSpPr>
+          <p:nvPr/>
+        </p:nvCxnSpPr>
+        <p:spPr>
+          <a:xfrm rot="16200000" flipV="1">
+            <a:off x="3163617" y="4344095"/>
+            <a:ext cx="1391265" cy="1354751"/>
+          </a:xfrm>
+          <a:prstGeom prst="curvedConnector3">
+            <a:avLst>
+              <a:gd name="adj1" fmla="val 50000"/>
+            </a:avLst>
+          </a:prstGeom>
+          <a:ln>
+            <a:tailEnd type="triangle"/>
+          </a:ln>
+        </p:spPr>
+        <p:style>
+          <a:lnRef idx="2">
+            <a:schemeClr val="accent1"/>
+          </a:lnRef>
+          <a:fillRef idx="0">
+            <a:schemeClr val="accent1"/>
+          </a:fillRef>
+          <a:effectRef idx="1">
+            <a:schemeClr val="accent1"/>
+          </a:effectRef>
+          <a:fontRef idx="minor">
+            <a:schemeClr val="tx1"/>
+          </a:fontRef>
+        </p:style>
+      </p:cxnSp>
+      <p:cxnSp>
+        <p:nvCxnSpPr>
+          <p:cNvPr id="209" name="Curved Connector 208">
+            <a:extLst>
+              <a:ext uri="{FF2B5EF4-FFF2-40B4-BE49-F238E27FC236}">
+                <a16:creationId xmlns:a16="http://schemas.microsoft.com/office/drawing/2014/main" id="{5E738916-4BA3-4970-CA7E-1C0B63A83CAB}"/>
+              </a:ext>
+            </a:extLst>
+          </p:cNvPr>
+          <p:cNvCxnSpPr>
+            <a:cxnSpLocks/>
+          </p:cNvCxnSpPr>
+          <p:nvPr/>
+        </p:nvCxnSpPr>
+        <p:spPr>
+          <a:xfrm rot="16200000" flipV="1">
+            <a:off x="3252314" y="4351286"/>
+            <a:ext cx="1391265" cy="1354751"/>
+          </a:xfrm>
+          <a:prstGeom prst="curvedConnector3">
+            <a:avLst>
+              <a:gd name="adj1" fmla="val 50000"/>
+            </a:avLst>
+          </a:prstGeom>
+          <a:ln>
+            <a:tailEnd type="triangle"/>
+          </a:ln>
+        </p:spPr>
+        <p:style>
+          <a:lnRef idx="2">
+            <a:schemeClr val="accent1"/>
+          </a:lnRef>
+          <a:fillRef idx="0">
+            <a:schemeClr val="accent1"/>
+          </a:fillRef>
+          <a:effectRef idx="1">
+            <a:schemeClr val="accent1"/>
+          </a:effectRef>
+          <a:fontRef idx="minor">
+            <a:schemeClr val="tx1"/>
+          </a:fontRef>
+        </p:style>
+      </p:cxnSp>
+      <p:cxnSp>
+        <p:nvCxnSpPr>
+          <p:cNvPr id="210" name="Curved Connector 209">
+            <a:extLst>
+              <a:ext uri="{FF2B5EF4-FFF2-40B4-BE49-F238E27FC236}">
+                <a16:creationId xmlns:a16="http://schemas.microsoft.com/office/drawing/2014/main" id="{6F6025EC-192E-9A26-CBAA-AEFDDD2C4DCB}"/>
+              </a:ext>
+            </a:extLst>
+          </p:cNvPr>
+          <p:cNvCxnSpPr>
+            <a:cxnSpLocks/>
+          </p:cNvCxnSpPr>
+          <p:nvPr/>
+        </p:nvCxnSpPr>
+        <p:spPr>
+          <a:xfrm rot="16200000" flipV="1">
+            <a:off x="3338516" y="4356215"/>
+            <a:ext cx="1391265" cy="1354751"/>
+          </a:xfrm>
+          <a:prstGeom prst="curvedConnector3">
+            <a:avLst>
+              <a:gd name="adj1" fmla="val 50000"/>
+            </a:avLst>
+          </a:prstGeom>
+          <a:ln>
+            <a:tailEnd type="triangle"/>
+          </a:ln>
+        </p:spPr>
+        <p:style>
+          <a:lnRef idx="2">
+            <a:schemeClr val="accent1"/>
+          </a:lnRef>
+          <a:fillRef idx="0">
+            <a:schemeClr val="accent1"/>
+          </a:fillRef>
+          <a:effectRef idx="1">
+            <a:schemeClr val="accent1"/>
+          </a:effectRef>
+          <a:fontRef idx="minor">
+            <a:schemeClr val="tx1"/>
+          </a:fontRef>
+        </p:style>
+      </p:cxnSp>
+      <p:sp>
+        <p:nvSpPr>
+          <p:cNvPr id="211" name="TextBox 210">
+            <a:extLst>
+              <a:ext uri="{FF2B5EF4-FFF2-40B4-BE49-F238E27FC236}">
+                <a16:creationId xmlns:a16="http://schemas.microsoft.com/office/drawing/2014/main" id="{15D884D7-9547-D57F-59DC-30240E84224F}"/>
+              </a:ext>
+            </a:extLst>
+          </p:cNvPr>
+          <p:cNvSpPr txBox="1"/>
+          <p:nvPr/>
+        </p:nvSpPr>
+        <p:spPr>
+          <a:xfrm>
+            <a:off x="4687046" y="5055273"/>
+            <a:ext cx="397866" cy="276999"/>
+          </a:xfrm>
+          <a:prstGeom prst="rect">
+            <a:avLst/>
+          </a:prstGeom>
+          <a:solidFill>
+            <a:schemeClr val="bg1"/>
+          </a:solidFill>
+        </p:spPr>
+        <p:txBody>
+          <a:bodyPr wrap="none" rtlCol="0">
+            <a:spAutoFit/>
+          </a:bodyPr>
+          <a:lstStyle/>
+          <a:p>
+            <a:r>
+              <a:rPr lang="en-US" sz="1200" dirty="0"/>
+              <a:t>Wk</a:t>
+            </a:r>
+          </a:p>
+        </p:txBody>
+      </p:sp>
+      <p:sp>
+        <p:nvSpPr>
+          <p:cNvPr id="212" name="Cube 211">
+            <a:extLst>
+              <a:ext uri="{FF2B5EF4-FFF2-40B4-BE49-F238E27FC236}">
+                <a16:creationId xmlns:a16="http://schemas.microsoft.com/office/drawing/2014/main" id="{ABAC41C1-3106-DFAE-CFB2-DA203DAFAF40}"/>
+              </a:ext>
+            </a:extLst>
+          </p:cNvPr>
+          <p:cNvSpPr/>
+          <p:nvPr/>
+        </p:nvSpPr>
+        <p:spPr>
+          <a:xfrm flipH="1">
+            <a:off x="4505412" y="4895672"/>
+            <a:ext cx="228600" cy="276997"/>
+          </a:xfrm>
+          <a:prstGeom prst="cube">
+            <a:avLst/>
+          </a:prstGeom>
+          <a:solidFill>
+            <a:schemeClr val="bg1"/>
+          </a:solidFill>
+        </p:spPr>
+        <p:style>
+          <a:lnRef idx="2">
+            <a:schemeClr val="accent1">
+              <a:shade val="15000"/>
+            </a:schemeClr>
+          </a:lnRef>
+          <a:fillRef idx="1">
+            <a:schemeClr val="accent1"/>
+          </a:fillRef>
+          <a:effectRef idx="0">
+            <a:schemeClr val="accent1"/>
+          </a:effectRef>
+          <a:fontRef idx="minor">
+            <a:schemeClr val="lt1"/>
+          </a:fontRef>
+        </p:style>
+        <p:txBody>
+          <a:bodyPr rtlCol="0" anchor="ctr"/>
+          <a:lstStyle/>
+          <a:p>
+            <a:pPr algn="ctr"/>
+            <a:endParaRPr lang="en-US"/>
+          </a:p>
+        </p:txBody>
+      </p:sp>
+      <p:sp>
+        <p:nvSpPr>
+          <p:cNvPr id="213" name="Rectangle 212">
+            <a:extLst>
+              <a:ext uri="{FF2B5EF4-FFF2-40B4-BE49-F238E27FC236}">
+                <a16:creationId xmlns:a16="http://schemas.microsoft.com/office/drawing/2014/main" id="{9935A4BD-E2DA-0363-6DE9-1BEE8785061D}"/>
+              </a:ext>
+            </a:extLst>
+          </p:cNvPr>
+          <p:cNvSpPr/>
+          <p:nvPr/>
+        </p:nvSpPr>
+        <p:spPr>
+          <a:xfrm flipV="1">
+            <a:off x="2487907" y="3907277"/>
+            <a:ext cx="124324" cy="88399"/>
+          </a:xfrm>
+          <a:prstGeom prst="rect">
+            <a:avLst/>
+          </a:prstGeom>
+          <a:ln>
+            <a:noFill/>
+          </a:ln>
+        </p:spPr>
+        <p:style>
+          <a:lnRef idx="2">
+            <a:schemeClr val="accent1">
+              <a:shade val="15000"/>
+            </a:schemeClr>
+          </a:lnRef>
+          <a:fillRef idx="1">
+            <a:schemeClr val="accent1"/>
+          </a:fillRef>
+          <a:effectRef idx="0">
+            <a:schemeClr val="accent1"/>
+          </a:effectRef>
+          <a:fontRef idx="minor">
+            <a:schemeClr val="lt1"/>
+          </a:fontRef>
+        </p:style>
+        <p:txBody>
+          <a:bodyPr rtlCol="0" anchor="ctr"/>
+          <a:lstStyle/>
+          <a:p>
+            <a:pPr algn="ctr"/>
+            <a:endParaRPr lang="en-US"/>
+          </a:p>
+        </p:txBody>
+      </p:sp>
+      <p:cxnSp>
+        <p:nvCxnSpPr>
+          <p:cNvPr id="214" name="Curved Connector 213">
+            <a:extLst>
+              <a:ext uri="{FF2B5EF4-FFF2-40B4-BE49-F238E27FC236}">
+                <a16:creationId xmlns:a16="http://schemas.microsoft.com/office/drawing/2014/main" id="{FCE452CA-5AA3-D5F6-90A7-69C12CAFE0A7}"/>
+              </a:ext>
+            </a:extLst>
+          </p:cNvPr>
+          <p:cNvCxnSpPr>
+            <a:cxnSpLocks/>
+            <a:stCxn id="213" idx="2"/>
+          </p:cNvCxnSpPr>
+          <p:nvPr/>
+        </p:nvCxnSpPr>
+        <p:spPr>
+          <a:xfrm rot="16200000" flipV="1">
+            <a:off x="2071397" y="3428604"/>
+            <a:ext cx="250513" cy="706833"/>
+          </a:xfrm>
+          <a:prstGeom prst="curvedConnector2">
+            <a:avLst/>
+          </a:prstGeom>
+          <a:ln w="6350">
+            <a:tailEnd type="diamond"/>
+          </a:ln>
+        </p:spPr>
+        <p:style>
+          <a:lnRef idx="2">
+            <a:schemeClr val="accent1"/>
+          </a:lnRef>
+          <a:fillRef idx="0">
+            <a:schemeClr val="accent1"/>
+          </a:fillRef>
+          <a:effectRef idx="1">
+            <a:schemeClr val="accent1"/>
+          </a:effectRef>
+          <a:fontRef idx="minor">
+            <a:schemeClr val="tx1"/>
+          </a:fontRef>
+        </p:style>
+      </p:cxnSp>
+      <p:sp>
+        <p:nvSpPr>
+          <p:cNvPr id="217" name="TextBox 216">
+            <a:extLst>
+              <a:ext uri="{FF2B5EF4-FFF2-40B4-BE49-F238E27FC236}">
+                <a16:creationId xmlns:a16="http://schemas.microsoft.com/office/drawing/2014/main" id="{331D84FD-6535-22B0-6729-E098B29A761B}"/>
+              </a:ext>
+            </a:extLst>
+          </p:cNvPr>
+          <p:cNvSpPr txBox="1"/>
+          <p:nvPr/>
+        </p:nvSpPr>
+        <p:spPr>
+          <a:xfrm>
+            <a:off x="4256185" y="3090908"/>
+            <a:ext cx="1691425" cy="646331"/>
+          </a:xfrm>
+          <a:prstGeom prst="rect">
+            <a:avLst/>
+          </a:prstGeom>
+          <a:solidFill>
+            <a:schemeClr val="bg1"/>
+          </a:solidFill>
+        </p:spPr>
+        <p:txBody>
+          <a:bodyPr wrap="none" rtlCol="0">
+            <a:spAutoFit/>
+          </a:bodyPr>
+          <a:lstStyle/>
+          <a:p>
+            <a:r>
+              <a:rPr lang="en-US" sz="1200" dirty="0"/>
+              <a:t>T1 value</a:t>
+            </a:r>
+            <a:br>
+              <a:rPr lang="en-US" sz="1200" dirty="0"/>
+            </a:br>
+            <a:r>
+              <a:rPr lang="en-US" sz="1200" b="1" dirty="0"/>
+              <a:t>”T2-concept”- ,</a:t>
+            </a:r>
+            <a:br>
+              <a:rPr lang="en-US" sz="1200" b="1" dirty="0"/>
+            </a:br>
+            <a:r>
+              <a:rPr lang="en-US" sz="1200" b="1" dirty="0"/>
+              <a:t>“T1-concept”- aware</a:t>
+            </a:r>
+          </a:p>
+        </p:txBody>
+      </p:sp>
+      <p:grpSp>
+        <p:nvGrpSpPr>
+          <p:cNvPr id="218" name="Group 217">
+            <a:extLst>
+              <a:ext uri="{FF2B5EF4-FFF2-40B4-BE49-F238E27FC236}">
+                <a16:creationId xmlns:a16="http://schemas.microsoft.com/office/drawing/2014/main" id="{C308D92C-D4E8-2D56-E485-57227DDF633D}"/>
+              </a:ext>
+            </a:extLst>
+          </p:cNvPr>
+          <p:cNvGrpSpPr/>
+          <p:nvPr/>
+        </p:nvGrpSpPr>
+        <p:grpSpPr>
+          <a:xfrm rot="5400000">
+            <a:off x="3929858" y="3006455"/>
+            <a:ext cx="80433" cy="524933"/>
+            <a:chOff x="876300" y="3429000"/>
+            <a:chExt cx="279400" cy="1981200"/>
+          </a:xfrm>
+        </p:grpSpPr>
+        <p:cxnSp>
+          <p:nvCxnSpPr>
+            <p:cNvPr id="219" name="Straight Connector 218">
+              <a:extLst>
+                <a:ext uri="{FF2B5EF4-FFF2-40B4-BE49-F238E27FC236}">
+                  <a16:creationId xmlns:a16="http://schemas.microsoft.com/office/drawing/2014/main" id="{F01D4021-0B95-60FA-1CFC-8EB9AC0980D3}"/>
+                </a:ext>
+              </a:extLst>
+            </p:cNvPr>
+            <p:cNvCxnSpPr/>
+            <p:nvPr/>
+          </p:nvCxnSpPr>
+          <p:spPr>
+            <a:xfrm>
+              <a:off x="1016000" y="3429000"/>
+              <a:ext cx="0" cy="1981200"/>
+            </a:xfrm>
+            <a:prstGeom prst="line">
+              <a:avLst/>
+            </a:prstGeom>
+          </p:spPr>
+          <p:style>
+            <a:lnRef idx="2">
+              <a:schemeClr val="accent1"/>
+            </a:lnRef>
+            <a:fillRef idx="0">
+              <a:schemeClr val="accent1"/>
+            </a:fillRef>
+            <a:effectRef idx="1">
+              <a:schemeClr val="accent1"/>
+            </a:effectRef>
+            <a:fontRef idx="minor">
+              <a:schemeClr val="tx1"/>
+            </a:fontRef>
+          </p:style>
+        </p:cxnSp>
+        <p:cxnSp>
+          <p:nvCxnSpPr>
+            <p:cNvPr id="220" name="Straight Connector 219">
+              <a:extLst>
+                <a:ext uri="{FF2B5EF4-FFF2-40B4-BE49-F238E27FC236}">
+                  <a16:creationId xmlns:a16="http://schemas.microsoft.com/office/drawing/2014/main" id="{D3F3E694-CDA5-9AC0-7BDA-51C115D3799C}"/>
+                </a:ext>
+              </a:extLst>
+            </p:cNvPr>
+            <p:cNvCxnSpPr>
+              <a:cxnSpLocks/>
+            </p:cNvCxnSpPr>
+            <p:nvPr/>
+          </p:nvCxnSpPr>
+          <p:spPr>
+            <a:xfrm>
+              <a:off x="876300" y="3429000"/>
+              <a:ext cx="279400" cy="0"/>
+            </a:xfrm>
+            <a:prstGeom prst="line">
+              <a:avLst/>
+            </a:prstGeom>
+          </p:spPr>
+          <p:style>
+            <a:lnRef idx="2">
+              <a:schemeClr val="accent1"/>
+            </a:lnRef>
+            <a:fillRef idx="0">
+              <a:schemeClr val="accent1"/>
+            </a:fillRef>
+            <a:effectRef idx="1">
+              <a:schemeClr val="accent1"/>
+            </a:effectRef>
+            <a:fontRef idx="minor">
+              <a:schemeClr val="tx1"/>
+            </a:fontRef>
+          </p:style>
+        </p:cxnSp>
+        <p:cxnSp>
+          <p:nvCxnSpPr>
+            <p:cNvPr id="221" name="Straight Connector 220">
+              <a:extLst>
+                <a:ext uri="{FF2B5EF4-FFF2-40B4-BE49-F238E27FC236}">
+                  <a16:creationId xmlns:a16="http://schemas.microsoft.com/office/drawing/2014/main" id="{228C30FF-F4C1-51C9-CE15-96ACE25BB4CD}"/>
+                </a:ext>
+              </a:extLst>
+            </p:cNvPr>
+            <p:cNvCxnSpPr>
+              <a:cxnSpLocks/>
+            </p:cNvCxnSpPr>
+            <p:nvPr/>
+          </p:nvCxnSpPr>
+          <p:spPr>
+            <a:xfrm>
+              <a:off x="876300" y="5410200"/>
+              <a:ext cx="279400" cy="0"/>
+            </a:xfrm>
+            <a:prstGeom prst="line">
+              <a:avLst/>
+            </a:prstGeom>
+          </p:spPr>
+          <p:style>
+            <a:lnRef idx="2">
+              <a:schemeClr val="accent1"/>
+            </a:lnRef>
+            <a:fillRef idx="0">
+              <a:schemeClr val="accent1"/>
+            </a:fillRef>
+            <a:effectRef idx="1">
+              <a:schemeClr val="accent1"/>
+            </a:effectRef>
+            <a:fontRef idx="minor">
+              <a:schemeClr val="tx1"/>
+            </a:fontRef>
+          </p:style>
+        </p:cxnSp>
+        <p:cxnSp>
+          <p:nvCxnSpPr>
+            <p:cNvPr id="222" name="Straight Connector 221">
+              <a:extLst>
+                <a:ext uri="{FF2B5EF4-FFF2-40B4-BE49-F238E27FC236}">
+                  <a16:creationId xmlns:a16="http://schemas.microsoft.com/office/drawing/2014/main" id="{22AB7FF9-0FE1-C331-9589-5DFBAC9EBDF9}"/>
+                </a:ext>
+              </a:extLst>
+            </p:cNvPr>
+            <p:cNvCxnSpPr>
+              <a:cxnSpLocks/>
+            </p:cNvCxnSpPr>
+            <p:nvPr/>
+          </p:nvCxnSpPr>
+          <p:spPr>
+            <a:xfrm>
+              <a:off x="876300" y="4419599"/>
+              <a:ext cx="279400" cy="0"/>
+            </a:xfrm>
+            <a:prstGeom prst="line">
+              <a:avLst/>
+            </a:prstGeom>
+          </p:spPr>
+          <p:style>
+            <a:lnRef idx="2">
+              <a:schemeClr val="accent1"/>
+            </a:lnRef>
+            <a:fillRef idx="0">
+              <a:schemeClr val="accent1"/>
+            </a:fillRef>
+            <a:effectRef idx="1">
+              <a:schemeClr val="accent1"/>
+            </a:effectRef>
+            <a:fontRef idx="minor">
+              <a:schemeClr val="tx1"/>
+            </a:fontRef>
+          </p:style>
+        </p:cxnSp>
+        <p:cxnSp>
+          <p:nvCxnSpPr>
+            <p:cNvPr id="223" name="Straight Connector 222">
+              <a:extLst>
+                <a:ext uri="{FF2B5EF4-FFF2-40B4-BE49-F238E27FC236}">
+                  <a16:creationId xmlns:a16="http://schemas.microsoft.com/office/drawing/2014/main" id="{CDE71A39-47DD-5EF5-CD8E-5280B14C1F33}"/>
+                </a:ext>
+              </a:extLst>
+            </p:cNvPr>
+            <p:cNvCxnSpPr>
+              <a:cxnSpLocks/>
+            </p:cNvCxnSpPr>
+            <p:nvPr/>
+          </p:nvCxnSpPr>
+          <p:spPr>
+            <a:xfrm>
+              <a:off x="876300" y="3894667"/>
+              <a:ext cx="279400" cy="0"/>
+            </a:xfrm>
+            <a:prstGeom prst="line">
+              <a:avLst/>
+            </a:prstGeom>
+          </p:spPr>
+          <p:style>
+            <a:lnRef idx="2">
+              <a:schemeClr val="accent1"/>
+            </a:lnRef>
+            <a:fillRef idx="0">
+              <a:schemeClr val="accent1"/>
+            </a:fillRef>
+            <a:effectRef idx="1">
+              <a:schemeClr val="accent1"/>
+            </a:effectRef>
+            <a:fontRef idx="minor">
+              <a:schemeClr val="tx1"/>
+            </a:fontRef>
+          </p:style>
+        </p:cxnSp>
+        <p:cxnSp>
+          <p:nvCxnSpPr>
+            <p:cNvPr id="224" name="Straight Connector 223">
+              <a:extLst>
+                <a:ext uri="{FF2B5EF4-FFF2-40B4-BE49-F238E27FC236}">
+                  <a16:creationId xmlns:a16="http://schemas.microsoft.com/office/drawing/2014/main" id="{5A70E2E1-DE99-6EF1-E733-646B03A7BA6E}"/>
+                </a:ext>
+              </a:extLst>
+            </p:cNvPr>
+            <p:cNvCxnSpPr>
+              <a:cxnSpLocks/>
+            </p:cNvCxnSpPr>
+            <p:nvPr/>
+          </p:nvCxnSpPr>
+          <p:spPr>
+            <a:xfrm>
+              <a:off x="876300" y="4927600"/>
+              <a:ext cx="279400" cy="0"/>
+            </a:xfrm>
+            <a:prstGeom prst="line">
+              <a:avLst/>
+            </a:prstGeom>
+          </p:spPr>
+          <p:style>
+            <a:lnRef idx="2">
+              <a:schemeClr val="accent1"/>
+            </a:lnRef>
+            <a:fillRef idx="0">
+              <a:schemeClr val="accent1"/>
+            </a:fillRef>
+            <a:effectRef idx="1">
+              <a:schemeClr val="accent1"/>
+            </a:effectRef>
+            <a:fontRef idx="minor">
+              <a:schemeClr val="tx1"/>
+            </a:fontRef>
+          </p:style>
+        </p:cxnSp>
+      </p:grpSp>
+      <p:cxnSp>
+        <p:nvCxnSpPr>
+          <p:cNvPr id="225" name="Curved Connector 224">
+            <a:extLst>
+              <a:ext uri="{FF2B5EF4-FFF2-40B4-BE49-F238E27FC236}">
+                <a16:creationId xmlns:a16="http://schemas.microsoft.com/office/drawing/2014/main" id="{7EF090D3-4070-1730-2D4D-6B4AFDD69554}"/>
+              </a:ext>
+            </a:extLst>
+          </p:cNvPr>
+          <p:cNvCxnSpPr>
+            <a:cxnSpLocks/>
+          </p:cNvCxnSpPr>
+          <p:nvPr/>
+        </p:nvCxnSpPr>
+        <p:spPr>
+          <a:xfrm rot="5400000" flipH="1" flipV="1">
+            <a:off x="2218497" y="4043016"/>
+            <a:ext cx="2553229" cy="1122658"/>
+          </a:xfrm>
+          <a:prstGeom prst="curvedConnector3">
+            <a:avLst>
+              <a:gd name="adj1" fmla="val 6848"/>
+            </a:avLst>
+          </a:prstGeom>
+          <a:ln>
+            <a:tailEnd type="triangle"/>
+          </a:ln>
+        </p:spPr>
+        <p:style>
+          <a:lnRef idx="2">
+            <a:schemeClr val="accent1"/>
+          </a:lnRef>
+          <a:fillRef idx="0">
+            <a:schemeClr val="accent1"/>
+          </a:fillRef>
+          <a:effectRef idx="1">
+            <a:schemeClr val="accent1"/>
+          </a:effectRef>
+          <a:fontRef idx="minor">
+            <a:schemeClr val="tx1"/>
+          </a:fontRef>
+        </p:style>
+      </p:cxnSp>
+      <p:cxnSp>
+        <p:nvCxnSpPr>
+          <p:cNvPr id="230" name="Curved Connector 229">
+            <a:extLst>
+              <a:ext uri="{FF2B5EF4-FFF2-40B4-BE49-F238E27FC236}">
+                <a16:creationId xmlns:a16="http://schemas.microsoft.com/office/drawing/2014/main" id="{4C93737A-8DA3-430A-86D9-C361EC772DB7}"/>
+              </a:ext>
+            </a:extLst>
+          </p:cNvPr>
+          <p:cNvCxnSpPr>
+            <a:cxnSpLocks/>
+            <a:stCxn id="213" idx="2"/>
+          </p:cNvCxnSpPr>
+          <p:nvPr/>
+        </p:nvCxnSpPr>
+        <p:spPr>
+          <a:xfrm rot="5400000" flipH="1" flipV="1">
+            <a:off x="3248540" y="3115030"/>
+            <a:ext cx="93776" cy="1490718"/>
+          </a:xfrm>
+          <a:prstGeom prst="curvedConnector2">
+            <a:avLst/>
+          </a:prstGeom>
+          <a:ln w="6350">
+            <a:tailEnd type="diamond"/>
+          </a:ln>
+        </p:spPr>
+        <p:style>
+          <a:lnRef idx="2">
+            <a:schemeClr val="accent1"/>
+          </a:lnRef>
+          <a:fillRef idx="0">
+            <a:schemeClr val="accent1"/>
+          </a:fillRef>
+          <a:effectRef idx="1">
+            <a:schemeClr val="accent1"/>
+          </a:effectRef>
+          <a:fontRef idx="minor">
+            <a:schemeClr val="tx1"/>
+          </a:fontRef>
+        </p:style>
+      </p:cxnSp>
+      <p:cxnSp>
+        <p:nvCxnSpPr>
+          <p:cNvPr id="231" name="Curved Connector 230">
+            <a:extLst>
+              <a:ext uri="{FF2B5EF4-FFF2-40B4-BE49-F238E27FC236}">
+                <a16:creationId xmlns:a16="http://schemas.microsoft.com/office/drawing/2014/main" id="{B923C0AF-BD68-3543-07BF-CFEF263BE59B}"/>
+              </a:ext>
+            </a:extLst>
+          </p:cNvPr>
+          <p:cNvCxnSpPr>
+            <a:cxnSpLocks/>
+            <a:stCxn id="61" idx="2"/>
+          </p:cNvCxnSpPr>
+          <p:nvPr/>
+        </p:nvCxnSpPr>
+        <p:spPr>
+          <a:xfrm rot="5400000" flipH="1" flipV="1">
+            <a:off x="3080137" y="2936749"/>
+            <a:ext cx="158241" cy="1763059"/>
+          </a:xfrm>
+          <a:prstGeom prst="curvedConnector2">
+            <a:avLst/>
+          </a:prstGeom>
+          <a:ln w="6350">
+            <a:tailEnd type="diamond"/>
+          </a:ln>
+        </p:spPr>
+        <p:style>
+          <a:lnRef idx="2">
+            <a:schemeClr val="accent1"/>
+          </a:lnRef>
+          <a:fillRef idx="0">
+            <a:schemeClr val="accent1"/>
+          </a:fillRef>
+          <a:effectRef idx="1">
+            <a:schemeClr val="accent1"/>
+          </a:effectRef>
+          <a:fontRef idx="minor">
+            <a:schemeClr val="tx1"/>
+          </a:fontRef>
+        </p:style>
+      </p:cxnSp>
+    </p:spTree>
+    <p:extLst>
+      <p:ext uri="{BB962C8B-B14F-4D97-AF65-F5344CB8AC3E}">
+        <p14:creationId xmlns:p14="http://schemas.microsoft.com/office/powerpoint/2010/main" val="1907081065"/>
       </p:ext>
     </p:extLst>
   </p:cSld>

--- a/notes/2024 12 25 experiment 2.pptx
+++ b/notes/2024 12 25 experiment 2.pptx
@@ -5,7 +5,7 @@
     <p:sldMasterId id="2147483648" r:id="rId1"/>
   </p:sldMasterIdLst>
   <p:notesMasterIdLst>
-    <p:notesMasterId r:id="rId9"/>
+    <p:notesMasterId r:id="rId12"/>
   </p:notesMasterIdLst>
   <p:sldIdLst>
     <p:sldId id="257" r:id="rId2"/>
@@ -13,8 +13,11 @@
     <p:sldId id="259" r:id="rId4"/>
     <p:sldId id="258" r:id="rId5"/>
     <p:sldId id="260" r:id="rId6"/>
-    <p:sldId id="261" r:id="rId7"/>
-    <p:sldId id="262" r:id="rId8"/>
+    <p:sldId id="264" r:id="rId7"/>
+    <p:sldId id="261" r:id="rId8"/>
+    <p:sldId id="262" r:id="rId9"/>
+    <p:sldId id="263" r:id="rId10"/>
+    <p:sldId id="265" r:id="rId11"/>
   </p:sldIdLst>
   <p:sldSz cx="12192000" cy="6858000"/>
   <p:notesSz cx="6858000" cy="9144000"/>
@@ -722,7 +725,7 @@
           <a:p>
             <a:fld id="{3098084A-C0FE-9240-A03A-0B24AAF4C80D}" type="slidenum">
               <a:rPr lang="en-US" smtClean="0"/>
-              <a:t>7</a:t>
+              <a:t>8</a:t>
             </a:fld>
             <a:endParaRPr lang="en-US"/>
           </a:p>
@@ -4089,6 +4092,92 @@
 </p:sld>
 </file>
 
+<file path=ppt/slides/slide10.xml><?xml version="1.0" encoding="utf-8"?>
+<p:sld xmlns:a="http://schemas.openxmlformats.org/drawingml/2006/main" xmlns:r="http://schemas.openxmlformats.org/officeDocument/2006/relationships" xmlns:p="http://schemas.openxmlformats.org/presentationml/2006/main">
+  <p:cSld>
+    <p:spTree>
+      <p:nvGrpSpPr>
+        <p:cNvPr id="1" name=""/>
+        <p:cNvGrpSpPr/>
+        <p:nvPr/>
+      </p:nvGrpSpPr>
+      <p:grpSpPr>
+        <a:xfrm>
+          <a:off x="0" y="0"/>
+          <a:ext cx="0" cy="0"/>
+          <a:chOff x="0" y="0"/>
+          <a:chExt cx="0" cy="0"/>
+        </a:xfrm>
+      </p:grpSpPr>
+      <p:sp>
+        <p:nvSpPr>
+          <p:cNvPr id="2" name="Title 1">
+            <a:extLst>
+              <a:ext uri="{FF2B5EF4-FFF2-40B4-BE49-F238E27FC236}">
+                <a16:creationId xmlns:a16="http://schemas.microsoft.com/office/drawing/2014/main" id="{8F2BE2D4-C6F4-808B-ECF3-C4421A2A9F13}"/>
+              </a:ext>
+            </a:extLst>
+          </p:cNvPr>
+          <p:cNvSpPr>
+            <a:spLocks noGrp="1"/>
+          </p:cNvSpPr>
+          <p:nvPr>
+            <p:ph type="title"/>
+          </p:nvPr>
+        </p:nvSpPr>
+        <p:spPr/>
+        <p:txBody>
+          <a:bodyPr/>
+          <a:lstStyle/>
+          <a:p>
+            <a:r>
+              <a:rPr lang="en-US" dirty="0"/>
+              <a:t>Double check</a:t>
+            </a:r>
+          </a:p>
+        </p:txBody>
+      </p:sp>
+      <p:sp>
+        <p:nvSpPr>
+          <p:cNvPr id="3" name="Content Placeholder 2">
+            <a:extLst>
+              <a:ext uri="{FF2B5EF4-FFF2-40B4-BE49-F238E27FC236}">
+                <a16:creationId xmlns:a16="http://schemas.microsoft.com/office/drawing/2014/main" id="{DC498E77-BA64-D92F-D66D-27B41A7602B5}"/>
+              </a:ext>
+            </a:extLst>
+          </p:cNvPr>
+          <p:cNvSpPr>
+            <a:spLocks noGrp="1"/>
+          </p:cNvSpPr>
+          <p:nvPr>
+            <p:ph idx="1"/>
+          </p:nvPr>
+        </p:nvSpPr>
+        <p:spPr/>
+        <p:txBody>
+          <a:bodyPr/>
+          <a:lstStyle/>
+          <a:p>
+            <a:r>
+              <a:rPr lang="en-US" dirty="0"/>
+              <a:t>How certain are we that this is not a convolution mechanism?</a:t>
+            </a:r>
+          </a:p>
+        </p:txBody>
+      </p:sp>
+    </p:spTree>
+    <p:extLst>
+      <p:ext uri="{BB962C8B-B14F-4D97-AF65-F5344CB8AC3E}">
+        <p14:creationId xmlns:p14="http://schemas.microsoft.com/office/powerpoint/2010/main" val="68458929"/>
+      </p:ext>
+    </p:extLst>
+  </p:cSld>
+  <p:clrMapOvr>
+    <a:masterClrMapping/>
+  </p:clrMapOvr>
+</p:sld>
+</file>
+
 <file path=ppt/slides/slide2.xml><?xml version="1.0" encoding="utf-8"?>
 <p:sld xmlns:a="http://schemas.openxmlformats.org/drawingml/2006/main" xmlns:r="http://schemas.openxmlformats.org/officeDocument/2006/relationships" xmlns:p="http://schemas.openxmlformats.org/presentationml/2006/main">
   <p:cSld>
@@ -16779,15 +16868,7 @@
             </a:br>
             <a:r>
               <a:rPr lang="en-US" dirty="0"/>
-              <a:t>Temperature-annealed </a:t>
-            </a:r>
-            <a:r>
-              <a:rPr lang="en-US" dirty="0" err="1"/>
-              <a:t>softmax</a:t>
-            </a:r>
-            <a:r>
-              <a:rPr lang="en-US" dirty="0"/>
-              <a:t> in attention mechanism of Transformers</a:t>
+              <a:t>Temperature-annealed softmax in attention mechanism of Transformers</a:t>
             </a:r>
           </a:p>
         </p:txBody>
@@ -16875,7 +16956,7 @@
           <p:cNvPr id="2" name="Title 1">
             <a:extLst>
               <a:ext uri="{FF2B5EF4-FFF2-40B4-BE49-F238E27FC236}">
-                <a16:creationId xmlns:a16="http://schemas.microsoft.com/office/drawing/2014/main" id="{033B4EEC-9120-98A4-6323-8DA1DAA4A79E}"/>
+                <a16:creationId xmlns:a16="http://schemas.microsoft.com/office/drawing/2014/main" id="{3E316CE9-B73B-0317-BAB4-8478B5BA0C14}"/>
               </a:ext>
             </a:extLst>
           </p:cNvPr>
@@ -16893,47 +16974,14 @@
           <a:p>
             <a:r>
               <a:rPr lang="en-US" dirty="0"/>
-              <a:t>“Conceptualized attention” - exploration</a:t>
+              <a:t>Experiment 2c:</a:t>
             </a:r>
-          </a:p>
-        </p:txBody>
-      </p:sp>
-      <p:sp>
-        <p:nvSpPr>
-          <p:cNvPr id="3" name="Content Placeholder 2">
-            <a:extLst>
-              <a:ext uri="{FF2B5EF4-FFF2-40B4-BE49-F238E27FC236}">
-                <a16:creationId xmlns:a16="http://schemas.microsoft.com/office/drawing/2014/main" id="{615E7338-96FE-BE92-E9D9-DDDA958A44CA}"/>
-              </a:ext>
-            </a:extLst>
-          </p:cNvPr>
-          <p:cNvSpPr>
-            <a:spLocks noGrp="1"/>
-          </p:cNvSpPr>
-          <p:nvPr>
-            <p:ph idx="1"/>
-          </p:nvPr>
-        </p:nvSpPr>
-        <p:spPr/>
-        <p:txBody>
-          <a:bodyPr/>
-          <a:lstStyle/>
-          <a:p>
+            <a:br>
+              <a:rPr lang="en-US" dirty="0"/>
+            </a:br>
             <a:r>
               <a:rPr lang="en-US" dirty="0"/>
-              <a:t>An attention built by seemingly same principles, just somewhat different pattern</a:t>
-            </a:r>
-          </a:p>
-          <a:p>
-            <a:r>
-              <a:rPr lang="en-US" dirty="0"/>
-              <a:t>Doesn’t converge (doesn’t even begin to converge)</a:t>
-            </a:r>
-          </a:p>
-          <a:p>
-            <a:r>
-              <a:rPr lang="en-US" dirty="0"/>
-              <a:t>Why?</a:t>
+              <a:t>“Conceptualized Attention” - exploration</a:t>
             </a:r>
           </a:p>
         </p:txBody>
@@ -16941,7 +16989,7 @@
     </p:spTree>
     <p:extLst>
       <p:ext uri="{BB962C8B-B14F-4D97-AF65-F5344CB8AC3E}">
-        <p14:creationId xmlns:p14="http://schemas.microsoft.com/office/powerpoint/2010/main" val="2908065297"/>
+        <p14:creationId xmlns:p14="http://schemas.microsoft.com/office/powerpoint/2010/main" val="3692323239"/>
       </p:ext>
     </p:extLst>
   </p:cSld>
@@ -16968,6 +17016,139 @@
           <a:chExt cx="0" cy="0"/>
         </a:xfrm>
       </p:grpSpPr>
+      <p:sp>
+        <p:nvSpPr>
+          <p:cNvPr id="2" name="Title 1">
+            <a:extLst>
+              <a:ext uri="{FF2B5EF4-FFF2-40B4-BE49-F238E27FC236}">
+                <a16:creationId xmlns:a16="http://schemas.microsoft.com/office/drawing/2014/main" id="{033B4EEC-9120-98A4-6323-8DA1DAA4A79E}"/>
+              </a:ext>
+            </a:extLst>
+          </p:cNvPr>
+          <p:cNvSpPr>
+            <a:spLocks noGrp="1"/>
+          </p:cNvSpPr>
+          <p:nvPr>
+            <p:ph type="title"/>
+          </p:nvPr>
+        </p:nvSpPr>
+        <p:spPr/>
+        <p:txBody>
+          <a:bodyPr/>
+          <a:lstStyle/>
+          <a:p>
+            <a:r>
+              <a:rPr lang="en-US" dirty="0"/>
+              <a:t>“Conceptualized Attention”</a:t>
+            </a:r>
+          </a:p>
+        </p:txBody>
+      </p:sp>
+      <p:sp>
+        <p:nvSpPr>
+          <p:cNvPr id="3" name="Content Placeholder 2">
+            <a:extLst>
+              <a:ext uri="{FF2B5EF4-FFF2-40B4-BE49-F238E27FC236}">
+                <a16:creationId xmlns:a16="http://schemas.microsoft.com/office/drawing/2014/main" id="{615E7338-96FE-BE92-E9D9-DDDA958A44CA}"/>
+              </a:ext>
+            </a:extLst>
+          </p:cNvPr>
+          <p:cNvSpPr>
+            <a:spLocks noGrp="1"/>
+          </p:cNvSpPr>
+          <p:nvPr>
+            <p:ph idx="1"/>
+          </p:nvPr>
+        </p:nvSpPr>
+        <p:spPr/>
+        <p:txBody>
+          <a:bodyPr/>
+          <a:lstStyle/>
+          <a:p>
+            <a:r>
+              <a:rPr lang="en-US" dirty="0"/>
+              <a:t>An attention built by seemingly same principles, just completely different wiring pattern</a:t>
+            </a:r>
+          </a:p>
+          <a:p>
+            <a:pPr lvl="1"/>
+            <a:r>
+              <a:rPr lang="en-US" dirty="0"/>
+              <a:t>something in between LSTM/GRU and Self-Attention</a:t>
+            </a:r>
+          </a:p>
+          <a:p>
+            <a:pPr lvl="2"/>
+            <a:r>
+              <a:rPr lang="en-US" dirty="0"/>
+              <a:t>(no forget gates of LSTM, no recurrence)</a:t>
+            </a:r>
+          </a:p>
+          <a:p>
+            <a:pPr lvl="1"/>
+            <a:r>
+              <a:rPr lang="en-US" dirty="0"/>
+              <a:t>aiming to kill s-squared of context size</a:t>
+            </a:r>
+          </a:p>
+          <a:p>
+            <a:r>
+              <a:rPr lang="en-US" dirty="0"/>
+              <a:t>Initially, just to test intuitions</a:t>
+            </a:r>
+          </a:p>
+          <a:p>
+            <a:r>
+              <a:rPr lang="en-US" dirty="0"/>
+              <a:t>Does converge!</a:t>
+            </a:r>
+          </a:p>
+          <a:p>
+            <a:r>
+              <a:rPr lang="en-US" dirty="0"/>
+              <a:t>Completely different </a:t>
+            </a:r>
+            <a:r>
+              <a:rPr lang="en-US" dirty="0" err="1"/>
+              <a:t>arithmetics</a:t>
+            </a:r>
+            <a:r>
+              <a:rPr lang="en-US" dirty="0"/>
+              <a:t> of big-O of parameters</a:t>
+            </a:r>
+          </a:p>
+        </p:txBody>
+      </p:sp>
+    </p:spTree>
+    <p:extLst>
+      <p:ext uri="{BB962C8B-B14F-4D97-AF65-F5344CB8AC3E}">
+        <p14:creationId xmlns:p14="http://schemas.microsoft.com/office/powerpoint/2010/main" val="2908065297"/>
+      </p:ext>
+    </p:extLst>
+  </p:cSld>
+  <p:clrMapOvr>
+    <a:masterClrMapping/>
+  </p:clrMapOvr>
+</p:sld>
+</file>
+
+<file path=ppt/slides/slide8.xml><?xml version="1.0" encoding="utf-8"?>
+<p:sld xmlns:a="http://schemas.openxmlformats.org/drawingml/2006/main" xmlns:r="http://schemas.openxmlformats.org/officeDocument/2006/relationships" xmlns:p="http://schemas.openxmlformats.org/presentationml/2006/main">
+  <p:cSld>
+    <p:spTree>
+      <p:nvGrpSpPr>
+        <p:cNvPr id="1" name=""/>
+        <p:cNvGrpSpPr/>
+        <p:nvPr/>
+      </p:nvGrpSpPr>
+      <p:grpSpPr>
+        <a:xfrm>
+          <a:off x="0" y="0"/>
+          <a:ext cx="0" cy="0"/>
+          <a:chOff x="0" y="0"/>
+          <a:chExt cx="0" cy="0"/>
+        </a:xfrm>
+      </p:grpSpPr>
       <p:grpSp>
         <p:nvGrpSpPr>
           <p:cNvPr id="5" name="Group 4">
@@ -16982,7 +17163,7 @@
         </p:nvGrpSpPr>
         <p:grpSpPr>
           <a:xfrm rot="4482237">
-            <a:off x="862038" y="5610617"/>
+            <a:off x="1090235" y="5590526"/>
             <a:ext cx="80433" cy="524933"/>
             <a:chOff x="876300" y="3429000"/>
             <a:chExt cx="279400" cy="1981200"/>
@@ -17939,7 +18120,7 @@
         </p:nvSpPr>
         <p:spPr>
           <a:xfrm>
-            <a:off x="464028" y="6341950"/>
+            <a:off x="937610" y="6360313"/>
             <a:ext cx="340158" cy="276999"/>
           </a:xfrm>
           <a:prstGeom prst="rect">
@@ -18030,49 +18211,6 @@
           </a:p>
         </p:txBody>
       </p:sp>
-      <p:cxnSp>
-        <p:nvCxnSpPr>
-          <p:cNvPr id="44" name="Curved Connector 43">
-            <a:extLst>
-              <a:ext uri="{FF2B5EF4-FFF2-40B4-BE49-F238E27FC236}">
-                <a16:creationId xmlns:a16="http://schemas.microsoft.com/office/drawing/2014/main" id="{278E1E7F-CFDB-2CB9-631C-C0A5CEF47887}"/>
-              </a:ext>
-            </a:extLst>
-          </p:cNvPr>
-          <p:cNvCxnSpPr>
-            <a:cxnSpLocks/>
-          </p:cNvCxnSpPr>
-          <p:nvPr/>
-        </p:nvCxnSpPr>
-        <p:spPr>
-          <a:xfrm rot="5400000" flipH="1" flipV="1">
-            <a:off x="480408" y="4160148"/>
-            <a:ext cx="1813507" cy="1516713"/>
-          </a:xfrm>
-          <a:prstGeom prst="curvedConnector3">
-            <a:avLst>
-              <a:gd name="adj1" fmla="val 50000"/>
-            </a:avLst>
-          </a:prstGeom>
-          <a:ln>
-            <a:tailEnd type="triangle"/>
-          </a:ln>
-        </p:spPr>
-        <p:style>
-          <a:lnRef idx="2">
-            <a:schemeClr val="accent1"/>
-          </a:lnRef>
-          <a:fillRef idx="0">
-            <a:schemeClr val="accent1"/>
-          </a:fillRef>
-          <a:effectRef idx="1">
-            <a:schemeClr val="accent1"/>
-          </a:effectRef>
-          <a:fontRef idx="minor">
-            <a:schemeClr val="tx1"/>
-          </a:fontRef>
-        </p:style>
-      </p:cxnSp>
       <p:sp>
         <p:nvSpPr>
           <p:cNvPr id="47" name="TextBox 46">
@@ -18147,49 +18285,6 @@
           </a:p>
         </p:txBody>
       </p:sp>
-      <p:cxnSp>
-        <p:nvCxnSpPr>
-          <p:cNvPr id="56" name="Curved Connector 55">
-            <a:extLst>
-              <a:ext uri="{FF2B5EF4-FFF2-40B4-BE49-F238E27FC236}">
-                <a16:creationId xmlns:a16="http://schemas.microsoft.com/office/drawing/2014/main" id="{7E39302D-4C04-E666-3961-50A2AA231D50}"/>
-              </a:ext>
-            </a:extLst>
-          </p:cNvPr>
-          <p:cNvCxnSpPr>
-            <a:cxnSpLocks/>
-          </p:cNvCxnSpPr>
-          <p:nvPr/>
-        </p:nvCxnSpPr>
-        <p:spPr>
-          <a:xfrm rot="5400000" flipH="1" flipV="1">
-            <a:off x="341469" y="4287693"/>
-            <a:ext cx="2380216" cy="623318"/>
-          </a:xfrm>
-          <a:prstGeom prst="curvedConnector3">
-            <a:avLst>
-              <a:gd name="adj1" fmla="val 20065"/>
-            </a:avLst>
-          </a:prstGeom>
-          <a:ln>
-            <a:tailEnd type="triangle"/>
-          </a:ln>
-        </p:spPr>
-        <p:style>
-          <a:lnRef idx="2">
-            <a:schemeClr val="accent1"/>
-          </a:lnRef>
-          <a:fillRef idx="0">
-            <a:schemeClr val="accent1"/>
-          </a:fillRef>
-          <a:effectRef idx="1">
-            <a:schemeClr val="accent1"/>
-          </a:effectRef>
-          <a:fontRef idx="minor">
-            <a:schemeClr val="tx1"/>
-          </a:fontRef>
-        </p:style>
-      </p:cxnSp>
       <p:sp>
         <p:nvSpPr>
           <p:cNvPr id="57" name="TextBox 56">
@@ -18278,48 +18373,50 @@
           </a:p>
         </p:txBody>
       </p:sp>
-      <p:cxnSp>
-        <p:nvCxnSpPr>
-          <p:cNvPr id="64" name="Curved Connector 63">
-            <a:extLst>
-              <a:ext uri="{FF2B5EF4-FFF2-40B4-BE49-F238E27FC236}">
-                <a16:creationId xmlns:a16="http://schemas.microsoft.com/office/drawing/2014/main" id="{FCA17184-40A9-4874-B309-591B9D92B5F4}"/>
-              </a:ext>
-            </a:extLst>
-          </p:cNvPr>
-          <p:cNvCxnSpPr>
-            <a:cxnSpLocks/>
-            <a:stCxn id="61" idx="2"/>
-          </p:cNvCxnSpPr>
+      <p:sp>
+        <p:nvSpPr>
+          <p:cNvPr id="65" name="TextBox 64">
+            <a:extLst>
+              <a:ext uri="{FF2B5EF4-FFF2-40B4-BE49-F238E27FC236}">
+                <a16:creationId xmlns:a16="http://schemas.microsoft.com/office/drawing/2014/main" id="{8F6DD3C6-4089-A22E-0346-CE3A9D65DFC4}"/>
+              </a:ext>
+            </a:extLst>
+          </p:cNvPr>
+          <p:cNvSpPr txBox="1"/>
           <p:nvPr/>
-        </p:nvCxnSpPr>
+        </p:nvSpPr>
         <p:spPr>
-          <a:xfrm rot="16200000" flipV="1">
-            <a:off x="1983470" y="3603140"/>
-            <a:ext cx="154024" cy="434492"/>
-          </a:xfrm>
-          <a:prstGeom prst="curvedConnector2">
+          <a:xfrm>
+            <a:off x="364415" y="3720371"/>
+            <a:ext cx="1522799" cy="430887"/>
+          </a:xfrm>
+          <a:prstGeom prst="rect">
             <a:avLst/>
           </a:prstGeom>
-          <a:ln w="6350">
-            <a:tailEnd type="diamond"/>
-          </a:ln>
+          <a:solidFill>
+            <a:schemeClr val="bg1"/>
+          </a:solidFill>
         </p:spPr>
-        <p:style>
-          <a:lnRef idx="2">
-            <a:schemeClr val="accent1"/>
-          </a:lnRef>
-          <a:fillRef idx="0">
-            <a:schemeClr val="accent1"/>
-          </a:fillRef>
-          <a:effectRef idx="1">
-            <a:schemeClr val="accent1"/>
-          </a:effectRef>
-          <a:fontRef idx="minor">
-            <a:schemeClr val="tx1"/>
-          </a:fontRef>
-        </p:style>
-      </p:cxnSp>
+        <p:txBody>
+          <a:bodyPr wrap="square" rtlCol="0">
+            <a:spAutoFit/>
+          </a:bodyPr>
+          <a:lstStyle/>
+          <a:p>
+            <a:r>
+              <a:rPr lang="en-US" sz="1200" dirty="0"/>
+              <a:t>L1 “concepts”</a:t>
+            </a:r>
+            <a:br>
+              <a:rPr lang="en-US" sz="1200" dirty="0"/>
+            </a:br>
+            <a:r>
+              <a:rPr lang="en-US" sz="1000" dirty="0"/>
+              <a:t>(fc + sigmoid + softmax)</a:t>
+            </a:r>
+          </a:p>
+        </p:txBody>
+      </p:sp>
       <p:sp>
         <p:nvSpPr>
           <p:cNvPr id="92" name="Cube 91">
@@ -18366,50 +18463,6 @@
           <a:p>
             <a:pPr algn="ctr"/>
             <a:endParaRPr lang="en-US"/>
-          </a:p>
-        </p:txBody>
-      </p:sp>
-      <p:sp>
-        <p:nvSpPr>
-          <p:cNvPr id="65" name="TextBox 64">
-            <a:extLst>
-              <a:ext uri="{FF2B5EF4-FFF2-40B4-BE49-F238E27FC236}">
-                <a16:creationId xmlns:a16="http://schemas.microsoft.com/office/drawing/2014/main" id="{8F6DD3C6-4089-A22E-0346-CE3A9D65DFC4}"/>
-              </a:ext>
-            </a:extLst>
-          </p:cNvPr>
-          <p:cNvSpPr txBox="1"/>
-          <p:nvPr/>
-        </p:nvSpPr>
-        <p:spPr>
-          <a:xfrm>
-            <a:off x="494156" y="3720862"/>
-            <a:ext cx="1123193" cy="461665"/>
-          </a:xfrm>
-          <a:prstGeom prst="rect">
-            <a:avLst/>
-          </a:prstGeom>
-          <a:solidFill>
-            <a:schemeClr val="bg1"/>
-          </a:solidFill>
-        </p:spPr>
-        <p:txBody>
-          <a:bodyPr wrap="none" rtlCol="0">
-            <a:spAutoFit/>
-          </a:bodyPr>
-          <a:lstStyle/>
-          <a:p>
-            <a:r>
-              <a:rPr lang="en-US" sz="1200" dirty="0"/>
-              <a:t>L1 “concepts”</a:t>
-            </a:r>
-            <a:br>
-              <a:rPr lang="en-US" sz="1200" dirty="0"/>
-            </a:br>
-            <a:r>
-              <a:rPr lang="en-US" sz="1200" dirty="0"/>
-              <a:t>(fc + sigmoid)</a:t>
-            </a:r>
           </a:p>
         </p:txBody>
       </p:sp>
@@ -18828,96 +18881,6 @@
           </a:p>
         </p:txBody>
       </p:sp>
-      <p:sp>
-        <p:nvSpPr>
-          <p:cNvPr id="137" name="TextBox 136">
-            <a:extLst>
-              <a:ext uri="{FF2B5EF4-FFF2-40B4-BE49-F238E27FC236}">
-                <a16:creationId xmlns:a16="http://schemas.microsoft.com/office/drawing/2014/main" id="{EDBB4FAF-A8CB-ED1B-E0D2-9DBD3424C322}"/>
-              </a:ext>
-            </a:extLst>
-          </p:cNvPr>
-          <p:cNvSpPr txBox="1"/>
-          <p:nvPr/>
-        </p:nvSpPr>
-        <p:spPr>
-          <a:xfrm>
-            <a:off x="8762758" y="1110947"/>
-            <a:ext cx="3231493" cy="2246769"/>
-          </a:xfrm>
-          <a:prstGeom prst="rect">
-            <a:avLst/>
-          </a:prstGeom>
-          <a:noFill/>
-        </p:spPr>
-        <p:txBody>
-          <a:bodyPr wrap="square" rtlCol="0">
-            <a:spAutoFit/>
-          </a:bodyPr>
-          <a:lstStyle/>
-          <a:p>
-            <a:r>
-              <a:rPr lang="en-US" sz="1400" dirty="0"/>
-              <a:t>Possible learned, and actually observed, dependency paths:</a:t>
-            </a:r>
-          </a:p>
-          <a:p>
-            <a:pPr marL="342900" indent="-342900">
-              <a:buAutoNum type="arabicPeriod"/>
-            </a:pPr>
-            <a:r>
-              <a:rPr lang="en-US" sz="1400" dirty="0"/>
-              <a:t>EOU • T2, where T2 is T1-aware</a:t>
-            </a:r>
-          </a:p>
-          <a:p>
-            <a:pPr marL="342900" indent="-342900">
-              <a:buFontTx/>
-              <a:buAutoNum type="arabicPeriod"/>
-            </a:pPr>
-            <a:r>
-              <a:rPr lang="en-US" sz="1400" dirty="0"/>
-              <a:t>EOU • T1, where T1 is T2-aware</a:t>
-            </a:r>
-          </a:p>
-          <a:p>
-            <a:pPr marL="342900" indent="-342900">
-              <a:buFontTx/>
-              <a:buAutoNum type="arabicPeriod"/>
-            </a:pPr>
-            <a:r>
-              <a:rPr lang="en-US" sz="1400" dirty="0"/>
-              <a:t>EOU • T1 • T2</a:t>
-            </a:r>
-          </a:p>
-          <a:p>
-            <a:pPr marL="800100" lvl="1" indent="-342900">
-              <a:buFont typeface="Arial" panose="020B0604020202020204" pitchFamily="34" charset="0"/>
-              <a:buChar char="•"/>
-            </a:pPr>
-            <a:r>
-              <a:rPr lang="en-US" sz="1400" dirty="0"/>
-              <a:t>split attention</a:t>
-            </a:r>
-          </a:p>
-          <a:p>
-            <a:pPr marL="800100" lvl="1" indent="-342900">
-              <a:buFont typeface="Arial" panose="020B0604020202020204" pitchFamily="34" charset="0"/>
-              <a:buChar char="•"/>
-            </a:pPr>
-            <a:r>
-              <a:rPr lang="en-US" sz="1400" dirty="0"/>
-              <a:t>note: consider variations of T1/T2 awareness or not awareness in this case</a:t>
-            </a:r>
-          </a:p>
-          <a:p>
-            <a:pPr marL="342900" indent="-342900">
-              <a:buAutoNum type="arabicPeriod"/>
-            </a:pPr>
-            <a:endParaRPr lang="en-US" sz="1400" dirty="0"/>
-          </a:p>
-        </p:txBody>
-      </p:sp>
       <p:cxnSp>
         <p:nvCxnSpPr>
           <p:cNvPr id="142" name="Curved Connector 141">
@@ -18934,8 +18897,8 @@
         </p:nvCxnSpPr>
         <p:spPr>
           <a:xfrm rot="5400000" flipH="1" flipV="1">
-            <a:off x="607529" y="4116554"/>
-            <a:ext cx="1783619" cy="1565678"/>
+            <a:off x="842883" y="4285002"/>
+            <a:ext cx="1716710" cy="1161875"/>
           </a:xfrm>
           <a:prstGeom prst="curvedConnector3">
             <a:avLst>
@@ -19323,8 +19286,8 @@
         </p:nvCxnSpPr>
         <p:spPr>
           <a:xfrm rot="5400000" flipH="1" flipV="1">
-            <a:off x="707253" y="4098900"/>
-            <a:ext cx="1771156" cy="1620278"/>
+            <a:off x="913776" y="4227822"/>
+            <a:ext cx="1693555" cy="1284834"/>
           </a:xfrm>
           <a:prstGeom prst="curvedConnector3">
             <a:avLst>
@@ -19366,8 +19329,8 @@
         </p:nvCxnSpPr>
         <p:spPr>
           <a:xfrm rot="5400000" flipH="1" flipV="1">
-            <a:off x="812651" y="4052627"/>
-            <a:ext cx="1754123" cy="1678114"/>
+            <a:off x="978414" y="4166662"/>
+            <a:ext cx="1702393" cy="1398317"/>
           </a:xfrm>
           <a:prstGeom prst="curvedConnector3">
             <a:avLst>
@@ -19409,8 +19372,8 @@
         </p:nvCxnSpPr>
         <p:spPr>
           <a:xfrm rot="5400000" flipH="1" flipV="1">
-            <a:off x="955929" y="4040191"/>
-            <a:ext cx="1721432" cy="1692562"/>
+            <a:off x="1046888" y="4091909"/>
+            <a:ext cx="1682187" cy="1549889"/>
           </a:xfrm>
           <a:prstGeom prst="curvedConnector3">
             <a:avLst>
@@ -19457,7 +19420,7 @@
           </a:xfrm>
           <a:prstGeom prst="curvedConnector3">
             <a:avLst>
-              <a:gd name="adj1" fmla="val 50000"/>
+              <a:gd name="adj1" fmla="val 43937"/>
             </a:avLst>
           </a:prstGeom>
           <a:ln>
@@ -19495,8 +19458,8 @@
         </p:nvCxnSpPr>
         <p:spPr>
           <a:xfrm rot="16200000" flipV="1">
-            <a:off x="1906701" y="5241434"/>
-            <a:ext cx="919912" cy="233791"/>
+            <a:off x="1936475" y="5211660"/>
+            <a:ext cx="982588" cy="356013"/>
           </a:xfrm>
           <a:prstGeom prst="curvedConnector3">
             <a:avLst>
@@ -19538,8 +19501,8 @@
         </p:nvCxnSpPr>
         <p:spPr>
           <a:xfrm rot="16200000" flipV="1">
-            <a:off x="1964233" y="5271907"/>
-            <a:ext cx="919912" cy="233791"/>
+            <a:off x="1990773" y="5245367"/>
+            <a:ext cx="935108" cy="302065"/>
           </a:xfrm>
           <a:prstGeom prst="curvedConnector3">
             <a:avLst>
@@ -19624,8 +19587,8 @@
         </p:nvCxnSpPr>
         <p:spPr>
           <a:xfrm rot="16200000" flipV="1">
-            <a:off x="2101159" y="5343874"/>
-            <a:ext cx="919912" cy="233791"/>
+            <a:off x="2089081" y="5355953"/>
+            <a:ext cx="856553" cy="146273"/>
           </a:xfrm>
           <a:prstGeom prst="curvedConnector3">
             <a:avLst>
@@ -19667,8 +19630,8 @@
         </p:nvCxnSpPr>
         <p:spPr>
           <a:xfrm rot="16200000" flipV="1">
-            <a:off x="2171720" y="5370342"/>
-            <a:ext cx="919912" cy="233791"/>
+            <a:off x="2166194" y="5375869"/>
+            <a:ext cx="795503" cy="98328"/>
           </a:xfrm>
           <a:prstGeom prst="curvedConnector3">
             <a:avLst>
@@ -19710,8 +19673,8 @@
         </p:nvCxnSpPr>
         <p:spPr>
           <a:xfrm rot="16200000" flipV="1">
-            <a:off x="2243279" y="5404264"/>
-            <a:ext cx="919912" cy="233791"/>
+            <a:off x="2197720" y="5449824"/>
+            <a:ext cx="802751" cy="25510"/>
           </a:xfrm>
           <a:prstGeom prst="curvedConnector3">
             <a:avLst>
@@ -19802,8 +19765,8 @@
         </p:nvCxnSpPr>
         <p:spPr>
           <a:xfrm rot="16200000" flipV="1">
-            <a:off x="2894169" y="4334938"/>
-            <a:ext cx="1391265" cy="1354751"/>
+            <a:off x="2906532" y="4322576"/>
+            <a:ext cx="1506104" cy="1494314"/>
           </a:xfrm>
           <a:prstGeom prst="curvedConnector3">
             <a:avLst>
@@ -19845,8 +19808,8 @@
         </p:nvCxnSpPr>
         <p:spPr>
           <a:xfrm rot="16200000" flipV="1">
-            <a:off x="2983556" y="4338900"/>
-            <a:ext cx="1391265" cy="1354751"/>
+            <a:off x="2988212" y="4334246"/>
+            <a:ext cx="1451273" cy="1424068"/>
           </a:xfrm>
           <a:prstGeom prst="curvedConnector3">
             <a:avLst>
@@ -19888,8 +19851,8 @@
         </p:nvCxnSpPr>
         <p:spPr>
           <a:xfrm rot="16200000" flipV="1">
-            <a:off x="3074230" y="4344096"/>
-            <a:ext cx="1391265" cy="1354751"/>
+            <a:off x="3002688" y="4415640"/>
+            <a:ext cx="1493855" cy="1314253"/>
           </a:xfrm>
           <a:prstGeom prst="curvedConnector3">
             <a:avLst>
@@ -19931,8 +19894,8 @@
         </p:nvCxnSpPr>
         <p:spPr>
           <a:xfrm rot="16200000" flipV="1">
-            <a:off x="3163617" y="4344095"/>
-            <a:ext cx="1391265" cy="1354751"/>
+            <a:off x="3046486" y="4461228"/>
+            <a:ext cx="1488929" cy="1218147"/>
           </a:xfrm>
           <a:prstGeom prst="curvedConnector3">
             <a:avLst>
@@ -19974,8 +19937,8 @@
         </p:nvCxnSpPr>
         <p:spPr>
           <a:xfrm rot="16200000" flipV="1">
-            <a:off x="3252314" y="4351286"/>
-            <a:ext cx="1391265" cy="1354751"/>
+            <a:off x="3106463" y="4497141"/>
+            <a:ext cx="1474545" cy="1146323"/>
           </a:xfrm>
           <a:prstGeom prst="curvedConnector3">
             <a:avLst>
@@ -20017,8 +19980,8 @@
         </p:nvCxnSpPr>
         <p:spPr>
           <a:xfrm rot="16200000" flipV="1">
-            <a:off x="3338516" y="4356215"/>
-            <a:ext cx="1391265" cy="1354751"/>
+            <a:off x="3158086" y="4536646"/>
+            <a:ext cx="1457498" cy="1060121"/>
           </a:xfrm>
           <a:prstGeom prst="curvedConnector3">
             <a:avLst>
@@ -20179,48 +20142,6 @@
           </a:p>
         </p:txBody>
       </p:sp>
-      <p:cxnSp>
-        <p:nvCxnSpPr>
-          <p:cNvPr id="214" name="Curved Connector 213">
-            <a:extLst>
-              <a:ext uri="{FF2B5EF4-FFF2-40B4-BE49-F238E27FC236}">
-                <a16:creationId xmlns:a16="http://schemas.microsoft.com/office/drawing/2014/main" id="{FCE452CA-5AA3-D5F6-90A7-69C12CAFE0A7}"/>
-              </a:ext>
-            </a:extLst>
-          </p:cNvPr>
-          <p:cNvCxnSpPr>
-            <a:cxnSpLocks/>
-            <a:stCxn id="213" idx="2"/>
-          </p:cNvCxnSpPr>
-          <p:nvPr/>
-        </p:nvCxnSpPr>
-        <p:spPr>
-          <a:xfrm rot="16200000" flipV="1">
-            <a:off x="2071397" y="3428604"/>
-            <a:ext cx="250513" cy="706833"/>
-          </a:xfrm>
-          <a:prstGeom prst="curvedConnector2">
-            <a:avLst/>
-          </a:prstGeom>
-          <a:ln w="6350">
-            <a:tailEnd type="diamond"/>
-          </a:ln>
-        </p:spPr>
-        <p:style>
-          <a:lnRef idx="2">
-            <a:schemeClr val="accent1"/>
-          </a:lnRef>
-          <a:fillRef idx="0">
-            <a:schemeClr val="accent1"/>
-          </a:fillRef>
-          <a:effectRef idx="1">
-            <a:schemeClr val="accent1"/>
-          </a:effectRef>
-          <a:fontRef idx="minor">
-            <a:schemeClr val="tx1"/>
-          </a:fontRef>
-        </p:style>
-      </p:cxnSp>
       <p:sp>
         <p:nvSpPr>
           <p:cNvPr id="217" name="TextBox 216">
@@ -20235,7 +20156,7 @@
         </p:nvSpPr>
         <p:spPr>
           <a:xfrm>
-            <a:off x="4256185" y="3090908"/>
+            <a:off x="4338481" y="3090908"/>
             <a:ext cx="1691425" cy="646331"/>
           </a:xfrm>
           <a:prstGeom prst="rect">
@@ -20286,7 +20207,7 @@
         </p:nvGrpSpPr>
         <p:grpSpPr>
           <a:xfrm rot="5400000">
-            <a:off x="3929858" y="3006455"/>
+            <a:off x="4012154" y="3006455"/>
             <a:ext cx="80433" cy="524933"/>
             <a:chOff x="876300" y="3429000"/>
             <a:chExt cx="279400" cy="1981200"/>
@@ -20535,12 +20456,12 @@
         </p:nvCxnSpPr>
         <p:spPr>
           <a:xfrm rot="5400000" flipH="1" flipV="1">
-            <a:off x="2218497" y="4043016"/>
-            <a:ext cx="2553229" cy="1122658"/>
+            <a:off x="2267041" y="4075985"/>
+            <a:ext cx="2471716" cy="1138234"/>
           </a:xfrm>
           <a:prstGeom prst="curvedConnector3">
             <a:avLst>
-              <a:gd name="adj1" fmla="val 6848"/>
+              <a:gd name="adj1" fmla="val 6716"/>
             </a:avLst>
           </a:prstGeom>
           <a:ln>
@@ -20646,10 +20567,540 @@
           </a:fontRef>
         </p:style>
       </p:cxnSp>
+      <p:cxnSp>
+        <p:nvCxnSpPr>
+          <p:cNvPr id="44" name="Curved Connector 43">
+            <a:extLst>
+              <a:ext uri="{FF2B5EF4-FFF2-40B4-BE49-F238E27FC236}">
+                <a16:creationId xmlns:a16="http://schemas.microsoft.com/office/drawing/2014/main" id="{278E1E7F-CFDB-2CB9-631C-C0A5CEF47887}"/>
+              </a:ext>
+            </a:extLst>
+          </p:cNvPr>
+          <p:cNvCxnSpPr>
+            <a:cxnSpLocks/>
+          </p:cNvCxnSpPr>
+          <p:nvPr/>
+        </p:nvCxnSpPr>
+        <p:spPr>
+          <a:xfrm rot="5400000" flipH="1" flipV="1">
+            <a:off x="776662" y="4355441"/>
+            <a:ext cx="1712542" cy="1025165"/>
+          </a:xfrm>
+          <a:prstGeom prst="curvedConnector3">
+            <a:avLst>
+              <a:gd name="adj1" fmla="val 50000"/>
+            </a:avLst>
+          </a:prstGeom>
+          <a:ln>
+            <a:tailEnd type="triangle"/>
+          </a:ln>
+        </p:spPr>
+        <p:style>
+          <a:lnRef idx="2">
+            <a:schemeClr val="accent1"/>
+          </a:lnRef>
+          <a:fillRef idx="0">
+            <a:schemeClr val="accent1"/>
+          </a:fillRef>
+          <a:effectRef idx="1">
+            <a:schemeClr val="accent1"/>
+          </a:effectRef>
+          <a:fontRef idx="minor">
+            <a:schemeClr val="tx1"/>
+          </a:fontRef>
+        </p:style>
+      </p:cxnSp>
+      <p:sp>
+        <p:nvSpPr>
+          <p:cNvPr id="245" name="Rounded Rectangle 244">
+            <a:extLst>
+              <a:ext uri="{FF2B5EF4-FFF2-40B4-BE49-F238E27FC236}">
+                <a16:creationId xmlns:a16="http://schemas.microsoft.com/office/drawing/2014/main" id="{67412F1B-1270-A6DF-1390-C6C791128A68}"/>
+              </a:ext>
+            </a:extLst>
+          </p:cNvPr>
+          <p:cNvSpPr/>
+          <p:nvPr/>
+        </p:nvSpPr>
+        <p:spPr>
+          <a:xfrm>
+            <a:off x="2952819" y="4092917"/>
+            <a:ext cx="310896" cy="224881"/>
+          </a:xfrm>
+          <a:prstGeom prst="roundRect">
+            <a:avLst/>
+          </a:prstGeom>
+          <a:solidFill>
+            <a:schemeClr val="tx2">
+              <a:lumMod val="10000"/>
+              <a:lumOff val="90000"/>
+            </a:schemeClr>
+          </a:solidFill>
+          <a:ln>
+            <a:noFill/>
+          </a:ln>
+        </p:spPr>
+        <p:style>
+          <a:lnRef idx="2">
+            <a:schemeClr val="accent1">
+              <a:shade val="15000"/>
+            </a:schemeClr>
+          </a:lnRef>
+          <a:fillRef idx="1">
+            <a:schemeClr val="accent1"/>
+          </a:fillRef>
+          <a:effectRef idx="0">
+            <a:schemeClr val="accent1"/>
+          </a:effectRef>
+          <a:fontRef idx="minor">
+            <a:schemeClr val="lt1"/>
+          </a:fontRef>
+        </p:style>
+        <p:txBody>
+          <a:bodyPr rtlCol="0" anchor="ctr"/>
+          <a:lstStyle/>
+          <a:p>
+            <a:pPr algn="ctr"/>
+            <a:r>
+              <a:rPr lang="en-US" dirty="0"/>
+              <a:t>+</a:t>
+            </a:r>
+          </a:p>
+        </p:txBody>
+      </p:sp>
+      <p:sp>
+        <p:nvSpPr>
+          <p:cNvPr id="246" name="Rounded Rectangle 245">
+            <a:extLst>
+              <a:ext uri="{FF2B5EF4-FFF2-40B4-BE49-F238E27FC236}">
+                <a16:creationId xmlns:a16="http://schemas.microsoft.com/office/drawing/2014/main" id="{AD6BD08F-55DA-738A-01AD-80F0BD677EB3}"/>
+              </a:ext>
+            </a:extLst>
+          </p:cNvPr>
+          <p:cNvSpPr/>
+          <p:nvPr/>
+        </p:nvSpPr>
+        <p:spPr>
+          <a:xfrm>
+            <a:off x="2355041" y="4693623"/>
+            <a:ext cx="310896" cy="224881"/>
+          </a:xfrm>
+          <a:prstGeom prst="roundRect">
+            <a:avLst/>
+          </a:prstGeom>
+          <a:solidFill>
+            <a:schemeClr val="tx2">
+              <a:lumMod val="10000"/>
+              <a:lumOff val="90000"/>
+            </a:schemeClr>
+          </a:solidFill>
+          <a:ln>
+            <a:noFill/>
+          </a:ln>
+        </p:spPr>
+        <p:style>
+          <a:lnRef idx="2">
+            <a:schemeClr val="accent1">
+              <a:shade val="15000"/>
+            </a:schemeClr>
+          </a:lnRef>
+          <a:fillRef idx="1">
+            <a:schemeClr val="accent1"/>
+          </a:fillRef>
+          <a:effectRef idx="0">
+            <a:schemeClr val="accent1"/>
+          </a:effectRef>
+          <a:fontRef idx="minor">
+            <a:schemeClr val="lt1"/>
+          </a:fontRef>
+        </p:style>
+        <p:txBody>
+          <a:bodyPr rtlCol="0" anchor="ctr"/>
+          <a:lstStyle/>
+          <a:p>
+            <a:pPr algn="ctr"/>
+            <a:r>
+              <a:rPr lang="en-US" dirty="0"/>
+              <a:t>+</a:t>
+            </a:r>
+          </a:p>
+        </p:txBody>
+      </p:sp>
+      <p:sp>
+        <p:nvSpPr>
+          <p:cNvPr id="247" name="TextBox 246">
+            <a:extLst>
+              <a:ext uri="{FF2B5EF4-FFF2-40B4-BE49-F238E27FC236}">
+                <a16:creationId xmlns:a16="http://schemas.microsoft.com/office/drawing/2014/main" id="{8ABB57A6-EFA5-184A-DCF6-99120E07DA91}"/>
+              </a:ext>
+            </a:extLst>
+          </p:cNvPr>
+          <p:cNvSpPr txBox="1"/>
+          <p:nvPr/>
+        </p:nvSpPr>
+        <p:spPr>
+          <a:xfrm>
+            <a:off x="2123749" y="2323923"/>
+            <a:ext cx="314510" cy="276999"/>
+          </a:xfrm>
+          <a:prstGeom prst="rect">
+            <a:avLst/>
+          </a:prstGeom>
+          <a:noFill/>
+        </p:spPr>
+        <p:txBody>
+          <a:bodyPr wrap="none" rtlCol="0">
+            <a:spAutoFit/>
+          </a:bodyPr>
+          <a:lstStyle/>
+          <a:p>
+            <a:r>
+              <a:rPr lang="en-US" sz="1200" dirty="0"/>
+              <a:t>…</a:t>
+            </a:r>
+          </a:p>
+        </p:txBody>
+      </p:sp>
+      <p:sp>
+        <p:nvSpPr>
+          <p:cNvPr id="248" name="TextBox 247">
+            <a:extLst>
+              <a:ext uri="{FF2B5EF4-FFF2-40B4-BE49-F238E27FC236}">
+                <a16:creationId xmlns:a16="http://schemas.microsoft.com/office/drawing/2014/main" id="{7FA743B2-CABC-AB3D-F052-3CC76E5988F1}"/>
+              </a:ext>
+            </a:extLst>
+          </p:cNvPr>
+          <p:cNvSpPr txBox="1"/>
+          <p:nvPr/>
+        </p:nvSpPr>
+        <p:spPr>
+          <a:xfrm>
+            <a:off x="5314728" y="4336346"/>
+            <a:ext cx="314510" cy="276999"/>
+          </a:xfrm>
+          <a:prstGeom prst="rect">
+            <a:avLst/>
+          </a:prstGeom>
+          <a:noFill/>
+        </p:spPr>
+        <p:txBody>
+          <a:bodyPr wrap="none" rtlCol="0">
+            <a:spAutoFit/>
+          </a:bodyPr>
+          <a:lstStyle/>
+          <a:p>
+            <a:r>
+              <a:rPr lang="en-US" sz="1200" dirty="0"/>
+              <a:t>…</a:t>
+            </a:r>
+          </a:p>
+        </p:txBody>
+      </p:sp>
+      <p:cxnSp>
+        <p:nvCxnSpPr>
+          <p:cNvPr id="56" name="Curved Connector 55">
+            <a:extLst>
+              <a:ext uri="{FF2B5EF4-FFF2-40B4-BE49-F238E27FC236}">
+                <a16:creationId xmlns:a16="http://schemas.microsoft.com/office/drawing/2014/main" id="{7E39302D-4C04-E666-3961-50A2AA231D50}"/>
+              </a:ext>
+            </a:extLst>
+          </p:cNvPr>
+          <p:cNvCxnSpPr>
+            <a:cxnSpLocks/>
+          </p:cNvCxnSpPr>
+          <p:nvPr/>
+        </p:nvCxnSpPr>
+        <p:spPr>
+          <a:xfrm rot="5400000" flipH="1" flipV="1">
+            <a:off x="375162" y="4256220"/>
+            <a:ext cx="2315050" cy="621098"/>
+          </a:xfrm>
+          <a:prstGeom prst="curvedConnector3">
+            <a:avLst>
+              <a:gd name="adj1" fmla="val 17926"/>
+            </a:avLst>
+          </a:prstGeom>
+          <a:ln>
+            <a:tailEnd type="triangle"/>
+          </a:ln>
+        </p:spPr>
+        <p:style>
+          <a:lnRef idx="2">
+            <a:schemeClr val="accent1"/>
+          </a:lnRef>
+          <a:fillRef idx="0">
+            <a:schemeClr val="accent1"/>
+          </a:fillRef>
+          <a:effectRef idx="1">
+            <a:schemeClr val="accent1"/>
+          </a:effectRef>
+          <a:fontRef idx="minor">
+            <a:schemeClr val="tx1"/>
+          </a:fontRef>
+        </p:style>
+      </p:cxnSp>
+      <p:cxnSp>
+        <p:nvCxnSpPr>
+          <p:cNvPr id="64" name="Curved Connector 63">
+            <a:extLst>
+              <a:ext uri="{FF2B5EF4-FFF2-40B4-BE49-F238E27FC236}">
+                <a16:creationId xmlns:a16="http://schemas.microsoft.com/office/drawing/2014/main" id="{FCA17184-40A9-4874-B309-591B9D92B5F4}"/>
+              </a:ext>
+            </a:extLst>
+          </p:cNvPr>
+          <p:cNvCxnSpPr>
+            <a:cxnSpLocks/>
+            <a:stCxn id="61" idx="2"/>
+          </p:cNvCxnSpPr>
+          <p:nvPr/>
+        </p:nvCxnSpPr>
+        <p:spPr>
+          <a:xfrm rot="16200000" flipV="1">
+            <a:off x="1983470" y="3603140"/>
+            <a:ext cx="154024" cy="434492"/>
+          </a:xfrm>
+          <a:prstGeom prst="curvedConnector2">
+            <a:avLst/>
+          </a:prstGeom>
+          <a:ln w="6350">
+            <a:tailEnd type="diamond"/>
+          </a:ln>
+        </p:spPr>
+        <p:style>
+          <a:lnRef idx="2">
+            <a:schemeClr val="accent1"/>
+          </a:lnRef>
+          <a:fillRef idx="0">
+            <a:schemeClr val="accent1"/>
+          </a:fillRef>
+          <a:effectRef idx="1">
+            <a:schemeClr val="accent1"/>
+          </a:effectRef>
+          <a:fontRef idx="minor">
+            <a:schemeClr val="tx1"/>
+          </a:fontRef>
+        </p:style>
+      </p:cxnSp>
+      <p:cxnSp>
+        <p:nvCxnSpPr>
+          <p:cNvPr id="214" name="Curved Connector 213">
+            <a:extLst>
+              <a:ext uri="{FF2B5EF4-FFF2-40B4-BE49-F238E27FC236}">
+                <a16:creationId xmlns:a16="http://schemas.microsoft.com/office/drawing/2014/main" id="{FCE452CA-5AA3-D5F6-90A7-69C12CAFE0A7}"/>
+              </a:ext>
+            </a:extLst>
+          </p:cNvPr>
+          <p:cNvCxnSpPr>
+            <a:cxnSpLocks/>
+            <a:stCxn id="213" idx="2"/>
+          </p:cNvCxnSpPr>
+          <p:nvPr/>
+        </p:nvCxnSpPr>
+        <p:spPr>
+          <a:xfrm rot="16200000" flipV="1">
+            <a:off x="2071397" y="3428604"/>
+            <a:ext cx="250513" cy="706833"/>
+          </a:xfrm>
+          <a:prstGeom prst="curvedConnector2">
+            <a:avLst/>
+          </a:prstGeom>
+          <a:ln w="6350">
+            <a:tailEnd type="diamond"/>
+          </a:ln>
+        </p:spPr>
+        <p:style>
+          <a:lnRef idx="2">
+            <a:schemeClr val="accent1"/>
+          </a:lnRef>
+          <a:fillRef idx="0">
+            <a:schemeClr val="accent1"/>
+          </a:fillRef>
+          <a:effectRef idx="1">
+            <a:schemeClr val="accent1"/>
+          </a:effectRef>
+          <a:fontRef idx="minor">
+            <a:schemeClr val="tx1"/>
+          </a:fontRef>
+        </p:style>
+      </p:cxnSp>
     </p:spTree>
     <p:extLst>
       <p:ext uri="{BB962C8B-B14F-4D97-AF65-F5344CB8AC3E}">
         <p14:creationId xmlns:p14="http://schemas.microsoft.com/office/powerpoint/2010/main" val="1907081065"/>
+      </p:ext>
+    </p:extLst>
+  </p:cSld>
+  <p:clrMapOvr>
+    <a:masterClrMapping/>
+  </p:clrMapOvr>
+</p:sld>
+</file>
+
+<file path=ppt/slides/slide9.xml><?xml version="1.0" encoding="utf-8"?>
+<p:sld xmlns:a="http://schemas.openxmlformats.org/drawingml/2006/main" xmlns:r="http://schemas.openxmlformats.org/officeDocument/2006/relationships" xmlns:p="http://schemas.openxmlformats.org/presentationml/2006/main">
+  <p:cSld>
+    <p:spTree>
+      <p:nvGrpSpPr>
+        <p:cNvPr id="1" name=""/>
+        <p:cNvGrpSpPr/>
+        <p:nvPr/>
+      </p:nvGrpSpPr>
+      <p:grpSpPr>
+        <a:xfrm>
+          <a:off x="0" y="0"/>
+          <a:ext cx="0" cy="0"/>
+          <a:chOff x="0" y="0"/>
+          <a:chExt cx="0" cy="0"/>
+        </a:xfrm>
+      </p:grpSpPr>
+      <p:sp>
+        <p:nvSpPr>
+          <p:cNvPr id="2" name="Title 1">
+            <a:extLst>
+              <a:ext uri="{FF2B5EF4-FFF2-40B4-BE49-F238E27FC236}">
+                <a16:creationId xmlns:a16="http://schemas.microsoft.com/office/drawing/2014/main" id="{AC434D5B-32EC-AC83-5219-B6933074BEDC}"/>
+              </a:ext>
+            </a:extLst>
+          </p:cNvPr>
+          <p:cNvSpPr>
+            <a:spLocks noGrp="1"/>
+          </p:cNvSpPr>
+          <p:nvPr>
+            <p:ph type="title"/>
+          </p:nvPr>
+        </p:nvSpPr>
+        <p:spPr/>
+        <p:txBody>
+          <a:bodyPr/>
+          <a:lstStyle/>
+          <a:p>
+            <a:r>
+              <a:rPr lang="en-US" dirty="0"/>
+              <a:t>O-complexity vs classic Self-Attention</a:t>
+            </a:r>
+            <a:br>
+              <a:rPr lang="en-US" dirty="0"/>
+            </a:br>
+            <a:r>
+              <a:rPr lang="en-US" sz="2400" b="1" dirty="0"/>
+              <a:t>per layer</a:t>
+            </a:r>
+          </a:p>
+        </p:txBody>
+      </p:sp>
+      <p:sp>
+        <p:nvSpPr>
+          <p:cNvPr id="3" name="Content Placeholder 2">
+            <a:extLst>
+              <a:ext uri="{FF2B5EF4-FFF2-40B4-BE49-F238E27FC236}">
+                <a16:creationId xmlns:a16="http://schemas.microsoft.com/office/drawing/2014/main" id="{66C4896D-3F0C-EDAD-4F8F-73ABC907BF7D}"/>
+              </a:ext>
+            </a:extLst>
+          </p:cNvPr>
+          <p:cNvSpPr>
+            <a:spLocks noGrp="1"/>
+          </p:cNvSpPr>
+          <p:nvPr>
+            <p:ph idx="1"/>
+          </p:nvPr>
+        </p:nvSpPr>
+        <p:spPr/>
+        <p:txBody>
+          <a:bodyPr>
+            <a:normAutofit fontScale="92500" lnSpcReduction="10000"/>
+          </a:bodyPr>
+          <a:lstStyle/>
+          <a:p>
+            <a:r>
+              <a:rPr lang="en-US" dirty="0"/>
+              <a:t>Parameters:</a:t>
+            </a:r>
+          </a:p>
+          <a:p>
+            <a:pPr lvl="1"/>
+            <a:r>
+              <a:rPr lang="en-US" dirty="0"/>
+              <a:t>d: dimensionality</a:t>
+            </a:r>
+          </a:p>
+          <a:p>
+            <a:pPr lvl="1"/>
+            <a:r>
+              <a:rPr lang="en-US" dirty="0"/>
+              <a:t>s: seq (window size)</a:t>
+            </a:r>
+          </a:p>
+          <a:p>
+            <a:pPr lvl="1"/>
+            <a:r>
+              <a:rPr lang="en-US" dirty="0"/>
+              <a:t>c: number of conceptualizations</a:t>
+            </a:r>
+          </a:p>
+          <a:p>
+            <a:r>
+              <a:rPr lang="en-US" dirty="0"/>
+              <a:t>Classic Self Attention:</a:t>
+            </a:r>
+          </a:p>
+          <a:p>
+            <a:pPr lvl="1"/>
+            <a:r>
+              <a:rPr lang="en-US" dirty="0"/>
+              <a:t>O( s * d * d * 3 + d * s * s ) = O( s * d * d + d * s * s )</a:t>
+            </a:r>
+            <a:br>
+              <a:rPr lang="en-US" dirty="0"/>
+            </a:br>
+            <a:r>
+              <a:rPr lang="en-US" dirty="0"/>
+              <a:t>Wk, Wq, Wv + pairwise dot with dimensionality d</a:t>
+            </a:r>
+          </a:p>
+          <a:p>
+            <a:r>
+              <a:rPr lang="en-US" dirty="0"/>
+              <a:t>Conceptualized Self Attention:</a:t>
+            </a:r>
+          </a:p>
+          <a:p>
+            <a:pPr lvl="1"/>
+            <a:r>
+              <a:rPr lang="en-US" dirty="0"/>
+              <a:t>O( s * d * c +  s * c * d) = O( s* d * c )</a:t>
+            </a:r>
+            <a:br>
+              <a:rPr lang="en-US" dirty="0"/>
+            </a:br>
+            <a:r>
+              <a:rPr lang="en-US" dirty="0"/>
+              <a:t>conceptualizations + conceptualization-weighted values</a:t>
+            </a:r>
+          </a:p>
+          <a:p>
+            <a:pPr lvl="1"/>
+            <a:r>
+              <a:rPr lang="en-US" b="1" dirty="0"/>
+              <a:t>no s-squared</a:t>
+            </a:r>
+            <a:r>
+              <a:rPr lang="en-US" dirty="0"/>
+              <a:t>; replaced with s * c</a:t>
+            </a:r>
+            <a:br>
+              <a:rPr lang="en-US" dirty="0"/>
+            </a:br>
+            <a:r>
+              <a:rPr lang="en-US" dirty="0"/>
+              <a:t>no d-squared either</a:t>
+            </a:r>
+          </a:p>
+        </p:txBody>
+      </p:sp>
+    </p:spTree>
+    <p:extLst>
+      <p:ext uri="{BB962C8B-B14F-4D97-AF65-F5344CB8AC3E}">
+        <p14:creationId xmlns:p14="http://schemas.microsoft.com/office/powerpoint/2010/main" val="3110103710"/>
       </p:ext>
     </p:extLst>
   </p:cSld>

--- a/notes/2024 12 25 experiment 2.pptx
+++ b/notes/2024 12 25 experiment 2.pptx
@@ -4163,6 +4163,13 @@
               <a:t>How certain are we that this is not a convolution mechanism?</a:t>
             </a:r>
           </a:p>
+          <a:p>
+            <a:pPr lvl="1"/>
+            <a:r>
+              <a:rPr lang="en-US" dirty="0"/>
+              <a:t>yes because of the sigmoid</a:t>
+            </a:r>
+          </a:p>
         </p:txBody>
       </p:sp>
     </p:spTree>
@@ -21007,7 +21014,7 @@
         <p:spPr/>
         <p:txBody>
           <a:bodyPr>
-            <a:normAutofit fontScale="92500" lnSpcReduction="10000"/>
+            <a:normAutofit fontScale="77500" lnSpcReduction="20000"/>
           </a:bodyPr>
           <a:lstStyle/>
           <a:p>
@@ -21093,6 +21100,38 @@
             <a:r>
               <a:rPr lang="en-US" dirty="0"/>
               <a:t>no d-squared either</a:t>
+            </a:r>
+          </a:p>
+          <a:p>
+            <a:pPr lvl="1"/>
+            <a:r>
+              <a:rPr lang="en-US" dirty="0"/>
+              <a:t>if conceptualizations c is towards vocab size this is worse;</a:t>
+            </a:r>
+            <a:br>
+              <a:rPr lang="en-US" dirty="0"/>
+            </a:br>
+            <a:r>
+              <a:rPr lang="en-US" dirty="0"/>
+              <a:t>if less than context size: better</a:t>
+            </a:r>
+          </a:p>
+          <a:p>
+            <a:pPr lvl="2"/>
+            <a:r>
+              <a:rPr lang="en-US" dirty="0"/>
+              <a:t>Do we need this to be ~ vocab size? Can it be </a:t>
+            </a:r>
+            <a:r>
+              <a:rPr lang="en-US"/>
+              <a:t>much smaller?</a:t>
+            </a:r>
+          </a:p>
+          <a:p>
+            <a:pPr lvl="2"/>
+            <a:r>
+              <a:rPr lang="en-US" dirty="0"/>
+              <a:t>consider: DNA sequencing (small vocab, long context)</a:t>
             </a:r>
           </a:p>
         </p:txBody>

--- a/notes/2024 12 25 experiment 2.pptx
+++ b/notes/2024 12 25 experiment 2.pptx
@@ -5,19 +5,20 @@
     <p:sldMasterId id="2147483648" r:id="rId1"/>
   </p:sldMasterIdLst>
   <p:notesMasterIdLst>
-    <p:notesMasterId r:id="rId12"/>
+    <p:notesMasterId r:id="rId13"/>
   </p:notesMasterIdLst>
   <p:sldIdLst>
     <p:sldId id="257" r:id="rId2"/>
     <p:sldId id="256" r:id="rId3"/>
     <p:sldId id="259" r:id="rId4"/>
-    <p:sldId id="258" r:id="rId5"/>
-    <p:sldId id="260" r:id="rId6"/>
-    <p:sldId id="264" r:id="rId7"/>
-    <p:sldId id="261" r:id="rId8"/>
-    <p:sldId id="262" r:id="rId9"/>
-    <p:sldId id="263" r:id="rId10"/>
-    <p:sldId id="265" r:id="rId11"/>
+    <p:sldId id="266" r:id="rId5"/>
+    <p:sldId id="258" r:id="rId6"/>
+    <p:sldId id="260" r:id="rId7"/>
+    <p:sldId id="264" r:id="rId8"/>
+    <p:sldId id="261" r:id="rId9"/>
+    <p:sldId id="262" r:id="rId10"/>
+    <p:sldId id="263" r:id="rId11"/>
+    <p:sldId id="265" r:id="rId12"/>
   </p:sldIdLst>
   <p:sldSz cx="12192000" cy="6858000"/>
   <p:notesSz cx="6858000" cy="9144000"/>
@@ -725,7 +726,7 @@
           <a:p>
             <a:fld id="{3098084A-C0FE-9240-A03A-0B24AAF4C80D}" type="slidenum">
               <a:rPr lang="en-US" smtClean="0"/>
-              <a:t>8</a:t>
+              <a:t>9</a:t>
             </a:fld>
             <a:endParaRPr lang="en-US"/>
           </a:p>
@@ -4114,7 +4115,7 @@
           <p:cNvPr id="2" name="Title 1">
             <a:extLst>
               <a:ext uri="{FF2B5EF4-FFF2-40B4-BE49-F238E27FC236}">
-                <a16:creationId xmlns:a16="http://schemas.microsoft.com/office/drawing/2014/main" id="{8F2BE2D4-C6F4-808B-ECF3-C4421A2A9F13}"/>
+                <a16:creationId xmlns:a16="http://schemas.microsoft.com/office/drawing/2014/main" id="{AC434D5B-32EC-AC83-5219-B6933074BEDC}"/>
               </a:ext>
             </a:extLst>
           </p:cNvPr>
@@ -4132,7 +4133,202 @@
           <a:p>
             <a:r>
               <a:rPr lang="en-US" dirty="0"/>
-              <a:t>Double check</a:t>
+              <a:t>O-complexity vs classic Self-Attention</a:t>
+            </a:r>
+            <a:br>
+              <a:rPr lang="en-US" dirty="0"/>
+            </a:br>
+            <a:r>
+              <a:rPr lang="en-US" sz="2400" b="1" dirty="0"/>
+              <a:t>per layer</a:t>
+            </a:r>
+          </a:p>
+        </p:txBody>
+      </p:sp>
+      <p:sp>
+        <p:nvSpPr>
+          <p:cNvPr id="3" name="Content Placeholder 2">
+            <a:extLst>
+              <a:ext uri="{FF2B5EF4-FFF2-40B4-BE49-F238E27FC236}">
+                <a16:creationId xmlns:a16="http://schemas.microsoft.com/office/drawing/2014/main" id="{66C4896D-3F0C-EDAD-4F8F-73ABC907BF7D}"/>
+              </a:ext>
+            </a:extLst>
+          </p:cNvPr>
+          <p:cNvSpPr>
+            <a:spLocks noGrp="1"/>
+          </p:cNvSpPr>
+          <p:nvPr>
+            <p:ph idx="1"/>
+          </p:nvPr>
+        </p:nvSpPr>
+        <p:spPr/>
+        <p:txBody>
+          <a:bodyPr>
+            <a:normAutofit fontScale="85000" lnSpcReduction="20000"/>
+          </a:bodyPr>
+          <a:lstStyle/>
+          <a:p>
+            <a:r>
+              <a:rPr lang="en-US" dirty="0"/>
+              <a:t>Parameters:</a:t>
+            </a:r>
+          </a:p>
+          <a:p>
+            <a:pPr lvl="1"/>
+            <a:r>
+              <a:rPr lang="en-US" dirty="0"/>
+              <a:t>d: dimensionality</a:t>
+            </a:r>
+          </a:p>
+          <a:p>
+            <a:pPr lvl="1"/>
+            <a:r>
+              <a:rPr lang="en-US" dirty="0"/>
+              <a:t>s: seq (window size)</a:t>
+            </a:r>
+          </a:p>
+          <a:p>
+            <a:pPr lvl="1"/>
+            <a:r>
+              <a:rPr lang="en-US" dirty="0"/>
+              <a:t>c: number of conceptualizations</a:t>
+            </a:r>
+          </a:p>
+          <a:p>
+            <a:r>
+              <a:rPr lang="en-US" dirty="0"/>
+              <a:t>Classic Self Attention:</a:t>
+            </a:r>
+          </a:p>
+          <a:p>
+            <a:pPr lvl="1"/>
+            <a:r>
+              <a:rPr lang="en-US" dirty="0"/>
+              <a:t>O( s * d * d * 3 + d * s * s ) = O( s * d * d + d * s * s )</a:t>
+            </a:r>
+            <a:br>
+              <a:rPr lang="en-US" dirty="0"/>
+            </a:br>
+            <a:r>
+              <a:rPr lang="en-US" dirty="0"/>
+              <a:t>Wk, Wq, Wv + pairwise dot with dimensionality d</a:t>
+            </a:r>
+          </a:p>
+          <a:p>
+            <a:r>
+              <a:rPr lang="en-US" dirty="0"/>
+              <a:t>Conceptualized Self Attention:</a:t>
+            </a:r>
+          </a:p>
+          <a:p>
+            <a:pPr lvl="1"/>
+            <a:r>
+              <a:rPr lang="en-US" dirty="0"/>
+              <a:t>O( s * d * c +  s * c * d) = O( s* d * c )</a:t>
+            </a:r>
+            <a:br>
+              <a:rPr lang="en-US" dirty="0"/>
+            </a:br>
+            <a:r>
+              <a:rPr lang="en-US" dirty="0"/>
+              <a:t>conceptualizations + conceptualization-weighted values</a:t>
+            </a:r>
+          </a:p>
+          <a:p>
+            <a:pPr lvl="1"/>
+            <a:r>
+              <a:rPr lang="en-US" b="1" dirty="0"/>
+              <a:t>no s-squared</a:t>
+            </a:r>
+            <a:r>
+              <a:rPr lang="en-US" dirty="0"/>
+              <a:t>; replaced with s * c</a:t>
+            </a:r>
+            <a:br>
+              <a:rPr lang="en-US" dirty="0"/>
+            </a:br>
+            <a:r>
+              <a:rPr lang="en-US" dirty="0"/>
+              <a:t>no d-squared either</a:t>
+            </a:r>
+          </a:p>
+          <a:p>
+            <a:pPr lvl="1"/>
+            <a:r>
+              <a:rPr lang="en-US" dirty="0"/>
+              <a:t>We aim for conceptualizations c to be significantly less than vocab size</a:t>
+            </a:r>
+          </a:p>
+          <a:p>
+            <a:pPr lvl="2"/>
+            <a:r>
+              <a:rPr lang="en-US" dirty="0"/>
+              <a:t>but if conceptualizations c is towards vocab size than this is worse</a:t>
+            </a:r>
+          </a:p>
+          <a:p>
+            <a:pPr lvl="2"/>
+            <a:r>
+              <a:rPr lang="en-US" dirty="0"/>
+              <a:t>also worth considering: DNA sequencing (small vocab, long context)</a:t>
+            </a:r>
+          </a:p>
+        </p:txBody>
+      </p:sp>
+    </p:spTree>
+    <p:extLst>
+      <p:ext uri="{BB962C8B-B14F-4D97-AF65-F5344CB8AC3E}">
+        <p14:creationId xmlns:p14="http://schemas.microsoft.com/office/powerpoint/2010/main" val="3110103710"/>
+      </p:ext>
+    </p:extLst>
+  </p:cSld>
+  <p:clrMapOvr>
+    <a:masterClrMapping/>
+  </p:clrMapOvr>
+</p:sld>
+</file>
+
+<file path=ppt/slides/slide11.xml><?xml version="1.0" encoding="utf-8"?>
+<p:sld xmlns:a="http://schemas.openxmlformats.org/drawingml/2006/main" xmlns:r="http://schemas.openxmlformats.org/officeDocument/2006/relationships" xmlns:p="http://schemas.openxmlformats.org/presentationml/2006/main">
+  <p:cSld>
+    <p:spTree>
+      <p:nvGrpSpPr>
+        <p:cNvPr id="1" name=""/>
+        <p:cNvGrpSpPr/>
+        <p:nvPr/>
+      </p:nvGrpSpPr>
+      <p:grpSpPr>
+        <a:xfrm>
+          <a:off x="0" y="0"/>
+          <a:ext cx="0" cy="0"/>
+          <a:chOff x="0" y="0"/>
+          <a:chExt cx="0" cy="0"/>
+        </a:xfrm>
+      </p:grpSpPr>
+      <p:sp>
+        <p:nvSpPr>
+          <p:cNvPr id="2" name="Title 1">
+            <a:extLst>
+              <a:ext uri="{FF2B5EF4-FFF2-40B4-BE49-F238E27FC236}">
+                <a16:creationId xmlns:a16="http://schemas.microsoft.com/office/drawing/2014/main" id="{8F2BE2D4-C6F4-808B-ECF3-C4421A2A9F13}"/>
+              </a:ext>
+            </a:extLst>
+          </p:cNvPr>
+          <p:cNvSpPr>
+            <a:spLocks noGrp="1"/>
+          </p:cNvSpPr>
+          <p:nvPr>
+            <p:ph type="title"/>
+          </p:nvPr>
+        </p:nvSpPr>
+        <p:spPr/>
+        <p:txBody>
+          <a:bodyPr/>
+          <a:lstStyle/>
+          <a:p>
+            <a:r>
+              <a:rPr lang="en-US" dirty="0"/>
+              <a:t>Counters</a:t>
             </a:r>
           </a:p>
         </p:txBody>
@@ -4167,7 +4363,7 @@
             <a:pPr lvl="1"/>
             <a:r>
               <a:rPr lang="en-US" dirty="0"/>
-              <a:t>yes because of the sigmoid</a:t>
+              <a:t>for sure not a convolution, for example because of the sigmoid</a:t>
             </a:r>
           </a:p>
         </p:txBody>
@@ -16735,7 +16931,7 @@
           <p:cNvPr id="2" name="Title 1">
             <a:extLst>
               <a:ext uri="{FF2B5EF4-FFF2-40B4-BE49-F238E27FC236}">
-                <a16:creationId xmlns:a16="http://schemas.microsoft.com/office/drawing/2014/main" id="{8BF470D1-4F99-8612-B6E6-1AE8D102D925}"/>
+                <a16:creationId xmlns:a16="http://schemas.microsoft.com/office/drawing/2014/main" id="{66395FFC-6E5F-CC8E-DF3A-AFCE46D0D4BA}"/>
               </a:ext>
             </a:extLst>
           </p:cNvPr>
@@ -16753,7 +16949,7 @@
           <a:p>
             <a:r>
               <a:rPr lang="en-US" dirty="0"/>
-              <a:t>How to fix - ideation</a:t>
+              <a:t>Issue observed</a:t>
             </a:r>
           </a:p>
         </p:txBody>
@@ -16763,7 +16959,7 @@
           <p:cNvPr id="3" name="Content Placeholder 2">
             <a:extLst>
               <a:ext uri="{FF2B5EF4-FFF2-40B4-BE49-F238E27FC236}">
-                <a16:creationId xmlns:a16="http://schemas.microsoft.com/office/drawing/2014/main" id="{C053CFAD-7BB6-5062-DD25-32343272AA42}"/>
+                <a16:creationId xmlns:a16="http://schemas.microsoft.com/office/drawing/2014/main" id="{9E431F18-A2FF-01D4-70A3-BD39B1D0A29A}"/>
               </a:ext>
             </a:extLst>
           </p:cNvPr>
@@ -16781,34 +16977,7 @@
           <a:p>
             <a:r>
               <a:rPr lang="en-US" dirty="0"/>
-              <a:t>? warm up for a few iterations, then take unions of attentions</a:t>
-            </a:r>
-          </a:p>
-          <a:p>
-            <a:r>
-              <a:rPr lang="en-US" dirty="0"/>
-              <a:t>multi-head, by groups. Take union of groups of attentions. When attentions develop to &gt;0.5, start phase out all but 1 head in such groups each group</a:t>
-            </a:r>
-          </a:p>
-          <a:p>
-            <a:pPr lvl="1"/>
-            <a:r>
-              <a:rPr lang="en-US" dirty="0"/>
-              <a:t>intuition:</a:t>
-            </a:r>
-          </a:p>
-          <a:p>
-            <a:pPr lvl="2"/>
-            <a:r>
-              <a:rPr lang="en-US" dirty="0"/>
-              <a:t>in the initial, warmup phase all information paths will develop in all heads because of the union of attentions</a:t>
-            </a:r>
-          </a:p>
-          <a:p>
-            <a:pPr lvl="2"/>
-            <a:r>
-              <a:rPr lang="en-US" dirty="0"/>
-              <a:t>Once strong, consistent attentions develop, start gradual phase out by shifting “weight” onto 1 head in the group. Once it develops self-sufficiency (no dependency on other group), other groups can be removed.</a:t>
+              <a:t>Inconsistent representation of tokens 1 and 2: sometimes attentions split, and sometimes not</a:t>
             </a:r>
           </a:p>
         </p:txBody>
@@ -16816,7 +16985,7 @@
     </p:spTree>
     <p:extLst>
       <p:ext uri="{BB962C8B-B14F-4D97-AF65-F5344CB8AC3E}">
-        <p14:creationId xmlns:p14="http://schemas.microsoft.com/office/powerpoint/2010/main" val="155105084"/>
+        <p14:creationId xmlns:p14="http://schemas.microsoft.com/office/powerpoint/2010/main" val="2979589284"/>
       </p:ext>
     </p:extLst>
   </p:cSld>
@@ -16848,7 +17017,7 @@
           <p:cNvPr id="2" name="Title 1">
             <a:extLst>
               <a:ext uri="{FF2B5EF4-FFF2-40B4-BE49-F238E27FC236}">
-                <a16:creationId xmlns:a16="http://schemas.microsoft.com/office/drawing/2014/main" id="{FFF0D012-8030-0256-46A2-610B2F461FFE}"/>
+                <a16:creationId xmlns:a16="http://schemas.microsoft.com/office/drawing/2014/main" id="{8BF470D1-4F99-8612-B6E6-1AE8D102D925}"/>
               </a:ext>
             </a:extLst>
           </p:cNvPr>
@@ -16861,21 +17030,12 @@
         </p:nvSpPr>
         <p:spPr/>
         <p:txBody>
-          <a:bodyPr>
-            <a:normAutofit fontScale="90000"/>
-          </a:bodyPr>
+          <a:bodyPr/>
           <a:lstStyle/>
           <a:p>
             <a:r>
               <a:rPr lang="en-US" dirty="0"/>
-              <a:t>Experiment 2b:</a:t>
-            </a:r>
-            <a:br>
-              <a:rPr lang="en-US" dirty="0"/>
-            </a:br>
-            <a:r>
-              <a:rPr lang="en-US" dirty="0"/>
-              <a:t>Temperature-annealed softmax in attention mechanism of Transformers</a:t>
+              <a:t>How to fix - ideation</a:t>
             </a:r>
           </a:p>
         </p:txBody>
@@ -16885,7 +17045,7 @@
           <p:cNvPr id="3" name="Content Placeholder 2">
             <a:extLst>
               <a:ext uri="{FF2B5EF4-FFF2-40B4-BE49-F238E27FC236}">
-                <a16:creationId xmlns:a16="http://schemas.microsoft.com/office/drawing/2014/main" id="{E3DA3AE6-C94F-891D-EB6E-023AC003878B}"/>
+                <a16:creationId xmlns:a16="http://schemas.microsoft.com/office/drawing/2014/main" id="{C053CFAD-7BB6-5062-DD25-32343272AA42}"/>
               </a:ext>
             </a:extLst>
           </p:cNvPr>
@@ -16903,27 +17063,34 @@
           <a:p>
             <a:r>
               <a:rPr lang="en-US" dirty="0"/>
-              <a:t>Basic idea: start with small temperatures (to allow all information flow paths ”develop”)</a:t>
+              <a:t>? warm up for a few iterations, then take unions of attentions</a:t>
             </a:r>
           </a:p>
           <a:p>
             <a:r>
               <a:rPr lang="en-US" dirty="0"/>
-              <a:t>Anneal temperature towards typical e value (to allow “the commitment” to develop) as loss reduces</a:t>
+              <a:t>multi-head, by groups. Take union of groups of attentions. When attentions develop to &gt;0.5, start phase out all but 1 head in such groups each group</a:t>
             </a:r>
           </a:p>
           <a:p>
+            <a:pPr lvl="1"/>
             <a:r>
               <a:rPr lang="en-US" dirty="0"/>
-              <a:t>Implemented as `soft-temperature-loss-guided` and `soft-temperature-loss-guided-2` modes in `</a:t>
+              <a:t>intuition:</a:t>
             </a:r>
-            <a:r>
-              <a:rPr lang="en-US" dirty="0" err="1"/>
-              <a:t>SelfAttention</a:t>
-            </a:r>
+          </a:p>
+          <a:p>
+            <a:pPr lvl="2"/>
             <a:r>
               <a:rPr lang="en-US" dirty="0"/>
-              <a:t>`</a:t>
+              <a:t>in the initial, warmup phase all information paths will develop in all heads because of the union of attentions</a:t>
+            </a:r>
+          </a:p>
+          <a:p>
+            <a:pPr lvl="2"/>
+            <a:r>
+              <a:rPr lang="en-US" dirty="0"/>
+              <a:t>Once strong, consistent attentions develop, start gradual phase out by shifting “weight” onto 1 head in the group. Once it develops self-sufficiency (no dependency on other group), other groups can be removed.</a:t>
             </a:r>
           </a:p>
         </p:txBody>
@@ -16931,7 +17098,7 @@
     </p:spTree>
     <p:extLst>
       <p:ext uri="{BB962C8B-B14F-4D97-AF65-F5344CB8AC3E}">
-        <p14:creationId xmlns:p14="http://schemas.microsoft.com/office/powerpoint/2010/main" val="3385559455"/>
+        <p14:creationId xmlns:p14="http://schemas.microsoft.com/office/powerpoint/2010/main" val="155105084"/>
       </p:ext>
     </p:extLst>
   </p:cSld>
@@ -16963,7 +17130,7 @@
           <p:cNvPr id="2" name="Title 1">
             <a:extLst>
               <a:ext uri="{FF2B5EF4-FFF2-40B4-BE49-F238E27FC236}">
-                <a16:creationId xmlns:a16="http://schemas.microsoft.com/office/drawing/2014/main" id="{3E316CE9-B73B-0317-BAB4-8478B5BA0C14}"/>
+                <a16:creationId xmlns:a16="http://schemas.microsoft.com/office/drawing/2014/main" id="{FFF0D012-8030-0256-46A2-610B2F461FFE}"/>
               </a:ext>
             </a:extLst>
           </p:cNvPr>
@@ -16976,19 +17143,69 @@
         </p:nvSpPr>
         <p:spPr/>
         <p:txBody>
-          <a:bodyPr/>
+          <a:bodyPr>
+            <a:normAutofit fontScale="90000"/>
+          </a:bodyPr>
           <a:lstStyle/>
           <a:p>
             <a:r>
               <a:rPr lang="en-US" dirty="0"/>
-              <a:t>Experiment 2c:</a:t>
+              <a:t>Experiment 2b:</a:t>
             </a:r>
             <a:br>
               <a:rPr lang="en-US" dirty="0"/>
             </a:br>
             <a:r>
               <a:rPr lang="en-US" dirty="0"/>
-              <a:t>“Conceptualized Attention” - exploration</a:t>
+              <a:t>Temperature-annealed softmax in attention mechanism of Transformers</a:t>
+            </a:r>
+          </a:p>
+        </p:txBody>
+      </p:sp>
+      <p:sp>
+        <p:nvSpPr>
+          <p:cNvPr id="3" name="Content Placeholder 2">
+            <a:extLst>
+              <a:ext uri="{FF2B5EF4-FFF2-40B4-BE49-F238E27FC236}">
+                <a16:creationId xmlns:a16="http://schemas.microsoft.com/office/drawing/2014/main" id="{E3DA3AE6-C94F-891D-EB6E-023AC003878B}"/>
+              </a:ext>
+            </a:extLst>
+          </p:cNvPr>
+          <p:cNvSpPr>
+            <a:spLocks noGrp="1"/>
+          </p:cNvSpPr>
+          <p:nvPr>
+            <p:ph idx="1"/>
+          </p:nvPr>
+        </p:nvSpPr>
+        <p:spPr/>
+        <p:txBody>
+          <a:bodyPr/>
+          <a:lstStyle/>
+          <a:p>
+            <a:r>
+              <a:rPr lang="en-US" dirty="0"/>
+              <a:t>Basic idea: start with small temperatures (to allow all information flow paths ”develop”)</a:t>
+            </a:r>
+          </a:p>
+          <a:p>
+            <a:r>
+              <a:rPr lang="en-US" dirty="0"/>
+              <a:t>Anneal temperature towards typical e value (to allow “the commitment” to develop) as loss reduces</a:t>
+            </a:r>
+          </a:p>
+          <a:p>
+            <a:r>
+              <a:rPr lang="en-US" dirty="0"/>
+              <a:t>Implemented as `soft-temperature-loss-guided` and `soft-temperature-loss-guided-2` modes in `</a:t>
+            </a:r>
+            <a:r>
+              <a:rPr lang="en-US" dirty="0" err="1"/>
+              <a:t>SelfAttention</a:t>
+            </a:r>
+            <a:r>
+              <a:rPr lang="en-US" dirty="0"/>
+              <a:t>`</a:t>
             </a:r>
           </a:p>
         </p:txBody>
@@ -16996,7 +17213,7 @@
     </p:spTree>
     <p:extLst>
       <p:ext uri="{BB962C8B-B14F-4D97-AF65-F5344CB8AC3E}">
-        <p14:creationId xmlns:p14="http://schemas.microsoft.com/office/powerpoint/2010/main" val="3692323239"/>
+        <p14:creationId xmlns:p14="http://schemas.microsoft.com/office/powerpoint/2010/main" val="3385559455"/>
       </p:ext>
     </p:extLst>
   </p:cSld>
@@ -17028,6 +17245,71 @@
           <p:cNvPr id="2" name="Title 1">
             <a:extLst>
               <a:ext uri="{FF2B5EF4-FFF2-40B4-BE49-F238E27FC236}">
+                <a16:creationId xmlns:a16="http://schemas.microsoft.com/office/drawing/2014/main" id="{3E316CE9-B73B-0317-BAB4-8478B5BA0C14}"/>
+              </a:ext>
+            </a:extLst>
+          </p:cNvPr>
+          <p:cNvSpPr>
+            <a:spLocks noGrp="1"/>
+          </p:cNvSpPr>
+          <p:nvPr>
+            <p:ph type="title"/>
+          </p:nvPr>
+        </p:nvSpPr>
+        <p:spPr/>
+        <p:txBody>
+          <a:bodyPr/>
+          <a:lstStyle/>
+          <a:p>
+            <a:r>
+              <a:rPr lang="en-US" dirty="0"/>
+              <a:t>Experiment 2c:</a:t>
+            </a:r>
+            <a:br>
+              <a:rPr lang="en-US" dirty="0"/>
+            </a:br>
+            <a:r>
+              <a:rPr lang="en-US" dirty="0"/>
+              <a:t>“Conceptualized Attention” - exploration</a:t>
+            </a:r>
+          </a:p>
+        </p:txBody>
+      </p:sp>
+    </p:spTree>
+    <p:extLst>
+      <p:ext uri="{BB962C8B-B14F-4D97-AF65-F5344CB8AC3E}">
+        <p14:creationId xmlns:p14="http://schemas.microsoft.com/office/powerpoint/2010/main" val="3692323239"/>
+      </p:ext>
+    </p:extLst>
+  </p:cSld>
+  <p:clrMapOvr>
+    <a:masterClrMapping/>
+  </p:clrMapOvr>
+</p:sld>
+</file>
+
+<file path=ppt/slides/slide8.xml><?xml version="1.0" encoding="utf-8"?>
+<p:sld xmlns:a="http://schemas.openxmlformats.org/drawingml/2006/main" xmlns:r="http://schemas.openxmlformats.org/officeDocument/2006/relationships" xmlns:p="http://schemas.openxmlformats.org/presentationml/2006/main">
+  <p:cSld>
+    <p:spTree>
+      <p:nvGrpSpPr>
+        <p:cNvPr id="1" name=""/>
+        <p:cNvGrpSpPr/>
+        <p:nvPr/>
+      </p:nvGrpSpPr>
+      <p:grpSpPr>
+        <a:xfrm>
+          <a:off x="0" y="0"/>
+          <a:ext cx="0" cy="0"/>
+          <a:chOff x="0" y="0"/>
+          <a:chExt cx="0" cy="0"/>
+        </a:xfrm>
+      </p:grpSpPr>
+      <p:sp>
+        <p:nvSpPr>
+          <p:cNvPr id="2" name="Title 1">
+            <a:extLst>
+              <a:ext uri="{FF2B5EF4-FFF2-40B4-BE49-F238E27FC236}">
                 <a16:creationId xmlns:a16="http://schemas.microsoft.com/office/drawing/2014/main" id="{033B4EEC-9120-98A4-6323-8DA1DAA4A79E}"/>
               </a:ext>
             </a:extLst>
@@ -17139,7 +17421,7 @@
 </p:sld>
 </file>
 
-<file path=ppt/slides/slide8.xml><?xml version="1.0" encoding="utf-8"?>
+<file path=ppt/slides/slide9.xml><?xml version="1.0" encoding="utf-8"?>
 <p:sld xmlns:a="http://schemas.openxmlformats.org/drawingml/2006/main" xmlns:r="http://schemas.openxmlformats.org/officeDocument/2006/relationships" xmlns:p="http://schemas.openxmlformats.org/presentationml/2006/main">
   <p:cSld>
     <p:spTree>
@@ -20934,212 +21216,6 @@
     <p:extLst>
       <p:ext uri="{BB962C8B-B14F-4D97-AF65-F5344CB8AC3E}">
         <p14:creationId xmlns:p14="http://schemas.microsoft.com/office/powerpoint/2010/main" val="1907081065"/>
-      </p:ext>
-    </p:extLst>
-  </p:cSld>
-  <p:clrMapOvr>
-    <a:masterClrMapping/>
-  </p:clrMapOvr>
-</p:sld>
-</file>
-
-<file path=ppt/slides/slide9.xml><?xml version="1.0" encoding="utf-8"?>
-<p:sld xmlns:a="http://schemas.openxmlformats.org/drawingml/2006/main" xmlns:r="http://schemas.openxmlformats.org/officeDocument/2006/relationships" xmlns:p="http://schemas.openxmlformats.org/presentationml/2006/main">
-  <p:cSld>
-    <p:spTree>
-      <p:nvGrpSpPr>
-        <p:cNvPr id="1" name=""/>
-        <p:cNvGrpSpPr/>
-        <p:nvPr/>
-      </p:nvGrpSpPr>
-      <p:grpSpPr>
-        <a:xfrm>
-          <a:off x="0" y="0"/>
-          <a:ext cx="0" cy="0"/>
-          <a:chOff x="0" y="0"/>
-          <a:chExt cx="0" cy="0"/>
-        </a:xfrm>
-      </p:grpSpPr>
-      <p:sp>
-        <p:nvSpPr>
-          <p:cNvPr id="2" name="Title 1">
-            <a:extLst>
-              <a:ext uri="{FF2B5EF4-FFF2-40B4-BE49-F238E27FC236}">
-                <a16:creationId xmlns:a16="http://schemas.microsoft.com/office/drawing/2014/main" id="{AC434D5B-32EC-AC83-5219-B6933074BEDC}"/>
-              </a:ext>
-            </a:extLst>
-          </p:cNvPr>
-          <p:cNvSpPr>
-            <a:spLocks noGrp="1"/>
-          </p:cNvSpPr>
-          <p:nvPr>
-            <p:ph type="title"/>
-          </p:nvPr>
-        </p:nvSpPr>
-        <p:spPr/>
-        <p:txBody>
-          <a:bodyPr/>
-          <a:lstStyle/>
-          <a:p>
-            <a:r>
-              <a:rPr lang="en-US" dirty="0"/>
-              <a:t>O-complexity vs classic Self-Attention</a:t>
-            </a:r>
-            <a:br>
-              <a:rPr lang="en-US" dirty="0"/>
-            </a:br>
-            <a:r>
-              <a:rPr lang="en-US" sz="2400" b="1" dirty="0"/>
-              <a:t>per layer</a:t>
-            </a:r>
-          </a:p>
-        </p:txBody>
-      </p:sp>
-      <p:sp>
-        <p:nvSpPr>
-          <p:cNvPr id="3" name="Content Placeholder 2">
-            <a:extLst>
-              <a:ext uri="{FF2B5EF4-FFF2-40B4-BE49-F238E27FC236}">
-                <a16:creationId xmlns:a16="http://schemas.microsoft.com/office/drawing/2014/main" id="{66C4896D-3F0C-EDAD-4F8F-73ABC907BF7D}"/>
-              </a:ext>
-            </a:extLst>
-          </p:cNvPr>
-          <p:cNvSpPr>
-            <a:spLocks noGrp="1"/>
-          </p:cNvSpPr>
-          <p:nvPr>
-            <p:ph idx="1"/>
-          </p:nvPr>
-        </p:nvSpPr>
-        <p:spPr/>
-        <p:txBody>
-          <a:bodyPr>
-            <a:normAutofit fontScale="77500" lnSpcReduction="20000"/>
-          </a:bodyPr>
-          <a:lstStyle/>
-          <a:p>
-            <a:r>
-              <a:rPr lang="en-US" dirty="0"/>
-              <a:t>Parameters:</a:t>
-            </a:r>
-          </a:p>
-          <a:p>
-            <a:pPr lvl="1"/>
-            <a:r>
-              <a:rPr lang="en-US" dirty="0"/>
-              <a:t>d: dimensionality</a:t>
-            </a:r>
-          </a:p>
-          <a:p>
-            <a:pPr lvl="1"/>
-            <a:r>
-              <a:rPr lang="en-US" dirty="0"/>
-              <a:t>s: seq (window size)</a:t>
-            </a:r>
-          </a:p>
-          <a:p>
-            <a:pPr lvl="1"/>
-            <a:r>
-              <a:rPr lang="en-US" dirty="0"/>
-              <a:t>c: number of conceptualizations</a:t>
-            </a:r>
-          </a:p>
-          <a:p>
-            <a:r>
-              <a:rPr lang="en-US" dirty="0"/>
-              <a:t>Classic Self Attention:</a:t>
-            </a:r>
-          </a:p>
-          <a:p>
-            <a:pPr lvl="1"/>
-            <a:r>
-              <a:rPr lang="en-US" dirty="0"/>
-              <a:t>O( s * d * d * 3 + d * s * s ) = O( s * d * d + d * s * s )</a:t>
-            </a:r>
-            <a:br>
-              <a:rPr lang="en-US" dirty="0"/>
-            </a:br>
-            <a:r>
-              <a:rPr lang="en-US" dirty="0"/>
-              <a:t>Wk, Wq, Wv + pairwise dot with dimensionality d</a:t>
-            </a:r>
-          </a:p>
-          <a:p>
-            <a:r>
-              <a:rPr lang="en-US" dirty="0"/>
-              <a:t>Conceptualized Self Attention:</a:t>
-            </a:r>
-          </a:p>
-          <a:p>
-            <a:pPr lvl="1"/>
-            <a:r>
-              <a:rPr lang="en-US" dirty="0"/>
-              <a:t>O( s * d * c +  s * c * d) = O( s* d * c )</a:t>
-            </a:r>
-            <a:br>
-              <a:rPr lang="en-US" dirty="0"/>
-            </a:br>
-            <a:r>
-              <a:rPr lang="en-US" dirty="0"/>
-              <a:t>conceptualizations + conceptualization-weighted values</a:t>
-            </a:r>
-          </a:p>
-          <a:p>
-            <a:pPr lvl="1"/>
-            <a:r>
-              <a:rPr lang="en-US" b="1" dirty="0"/>
-              <a:t>no s-squared</a:t>
-            </a:r>
-            <a:r>
-              <a:rPr lang="en-US" dirty="0"/>
-              <a:t>; replaced with s * c</a:t>
-            </a:r>
-            <a:br>
-              <a:rPr lang="en-US" dirty="0"/>
-            </a:br>
-            <a:r>
-              <a:rPr lang="en-US" dirty="0"/>
-              <a:t>no d-squared either</a:t>
-            </a:r>
-          </a:p>
-          <a:p>
-            <a:pPr lvl="1"/>
-            <a:r>
-              <a:rPr lang="en-US" dirty="0"/>
-              <a:t>if conceptualizations c is towards vocab size this is worse;</a:t>
-            </a:r>
-            <a:br>
-              <a:rPr lang="en-US" dirty="0"/>
-            </a:br>
-            <a:r>
-              <a:rPr lang="en-US" dirty="0"/>
-              <a:t>if less than context size: better</a:t>
-            </a:r>
-          </a:p>
-          <a:p>
-            <a:pPr lvl="2"/>
-            <a:r>
-              <a:rPr lang="en-US" dirty="0"/>
-              <a:t>Do we need this to be ~ vocab size? Can it be </a:t>
-            </a:r>
-            <a:r>
-              <a:rPr lang="en-US"/>
-              <a:t>much smaller?</a:t>
-            </a:r>
-          </a:p>
-          <a:p>
-            <a:pPr lvl="2"/>
-            <a:r>
-              <a:rPr lang="en-US" dirty="0"/>
-              <a:t>consider: DNA sequencing (small vocab, long context)</a:t>
-            </a:r>
-          </a:p>
-        </p:txBody>
-      </p:sp>
-    </p:spTree>
-    <p:extLst>
-      <p:ext uri="{BB962C8B-B14F-4D97-AF65-F5344CB8AC3E}">
-        <p14:creationId xmlns:p14="http://schemas.microsoft.com/office/powerpoint/2010/main" val="3110103710"/>
       </p:ext>
     </p:extLst>
   </p:cSld>
